--- a/data-structure-and-algorithm/2.线性表/线性表示意图.pptx
+++ b/data-structure-and-algorithm/2.线性表/线性表示意图.pptx
@@ -264,7 +264,7 @@
           <a:p>
             <a:fld id="{32BCB312-0F9D-4850-93AD-23EE793B822D}" type="datetimeFigureOut">
               <a:rPr lang="zh-CN" altLang="en-US" smtClean="0"/>
-              <a:t>2022/8/12</a:t>
+              <a:t>2022/8/13</a:t>
             </a:fld>
             <a:endParaRPr lang="zh-CN" altLang="en-US"/>
           </a:p>
@@ -462,7 +462,7 @@
           <a:p>
             <a:fld id="{32BCB312-0F9D-4850-93AD-23EE793B822D}" type="datetimeFigureOut">
               <a:rPr lang="zh-CN" altLang="en-US" smtClean="0"/>
-              <a:t>2022/8/12</a:t>
+              <a:t>2022/8/13</a:t>
             </a:fld>
             <a:endParaRPr lang="zh-CN" altLang="en-US"/>
           </a:p>
@@ -670,7 +670,7 @@
           <a:p>
             <a:fld id="{32BCB312-0F9D-4850-93AD-23EE793B822D}" type="datetimeFigureOut">
               <a:rPr lang="zh-CN" altLang="en-US" smtClean="0"/>
-              <a:t>2022/8/12</a:t>
+              <a:t>2022/8/13</a:t>
             </a:fld>
             <a:endParaRPr lang="zh-CN" altLang="en-US"/>
           </a:p>
@@ -868,7 +868,7 @@
           <a:p>
             <a:fld id="{32BCB312-0F9D-4850-93AD-23EE793B822D}" type="datetimeFigureOut">
               <a:rPr lang="zh-CN" altLang="en-US" smtClean="0"/>
-              <a:t>2022/8/12</a:t>
+              <a:t>2022/8/13</a:t>
             </a:fld>
             <a:endParaRPr lang="zh-CN" altLang="en-US"/>
           </a:p>
@@ -1143,7 +1143,7 @@
           <a:p>
             <a:fld id="{32BCB312-0F9D-4850-93AD-23EE793B822D}" type="datetimeFigureOut">
               <a:rPr lang="zh-CN" altLang="en-US" smtClean="0"/>
-              <a:t>2022/8/12</a:t>
+              <a:t>2022/8/13</a:t>
             </a:fld>
             <a:endParaRPr lang="zh-CN" altLang="en-US"/>
           </a:p>
@@ -1408,7 +1408,7 @@
           <a:p>
             <a:fld id="{32BCB312-0F9D-4850-93AD-23EE793B822D}" type="datetimeFigureOut">
               <a:rPr lang="zh-CN" altLang="en-US" smtClean="0"/>
-              <a:t>2022/8/12</a:t>
+              <a:t>2022/8/13</a:t>
             </a:fld>
             <a:endParaRPr lang="zh-CN" altLang="en-US"/>
           </a:p>
@@ -1820,7 +1820,7 @@
           <a:p>
             <a:fld id="{32BCB312-0F9D-4850-93AD-23EE793B822D}" type="datetimeFigureOut">
               <a:rPr lang="zh-CN" altLang="en-US" smtClean="0"/>
-              <a:t>2022/8/12</a:t>
+              <a:t>2022/8/13</a:t>
             </a:fld>
             <a:endParaRPr lang="zh-CN" altLang="en-US"/>
           </a:p>
@@ -1961,7 +1961,7 @@
           <a:p>
             <a:fld id="{32BCB312-0F9D-4850-93AD-23EE793B822D}" type="datetimeFigureOut">
               <a:rPr lang="zh-CN" altLang="en-US" smtClean="0"/>
-              <a:t>2022/8/12</a:t>
+              <a:t>2022/8/13</a:t>
             </a:fld>
             <a:endParaRPr lang="zh-CN" altLang="en-US"/>
           </a:p>
@@ -2074,7 +2074,7 @@
           <a:p>
             <a:fld id="{32BCB312-0F9D-4850-93AD-23EE793B822D}" type="datetimeFigureOut">
               <a:rPr lang="zh-CN" altLang="en-US" smtClean="0"/>
-              <a:t>2022/8/12</a:t>
+              <a:t>2022/8/13</a:t>
             </a:fld>
             <a:endParaRPr lang="zh-CN" altLang="en-US"/>
           </a:p>
@@ -2385,7 +2385,7 @@
           <a:p>
             <a:fld id="{32BCB312-0F9D-4850-93AD-23EE793B822D}" type="datetimeFigureOut">
               <a:rPr lang="zh-CN" altLang="en-US" smtClean="0"/>
-              <a:t>2022/8/12</a:t>
+              <a:t>2022/8/13</a:t>
             </a:fld>
             <a:endParaRPr lang="zh-CN" altLang="en-US"/>
           </a:p>
@@ -2673,7 +2673,7 @@
           <a:p>
             <a:fld id="{32BCB312-0F9D-4850-93AD-23EE793B822D}" type="datetimeFigureOut">
               <a:rPr lang="zh-CN" altLang="en-US" smtClean="0"/>
-              <a:t>2022/8/12</a:t>
+              <a:t>2022/8/13</a:t>
             </a:fld>
             <a:endParaRPr lang="zh-CN" altLang="en-US"/>
           </a:p>
@@ -2914,7 +2914,7 @@
           <a:p>
             <a:fld id="{32BCB312-0F9D-4850-93AD-23EE793B822D}" type="datetimeFigureOut">
               <a:rPr lang="zh-CN" altLang="en-US" smtClean="0"/>
-              <a:t>2022/8/12</a:t>
+              <a:t>2022/8/13</a:t>
             </a:fld>
             <a:endParaRPr lang="zh-CN" altLang="en-US"/>
           </a:p>
@@ -5197,6 +5197,219 @@
           </p:txBody>
         </p:sp>
       </p:grpSp>
+      <p:grpSp>
+        <p:nvGrpSpPr>
+          <p:cNvPr id="51" name="组合 50">
+            <a:extLst>
+              <a:ext uri="{FF2B5EF4-FFF2-40B4-BE49-F238E27FC236}">
+                <a16:creationId xmlns:a16="http://schemas.microsoft.com/office/drawing/2014/main" id="{34692B71-A1D2-41DF-BC73-2A80148E0F8E}"/>
+              </a:ext>
+            </a:extLst>
+          </p:cNvPr>
+          <p:cNvGrpSpPr/>
+          <p:nvPr/>
+        </p:nvGrpSpPr>
+        <p:grpSpPr>
+          <a:xfrm>
+            <a:off x="2969138" y="2116590"/>
+            <a:ext cx="861889" cy="511831"/>
+            <a:chOff x="3736762" y="3164899"/>
+            <a:chExt cx="861889" cy="511831"/>
+          </a:xfrm>
+        </p:grpSpPr>
+        <p:sp>
+          <p:nvSpPr>
+            <p:cNvPr id="52" name="矩形 51">
+              <a:extLst>
+                <a:ext uri="{FF2B5EF4-FFF2-40B4-BE49-F238E27FC236}">
+                  <a16:creationId xmlns:a16="http://schemas.microsoft.com/office/drawing/2014/main" id="{FE3E738D-6975-4815-922F-1D20A0398544}"/>
+                </a:ext>
+              </a:extLst>
+            </p:cNvPr>
+            <p:cNvSpPr/>
+            <p:nvPr/>
+          </p:nvSpPr>
+          <p:spPr>
+            <a:xfrm>
+              <a:off x="3736762" y="3168074"/>
+              <a:ext cx="861889" cy="508656"/>
+            </a:xfrm>
+            <a:prstGeom prst="rect">
+              <a:avLst/>
+            </a:prstGeom>
+            <a:solidFill>
+              <a:schemeClr val="accent1"/>
+            </a:solidFill>
+            <a:ln>
+              <a:solidFill>
+                <a:schemeClr val="tx1">
+                  <a:lumMod val="65000"/>
+                  <a:lumOff val="35000"/>
+                </a:schemeClr>
+              </a:solidFill>
+            </a:ln>
+          </p:spPr>
+          <p:style>
+            <a:lnRef idx="2">
+              <a:schemeClr val="accent1">
+                <a:shade val="50000"/>
+              </a:schemeClr>
+            </a:lnRef>
+            <a:fillRef idx="1">
+              <a:schemeClr val="accent1"/>
+            </a:fillRef>
+            <a:effectRef idx="0">
+              <a:schemeClr val="accent1"/>
+            </a:effectRef>
+            <a:fontRef idx="minor">
+              <a:schemeClr val="lt1"/>
+            </a:fontRef>
+          </p:style>
+          <p:txBody>
+            <a:bodyPr rtlCol="0" anchor="ctr"/>
+            <a:lstStyle/>
+            <a:p>
+              <a:pPr algn="ctr"/>
+              <a:endParaRPr lang="zh-CN" altLang="en-US" dirty="0"/>
+            </a:p>
+          </p:txBody>
+        </p:sp>
+        <p:cxnSp>
+          <p:nvCxnSpPr>
+            <p:cNvPr id="53" name="直接连接符 52">
+              <a:extLst>
+                <a:ext uri="{FF2B5EF4-FFF2-40B4-BE49-F238E27FC236}">
+                  <a16:creationId xmlns:a16="http://schemas.microsoft.com/office/drawing/2014/main" id="{9E082C08-6AB8-42E5-AFFA-FCCFB5FF5683}"/>
+                </a:ext>
+              </a:extLst>
+            </p:cNvPr>
+            <p:cNvCxnSpPr>
+              <a:stCxn id="52" idx="0"/>
+              <a:endCxn id="52" idx="2"/>
+            </p:cNvCxnSpPr>
+            <p:nvPr/>
+          </p:nvCxnSpPr>
+          <p:spPr>
+            <a:xfrm>
+              <a:off x="4167707" y="3168074"/>
+              <a:ext cx="0" cy="508656"/>
+            </a:xfrm>
+            <a:prstGeom prst="line">
+              <a:avLst/>
+            </a:prstGeom>
+            <a:ln>
+              <a:solidFill>
+                <a:schemeClr val="tx1">
+                  <a:lumMod val="65000"/>
+                  <a:lumOff val="35000"/>
+                </a:schemeClr>
+              </a:solidFill>
+            </a:ln>
+          </p:spPr>
+          <p:style>
+            <a:lnRef idx="1">
+              <a:schemeClr val="accent1"/>
+            </a:lnRef>
+            <a:fillRef idx="0">
+              <a:schemeClr val="accent1"/>
+            </a:fillRef>
+            <a:effectRef idx="0">
+              <a:schemeClr val="accent1"/>
+            </a:effectRef>
+            <a:fontRef idx="minor">
+              <a:schemeClr val="tx1"/>
+            </a:fontRef>
+          </p:style>
+        </p:cxnSp>
+        <p:cxnSp>
+          <p:nvCxnSpPr>
+            <p:cNvPr id="54" name="直接连接符 53">
+              <a:extLst>
+                <a:ext uri="{FF2B5EF4-FFF2-40B4-BE49-F238E27FC236}">
+                  <a16:creationId xmlns:a16="http://schemas.microsoft.com/office/drawing/2014/main" id="{D8D590D3-7C78-4002-AD39-BBBB7964243A}"/>
+                </a:ext>
+              </a:extLst>
+            </p:cNvPr>
+            <p:cNvCxnSpPr/>
+            <p:nvPr/>
+          </p:nvCxnSpPr>
+          <p:spPr>
+            <a:xfrm>
+              <a:off x="4383607" y="3164899"/>
+              <a:ext cx="0" cy="508656"/>
+            </a:xfrm>
+            <a:prstGeom prst="line">
+              <a:avLst/>
+            </a:prstGeom>
+            <a:ln>
+              <a:solidFill>
+                <a:schemeClr val="tx1">
+                  <a:lumMod val="65000"/>
+                  <a:lumOff val="35000"/>
+                </a:schemeClr>
+              </a:solidFill>
+            </a:ln>
+          </p:spPr>
+          <p:style>
+            <a:lnRef idx="1">
+              <a:schemeClr val="accent1"/>
+            </a:lnRef>
+            <a:fillRef idx="0">
+              <a:schemeClr val="accent1"/>
+            </a:fillRef>
+            <a:effectRef idx="0">
+              <a:schemeClr val="accent1"/>
+            </a:effectRef>
+            <a:fontRef idx="minor">
+              <a:schemeClr val="tx1"/>
+            </a:fontRef>
+          </p:style>
+        </p:cxnSp>
+        <p:cxnSp>
+          <p:nvCxnSpPr>
+            <p:cNvPr id="55" name="直接连接符 54">
+              <a:extLst>
+                <a:ext uri="{FF2B5EF4-FFF2-40B4-BE49-F238E27FC236}">
+                  <a16:creationId xmlns:a16="http://schemas.microsoft.com/office/drawing/2014/main" id="{999CDA10-115F-436C-AA61-C8767411B20C}"/>
+                </a:ext>
+              </a:extLst>
+            </p:cNvPr>
+            <p:cNvCxnSpPr/>
+            <p:nvPr/>
+          </p:nvCxnSpPr>
+          <p:spPr>
+            <a:xfrm>
+              <a:off x="3951807" y="3168074"/>
+              <a:ext cx="0" cy="508656"/>
+            </a:xfrm>
+            <a:prstGeom prst="line">
+              <a:avLst/>
+            </a:prstGeom>
+            <a:ln>
+              <a:solidFill>
+                <a:schemeClr val="tx1">
+                  <a:lumMod val="65000"/>
+                  <a:lumOff val="35000"/>
+                </a:schemeClr>
+              </a:solidFill>
+            </a:ln>
+          </p:spPr>
+          <p:style>
+            <a:lnRef idx="1">
+              <a:schemeClr val="accent1"/>
+            </a:lnRef>
+            <a:fillRef idx="0">
+              <a:schemeClr val="accent1"/>
+            </a:fillRef>
+            <a:effectRef idx="0">
+              <a:schemeClr val="accent1"/>
+            </a:effectRef>
+            <a:fontRef idx="minor">
+              <a:schemeClr val="tx1"/>
+            </a:fontRef>
+          </p:style>
+        </p:cxnSp>
+      </p:grpSp>
     </p:spTree>
     <p:extLst>
       <p:ext uri="{BB962C8B-B14F-4D97-AF65-F5344CB8AC3E}">
@@ -5241,7 +5454,7 @@
         </p:nvGrpSpPr>
         <p:grpSpPr>
           <a:xfrm>
-            <a:off x="3662350" y="2781300"/>
+            <a:off x="1165284" y="1100374"/>
             <a:ext cx="4139160" cy="1500604"/>
             <a:chOff x="3662350" y="2781300"/>
             <a:chExt cx="4139160" cy="1500604"/>
@@ -5847,6 +6060,3772 @@
             </p:txBody>
           </p:sp>
         </p:grpSp>
+      </p:grpSp>
+      <p:grpSp>
+        <p:nvGrpSpPr>
+          <p:cNvPr id="11" name="组合 10">
+            <a:extLst>
+              <a:ext uri="{FF2B5EF4-FFF2-40B4-BE49-F238E27FC236}">
+                <a16:creationId xmlns:a16="http://schemas.microsoft.com/office/drawing/2014/main" id="{5C0956BA-5DD7-4571-8A07-C4596D6BEFE3}"/>
+              </a:ext>
+            </a:extLst>
+          </p:cNvPr>
+          <p:cNvGrpSpPr/>
+          <p:nvPr/>
+        </p:nvGrpSpPr>
+        <p:grpSpPr>
+          <a:xfrm>
+            <a:off x="6637209" y="746760"/>
+            <a:ext cx="3861824" cy="1515664"/>
+            <a:chOff x="3387471" y="2852004"/>
+            <a:chExt cx="3861824" cy="1515664"/>
+          </a:xfrm>
+        </p:grpSpPr>
+        <p:sp>
+          <p:nvSpPr>
+            <p:cNvPr id="20" name="文本框 19">
+              <a:extLst>
+                <a:ext uri="{FF2B5EF4-FFF2-40B4-BE49-F238E27FC236}">
+                  <a16:creationId xmlns:a16="http://schemas.microsoft.com/office/drawing/2014/main" id="{1D926089-CBDA-4A10-9F7F-207F7F5050F1}"/>
+                </a:ext>
+              </a:extLst>
+            </p:cNvPr>
+            <p:cNvSpPr txBox="1"/>
+            <p:nvPr/>
+          </p:nvSpPr>
+          <p:spPr>
+            <a:xfrm>
+              <a:off x="3689933" y="2861529"/>
+              <a:ext cx="955546" cy="307777"/>
+            </a:xfrm>
+            <a:prstGeom prst="rect">
+              <a:avLst/>
+            </a:prstGeom>
+            <a:noFill/>
+          </p:spPr>
+          <p:txBody>
+            <a:bodyPr wrap="square" rtlCol="0">
+              <a:spAutoFit/>
+            </a:bodyPr>
+            <a:lstStyle/>
+            <a:p>
+              <a:pPr algn="ctr"/>
+              <a:r>
+                <a:rPr lang="en-US" altLang="zh-CN" sz="1400" dirty="0">
+                  <a:latin typeface="Adobe 黑体 Std R" panose="020B0400000000000000" pitchFamily="34" charset="-122"/>
+                  <a:ea typeface="Adobe 黑体 Std R" panose="020B0400000000000000" pitchFamily="34" charset="-122"/>
+                </a:rPr>
+                <a:t>a[0]</a:t>
+              </a:r>
+            </a:p>
+          </p:txBody>
+        </p:sp>
+        <p:grpSp>
+          <p:nvGrpSpPr>
+            <p:cNvPr id="6" name="组合 5">
+              <a:extLst>
+                <a:ext uri="{FF2B5EF4-FFF2-40B4-BE49-F238E27FC236}">
+                  <a16:creationId xmlns:a16="http://schemas.microsoft.com/office/drawing/2014/main" id="{09F2671A-544B-45DC-9DE4-91797B395437}"/>
+                </a:ext>
+              </a:extLst>
+            </p:cNvPr>
+            <p:cNvGrpSpPr/>
+            <p:nvPr/>
+          </p:nvGrpSpPr>
+          <p:grpSpPr>
+            <a:xfrm>
+              <a:off x="3736762" y="3164899"/>
+              <a:ext cx="861889" cy="511831"/>
+              <a:chOff x="3736762" y="3164899"/>
+              <a:chExt cx="861889" cy="511831"/>
+            </a:xfrm>
+          </p:grpSpPr>
+          <p:sp>
+            <p:nvSpPr>
+              <p:cNvPr id="16" name="矩形 15">
+                <a:extLst>
+                  <a:ext uri="{FF2B5EF4-FFF2-40B4-BE49-F238E27FC236}">
+                    <a16:creationId xmlns:a16="http://schemas.microsoft.com/office/drawing/2014/main" id="{E24A2904-312E-4B13-B6A7-1855827D7531}"/>
+                  </a:ext>
+                </a:extLst>
+              </p:cNvPr>
+              <p:cNvSpPr/>
+              <p:nvPr/>
+            </p:nvSpPr>
+            <p:spPr>
+              <a:xfrm>
+                <a:off x="3736762" y="3168074"/>
+                <a:ext cx="861889" cy="508656"/>
+              </a:xfrm>
+              <a:prstGeom prst="rect">
+                <a:avLst/>
+              </a:prstGeom>
+              <a:solidFill>
+                <a:schemeClr val="accent1"/>
+              </a:solidFill>
+              <a:ln>
+                <a:solidFill>
+                  <a:schemeClr val="tx1">
+                    <a:lumMod val="65000"/>
+                    <a:lumOff val="35000"/>
+                  </a:schemeClr>
+                </a:solidFill>
+              </a:ln>
+            </p:spPr>
+            <p:style>
+              <a:lnRef idx="2">
+                <a:schemeClr val="accent1">
+                  <a:shade val="50000"/>
+                </a:schemeClr>
+              </a:lnRef>
+              <a:fillRef idx="1">
+                <a:schemeClr val="accent1"/>
+              </a:fillRef>
+              <a:effectRef idx="0">
+                <a:schemeClr val="accent1"/>
+              </a:effectRef>
+              <a:fontRef idx="minor">
+                <a:schemeClr val="lt1"/>
+              </a:fontRef>
+            </p:style>
+            <p:txBody>
+              <a:bodyPr rtlCol="0" anchor="ctr"/>
+              <a:lstStyle/>
+              <a:p>
+                <a:pPr algn="ctr"/>
+                <a:endParaRPr lang="zh-CN" altLang="en-US" dirty="0"/>
+              </a:p>
+            </p:txBody>
+          </p:sp>
+          <p:cxnSp>
+            <p:nvCxnSpPr>
+              <p:cNvPr id="4" name="直接连接符 3">
+                <a:extLst>
+                  <a:ext uri="{FF2B5EF4-FFF2-40B4-BE49-F238E27FC236}">
+                    <a16:creationId xmlns:a16="http://schemas.microsoft.com/office/drawing/2014/main" id="{E547E296-2905-44FE-888D-A3666497F190}"/>
+                  </a:ext>
+                </a:extLst>
+              </p:cNvPr>
+              <p:cNvCxnSpPr>
+                <a:stCxn id="16" idx="0"/>
+                <a:endCxn id="16" idx="2"/>
+              </p:cNvCxnSpPr>
+              <p:nvPr/>
+            </p:nvCxnSpPr>
+            <p:spPr>
+              <a:xfrm>
+                <a:off x="4167707" y="3168074"/>
+                <a:ext cx="0" cy="508656"/>
+              </a:xfrm>
+              <a:prstGeom prst="line">
+                <a:avLst/>
+              </a:prstGeom>
+              <a:ln>
+                <a:solidFill>
+                  <a:schemeClr val="tx1">
+                    <a:lumMod val="65000"/>
+                    <a:lumOff val="35000"/>
+                  </a:schemeClr>
+                </a:solidFill>
+              </a:ln>
+            </p:spPr>
+            <p:style>
+              <a:lnRef idx="1">
+                <a:schemeClr val="accent1"/>
+              </a:lnRef>
+              <a:fillRef idx="0">
+                <a:schemeClr val="accent1"/>
+              </a:fillRef>
+              <a:effectRef idx="0">
+                <a:schemeClr val="accent1"/>
+              </a:effectRef>
+              <a:fontRef idx="minor">
+                <a:schemeClr val="tx1"/>
+              </a:fontRef>
+            </p:style>
+          </p:cxnSp>
+          <p:cxnSp>
+            <p:nvCxnSpPr>
+              <p:cNvPr id="33" name="直接连接符 32">
+                <a:extLst>
+                  <a:ext uri="{FF2B5EF4-FFF2-40B4-BE49-F238E27FC236}">
+                    <a16:creationId xmlns:a16="http://schemas.microsoft.com/office/drawing/2014/main" id="{F292D01B-8341-4171-A108-15C74B5B2A31}"/>
+                  </a:ext>
+                </a:extLst>
+              </p:cNvPr>
+              <p:cNvCxnSpPr/>
+              <p:nvPr/>
+            </p:nvCxnSpPr>
+            <p:spPr>
+              <a:xfrm>
+                <a:off x="4383607" y="3164899"/>
+                <a:ext cx="0" cy="508656"/>
+              </a:xfrm>
+              <a:prstGeom prst="line">
+                <a:avLst/>
+              </a:prstGeom>
+              <a:ln>
+                <a:solidFill>
+                  <a:schemeClr val="tx1">
+                    <a:lumMod val="65000"/>
+                    <a:lumOff val="35000"/>
+                  </a:schemeClr>
+                </a:solidFill>
+              </a:ln>
+            </p:spPr>
+            <p:style>
+              <a:lnRef idx="1">
+                <a:schemeClr val="accent1"/>
+              </a:lnRef>
+              <a:fillRef idx="0">
+                <a:schemeClr val="accent1"/>
+              </a:fillRef>
+              <a:effectRef idx="0">
+                <a:schemeClr val="accent1"/>
+              </a:effectRef>
+              <a:fontRef idx="minor">
+                <a:schemeClr val="tx1"/>
+              </a:fontRef>
+            </p:style>
+          </p:cxnSp>
+          <p:cxnSp>
+            <p:nvCxnSpPr>
+              <p:cNvPr id="34" name="直接连接符 33">
+                <a:extLst>
+                  <a:ext uri="{FF2B5EF4-FFF2-40B4-BE49-F238E27FC236}">
+                    <a16:creationId xmlns:a16="http://schemas.microsoft.com/office/drawing/2014/main" id="{40A5E626-E125-4573-931F-46842A1B74E9}"/>
+                  </a:ext>
+                </a:extLst>
+              </p:cNvPr>
+              <p:cNvCxnSpPr/>
+              <p:nvPr/>
+            </p:nvCxnSpPr>
+            <p:spPr>
+              <a:xfrm>
+                <a:off x="3951807" y="3168074"/>
+                <a:ext cx="0" cy="508656"/>
+              </a:xfrm>
+              <a:prstGeom prst="line">
+                <a:avLst/>
+              </a:prstGeom>
+              <a:ln>
+                <a:solidFill>
+                  <a:schemeClr val="tx1">
+                    <a:lumMod val="65000"/>
+                    <a:lumOff val="35000"/>
+                  </a:schemeClr>
+                </a:solidFill>
+              </a:ln>
+            </p:spPr>
+            <p:style>
+              <a:lnRef idx="1">
+                <a:schemeClr val="accent1"/>
+              </a:lnRef>
+              <a:fillRef idx="0">
+                <a:schemeClr val="accent1"/>
+              </a:fillRef>
+              <a:effectRef idx="0">
+                <a:schemeClr val="accent1"/>
+              </a:effectRef>
+              <a:fontRef idx="minor">
+                <a:schemeClr val="tx1"/>
+              </a:fontRef>
+            </p:style>
+          </p:cxnSp>
+        </p:grpSp>
+        <p:grpSp>
+          <p:nvGrpSpPr>
+            <p:cNvPr id="35" name="组合 34">
+              <a:extLst>
+                <a:ext uri="{FF2B5EF4-FFF2-40B4-BE49-F238E27FC236}">
+                  <a16:creationId xmlns:a16="http://schemas.microsoft.com/office/drawing/2014/main" id="{CC5A609C-45DB-4EE1-A3EC-462747F12CF4}"/>
+                </a:ext>
+              </a:extLst>
+            </p:cNvPr>
+            <p:cNvGrpSpPr/>
+            <p:nvPr/>
+          </p:nvGrpSpPr>
+          <p:grpSpPr>
+            <a:xfrm>
+              <a:off x="4605809" y="3164899"/>
+              <a:ext cx="861889" cy="511831"/>
+              <a:chOff x="3736762" y="3164899"/>
+              <a:chExt cx="861889" cy="511831"/>
+            </a:xfrm>
+          </p:grpSpPr>
+          <p:sp>
+            <p:nvSpPr>
+              <p:cNvPr id="36" name="矩形 35">
+                <a:extLst>
+                  <a:ext uri="{FF2B5EF4-FFF2-40B4-BE49-F238E27FC236}">
+                    <a16:creationId xmlns:a16="http://schemas.microsoft.com/office/drawing/2014/main" id="{9F72A617-3FA8-457D-B942-BC14F33DB82B}"/>
+                  </a:ext>
+                </a:extLst>
+              </p:cNvPr>
+              <p:cNvSpPr/>
+              <p:nvPr/>
+            </p:nvSpPr>
+            <p:spPr>
+              <a:xfrm>
+                <a:off x="3736762" y="3168074"/>
+                <a:ext cx="861889" cy="508656"/>
+              </a:xfrm>
+              <a:prstGeom prst="rect">
+                <a:avLst/>
+              </a:prstGeom>
+              <a:solidFill>
+                <a:schemeClr val="accent1"/>
+              </a:solidFill>
+              <a:ln>
+                <a:solidFill>
+                  <a:schemeClr val="tx1">
+                    <a:lumMod val="65000"/>
+                    <a:lumOff val="35000"/>
+                  </a:schemeClr>
+                </a:solidFill>
+              </a:ln>
+            </p:spPr>
+            <p:style>
+              <a:lnRef idx="2">
+                <a:schemeClr val="accent1">
+                  <a:shade val="50000"/>
+                </a:schemeClr>
+              </a:lnRef>
+              <a:fillRef idx="1">
+                <a:schemeClr val="accent1"/>
+              </a:fillRef>
+              <a:effectRef idx="0">
+                <a:schemeClr val="accent1"/>
+              </a:effectRef>
+              <a:fontRef idx="minor">
+                <a:schemeClr val="lt1"/>
+              </a:fontRef>
+            </p:style>
+            <p:txBody>
+              <a:bodyPr rtlCol="0" anchor="ctr"/>
+              <a:lstStyle/>
+              <a:p>
+                <a:pPr algn="ctr"/>
+                <a:endParaRPr lang="zh-CN" altLang="en-US" dirty="0"/>
+              </a:p>
+            </p:txBody>
+          </p:sp>
+          <p:cxnSp>
+            <p:nvCxnSpPr>
+              <p:cNvPr id="37" name="直接连接符 36">
+                <a:extLst>
+                  <a:ext uri="{FF2B5EF4-FFF2-40B4-BE49-F238E27FC236}">
+                    <a16:creationId xmlns:a16="http://schemas.microsoft.com/office/drawing/2014/main" id="{DECE0D6E-2BA0-41B4-8939-AF93124E8BB0}"/>
+                  </a:ext>
+                </a:extLst>
+              </p:cNvPr>
+              <p:cNvCxnSpPr>
+                <a:stCxn id="36" idx="0"/>
+                <a:endCxn id="36" idx="2"/>
+              </p:cNvCxnSpPr>
+              <p:nvPr/>
+            </p:nvCxnSpPr>
+            <p:spPr>
+              <a:xfrm>
+                <a:off x="4167707" y="3168074"/>
+                <a:ext cx="0" cy="508656"/>
+              </a:xfrm>
+              <a:prstGeom prst="line">
+                <a:avLst/>
+              </a:prstGeom>
+              <a:ln>
+                <a:solidFill>
+                  <a:schemeClr val="tx1">
+                    <a:lumMod val="65000"/>
+                    <a:lumOff val="35000"/>
+                  </a:schemeClr>
+                </a:solidFill>
+              </a:ln>
+            </p:spPr>
+            <p:style>
+              <a:lnRef idx="1">
+                <a:schemeClr val="accent1"/>
+              </a:lnRef>
+              <a:fillRef idx="0">
+                <a:schemeClr val="accent1"/>
+              </a:fillRef>
+              <a:effectRef idx="0">
+                <a:schemeClr val="accent1"/>
+              </a:effectRef>
+              <a:fontRef idx="minor">
+                <a:schemeClr val="tx1"/>
+              </a:fontRef>
+            </p:style>
+          </p:cxnSp>
+          <p:cxnSp>
+            <p:nvCxnSpPr>
+              <p:cNvPr id="38" name="直接连接符 37">
+                <a:extLst>
+                  <a:ext uri="{FF2B5EF4-FFF2-40B4-BE49-F238E27FC236}">
+                    <a16:creationId xmlns:a16="http://schemas.microsoft.com/office/drawing/2014/main" id="{71D162EF-860F-409C-AB93-FA677474CD76}"/>
+                  </a:ext>
+                </a:extLst>
+              </p:cNvPr>
+              <p:cNvCxnSpPr/>
+              <p:nvPr/>
+            </p:nvCxnSpPr>
+            <p:spPr>
+              <a:xfrm>
+                <a:off x="4383607" y="3164899"/>
+                <a:ext cx="0" cy="508656"/>
+              </a:xfrm>
+              <a:prstGeom prst="line">
+                <a:avLst/>
+              </a:prstGeom>
+              <a:ln>
+                <a:solidFill>
+                  <a:schemeClr val="tx1">
+                    <a:lumMod val="65000"/>
+                    <a:lumOff val="35000"/>
+                  </a:schemeClr>
+                </a:solidFill>
+              </a:ln>
+            </p:spPr>
+            <p:style>
+              <a:lnRef idx="1">
+                <a:schemeClr val="accent1"/>
+              </a:lnRef>
+              <a:fillRef idx="0">
+                <a:schemeClr val="accent1"/>
+              </a:fillRef>
+              <a:effectRef idx="0">
+                <a:schemeClr val="accent1"/>
+              </a:effectRef>
+              <a:fontRef idx="minor">
+                <a:schemeClr val="tx1"/>
+              </a:fontRef>
+            </p:style>
+          </p:cxnSp>
+          <p:cxnSp>
+            <p:nvCxnSpPr>
+              <p:cNvPr id="39" name="直接连接符 38">
+                <a:extLst>
+                  <a:ext uri="{FF2B5EF4-FFF2-40B4-BE49-F238E27FC236}">
+                    <a16:creationId xmlns:a16="http://schemas.microsoft.com/office/drawing/2014/main" id="{94FF28BD-753E-4D75-9F92-7F689902C0A2}"/>
+                  </a:ext>
+                </a:extLst>
+              </p:cNvPr>
+              <p:cNvCxnSpPr/>
+              <p:nvPr/>
+            </p:nvCxnSpPr>
+            <p:spPr>
+              <a:xfrm>
+                <a:off x="3951807" y="3168074"/>
+                <a:ext cx="0" cy="508656"/>
+              </a:xfrm>
+              <a:prstGeom prst="line">
+                <a:avLst/>
+              </a:prstGeom>
+              <a:ln>
+                <a:solidFill>
+                  <a:schemeClr val="tx1">
+                    <a:lumMod val="65000"/>
+                    <a:lumOff val="35000"/>
+                  </a:schemeClr>
+                </a:solidFill>
+              </a:ln>
+            </p:spPr>
+            <p:style>
+              <a:lnRef idx="1">
+                <a:schemeClr val="accent1"/>
+              </a:lnRef>
+              <a:fillRef idx="0">
+                <a:schemeClr val="accent1"/>
+              </a:fillRef>
+              <a:effectRef idx="0">
+                <a:schemeClr val="accent1"/>
+              </a:effectRef>
+              <a:fontRef idx="minor">
+                <a:schemeClr val="tx1"/>
+              </a:fontRef>
+            </p:style>
+          </p:cxnSp>
+        </p:grpSp>
+        <p:grpSp>
+          <p:nvGrpSpPr>
+            <p:cNvPr id="42" name="组合 41">
+              <a:extLst>
+                <a:ext uri="{FF2B5EF4-FFF2-40B4-BE49-F238E27FC236}">
+                  <a16:creationId xmlns:a16="http://schemas.microsoft.com/office/drawing/2014/main" id="{92DFA0B4-4BBA-4E51-9EF2-F631409F8B3F}"/>
+                </a:ext>
+              </a:extLst>
+            </p:cNvPr>
+            <p:cNvGrpSpPr/>
+            <p:nvPr/>
+          </p:nvGrpSpPr>
+          <p:grpSpPr>
+            <a:xfrm>
+              <a:off x="5473355" y="3164899"/>
+              <a:ext cx="861889" cy="511831"/>
+              <a:chOff x="3736762" y="3164899"/>
+              <a:chExt cx="861889" cy="511831"/>
+            </a:xfrm>
+          </p:grpSpPr>
+          <p:sp>
+            <p:nvSpPr>
+              <p:cNvPr id="46" name="矩形 45">
+                <a:extLst>
+                  <a:ext uri="{FF2B5EF4-FFF2-40B4-BE49-F238E27FC236}">
+                    <a16:creationId xmlns:a16="http://schemas.microsoft.com/office/drawing/2014/main" id="{4431C85A-FC56-48D6-9D8A-E11247B5682A}"/>
+                  </a:ext>
+                </a:extLst>
+              </p:cNvPr>
+              <p:cNvSpPr/>
+              <p:nvPr/>
+            </p:nvSpPr>
+            <p:spPr>
+              <a:xfrm>
+                <a:off x="3736762" y="3168074"/>
+                <a:ext cx="861889" cy="508656"/>
+              </a:xfrm>
+              <a:prstGeom prst="rect">
+                <a:avLst/>
+              </a:prstGeom>
+              <a:solidFill>
+                <a:schemeClr val="accent1"/>
+              </a:solidFill>
+              <a:ln>
+                <a:solidFill>
+                  <a:schemeClr val="tx1">
+                    <a:lumMod val="65000"/>
+                    <a:lumOff val="35000"/>
+                  </a:schemeClr>
+                </a:solidFill>
+              </a:ln>
+            </p:spPr>
+            <p:style>
+              <a:lnRef idx="2">
+                <a:schemeClr val="accent1">
+                  <a:shade val="50000"/>
+                </a:schemeClr>
+              </a:lnRef>
+              <a:fillRef idx="1">
+                <a:schemeClr val="accent1"/>
+              </a:fillRef>
+              <a:effectRef idx="0">
+                <a:schemeClr val="accent1"/>
+              </a:effectRef>
+              <a:fontRef idx="minor">
+                <a:schemeClr val="lt1"/>
+              </a:fontRef>
+            </p:style>
+            <p:txBody>
+              <a:bodyPr rtlCol="0" anchor="ctr"/>
+              <a:lstStyle/>
+              <a:p>
+                <a:pPr algn="ctr"/>
+                <a:endParaRPr lang="zh-CN" altLang="en-US" dirty="0"/>
+              </a:p>
+            </p:txBody>
+          </p:sp>
+          <p:cxnSp>
+            <p:nvCxnSpPr>
+              <p:cNvPr id="47" name="直接连接符 46">
+                <a:extLst>
+                  <a:ext uri="{FF2B5EF4-FFF2-40B4-BE49-F238E27FC236}">
+                    <a16:creationId xmlns:a16="http://schemas.microsoft.com/office/drawing/2014/main" id="{D27D80CD-DFC8-4A95-821C-1160EFD3823D}"/>
+                  </a:ext>
+                </a:extLst>
+              </p:cNvPr>
+              <p:cNvCxnSpPr>
+                <a:stCxn id="46" idx="0"/>
+                <a:endCxn id="46" idx="2"/>
+              </p:cNvCxnSpPr>
+              <p:nvPr/>
+            </p:nvCxnSpPr>
+            <p:spPr>
+              <a:xfrm>
+                <a:off x="4167707" y="3168074"/>
+                <a:ext cx="0" cy="508656"/>
+              </a:xfrm>
+              <a:prstGeom prst="line">
+                <a:avLst/>
+              </a:prstGeom>
+              <a:ln>
+                <a:solidFill>
+                  <a:schemeClr val="tx1">
+                    <a:lumMod val="65000"/>
+                    <a:lumOff val="35000"/>
+                  </a:schemeClr>
+                </a:solidFill>
+              </a:ln>
+            </p:spPr>
+            <p:style>
+              <a:lnRef idx="1">
+                <a:schemeClr val="accent1"/>
+              </a:lnRef>
+              <a:fillRef idx="0">
+                <a:schemeClr val="accent1"/>
+              </a:fillRef>
+              <a:effectRef idx="0">
+                <a:schemeClr val="accent1"/>
+              </a:effectRef>
+              <a:fontRef idx="minor">
+                <a:schemeClr val="tx1"/>
+              </a:fontRef>
+            </p:style>
+          </p:cxnSp>
+          <p:cxnSp>
+            <p:nvCxnSpPr>
+              <p:cNvPr id="48" name="直接连接符 47">
+                <a:extLst>
+                  <a:ext uri="{FF2B5EF4-FFF2-40B4-BE49-F238E27FC236}">
+                    <a16:creationId xmlns:a16="http://schemas.microsoft.com/office/drawing/2014/main" id="{68DA429D-0EF4-42CF-9308-058A4D3FBC3B}"/>
+                  </a:ext>
+                </a:extLst>
+              </p:cNvPr>
+              <p:cNvCxnSpPr/>
+              <p:nvPr/>
+            </p:nvCxnSpPr>
+            <p:spPr>
+              <a:xfrm>
+                <a:off x="4383607" y="3164899"/>
+                <a:ext cx="0" cy="508656"/>
+              </a:xfrm>
+              <a:prstGeom prst="line">
+                <a:avLst/>
+              </a:prstGeom>
+              <a:ln>
+                <a:solidFill>
+                  <a:schemeClr val="tx1">
+                    <a:lumMod val="65000"/>
+                    <a:lumOff val="35000"/>
+                  </a:schemeClr>
+                </a:solidFill>
+              </a:ln>
+            </p:spPr>
+            <p:style>
+              <a:lnRef idx="1">
+                <a:schemeClr val="accent1"/>
+              </a:lnRef>
+              <a:fillRef idx="0">
+                <a:schemeClr val="accent1"/>
+              </a:fillRef>
+              <a:effectRef idx="0">
+                <a:schemeClr val="accent1"/>
+              </a:effectRef>
+              <a:fontRef idx="minor">
+                <a:schemeClr val="tx1"/>
+              </a:fontRef>
+            </p:style>
+          </p:cxnSp>
+          <p:cxnSp>
+            <p:nvCxnSpPr>
+              <p:cNvPr id="49" name="直接连接符 48">
+                <a:extLst>
+                  <a:ext uri="{FF2B5EF4-FFF2-40B4-BE49-F238E27FC236}">
+                    <a16:creationId xmlns:a16="http://schemas.microsoft.com/office/drawing/2014/main" id="{9BFFA403-3579-49BA-BCF1-165C0D235C3B}"/>
+                  </a:ext>
+                </a:extLst>
+              </p:cNvPr>
+              <p:cNvCxnSpPr/>
+              <p:nvPr/>
+            </p:nvCxnSpPr>
+            <p:spPr>
+              <a:xfrm>
+                <a:off x="3951807" y="3168074"/>
+                <a:ext cx="0" cy="508656"/>
+              </a:xfrm>
+              <a:prstGeom prst="line">
+                <a:avLst/>
+              </a:prstGeom>
+              <a:ln>
+                <a:solidFill>
+                  <a:schemeClr val="tx1">
+                    <a:lumMod val="65000"/>
+                    <a:lumOff val="35000"/>
+                  </a:schemeClr>
+                </a:solidFill>
+              </a:ln>
+            </p:spPr>
+            <p:style>
+              <a:lnRef idx="1">
+                <a:schemeClr val="accent1"/>
+              </a:lnRef>
+              <a:fillRef idx="0">
+                <a:schemeClr val="accent1"/>
+              </a:fillRef>
+              <a:effectRef idx="0">
+                <a:schemeClr val="accent1"/>
+              </a:effectRef>
+              <a:fontRef idx="minor">
+                <a:schemeClr val="tx1"/>
+              </a:fontRef>
+            </p:style>
+          </p:cxnSp>
+        </p:grpSp>
+        <p:grpSp>
+          <p:nvGrpSpPr>
+            <p:cNvPr id="50" name="组合 49">
+              <a:extLst>
+                <a:ext uri="{FF2B5EF4-FFF2-40B4-BE49-F238E27FC236}">
+                  <a16:creationId xmlns:a16="http://schemas.microsoft.com/office/drawing/2014/main" id="{F397F293-3F50-436B-AA1A-392EEF23A6CF}"/>
+                </a:ext>
+              </a:extLst>
+            </p:cNvPr>
+            <p:cNvGrpSpPr/>
+            <p:nvPr/>
+          </p:nvGrpSpPr>
+          <p:grpSpPr>
+            <a:xfrm>
+              <a:off x="6340578" y="3164899"/>
+              <a:ext cx="861889" cy="511831"/>
+              <a:chOff x="3736762" y="3164899"/>
+              <a:chExt cx="861889" cy="511831"/>
+            </a:xfrm>
+          </p:grpSpPr>
+          <p:sp>
+            <p:nvSpPr>
+              <p:cNvPr id="51" name="矩形 50">
+                <a:extLst>
+                  <a:ext uri="{FF2B5EF4-FFF2-40B4-BE49-F238E27FC236}">
+                    <a16:creationId xmlns:a16="http://schemas.microsoft.com/office/drawing/2014/main" id="{29B4A04E-0D25-4FFD-A7B5-E28CEBA1C46A}"/>
+                  </a:ext>
+                </a:extLst>
+              </p:cNvPr>
+              <p:cNvSpPr/>
+              <p:nvPr/>
+            </p:nvSpPr>
+            <p:spPr>
+              <a:xfrm>
+                <a:off x="3736762" y="3168074"/>
+                <a:ext cx="861889" cy="508656"/>
+              </a:xfrm>
+              <a:prstGeom prst="rect">
+                <a:avLst/>
+              </a:prstGeom>
+              <a:solidFill>
+                <a:schemeClr val="accent1"/>
+              </a:solidFill>
+              <a:ln>
+                <a:solidFill>
+                  <a:schemeClr val="tx1">
+                    <a:lumMod val="65000"/>
+                    <a:lumOff val="35000"/>
+                  </a:schemeClr>
+                </a:solidFill>
+              </a:ln>
+            </p:spPr>
+            <p:style>
+              <a:lnRef idx="2">
+                <a:schemeClr val="accent1">
+                  <a:shade val="50000"/>
+                </a:schemeClr>
+              </a:lnRef>
+              <a:fillRef idx="1">
+                <a:schemeClr val="accent1"/>
+              </a:fillRef>
+              <a:effectRef idx="0">
+                <a:schemeClr val="accent1"/>
+              </a:effectRef>
+              <a:fontRef idx="minor">
+                <a:schemeClr val="lt1"/>
+              </a:fontRef>
+            </p:style>
+            <p:txBody>
+              <a:bodyPr rtlCol="0" anchor="ctr"/>
+              <a:lstStyle/>
+              <a:p>
+                <a:pPr algn="ctr"/>
+                <a:endParaRPr lang="zh-CN" altLang="en-US" dirty="0"/>
+              </a:p>
+            </p:txBody>
+          </p:sp>
+          <p:cxnSp>
+            <p:nvCxnSpPr>
+              <p:cNvPr id="52" name="直接连接符 51">
+                <a:extLst>
+                  <a:ext uri="{FF2B5EF4-FFF2-40B4-BE49-F238E27FC236}">
+                    <a16:creationId xmlns:a16="http://schemas.microsoft.com/office/drawing/2014/main" id="{72E34CD4-9BA5-44FF-A3F3-ECE3BA704FAD}"/>
+                  </a:ext>
+                </a:extLst>
+              </p:cNvPr>
+              <p:cNvCxnSpPr>
+                <a:stCxn id="51" idx="0"/>
+                <a:endCxn id="51" idx="2"/>
+              </p:cNvCxnSpPr>
+              <p:nvPr/>
+            </p:nvCxnSpPr>
+            <p:spPr>
+              <a:xfrm>
+                <a:off x="4167707" y="3168074"/>
+                <a:ext cx="0" cy="508656"/>
+              </a:xfrm>
+              <a:prstGeom prst="line">
+                <a:avLst/>
+              </a:prstGeom>
+              <a:ln>
+                <a:solidFill>
+                  <a:schemeClr val="tx1">
+                    <a:lumMod val="65000"/>
+                    <a:lumOff val="35000"/>
+                  </a:schemeClr>
+                </a:solidFill>
+              </a:ln>
+            </p:spPr>
+            <p:style>
+              <a:lnRef idx="1">
+                <a:schemeClr val="accent1"/>
+              </a:lnRef>
+              <a:fillRef idx="0">
+                <a:schemeClr val="accent1"/>
+              </a:fillRef>
+              <a:effectRef idx="0">
+                <a:schemeClr val="accent1"/>
+              </a:effectRef>
+              <a:fontRef idx="minor">
+                <a:schemeClr val="tx1"/>
+              </a:fontRef>
+            </p:style>
+          </p:cxnSp>
+          <p:cxnSp>
+            <p:nvCxnSpPr>
+              <p:cNvPr id="53" name="直接连接符 52">
+                <a:extLst>
+                  <a:ext uri="{FF2B5EF4-FFF2-40B4-BE49-F238E27FC236}">
+                    <a16:creationId xmlns:a16="http://schemas.microsoft.com/office/drawing/2014/main" id="{2F3C2F0F-000F-4A86-9D33-426192396EF3}"/>
+                  </a:ext>
+                </a:extLst>
+              </p:cNvPr>
+              <p:cNvCxnSpPr/>
+              <p:nvPr/>
+            </p:nvCxnSpPr>
+            <p:spPr>
+              <a:xfrm>
+                <a:off x="4383607" y="3164899"/>
+                <a:ext cx="0" cy="508656"/>
+              </a:xfrm>
+              <a:prstGeom prst="line">
+                <a:avLst/>
+              </a:prstGeom>
+              <a:ln>
+                <a:solidFill>
+                  <a:schemeClr val="tx1">
+                    <a:lumMod val="65000"/>
+                    <a:lumOff val="35000"/>
+                  </a:schemeClr>
+                </a:solidFill>
+              </a:ln>
+            </p:spPr>
+            <p:style>
+              <a:lnRef idx="1">
+                <a:schemeClr val="accent1"/>
+              </a:lnRef>
+              <a:fillRef idx="0">
+                <a:schemeClr val="accent1"/>
+              </a:fillRef>
+              <a:effectRef idx="0">
+                <a:schemeClr val="accent1"/>
+              </a:effectRef>
+              <a:fontRef idx="minor">
+                <a:schemeClr val="tx1"/>
+              </a:fontRef>
+            </p:style>
+          </p:cxnSp>
+          <p:cxnSp>
+            <p:nvCxnSpPr>
+              <p:cNvPr id="54" name="直接连接符 53">
+                <a:extLst>
+                  <a:ext uri="{FF2B5EF4-FFF2-40B4-BE49-F238E27FC236}">
+                    <a16:creationId xmlns:a16="http://schemas.microsoft.com/office/drawing/2014/main" id="{9A932CF2-A618-46A2-B4AB-1A4B6729A548}"/>
+                  </a:ext>
+                </a:extLst>
+              </p:cNvPr>
+              <p:cNvCxnSpPr/>
+              <p:nvPr/>
+            </p:nvCxnSpPr>
+            <p:spPr>
+              <a:xfrm>
+                <a:off x="3951807" y="3168074"/>
+                <a:ext cx="0" cy="508656"/>
+              </a:xfrm>
+              <a:prstGeom prst="line">
+                <a:avLst/>
+              </a:prstGeom>
+              <a:ln>
+                <a:solidFill>
+                  <a:schemeClr val="tx1">
+                    <a:lumMod val="65000"/>
+                    <a:lumOff val="35000"/>
+                  </a:schemeClr>
+                </a:solidFill>
+              </a:ln>
+            </p:spPr>
+            <p:style>
+              <a:lnRef idx="1">
+                <a:schemeClr val="accent1"/>
+              </a:lnRef>
+              <a:fillRef idx="0">
+                <a:schemeClr val="accent1"/>
+              </a:fillRef>
+              <a:effectRef idx="0">
+                <a:schemeClr val="accent1"/>
+              </a:effectRef>
+              <a:fontRef idx="minor">
+                <a:schemeClr val="tx1"/>
+              </a:fontRef>
+            </p:style>
+          </p:cxnSp>
+        </p:grpSp>
+        <p:sp>
+          <p:nvSpPr>
+            <p:cNvPr id="56" name="文本框 55">
+              <a:extLst>
+                <a:ext uri="{FF2B5EF4-FFF2-40B4-BE49-F238E27FC236}">
+                  <a16:creationId xmlns:a16="http://schemas.microsoft.com/office/drawing/2014/main" id="{E33EAC64-CA16-4664-A43B-ED3B06B99E62}"/>
+                </a:ext>
+              </a:extLst>
+            </p:cNvPr>
+            <p:cNvSpPr txBox="1"/>
+            <p:nvPr/>
+          </p:nvSpPr>
+          <p:spPr>
+            <a:xfrm>
+              <a:off x="4558980" y="2858354"/>
+              <a:ext cx="955546" cy="307777"/>
+            </a:xfrm>
+            <a:prstGeom prst="rect">
+              <a:avLst/>
+            </a:prstGeom>
+            <a:noFill/>
+          </p:spPr>
+          <p:txBody>
+            <a:bodyPr wrap="square" rtlCol="0">
+              <a:spAutoFit/>
+            </a:bodyPr>
+            <a:lstStyle/>
+            <a:p>
+              <a:pPr algn="ctr"/>
+              <a:r>
+                <a:rPr lang="en-US" altLang="zh-CN" sz="1400" dirty="0">
+                  <a:latin typeface="Adobe 黑体 Std R" panose="020B0400000000000000" pitchFamily="34" charset="-122"/>
+                  <a:ea typeface="Adobe 黑体 Std R" panose="020B0400000000000000" pitchFamily="34" charset="-122"/>
+                </a:rPr>
+                <a:t>a[1]</a:t>
+              </a:r>
+            </a:p>
+          </p:txBody>
+        </p:sp>
+        <p:sp>
+          <p:nvSpPr>
+            <p:cNvPr id="57" name="文本框 56">
+              <a:extLst>
+                <a:ext uri="{FF2B5EF4-FFF2-40B4-BE49-F238E27FC236}">
+                  <a16:creationId xmlns:a16="http://schemas.microsoft.com/office/drawing/2014/main" id="{8D146D03-6330-48CB-9A8A-06530434AB4E}"/>
+                </a:ext>
+              </a:extLst>
+            </p:cNvPr>
+            <p:cNvSpPr txBox="1"/>
+            <p:nvPr/>
+          </p:nvSpPr>
+          <p:spPr>
+            <a:xfrm>
+              <a:off x="5426526" y="2855179"/>
+              <a:ext cx="955546" cy="307777"/>
+            </a:xfrm>
+            <a:prstGeom prst="rect">
+              <a:avLst/>
+            </a:prstGeom>
+            <a:noFill/>
+          </p:spPr>
+          <p:txBody>
+            <a:bodyPr wrap="square" rtlCol="0">
+              <a:spAutoFit/>
+            </a:bodyPr>
+            <a:lstStyle/>
+            <a:p>
+              <a:pPr algn="ctr"/>
+              <a:r>
+                <a:rPr lang="en-US" altLang="zh-CN" sz="1400" dirty="0">
+                  <a:latin typeface="Adobe 黑体 Std R" panose="020B0400000000000000" pitchFamily="34" charset="-122"/>
+                  <a:ea typeface="Adobe 黑体 Std R" panose="020B0400000000000000" pitchFamily="34" charset="-122"/>
+                </a:rPr>
+                <a:t>a[2]</a:t>
+              </a:r>
+            </a:p>
+          </p:txBody>
+        </p:sp>
+        <p:sp>
+          <p:nvSpPr>
+            <p:cNvPr id="58" name="文本框 57">
+              <a:extLst>
+                <a:ext uri="{FF2B5EF4-FFF2-40B4-BE49-F238E27FC236}">
+                  <a16:creationId xmlns:a16="http://schemas.microsoft.com/office/drawing/2014/main" id="{54FB9BC3-8441-4BCE-B4EB-A76989891B55}"/>
+                </a:ext>
+              </a:extLst>
+            </p:cNvPr>
+            <p:cNvSpPr txBox="1"/>
+            <p:nvPr/>
+          </p:nvSpPr>
+          <p:spPr>
+            <a:xfrm>
+              <a:off x="6293749" y="2852004"/>
+              <a:ext cx="955546" cy="307777"/>
+            </a:xfrm>
+            <a:prstGeom prst="rect">
+              <a:avLst/>
+            </a:prstGeom>
+            <a:noFill/>
+          </p:spPr>
+          <p:txBody>
+            <a:bodyPr wrap="square" rtlCol="0">
+              <a:spAutoFit/>
+            </a:bodyPr>
+            <a:lstStyle/>
+            <a:p>
+              <a:pPr algn="ctr"/>
+              <a:r>
+                <a:rPr lang="en-US" altLang="zh-CN" sz="1400" dirty="0">
+                  <a:latin typeface="Adobe 黑体 Std R" panose="020B0400000000000000" pitchFamily="34" charset="-122"/>
+                  <a:ea typeface="Adobe 黑体 Std R" panose="020B0400000000000000" pitchFamily="34" charset="-122"/>
+                </a:rPr>
+                <a:t>a[3]</a:t>
+              </a:r>
+            </a:p>
+          </p:txBody>
+        </p:sp>
+        <p:grpSp>
+          <p:nvGrpSpPr>
+            <p:cNvPr id="10" name="组合 9">
+              <a:extLst>
+                <a:ext uri="{FF2B5EF4-FFF2-40B4-BE49-F238E27FC236}">
+                  <a16:creationId xmlns:a16="http://schemas.microsoft.com/office/drawing/2014/main" id="{E2BD4CF3-B918-40DD-B736-64DF8412F45E}"/>
+                </a:ext>
+              </a:extLst>
+            </p:cNvPr>
+            <p:cNvGrpSpPr/>
+            <p:nvPr/>
+          </p:nvGrpSpPr>
+          <p:grpSpPr>
+            <a:xfrm>
+              <a:off x="3387471" y="3685141"/>
+              <a:ext cx="955546" cy="682527"/>
+              <a:chOff x="3393821" y="3685141"/>
+              <a:chExt cx="955546" cy="682527"/>
+            </a:xfrm>
+          </p:grpSpPr>
+          <p:sp>
+            <p:nvSpPr>
+              <p:cNvPr id="55" name="文本框 54">
+                <a:extLst>
+                  <a:ext uri="{FF2B5EF4-FFF2-40B4-BE49-F238E27FC236}">
+                    <a16:creationId xmlns:a16="http://schemas.microsoft.com/office/drawing/2014/main" id="{4C5F3C87-6B7B-4634-B2F2-E4E1203576D5}"/>
+                  </a:ext>
+                </a:extLst>
+              </p:cNvPr>
+              <p:cNvSpPr txBox="1"/>
+              <p:nvPr/>
+            </p:nvSpPr>
+            <p:spPr>
+              <a:xfrm>
+                <a:off x="3393821" y="4090669"/>
+                <a:ext cx="955546" cy="276999"/>
+              </a:xfrm>
+              <a:prstGeom prst="rect">
+                <a:avLst/>
+              </a:prstGeom>
+              <a:noFill/>
+            </p:spPr>
+            <p:txBody>
+              <a:bodyPr wrap="square" rtlCol="0">
+                <a:spAutoFit/>
+              </a:bodyPr>
+              <a:lstStyle/>
+              <a:p>
+                <a:pPr algn="ctr"/>
+                <a:r>
+                  <a:rPr lang="zh-CN" altLang="en-US" sz="1200" dirty="0">
+                    <a:latin typeface="Adobe 黑体 Std R" panose="020B0400000000000000" pitchFamily="34" charset="-122"/>
+                    <a:ea typeface="Adobe 黑体 Std R" panose="020B0400000000000000" pitchFamily="34" charset="-122"/>
+                  </a:rPr>
+                  <a:t>首地址</a:t>
+                </a:r>
+                <a:r>
+                  <a:rPr lang="en-US" altLang="zh-CN" sz="1200" dirty="0">
+                    <a:latin typeface="Adobe 黑体 Std R" panose="020B0400000000000000" pitchFamily="34" charset="-122"/>
+                    <a:ea typeface="Adobe 黑体 Std R" panose="020B0400000000000000" pitchFamily="34" charset="-122"/>
+                  </a:rPr>
+                  <a:t>a</a:t>
+                </a:r>
+              </a:p>
+            </p:txBody>
+          </p:sp>
+          <p:grpSp>
+            <p:nvGrpSpPr>
+              <p:cNvPr id="9" name="组合 8">
+                <a:extLst>
+                  <a:ext uri="{FF2B5EF4-FFF2-40B4-BE49-F238E27FC236}">
+                    <a16:creationId xmlns:a16="http://schemas.microsoft.com/office/drawing/2014/main" id="{A4859434-1B35-4A09-852C-D91BACA6F445}"/>
+                  </a:ext>
+                </a:extLst>
+              </p:cNvPr>
+              <p:cNvGrpSpPr/>
+              <p:nvPr/>
+            </p:nvGrpSpPr>
+            <p:grpSpPr>
+              <a:xfrm>
+                <a:off x="3825875" y="3685141"/>
+                <a:ext cx="45719" cy="405528"/>
+                <a:chOff x="3825875" y="3685141"/>
+                <a:chExt cx="45719" cy="405528"/>
+              </a:xfrm>
+            </p:grpSpPr>
+            <p:cxnSp>
+              <p:nvCxnSpPr>
+                <p:cNvPr id="30" name="直接箭头连接符 29">
+                  <a:extLst>
+                    <a:ext uri="{FF2B5EF4-FFF2-40B4-BE49-F238E27FC236}">
+                      <a16:creationId xmlns:a16="http://schemas.microsoft.com/office/drawing/2014/main" id="{6F34513E-CEE6-4EF3-B52C-35788E0E908C}"/>
+                    </a:ext>
+                  </a:extLst>
+                </p:cNvPr>
+                <p:cNvCxnSpPr>
+                  <a:cxnSpLocks/>
+                </p:cNvCxnSpPr>
+                <p:nvPr/>
+              </p:nvCxnSpPr>
+              <p:spPr>
+                <a:xfrm flipV="1">
+                  <a:off x="3849075" y="3685141"/>
+                  <a:ext cx="0" cy="367780"/>
+                </a:xfrm>
+                <a:prstGeom prst="straightConnector1">
+                  <a:avLst/>
+                </a:prstGeom>
+                <a:ln w="31750">
+                  <a:solidFill>
+                    <a:schemeClr val="tx1">
+                      <a:lumMod val="65000"/>
+                      <a:lumOff val="35000"/>
+                    </a:schemeClr>
+                  </a:solidFill>
+                  <a:tailEnd type="triangle"/>
+                </a:ln>
+              </p:spPr>
+              <p:style>
+                <a:lnRef idx="1">
+                  <a:schemeClr val="accent1"/>
+                </a:lnRef>
+                <a:fillRef idx="0">
+                  <a:schemeClr val="accent1"/>
+                </a:fillRef>
+                <a:effectRef idx="0">
+                  <a:schemeClr val="accent1"/>
+                </a:effectRef>
+                <a:fontRef idx="minor">
+                  <a:schemeClr val="tx1"/>
+                </a:fontRef>
+              </p:style>
+            </p:cxnSp>
+            <p:sp>
+              <p:nvSpPr>
+                <p:cNvPr id="7" name="椭圆 6">
+                  <a:extLst>
+                    <a:ext uri="{FF2B5EF4-FFF2-40B4-BE49-F238E27FC236}">
+                      <a16:creationId xmlns:a16="http://schemas.microsoft.com/office/drawing/2014/main" id="{76206837-5C52-42A2-AEC2-62F200A9680A}"/>
+                    </a:ext>
+                  </a:extLst>
+                </p:cNvPr>
+                <p:cNvSpPr/>
+                <p:nvPr/>
+              </p:nvSpPr>
+              <p:spPr>
+                <a:xfrm>
+                  <a:off x="3825875" y="4044950"/>
+                  <a:ext cx="45719" cy="45719"/>
+                </a:xfrm>
+                <a:prstGeom prst="ellipse">
+                  <a:avLst/>
+                </a:prstGeom>
+                <a:solidFill>
+                  <a:schemeClr val="tx1">
+                    <a:lumMod val="65000"/>
+                    <a:lumOff val="35000"/>
+                  </a:schemeClr>
+                </a:solidFill>
+                <a:ln>
+                  <a:solidFill>
+                    <a:schemeClr val="tx1">
+                      <a:lumMod val="65000"/>
+                      <a:lumOff val="35000"/>
+                    </a:schemeClr>
+                  </a:solidFill>
+                </a:ln>
+              </p:spPr>
+              <p:style>
+                <a:lnRef idx="2">
+                  <a:schemeClr val="accent1">
+                    <a:shade val="50000"/>
+                  </a:schemeClr>
+                </a:lnRef>
+                <a:fillRef idx="1">
+                  <a:schemeClr val="accent1"/>
+                </a:fillRef>
+                <a:effectRef idx="0">
+                  <a:schemeClr val="accent1"/>
+                </a:effectRef>
+                <a:fontRef idx="minor">
+                  <a:schemeClr val="lt1"/>
+                </a:fontRef>
+              </p:style>
+              <p:txBody>
+                <a:bodyPr rtlCol="0" anchor="ctr"/>
+                <a:lstStyle/>
+                <a:p>
+                  <a:pPr algn="ctr"/>
+                  <a:endParaRPr lang="zh-CN" altLang="en-US"/>
+                </a:p>
+              </p:txBody>
+            </p:sp>
+          </p:grpSp>
+        </p:grpSp>
+        <p:grpSp>
+          <p:nvGrpSpPr>
+            <p:cNvPr id="59" name="组合 58">
+              <a:extLst>
+                <a:ext uri="{FF2B5EF4-FFF2-40B4-BE49-F238E27FC236}">
+                  <a16:creationId xmlns:a16="http://schemas.microsoft.com/office/drawing/2014/main" id="{09BD0D36-4AFD-4CAB-89F3-AC617C1C6E3B}"/>
+                </a:ext>
+              </a:extLst>
+            </p:cNvPr>
+            <p:cNvGrpSpPr/>
+            <p:nvPr/>
+          </p:nvGrpSpPr>
+          <p:grpSpPr>
+            <a:xfrm>
+              <a:off x="4260596" y="3681966"/>
+              <a:ext cx="955546" cy="682527"/>
+              <a:chOff x="3393821" y="3685141"/>
+              <a:chExt cx="955546" cy="682527"/>
+            </a:xfrm>
+          </p:grpSpPr>
+          <p:sp>
+            <p:nvSpPr>
+              <p:cNvPr id="60" name="文本框 59">
+                <a:extLst>
+                  <a:ext uri="{FF2B5EF4-FFF2-40B4-BE49-F238E27FC236}">
+                    <a16:creationId xmlns:a16="http://schemas.microsoft.com/office/drawing/2014/main" id="{A51A0BA2-4924-49A0-844E-739BCB9C16C4}"/>
+                  </a:ext>
+                </a:extLst>
+              </p:cNvPr>
+              <p:cNvSpPr txBox="1"/>
+              <p:nvPr/>
+            </p:nvSpPr>
+            <p:spPr>
+              <a:xfrm>
+                <a:off x="3393821" y="4090669"/>
+                <a:ext cx="955546" cy="276999"/>
+              </a:xfrm>
+              <a:prstGeom prst="rect">
+                <a:avLst/>
+              </a:prstGeom>
+              <a:noFill/>
+            </p:spPr>
+            <p:txBody>
+              <a:bodyPr wrap="square" rtlCol="0">
+                <a:spAutoFit/>
+              </a:bodyPr>
+              <a:lstStyle/>
+              <a:p>
+                <a:pPr algn="ctr"/>
+                <a:r>
+                  <a:rPr lang="zh-CN" altLang="en-US" sz="1200" dirty="0">
+                    <a:latin typeface="Adobe 黑体 Std R" panose="020B0400000000000000" pitchFamily="34" charset="-122"/>
+                    <a:ea typeface="Adobe 黑体 Std R" panose="020B0400000000000000" pitchFamily="34" charset="-122"/>
+                  </a:rPr>
+                  <a:t>地址</a:t>
+                </a:r>
+                <a:r>
+                  <a:rPr lang="en-US" altLang="zh-CN" sz="1200" dirty="0">
+                    <a:latin typeface="Adobe 黑体 Std R" panose="020B0400000000000000" pitchFamily="34" charset="-122"/>
+                    <a:ea typeface="Adobe 黑体 Std R" panose="020B0400000000000000" pitchFamily="34" charset="-122"/>
+                  </a:rPr>
+                  <a:t>a+4</a:t>
+                </a:r>
+              </a:p>
+            </p:txBody>
+          </p:sp>
+          <p:grpSp>
+            <p:nvGrpSpPr>
+              <p:cNvPr id="61" name="组合 60">
+                <a:extLst>
+                  <a:ext uri="{FF2B5EF4-FFF2-40B4-BE49-F238E27FC236}">
+                    <a16:creationId xmlns:a16="http://schemas.microsoft.com/office/drawing/2014/main" id="{D8213E86-0FA6-476F-8F28-F1E611DC9271}"/>
+                  </a:ext>
+                </a:extLst>
+              </p:cNvPr>
+              <p:cNvGrpSpPr/>
+              <p:nvPr/>
+            </p:nvGrpSpPr>
+            <p:grpSpPr>
+              <a:xfrm>
+                <a:off x="3825875" y="3685141"/>
+                <a:ext cx="45719" cy="405528"/>
+                <a:chOff x="3825875" y="3685141"/>
+                <a:chExt cx="45719" cy="405528"/>
+              </a:xfrm>
+            </p:grpSpPr>
+            <p:cxnSp>
+              <p:nvCxnSpPr>
+                <p:cNvPr id="62" name="直接箭头连接符 61">
+                  <a:extLst>
+                    <a:ext uri="{FF2B5EF4-FFF2-40B4-BE49-F238E27FC236}">
+                      <a16:creationId xmlns:a16="http://schemas.microsoft.com/office/drawing/2014/main" id="{6C7FB2FA-D122-4A5C-8A78-1C9274578472}"/>
+                    </a:ext>
+                  </a:extLst>
+                </p:cNvPr>
+                <p:cNvCxnSpPr>
+                  <a:cxnSpLocks/>
+                </p:cNvCxnSpPr>
+                <p:nvPr/>
+              </p:nvCxnSpPr>
+              <p:spPr>
+                <a:xfrm flipV="1">
+                  <a:off x="3849075" y="3685141"/>
+                  <a:ext cx="0" cy="367780"/>
+                </a:xfrm>
+                <a:prstGeom prst="straightConnector1">
+                  <a:avLst/>
+                </a:prstGeom>
+                <a:ln w="31750">
+                  <a:solidFill>
+                    <a:schemeClr val="tx1">
+                      <a:lumMod val="65000"/>
+                      <a:lumOff val="35000"/>
+                    </a:schemeClr>
+                  </a:solidFill>
+                  <a:tailEnd type="triangle"/>
+                </a:ln>
+              </p:spPr>
+              <p:style>
+                <a:lnRef idx="1">
+                  <a:schemeClr val="accent1"/>
+                </a:lnRef>
+                <a:fillRef idx="0">
+                  <a:schemeClr val="accent1"/>
+                </a:fillRef>
+                <a:effectRef idx="0">
+                  <a:schemeClr val="accent1"/>
+                </a:effectRef>
+                <a:fontRef idx="minor">
+                  <a:schemeClr val="tx1"/>
+                </a:fontRef>
+              </p:style>
+            </p:cxnSp>
+            <p:sp>
+              <p:nvSpPr>
+                <p:cNvPr id="63" name="椭圆 62">
+                  <a:extLst>
+                    <a:ext uri="{FF2B5EF4-FFF2-40B4-BE49-F238E27FC236}">
+                      <a16:creationId xmlns:a16="http://schemas.microsoft.com/office/drawing/2014/main" id="{44C0C4C9-284D-47EF-B0CC-10D792177FCF}"/>
+                    </a:ext>
+                  </a:extLst>
+                </p:cNvPr>
+                <p:cNvSpPr/>
+                <p:nvPr/>
+              </p:nvSpPr>
+              <p:spPr>
+                <a:xfrm>
+                  <a:off x="3825875" y="4044950"/>
+                  <a:ext cx="45719" cy="45719"/>
+                </a:xfrm>
+                <a:prstGeom prst="ellipse">
+                  <a:avLst/>
+                </a:prstGeom>
+                <a:solidFill>
+                  <a:schemeClr val="tx1">
+                    <a:lumMod val="65000"/>
+                    <a:lumOff val="35000"/>
+                  </a:schemeClr>
+                </a:solidFill>
+                <a:ln>
+                  <a:solidFill>
+                    <a:schemeClr val="tx1">
+                      <a:lumMod val="65000"/>
+                      <a:lumOff val="35000"/>
+                    </a:schemeClr>
+                  </a:solidFill>
+                </a:ln>
+              </p:spPr>
+              <p:style>
+                <a:lnRef idx="2">
+                  <a:schemeClr val="accent1">
+                    <a:shade val="50000"/>
+                  </a:schemeClr>
+                </a:lnRef>
+                <a:fillRef idx="1">
+                  <a:schemeClr val="accent1"/>
+                </a:fillRef>
+                <a:effectRef idx="0">
+                  <a:schemeClr val="accent1"/>
+                </a:effectRef>
+                <a:fontRef idx="minor">
+                  <a:schemeClr val="lt1"/>
+                </a:fontRef>
+              </p:style>
+              <p:txBody>
+                <a:bodyPr rtlCol="0" anchor="ctr"/>
+                <a:lstStyle/>
+                <a:p>
+                  <a:pPr algn="ctr"/>
+                  <a:endParaRPr lang="zh-CN" altLang="en-US"/>
+                </a:p>
+              </p:txBody>
+            </p:sp>
+          </p:grpSp>
+        </p:grpSp>
+        <p:grpSp>
+          <p:nvGrpSpPr>
+            <p:cNvPr id="64" name="组合 63">
+              <a:extLst>
+                <a:ext uri="{FF2B5EF4-FFF2-40B4-BE49-F238E27FC236}">
+                  <a16:creationId xmlns:a16="http://schemas.microsoft.com/office/drawing/2014/main" id="{E5DD4FF8-28D3-4AC1-836A-FB6DA36629B5}"/>
+                </a:ext>
+              </a:extLst>
+            </p:cNvPr>
+            <p:cNvGrpSpPr/>
+            <p:nvPr/>
+          </p:nvGrpSpPr>
+          <p:grpSpPr>
+            <a:xfrm>
+              <a:off x="5130546" y="3681966"/>
+              <a:ext cx="955546" cy="682527"/>
+              <a:chOff x="3393821" y="3685141"/>
+              <a:chExt cx="955546" cy="682527"/>
+            </a:xfrm>
+          </p:grpSpPr>
+          <p:sp>
+            <p:nvSpPr>
+              <p:cNvPr id="65" name="文本框 64">
+                <a:extLst>
+                  <a:ext uri="{FF2B5EF4-FFF2-40B4-BE49-F238E27FC236}">
+                    <a16:creationId xmlns:a16="http://schemas.microsoft.com/office/drawing/2014/main" id="{BC4BA3C7-A49E-4131-AFCA-ABDBE32B0091}"/>
+                  </a:ext>
+                </a:extLst>
+              </p:cNvPr>
+              <p:cNvSpPr txBox="1"/>
+              <p:nvPr/>
+            </p:nvSpPr>
+            <p:spPr>
+              <a:xfrm>
+                <a:off x="3393821" y="4090669"/>
+                <a:ext cx="955546" cy="276999"/>
+              </a:xfrm>
+              <a:prstGeom prst="rect">
+                <a:avLst/>
+              </a:prstGeom>
+              <a:noFill/>
+            </p:spPr>
+            <p:txBody>
+              <a:bodyPr wrap="square" rtlCol="0">
+                <a:spAutoFit/>
+              </a:bodyPr>
+              <a:lstStyle/>
+              <a:p>
+                <a:pPr algn="ctr"/>
+                <a:r>
+                  <a:rPr lang="zh-CN" altLang="en-US" sz="1200" dirty="0">
+                    <a:latin typeface="Adobe 黑体 Std R" panose="020B0400000000000000" pitchFamily="34" charset="-122"/>
+                    <a:ea typeface="Adobe 黑体 Std R" panose="020B0400000000000000" pitchFamily="34" charset="-122"/>
+                  </a:rPr>
+                  <a:t>地址</a:t>
+                </a:r>
+                <a:r>
+                  <a:rPr lang="en-US" altLang="zh-CN" sz="1200" dirty="0">
+                    <a:latin typeface="Adobe 黑体 Std R" panose="020B0400000000000000" pitchFamily="34" charset="-122"/>
+                    <a:ea typeface="Adobe 黑体 Std R" panose="020B0400000000000000" pitchFamily="34" charset="-122"/>
+                  </a:rPr>
+                  <a:t>a+8</a:t>
+                </a:r>
+              </a:p>
+            </p:txBody>
+          </p:sp>
+          <p:grpSp>
+            <p:nvGrpSpPr>
+              <p:cNvPr id="66" name="组合 65">
+                <a:extLst>
+                  <a:ext uri="{FF2B5EF4-FFF2-40B4-BE49-F238E27FC236}">
+                    <a16:creationId xmlns:a16="http://schemas.microsoft.com/office/drawing/2014/main" id="{DA0E0E08-67CA-4C22-A761-B871B755B4C8}"/>
+                  </a:ext>
+                </a:extLst>
+              </p:cNvPr>
+              <p:cNvGrpSpPr/>
+              <p:nvPr/>
+            </p:nvGrpSpPr>
+            <p:grpSpPr>
+              <a:xfrm>
+                <a:off x="3825875" y="3685141"/>
+                <a:ext cx="45719" cy="405528"/>
+                <a:chOff x="3825875" y="3685141"/>
+                <a:chExt cx="45719" cy="405528"/>
+              </a:xfrm>
+            </p:grpSpPr>
+            <p:cxnSp>
+              <p:nvCxnSpPr>
+                <p:cNvPr id="67" name="直接箭头连接符 66">
+                  <a:extLst>
+                    <a:ext uri="{FF2B5EF4-FFF2-40B4-BE49-F238E27FC236}">
+                      <a16:creationId xmlns:a16="http://schemas.microsoft.com/office/drawing/2014/main" id="{A66F5D8C-E99A-4831-AA0D-69B3C216819B}"/>
+                    </a:ext>
+                  </a:extLst>
+                </p:cNvPr>
+                <p:cNvCxnSpPr>
+                  <a:cxnSpLocks/>
+                </p:cNvCxnSpPr>
+                <p:nvPr/>
+              </p:nvCxnSpPr>
+              <p:spPr>
+                <a:xfrm flipV="1">
+                  <a:off x="3849075" y="3685141"/>
+                  <a:ext cx="0" cy="367780"/>
+                </a:xfrm>
+                <a:prstGeom prst="straightConnector1">
+                  <a:avLst/>
+                </a:prstGeom>
+                <a:ln w="31750">
+                  <a:solidFill>
+                    <a:schemeClr val="tx1">
+                      <a:lumMod val="65000"/>
+                      <a:lumOff val="35000"/>
+                    </a:schemeClr>
+                  </a:solidFill>
+                  <a:tailEnd type="triangle"/>
+                </a:ln>
+              </p:spPr>
+              <p:style>
+                <a:lnRef idx="1">
+                  <a:schemeClr val="accent1"/>
+                </a:lnRef>
+                <a:fillRef idx="0">
+                  <a:schemeClr val="accent1"/>
+                </a:fillRef>
+                <a:effectRef idx="0">
+                  <a:schemeClr val="accent1"/>
+                </a:effectRef>
+                <a:fontRef idx="minor">
+                  <a:schemeClr val="tx1"/>
+                </a:fontRef>
+              </p:style>
+            </p:cxnSp>
+            <p:sp>
+              <p:nvSpPr>
+                <p:cNvPr id="68" name="椭圆 67">
+                  <a:extLst>
+                    <a:ext uri="{FF2B5EF4-FFF2-40B4-BE49-F238E27FC236}">
+                      <a16:creationId xmlns:a16="http://schemas.microsoft.com/office/drawing/2014/main" id="{C4E956B6-8158-422D-971C-4888B7456C60}"/>
+                    </a:ext>
+                  </a:extLst>
+                </p:cNvPr>
+                <p:cNvSpPr/>
+                <p:nvPr/>
+              </p:nvSpPr>
+              <p:spPr>
+                <a:xfrm>
+                  <a:off x="3825875" y="4044950"/>
+                  <a:ext cx="45719" cy="45719"/>
+                </a:xfrm>
+                <a:prstGeom prst="ellipse">
+                  <a:avLst/>
+                </a:prstGeom>
+                <a:solidFill>
+                  <a:schemeClr val="tx1">
+                    <a:lumMod val="65000"/>
+                    <a:lumOff val="35000"/>
+                  </a:schemeClr>
+                </a:solidFill>
+                <a:ln>
+                  <a:solidFill>
+                    <a:schemeClr val="tx1">
+                      <a:lumMod val="65000"/>
+                      <a:lumOff val="35000"/>
+                    </a:schemeClr>
+                  </a:solidFill>
+                </a:ln>
+              </p:spPr>
+              <p:style>
+                <a:lnRef idx="2">
+                  <a:schemeClr val="accent1">
+                    <a:shade val="50000"/>
+                  </a:schemeClr>
+                </a:lnRef>
+                <a:fillRef idx="1">
+                  <a:schemeClr val="accent1"/>
+                </a:fillRef>
+                <a:effectRef idx="0">
+                  <a:schemeClr val="accent1"/>
+                </a:effectRef>
+                <a:fontRef idx="minor">
+                  <a:schemeClr val="lt1"/>
+                </a:fontRef>
+              </p:style>
+              <p:txBody>
+                <a:bodyPr rtlCol="0" anchor="ctr"/>
+                <a:lstStyle/>
+                <a:p>
+                  <a:pPr algn="ctr"/>
+                  <a:endParaRPr lang="zh-CN" altLang="en-US"/>
+                </a:p>
+              </p:txBody>
+            </p:sp>
+          </p:grpSp>
+        </p:grpSp>
+        <p:grpSp>
+          <p:nvGrpSpPr>
+            <p:cNvPr id="69" name="组合 68">
+              <a:extLst>
+                <a:ext uri="{FF2B5EF4-FFF2-40B4-BE49-F238E27FC236}">
+                  <a16:creationId xmlns:a16="http://schemas.microsoft.com/office/drawing/2014/main" id="{B8B64283-356C-4044-9E5F-EBAF9F0D5775}"/>
+                </a:ext>
+              </a:extLst>
+            </p:cNvPr>
+            <p:cNvGrpSpPr/>
+            <p:nvPr/>
+          </p:nvGrpSpPr>
+          <p:grpSpPr>
+            <a:xfrm>
+              <a:off x="5863970" y="3681966"/>
+              <a:ext cx="1324230" cy="679352"/>
+              <a:chOff x="3254120" y="3685141"/>
+              <a:chExt cx="1324230" cy="679352"/>
+            </a:xfrm>
+          </p:grpSpPr>
+          <p:sp>
+            <p:nvSpPr>
+              <p:cNvPr id="70" name="文本框 69">
+                <a:extLst>
+                  <a:ext uri="{FF2B5EF4-FFF2-40B4-BE49-F238E27FC236}">
+                    <a16:creationId xmlns:a16="http://schemas.microsoft.com/office/drawing/2014/main" id="{0A9AAF27-ADDD-4142-8456-03F7B82F4559}"/>
+                  </a:ext>
+                </a:extLst>
+              </p:cNvPr>
+              <p:cNvSpPr txBox="1"/>
+              <p:nvPr/>
+            </p:nvSpPr>
+            <p:spPr>
+              <a:xfrm>
+                <a:off x="3254120" y="4087494"/>
+                <a:ext cx="1324230" cy="276999"/>
+              </a:xfrm>
+              <a:prstGeom prst="rect">
+                <a:avLst/>
+              </a:prstGeom>
+              <a:noFill/>
+            </p:spPr>
+            <p:txBody>
+              <a:bodyPr wrap="square" rtlCol="0">
+                <a:spAutoFit/>
+              </a:bodyPr>
+              <a:lstStyle/>
+              <a:p>
+                <a:pPr algn="ctr"/>
+                <a:r>
+                  <a:rPr lang="zh-CN" altLang="en-US" sz="1200" dirty="0">
+                    <a:latin typeface="Adobe 黑体 Std R" panose="020B0400000000000000" pitchFamily="34" charset="-122"/>
+                    <a:ea typeface="Adobe 黑体 Std R" panose="020B0400000000000000" pitchFamily="34" charset="-122"/>
+                  </a:rPr>
+                  <a:t>地址</a:t>
+                </a:r>
+                <a:r>
+                  <a:rPr lang="en-US" altLang="zh-CN" sz="1200" dirty="0">
+                    <a:latin typeface="Adobe 黑体 Std R" panose="020B0400000000000000" pitchFamily="34" charset="-122"/>
+                    <a:ea typeface="Adobe 黑体 Std R" panose="020B0400000000000000" pitchFamily="34" charset="-122"/>
+                  </a:rPr>
+                  <a:t>a+12</a:t>
+                </a:r>
+              </a:p>
+            </p:txBody>
+          </p:sp>
+          <p:grpSp>
+            <p:nvGrpSpPr>
+              <p:cNvPr id="71" name="组合 70">
+                <a:extLst>
+                  <a:ext uri="{FF2B5EF4-FFF2-40B4-BE49-F238E27FC236}">
+                    <a16:creationId xmlns:a16="http://schemas.microsoft.com/office/drawing/2014/main" id="{7D30684B-A9C9-43E5-B6FA-02F4FECF7AE1}"/>
+                  </a:ext>
+                </a:extLst>
+              </p:cNvPr>
+              <p:cNvGrpSpPr/>
+              <p:nvPr/>
+            </p:nvGrpSpPr>
+            <p:grpSpPr>
+              <a:xfrm>
+                <a:off x="3825875" y="3685141"/>
+                <a:ext cx="45719" cy="405528"/>
+                <a:chOff x="3825875" y="3685141"/>
+                <a:chExt cx="45719" cy="405528"/>
+              </a:xfrm>
+            </p:grpSpPr>
+            <p:cxnSp>
+              <p:nvCxnSpPr>
+                <p:cNvPr id="72" name="直接箭头连接符 71">
+                  <a:extLst>
+                    <a:ext uri="{FF2B5EF4-FFF2-40B4-BE49-F238E27FC236}">
+                      <a16:creationId xmlns:a16="http://schemas.microsoft.com/office/drawing/2014/main" id="{7B5B2FC5-7376-47F0-ABED-E487408EB757}"/>
+                    </a:ext>
+                  </a:extLst>
+                </p:cNvPr>
+                <p:cNvCxnSpPr>
+                  <a:cxnSpLocks/>
+                </p:cNvCxnSpPr>
+                <p:nvPr/>
+              </p:nvCxnSpPr>
+              <p:spPr>
+                <a:xfrm flipV="1">
+                  <a:off x="3849075" y="3685141"/>
+                  <a:ext cx="0" cy="367780"/>
+                </a:xfrm>
+                <a:prstGeom prst="straightConnector1">
+                  <a:avLst/>
+                </a:prstGeom>
+                <a:ln w="31750">
+                  <a:solidFill>
+                    <a:schemeClr val="tx1">
+                      <a:lumMod val="65000"/>
+                      <a:lumOff val="35000"/>
+                    </a:schemeClr>
+                  </a:solidFill>
+                  <a:tailEnd type="triangle"/>
+                </a:ln>
+              </p:spPr>
+              <p:style>
+                <a:lnRef idx="1">
+                  <a:schemeClr val="accent1"/>
+                </a:lnRef>
+                <a:fillRef idx="0">
+                  <a:schemeClr val="accent1"/>
+                </a:fillRef>
+                <a:effectRef idx="0">
+                  <a:schemeClr val="accent1"/>
+                </a:effectRef>
+                <a:fontRef idx="minor">
+                  <a:schemeClr val="tx1"/>
+                </a:fontRef>
+              </p:style>
+            </p:cxnSp>
+            <p:sp>
+              <p:nvSpPr>
+                <p:cNvPr id="73" name="椭圆 72">
+                  <a:extLst>
+                    <a:ext uri="{FF2B5EF4-FFF2-40B4-BE49-F238E27FC236}">
+                      <a16:creationId xmlns:a16="http://schemas.microsoft.com/office/drawing/2014/main" id="{623D1E3A-B1EC-433C-9F05-E218D612CBB2}"/>
+                    </a:ext>
+                  </a:extLst>
+                </p:cNvPr>
+                <p:cNvSpPr/>
+                <p:nvPr/>
+              </p:nvSpPr>
+              <p:spPr>
+                <a:xfrm>
+                  <a:off x="3825875" y="4044950"/>
+                  <a:ext cx="45719" cy="45719"/>
+                </a:xfrm>
+                <a:prstGeom prst="ellipse">
+                  <a:avLst/>
+                </a:prstGeom>
+                <a:solidFill>
+                  <a:schemeClr val="tx1">
+                    <a:lumMod val="65000"/>
+                    <a:lumOff val="35000"/>
+                  </a:schemeClr>
+                </a:solidFill>
+                <a:ln>
+                  <a:solidFill>
+                    <a:schemeClr val="tx1">
+                      <a:lumMod val="65000"/>
+                      <a:lumOff val="35000"/>
+                    </a:schemeClr>
+                  </a:solidFill>
+                </a:ln>
+              </p:spPr>
+              <p:style>
+                <a:lnRef idx="2">
+                  <a:schemeClr val="accent1">
+                    <a:shade val="50000"/>
+                  </a:schemeClr>
+                </a:lnRef>
+                <a:fillRef idx="1">
+                  <a:schemeClr val="accent1"/>
+                </a:fillRef>
+                <a:effectRef idx="0">
+                  <a:schemeClr val="accent1"/>
+                </a:effectRef>
+                <a:fontRef idx="minor">
+                  <a:schemeClr val="lt1"/>
+                </a:fontRef>
+              </p:style>
+              <p:txBody>
+                <a:bodyPr rtlCol="0" anchor="ctr"/>
+                <a:lstStyle/>
+                <a:p>
+                  <a:pPr algn="ctr"/>
+                  <a:endParaRPr lang="zh-CN" altLang="en-US"/>
+                </a:p>
+              </p:txBody>
+            </p:sp>
+          </p:grpSp>
+        </p:grpSp>
+      </p:grpSp>
+      <p:grpSp>
+        <p:nvGrpSpPr>
+          <p:cNvPr id="140" name="组合 139">
+            <a:extLst>
+              <a:ext uri="{FF2B5EF4-FFF2-40B4-BE49-F238E27FC236}">
+                <a16:creationId xmlns:a16="http://schemas.microsoft.com/office/drawing/2014/main" id="{03B613FD-F758-4C3C-AACF-B150BDAB3E71}"/>
+              </a:ext>
+            </a:extLst>
+          </p:cNvPr>
+          <p:cNvGrpSpPr/>
+          <p:nvPr/>
+        </p:nvGrpSpPr>
+        <p:grpSpPr>
+          <a:xfrm>
+            <a:off x="1940760" y="2752708"/>
+            <a:ext cx="7199242" cy="3291966"/>
+            <a:chOff x="1940760" y="2752708"/>
+            <a:chExt cx="7199242" cy="3291966"/>
+          </a:xfrm>
+        </p:grpSpPr>
+        <p:sp>
+          <p:nvSpPr>
+            <p:cNvPr id="75" name="矩形 74">
+              <a:extLst>
+                <a:ext uri="{FF2B5EF4-FFF2-40B4-BE49-F238E27FC236}">
+                  <a16:creationId xmlns:a16="http://schemas.microsoft.com/office/drawing/2014/main" id="{F4924A80-F317-43FC-AC74-8E22884B85CF}"/>
+                </a:ext>
+              </a:extLst>
+            </p:cNvPr>
+            <p:cNvSpPr/>
+            <p:nvPr/>
+          </p:nvSpPr>
+          <p:spPr>
+            <a:xfrm>
+              <a:off x="2742399" y="3078550"/>
+              <a:ext cx="861889" cy="508656"/>
+            </a:xfrm>
+            <a:prstGeom prst="rect">
+              <a:avLst/>
+            </a:prstGeom>
+            <a:ln>
+              <a:solidFill>
+                <a:schemeClr val="tx1">
+                  <a:lumMod val="65000"/>
+                  <a:lumOff val="35000"/>
+                </a:schemeClr>
+              </a:solidFill>
+            </a:ln>
+          </p:spPr>
+          <p:style>
+            <a:lnRef idx="2">
+              <a:schemeClr val="accent1">
+                <a:shade val="50000"/>
+              </a:schemeClr>
+            </a:lnRef>
+            <a:fillRef idx="1">
+              <a:schemeClr val="accent1"/>
+            </a:fillRef>
+            <a:effectRef idx="0">
+              <a:schemeClr val="accent1"/>
+            </a:effectRef>
+            <a:fontRef idx="minor">
+              <a:schemeClr val="lt1"/>
+            </a:fontRef>
+          </p:style>
+          <p:txBody>
+            <a:bodyPr rtlCol="0" anchor="ctr"/>
+            <a:lstStyle/>
+            <a:p>
+              <a:pPr algn="ctr"/>
+              <a:r>
+                <a:rPr lang="en-US" altLang="zh-CN" dirty="0"/>
+                <a:t>a</a:t>
+              </a:r>
+              <a:endParaRPr lang="zh-CN" altLang="en-US" dirty="0"/>
+            </a:p>
+          </p:txBody>
+        </p:sp>
+        <p:sp>
+          <p:nvSpPr>
+            <p:cNvPr id="76" name="矩形 75">
+              <a:extLst>
+                <a:ext uri="{FF2B5EF4-FFF2-40B4-BE49-F238E27FC236}">
+                  <a16:creationId xmlns:a16="http://schemas.microsoft.com/office/drawing/2014/main" id="{03D59FA4-6853-45DB-842A-F576A684C88B}"/>
+                </a:ext>
+              </a:extLst>
+            </p:cNvPr>
+            <p:cNvSpPr/>
+            <p:nvPr/>
+          </p:nvSpPr>
+          <p:spPr>
+            <a:xfrm>
+              <a:off x="3609471" y="3078550"/>
+              <a:ext cx="861889" cy="508656"/>
+            </a:xfrm>
+            <a:prstGeom prst="rect">
+              <a:avLst/>
+            </a:prstGeom>
+            <a:pattFill prst="wdDnDiag">
+              <a:fgClr>
+                <a:schemeClr val="tx1">
+                  <a:lumMod val="75000"/>
+                  <a:lumOff val="25000"/>
+                </a:schemeClr>
+              </a:fgClr>
+              <a:bgClr>
+                <a:schemeClr val="accent1"/>
+              </a:bgClr>
+            </a:pattFill>
+            <a:ln>
+              <a:solidFill>
+                <a:schemeClr val="tx1">
+                  <a:lumMod val="65000"/>
+                  <a:lumOff val="35000"/>
+                </a:schemeClr>
+              </a:solidFill>
+            </a:ln>
+          </p:spPr>
+          <p:style>
+            <a:lnRef idx="2">
+              <a:schemeClr val="accent1">
+                <a:shade val="50000"/>
+              </a:schemeClr>
+            </a:lnRef>
+            <a:fillRef idx="1">
+              <a:schemeClr val="accent1"/>
+            </a:fillRef>
+            <a:effectRef idx="0">
+              <a:schemeClr val="accent1"/>
+            </a:effectRef>
+            <a:fontRef idx="minor">
+              <a:schemeClr val="lt1"/>
+            </a:fontRef>
+          </p:style>
+          <p:txBody>
+            <a:bodyPr rtlCol="0" anchor="ctr"/>
+            <a:lstStyle/>
+            <a:p>
+              <a:pPr algn="ctr"/>
+              <a:r>
+                <a:rPr lang="en-US" altLang="zh-CN" dirty="0">
+                  <a:solidFill>
+                    <a:schemeClr val="tx1">
+                      <a:lumMod val="75000"/>
+                      <a:lumOff val="25000"/>
+                    </a:schemeClr>
+                  </a:solidFill>
+                </a:rPr>
+                <a:t>b</a:t>
+              </a:r>
+              <a:endParaRPr lang="zh-CN" altLang="en-US" dirty="0">
+                <a:solidFill>
+                  <a:schemeClr val="tx1">
+                    <a:lumMod val="75000"/>
+                    <a:lumOff val="25000"/>
+                  </a:schemeClr>
+                </a:solidFill>
+              </a:endParaRPr>
+            </a:p>
+          </p:txBody>
+        </p:sp>
+        <p:sp>
+          <p:nvSpPr>
+            <p:cNvPr id="79" name="矩形 78">
+              <a:extLst>
+                <a:ext uri="{FF2B5EF4-FFF2-40B4-BE49-F238E27FC236}">
+                  <a16:creationId xmlns:a16="http://schemas.microsoft.com/office/drawing/2014/main" id="{406B67F0-F8A1-434E-AE3C-BA3B597AE273}"/>
+                </a:ext>
+              </a:extLst>
+            </p:cNvPr>
+            <p:cNvSpPr/>
+            <p:nvPr/>
+          </p:nvSpPr>
+          <p:spPr>
+            <a:xfrm>
+              <a:off x="4478504" y="3078550"/>
+              <a:ext cx="861889" cy="508656"/>
+            </a:xfrm>
+            <a:prstGeom prst="rect">
+              <a:avLst/>
+            </a:prstGeom>
+            <a:pattFill prst="wdDnDiag">
+              <a:fgClr>
+                <a:schemeClr val="tx1">
+                  <a:lumMod val="75000"/>
+                  <a:lumOff val="25000"/>
+                </a:schemeClr>
+              </a:fgClr>
+              <a:bgClr>
+                <a:schemeClr val="accent1"/>
+              </a:bgClr>
+            </a:pattFill>
+            <a:ln>
+              <a:solidFill>
+                <a:schemeClr val="tx1">
+                  <a:lumMod val="65000"/>
+                  <a:lumOff val="35000"/>
+                </a:schemeClr>
+              </a:solidFill>
+            </a:ln>
+          </p:spPr>
+          <p:style>
+            <a:lnRef idx="2">
+              <a:schemeClr val="accent1">
+                <a:shade val="50000"/>
+              </a:schemeClr>
+            </a:lnRef>
+            <a:fillRef idx="1">
+              <a:schemeClr val="accent1"/>
+            </a:fillRef>
+            <a:effectRef idx="0">
+              <a:schemeClr val="accent1"/>
+            </a:effectRef>
+            <a:fontRef idx="minor">
+              <a:schemeClr val="lt1"/>
+            </a:fontRef>
+          </p:style>
+          <p:txBody>
+            <a:bodyPr rtlCol="0" anchor="ctr"/>
+            <a:lstStyle/>
+            <a:p>
+              <a:pPr algn="ctr"/>
+              <a:r>
+                <a:rPr lang="en-US" altLang="zh-CN" dirty="0">
+                  <a:solidFill>
+                    <a:schemeClr val="tx1">
+                      <a:lumMod val="75000"/>
+                      <a:lumOff val="25000"/>
+                    </a:schemeClr>
+                  </a:solidFill>
+                </a:rPr>
+                <a:t>c</a:t>
+              </a:r>
+              <a:endParaRPr lang="zh-CN" altLang="en-US" dirty="0">
+                <a:solidFill>
+                  <a:schemeClr val="tx1">
+                    <a:lumMod val="75000"/>
+                    <a:lumOff val="25000"/>
+                  </a:schemeClr>
+                </a:solidFill>
+              </a:endParaRPr>
+            </a:p>
+          </p:txBody>
+        </p:sp>
+        <p:sp>
+          <p:nvSpPr>
+            <p:cNvPr id="80" name="矩形 79">
+              <a:extLst>
+                <a:ext uri="{FF2B5EF4-FFF2-40B4-BE49-F238E27FC236}">
+                  <a16:creationId xmlns:a16="http://schemas.microsoft.com/office/drawing/2014/main" id="{F39E3D8D-BE1F-4EB4-9888-E9E04B0F1688}"/>
+                </a:ext>
+              </a:extLst>
+            </p:cNvPr>
+            <p:cNvSpPr/>
+            <p:nvPr/>
+          </p:nvSpPr>
+          <p:spPr>
+            <a:xfrm>
+              <a:off x="5342774" y="3078550"/>
+              <a:ext cx="861889" cy="508656"/>
+            </a:xfrm>
+            <a:prstGeom prst="rect">
+              <a:avLst/>
+            </a:prstGeom>
+            <a:ln>
+              <a:solidFill>
+                <a:schemeClr val="tx1">
+                  <a:lumMod val="65000"/>
+                  <a:lumOff val="35000"/>
+                </a:schemeClr>
+              </a:solidFill>
+            </a:ln>
+          </p:spPr>
+          <p:style>
+            <a:lnRef idx="2">
+              <a:schemeClr val="accent1">
+                <a:shade val="50000"/>
+              </a:schemeClr>
+            </a:lnRef>
+            <a:fillRef idx="1">
+              <a:schemeClr val="accent1"/>
+            </a:fillRef>
+            <a:effectRef idx="0">
+              <a:schemeClr val="accent1"/>
+            </a:effectRef>
+            <a:fontRef idx="minor">
+              <a:schemeClr val="lt1"/>
+            </a:fontRef>
+          </p:style>
+          <p:txBody>
+            <a:bodyPr rtlCol="0" anchor="ctr"/>
+            <a:lstStyle/>
+            <a:p>
+              <a:pPr algn="ctr"/>
+              <a:r>
+                <a:rPr lang="en-US" altLang="zh-CN" dirty="0"/>
+                <a:t>d</a:t>
+              </a:r>
+              <a:endParaRPr lang="zh-CN" altLang="en-US" dirty="0"/>
+            </a:p>
+          </p:txBody>
+        </p:sp>
+        <p:sp>
+          <p:nvSpPr>
+            <p:cNvPr id="87" name="矩形 86">
+              <a:extLst>
+                <a:ext uri="{FF2B5EF4-FFF2-40B4-BE49-F238E27FC236}">
+                  <a16:creationId xmlns:a16="http://schemas.microsoft.com/office/drawing/2014/main" id="{152E0A0F-5043-48D8-8719-FCF059D31BD2}"/>
+                </a:ext>
+              </a:extLst>
+            </p:cNvPr>
+            <p:cNvSpPr/>
+            <p:nvPr/>
+          </p:nvSpPr>
+          <p:spPr>
+            <a:xfrm>
+              <a:off x="6211027" y="3078550"/>
+              <a:ext cx="861889" cy="508656"/>
+            </a:xfrm>
+            <a:prstGeom prst="rect">
+              <a:avLst/>
+            </a:prstGeom>
+            <a:pattFill prst="wdDnDiag">
+              <a:fgClr>
+                <a:schemeClr val="tx1">
+                  <a:lumMod val="75000"/>
+                  <a:lumOff val="25000"/>
+                </a:schemeClr>
+              </a:fgClr>
+              <a:bgClr>
+                <a:schemeClr val="accent1"/>
+              </a:bgClr>
+            </a:pattFill>
+            <a:ln>
+              <a:solidFill>
+                <a:schemeClr val="tx1">
+                  <a:lumMod val="65000"/>
+                  <a:lumOff val="35000"/>
+                </a:schemeClr>
+              </a:solidFill>
+            </a:ln>
+          </p:spPr>
+          <p:style>
+            <a:lnRef idx="2">
+              <a:schemeClr val="accent1">
+                <a:shade val="50000"/>
+              </a:schemeClr>
+            </a:lnRef>
+            <a:fillRef idx="1">
+              <a:schemeClr val="accent1"/>
+            </a:fillRef>
+            <a:effectRef idx="0">
+              <a:schemeClr val="accent1"/>
+            </a:effectRef>
+            <a:fontRef idx="minor">
+              <a:schemeClr val="lt1"/>
+            </a:fontRef>
+          </p:style>
+          <p:txBody>
+            <a:bodyPr rtlCol="0" anchor="ctr"/>
+            <a:lstStyle/>
+            <a:p>
+              <a:pPr algn="ctr"/>
+              <a:r>
+                <a:rPr lang="en-US" altLang="zh-CN" dirty="0">
+                  <a:solidFill>
+                    <a:schemeClr val="tx1">
+                      <a:lumMod val="75000"/>
+                      <a:lumOff val="25000"/>
+                    </a:schemeClr>
+                  </a:solidFill>
+                </a:rPr>
+                <a:t>e</a:t>
+              </a:r>
+              <a:endParaRPr lang="zh-CN" altLang="en-US" dirty="0">
+                <a:solidFill>
+                  <a:schemeClr val="tx1">
+                    <a:lumMod val="75000"/>
+                    <a:lumOff val="25000"/>
+                  </a:schemeClr>
+                </a:solidFill>
+              </a:endParaRPr>
+            </a:p>
+          </p:txBody>
+        </p:sp>
+        <p:sp>
+          <p:nvSpPr>
+            <p:cNvPr id="88" name="矩形 87">
+              <a:extLst>
+                <a:ext uri="{FF2B5EF4-FFF2-40B4-BE49-F238E27FC236}">
+                  <a16:creationId xmlns:a16="http://schemas.microsoft.com/office/drawing/2014/main" id="{9884E52F-5289-472F-9233-547620F45DEE}"/>
+                </a:ext>
+              </a:extLst>
+            </p:cNvPr>
+            <p:cNvSpPr/>
+            <p:nvPr/>
+          </p:nvSpPr>
+          <p:spPr>
+            <a:xfrm>
+              <a:off x="7074780" y="3078550"/>
+              <a:ext cx="861889" cy="508656"/>
+            </a:xfrm>
+            <a:prstGeom prst="rect">
+              <a:avLst/>
+            </a:prstGeom>
+            <a:ln>
+              <a:solidFill>
+                <a:schemeClr val="tx1">
+                  <a:lumMod val="65000"/>
+                  <a:lumOff val="35000"/>
+                </a:schemeClr>
+              </a:solidFill>
+            </a:ln>
+          </p:spPr>
+          <p:style>
+            <a:lnRef idx="2">
+              <a:schemeClr val="accent1">
+                <a:shade val="50000"/>
+              </a:schemeClr>
+            </a:lnRef>
+            <a:fillRef idx="1">
+              <a:schemeClr val="accent1"/>
+            </a:fillRef>
+            <a:effectRef idx="0">
+              <a:schemeClr val="accent1"/>
+            </a:effectRef>
+            <a:fontRef idx="minor">
+              <a:schemeClr val="lt1"/>
+            </a:fontRef>
+          </p:style>
+          <p:txBody>
+            <a:bodyPr rtlCol="0" anchor="ctr"/>
+            <a:lstStyle/>
+            <a:p>
+              <a:pPr algn="ctr"/>
+              <a:r>
+                <a:rPr lang="en-US" altLang="zh-CN" dirty="0"/>
+                <a:t>f</a:t>
+              </a:r>
+              <a:endParaRPr lang="zh-CN" altLang="en-US" dirty="0"/>
+            </a:p>
+          </p:txBody>
+        </p:sp>
+        <p:grpSp>
+          <p:nvGrpSpPr>
+            <p:cNvPr id="115" name="组合 114">
+              <a:extLst>
+                <a:ext uri="{FF2B5EF4-FFF2-40B4-BE49-F238E27FC236}">
+                  <a16:creationId xmlns:a16="http://schemas.microsoft.com/office/drawing/2014/main" id="{1CD8420C-3EF2-47EE-9441-889A8F8433A6}"/>
+                </a:ext>
+              </a:extLst>
+            </p:cNvPr>
+            <p:cNvGrpSpPr/>
+            <p:nvPr/>
+          </p:nvGrpSpPr>
+          <p:grpSpPr>
+            <a:xfrm>
+              <a:off x="2742399" y="4278707"/>
+              <a:ext cx="5194270" cy="508656"/>
+              <a:chOff x="2742399" y="4278707"/>
+              <a:chExt cx="5194270" cy="508656"/>
+            </a:xfrm>
+          </p:grpSpPr>
+          <p:sp>
+            <p:nvSpPr>
+              <p:cNvPr id="89" name="矩形 88">
+                <a:extLst>
+                  <a:ext uri="{FF2B5EF4-FFF2-40B4-BE49-F238E27FC236}">
+                    <a16:creationId xmlns:a16="http://schemas.microsoft.com/office/drawing/2014/main" id="{088D3147-1A97-4311-8966-9BF65BFFF917}"/>
+                  </a:ext>
+                </a:extLst>
+              </p:cNvPr>
+              <p:cNvSpPr/>
+              <p:nvPr/>
+            </p:nvSpPr>
+            <p:spPr>
+              <a:xfrm>
+                <a:off x="2742399" y="4278707"/>
+                <a:ext cx="861889" cy="508656"/>
+              </a:xfrm>
+              <a:prstGeom prst="rect">
+                <a:avLst/>
+              </a:prstGeom>
+              <a:ln>
+                <a:solidFill>
+                  <a:schemeClr val="tx1">
+                    <a:lumMod val="65000"/>
+                    <a:lumOff val="35000"/>
+                  </a:schemeClr>
+                </a:solidFill>
+              </a:ln>
+            </p:spPr>
+            <p:style>
+              <a:lnRef idx="2">
+                <a:schemeClr val="accent1">
+                  <a:shade val="50000"/>
+                </a:schemeClr>
+              </a:lnRef>
+              <a:fillRef idx="1">
+                <a:schemeClr val="accent1"/>
+              </a:fillRef>
+              <a:effectRef idx="0">
+                <a:schemeClr val="accent1"/>
+              </a:effectRef>
+              <a:fontRef idx="minor">
+                <a:schemeClr val="lt1"/>
+              </a:fontRef>
+            </p:style>
+            <p:txBody>
+              <a:bodyPr rtlCol="0" anchor="ctr"/>
+              <a:lstStyle/>
+              <a:p>
+                <a:pPr algn="ctr"/>
+                <a:r>
+                  <a:rPr lang="en-US" altLang="zh-CN" dirty="0"/>
+                  <a:t>a</a:t>
+                </a:r>
+                <a:endParaRPr lang="zh-CN" altLang="en-US" dirty="0"/>
+              </a:p>
+            </p:txBody>
+          </p:sp>
+          <p:sp>
+            <p:nvSpPr>
+              <p:cNvPr id="90" name="矩形 89">
+                <a:extLst>
+                  <a:ext uri="{FF2B5EF4-FFF2-40B4-BE49-F238E27FC236}">
+                    <a16:creationId xmlns:a16="http://schemas.microsoft.com/office/drawing/2014/main" id="{33CE9F24-DB76-4F8F-8A70-A3142FEB1D04}"/>
+                  </a:ext>
+                </a:extLst>
+              </p:cNvPr>
+              <p:cNvSpPr/>
+              <p:nvPr/>
+            </p:nvSpPr>
+            <p:spPr>
+              <a:xfrm>
+                <a:off x="3609471" y="4278707"/>
+                <a:ext cx="861889" cy="508656"/>
+              </a:xfrm>
+              <a:prstGeom prst="rect">
+                <a:avLst/>
+              </a:prstGeom>
+              <a:solidFill>
+                <a:schemeClr val="accent1"/>
+              </a:solidFill>
+              <a:ln>
+                <a:solidFill>
+                  <a:schemeClr val="tx1">
+                    <a:lumMod val="65000"/>
+                    <a:lumOff val="35000"/>
+                  </a:schemeClr>
+                </a:solidFill>
+              </a:ln>
+            </p:spPr>
+            <p:style>
+              <a:lnRef idx="2">
+                <a:schemeClr val="accent1">
+                  <a:shade val="50000"/>
+                </a:schemeClr>
+              </a:lnRef>
+              <a:fillRef idx="1">
+                <a:schemeClr val="accent1"/>
+              </a:fillRef>
+              <a:effectRef idx="0">
+                <a:schemeClr val="accent1"/>
+              </a:effectRef>
+              <a:fontRef idx="minor">
+                <a:schemeClr val="lt1"/>
+              </a:fontRef>
+            </p:style>
+            <p:txBody>
+              <a:bodyPr rtlCol="0" anchor="ctr"/>
+              <a:lstStyle/>
+              <a:p>
+                <a:pPr algn="ctr"/>
+                <a:r>
+                  <a:rPr lang="en-US" altLang="zh-CN" dirty="0">
+                    <a:solidFill>
+                      <a:schemeClr val="bg1"/>
+                    </a:solidFill>
+                  </a:rPr>
+                  <a:t>d</a:t>
+                </a:r>
+                <a:endParaRPr lang="zh-CN" altLang="en-US" dirty="0">
+                  <a:solidFill>
+                    <a:schemeClr val="bg1"/>
+                  </a:solidFill>
+                </a:endParaRPr>
+              </a:p>
+            </p:txBody>
+          </p:sp>
+          <p:sp>
+            <p:nvSpPr>
+              <p:cNvPr id="91" name="矩形 90">
+                <a:extLst>
+                  <a:ext uri="{FF2B5EF4-FFF2-40B4-BE49-F238E27FC236}">
+                    <a16:creationId xmlns:a16="http://schemas.microsoft.com/office/drawing/2014/main" id="{9D7076A6-FDF4-4640-B748-2373DE9937EE}"/>
+                  </a:ext>
+                </a:extLst>
+              </p:cNvPr>
+              <p:cNvSpPr/>
+              <p:nvPr/>
+            </p:nvSpPr>
+            <p:spPr>
+              <a:xfrm>
+                <a:off x="4478504" y="4278707"/>
+                <a:ext cx="861889" cy="508656"/>
+              </a:xfrm>
+              <a:prstGeom prst="rect">
+                <a:avLst/>
+              </a:prstGeom>
+              <a:solidFill>
+                <a:schemeClr val="accent1"/>
+              </a:solidFill>
+              <a:ln>
+                <a:solidFill>
+                  <a:schemeClr val="tx1">
+                    <a:lumMod val="65000"/>
+                    <a:lumOff val="35000"/>
+                  </a:schemeClr>
+                </a:solidFill>
+              </a:ln>
+            </p:spPr>
+            <p:style>
+              <a:lnRef idx="2">
+                <a:schemeClr val="accent1">
+                  <a:shade val="50000"/>
+                </a:schemeClr>
+              </a:lnRef>
+              <a:fillRef idx="1">
+                <a:schemeClr val="accent1"/>
+              </a:fillRef>
+              <a:effectRef idx="0">
+                <a:schemeClr val="accent1"/>
+              </a:effectRef>
+              <a:fontRef idx="minor">
+                <a:schemeClr val="lt1"/>
+              </a:fontRef>
+            </p:style>
+            <p:txBody>
+              <a:bodyPr rtlCol="0" anchor="ctr"/>
+              <a:lstStyle/>
+              <a:p>
+                <a:pPr algn="ctr"/>
+                <a:r>
+                  <a:rPr lang="en-US" altLang="zh-CN" dirty="0">
+                    <a:solidFill>
+                      <a:schemeClr val="bg1"/>
+                    </a:solidFill>
+                  </a:rPr>
+                  <a:t>f</a:t>
+                </a:r>
+                <a:endParaRPr lang="zh-CN" altLang="en-US" dirty="0">
+                  <a:solidFill>
+                    <a:schemeClr val="bg1"/>
+                  </a:solidFill>
+                </a:endParaRPr>
+              </a:p>
+            </p:txBody>
+          </p:sp>
+          <p:sp>
+            <p:nvSpPr>
+              <p:cNvPr id="92" name="矩形 91">
+                <a:extLst>
+                  <a:ext uri="{FF2B5EF4-FFF2-40B4-BE49-F238E27FC236}">
+                    <a16:creationId xmlns:a16="http://schemas.microsoft.com/office/drawing/2014/main" id="{0AEC2CFD-D5B3-43C9-BC4A-AB39E5FBF4A9}"/>
+                  </a:ext>
+                </a:extLst>
+              </p:cNvPr>
+              <p:cNvSpPr/>
+              <p:nvPr/>
+            </p:nvSpPr>
+            <p:spPr>
+              <a:xfrm>
+                <a:off x="5342774" y="4278707"/>
+                <a:ext cx="861889" cy="508656"/>
+              </a:xfrm>
+              <a:prstGeom prst="rect">
+                <a:avLst/>
+              </a:prstGeom>
+              <a:solidFill>
+                <a:schemeClr val="bg1">
+                  <a:lumMod val="85000"/>
+                </a:schemeClr>
+              </a:solidFill>
+              <a:ln>
+                <a:solidFill>
+                  <a:schemeClr val="tx1">
+                    <a:lumMod val="65000"/>
+                    <a:lumOff val="35000"/>
+                  </a:schemeClr>
+                </a:solidFill>
+              </a:ln>
+            </p:spPr>
+            <p:style>
+              <a:lnRef idx="2">
+                <a:schemeClr val="accent1">
+                  <a:shade val="50000"/>
+                </a:schemeClr>
+              </a:lnRef>
+              <a:fillRef idx="1">
+                <a:schemeClr val="accent1"/>
+              </a:fillRef>
+              <a:effectRef idx="0">
+                <a:schemeClr val="accent1"/>
+              </a:effectRef>
+              <a:fontRef idx="minor">
+                <a:schemeClr val="lt1"/>
+              </a:fontRef>
+            </p:style>
+            <p:txBody>
+              <a:bodyPr rtlCol="0" anchor="ctr"/>
+              <a:lstStyle/>
+              <a:p>
+                <a:pPr algn="ctr"/>
+                <a:r>
+                  <a:rPr lang="en-US" altLang="zh-CN" dirty="0"/>
+                  <a:t>d</a:t>
+                </a:r>
+                <a:endParaRPr lang="zh-CN" altLang="en-US" dirty="0"/>
+              </a:p>
+            </p:txBody>
+          </p:sp>
+          <p:sp>
+            <p:nvSpPr>
+              <p:cNvPr id="93" name="矩形 92">
+                <a:extLst>
+                  <a:ext uri="{FF2B5EF4-FFF2-40B4-BE49-F238E27FC236}">
+                    <a16:creationId xmlns:a16="http://schemas.microsoft.com/office/drawing/2014/main" id="{5E2B5B20-AD79-4C35-9DCB-E952E0F4FD00}"/>
+                  </a:ext>
+                </a:extLst>
+              </p:cNvPr>
+              <p:cNvSpPr/>
+              <p:nvPr/>
+            </p:nvSpPr>
+            <p:spPr>
+              <a:xfrm>
+                <a:off x="6211027" y="4278707"/>
+                <a:ext cx="861889" cy="508656"/>
+              </a:xfrm>
+              <a:prstGeom prst="rect">
+                <a:avLst/>
+              </a:prstGeom>
+              <a:solidFill>
+                <a:schemeClr val="bg1">
+                  <a:lumMod val="85000"/>
+                </a:schemeClr>
+              </a:solidFill>
+              <a:ln>
+                <a:solidFill>
+                  <a:schemeClr val="tx1">
+                    <a:lumMod val="65000"/>
+                    <a:lumOff val="35000"/>
+                  </a:schemeClr>
+                </a:solidFill>
+              </a:ln>
+            </p:spPr>
+            <p:style>
+              <a:lnRef idx="2">
+                <a:schemeClr val="accent1">
+                  <a:shade val="50000"/>
+                </a:schemeClr>
+              </a:lnRef>
+              <a:fillRef idx="1">
+                <a:schemeClr val="accent1"/>
+              </a:fillRef>
+              <a:effectRef idx="0">
+                <a:schemeClr val="accent1"/>
+              </a:effectRef>
+              <a:fontRef idx="minor">
+                <a:schemeClr val="lt1"/>
+              </a:fontRef>
+            </p:style>
+            <p:txBody>
+              <a:bodyPr rtlCol="0" anchor="ctr"/>
+              <a:lstStyle/>
+              <a:p>
+                <a:pPr algn="ctr"/>
+                <a:r>
+                  <a:rPr lang="en-US" altLang="zh-CN" dirty="0"/>
+                  <a:t>e</a:t>
+                </a:r>
+                <a:endParaRPr lang="zh-CN" altLang="en-US" dirty="0"/>
+              </a:p>
+            </p:txBody>
+          </p:sp>
+          <p:sp>
+            <p:nvSpPr>
+              <p:cNvPr id="94" name="矩形 93">
+                <a:extLst>
+                  <a:ext uri="{FF2B5EF4-FFF2-40B4-BE49-F238E27FC236}">
+                    <a16:creationId xmlns:a16="http://schemas.microsoft.com/office/drawing/2014/main" id="{8006AA17-AD49-402C-956D-A9A2F5FF9574}"/>
+                  </a:ext>
+                </a:extLst>
+              </p:cNvPr>
+              <p:cNvSpPr/>
+              <p:nvPr/>
+            </p:nvSpPr>
+            <p:spPr>
+              <a:xfrm>
+                <a:off x="7074780" y="4278707"/>
+                <a:ext cx="861889" cy="508656"/>
+              </a:xfrm>
+              <a:prstGeom prst="rect">
+                <a:avLst/>
+              </a:prstGeom>
+              <a:solidFill>
+                <a:schemeClr val="bg1">
+                  <a:lumMod val="85000"/>
+                </a:schemeClr>
+              </a:solidFill>
+              <a:ln>
+                <a:solidFill>
+                  <a:schemeClr val="tx1">
+                    <a:lumMod val="65000"/>
+                    <a:lumOff val="35000"/>
+                  </a:schemeClr>
+                </a:solidFill>
+              </a:ln>
+            </p:spPr>
+            <p:style>
+              <a:lnRef idx="2">
+                <a:schemeClr val="accent1">
+                  <a:shade val="50000"/>
+                </a:schemeClr>
+              </a:lnRef>
+              <a:fillRef idx="1">
+                <a:schemeClr val="accent1"/>
+              </a:fillRef>
+              <a:effectRef idx="0">
+                <a:schemeClr val="accent1"/>
+              </a:effectRef>
+              <a:fontRef idx="minor">
+                <a:schemeClr val="lt1"/>
+              </a:fontRef>
+            </p:style>
+            <p:txBody>
+              <a:bodyPr rtlCol="0" anchor="ctr"/>
+              <a:lstStyle/>
+              <a:p>
+                <a:pPr algn="ctr"/>
+                <a:r>
+                  <a:rPr lang="en-US" altLang="zh-CN" dirty="0"/>
+                  <a:t>f</a:t>
+                </a:r>
+                <a:endParaRPr lang="zh-CN" altLang="en-US" dirty="0"/>
+              </a:p>
+            </p:txBody>
+          </p:sp>
+        </p:grpSp>
+        <p:sp>
+          <p:nvSpPr>
+            <p:cNvPr id="101" name="文本框 100">
+              <a:extLst>
+                <a:ext uri="{FF2B5EF4-FFF2-40B4-BE49-F238E27FC236}">
+                  <a16:creationId xmlns:a16="http://schemas.microsoft.com/office/drawing/2014/main" id="{64C65FD8-1CDD-4F02-9B78-C8024226B5E2}"/>
+                </a:ext>
+              </a:extLst>
+            </p:cNvPr>
+            <p:cNvSpPr txBox="1"/>
+            <p:nvPr/>
+          </p:nvSpPr>
+          <p:spPr>
+            <a:xfrm>
+              <a:off x="2701047" y="2766062"/>
+              <a:ext cx="955546" cy="307777"/>
+            </a:xfrm>
+            <a:prstGeom prst="rect">
+              <a:avLst/>
+            </a:prstGeom>
+            <a:noFill/>
+          </p:spPr>
+          <p:txBody>
+            <a:bodyPr wrap="square" rtlCol="0">
+              <a:spAutoFit/>
+            </a:bodyPr>
+            <a:lstStyle/>
+            <a:p>
+              <a:pPr algn="ctr"/>
+              <a:r>
+                <a:rPr lang="en-US" altLang="zh-CN" sz="1400" dirty="0">
+                  <a:latin typeface="Adobe 黑体 Std R" panose="020B0400000000000000" pitchFamily="34" charset="-122"/>
+                  <a:ea typeface="Adobe 黑体 Std R" panose="020B0400000000000000" pitchFamily="34" charset="-122"/>
+                </a:rPr>
+                <a:t>a[0]</a:t>
+              </a:r>
+            </a:p>
+          </p:txBody>
+        </p:sp>
+        <p:sp>
+          <p:nvSpPr>
+            <p:cNvPr id="102" name="文本框 101">
+              <a:extLst>
+                <a:ext uri="{FF2B5EF4-FFF2-40B4-BE49-F238E27FC236}">
+                  <a16:creationId xmlns:a16="http://schemas.microsoft.com/office/drawing/2014/main" id="{FFBE48FC-40A9-4DD6-B3E7-32F3429C7A6E}"/>
+                </a:ext>
+              </a:extLst>
+            </p:cNvPr>
+            <p:cNvSpPr txBox="1"/>
+            <p:nvPr/>
+          </p:nvSpPr>
+          <p:spPr>
+            <a:xfrm>
+              <a:off x="3570094" y="2762887"/>
+              <a:ext cx="955546" cy="307777"/>
+            </a:xfrm>
+            <a:prstGeom prst="rect">
+              <a:avLst/>
+            </a:prstGeom>
+            <a:noFill/>
+          </p:spPr>
+          <p:txBody>
+            <a:bodyPr wrap="square" rtlCol="0">
+              <a:spAutoFit/>
+            </a:bodyPr>
+            <a:lstStyle/>
+            <a:p>
+              <a:pPr algn="ctr"/>
+              <a:r>
+                <a:rPr lang="en-US" altLang="zh-CN" sz="1400" dirty="0">
+                  <a:latin typeface="Adobe 黑体 Std R" panose="020B0400000000000000" pitchFamily="34" charset="-122"/>
+                  <a:ea typeface="Adobe 黑体 Std R" panose="020B0400000000000000" pitchFamily="34" charset="-122"/>
+                </a:rPr>
+                <a:t>a[1]</a:t>
+              </a:r>
+            </a:p>
+          </p:txBody>
+        </p:sp>
+        <p:sp>
+          <p:nvSpPr>
+            <p:cNvPr id="103" name="文本框 102">
+              <a:extLst>
+                <a:ext uri="{FF2B5EF4-FFF2-40B4-BE49-F238E27FC236}">
+                  <a16:creationId xmlns:a16="http://schemas.microsoft.com/office/drawing/2014/main" id="{4B4CA72C-AD79-4C67-988B-90C1D3F1B110}"/>
+                </a:ext>
+              </a:extLst>
+            </p:cNvPr>
+            <p:cNvSpPr txBox="1"/>
+            <p:nvPr/>
+          </p:nvSpPr>
+          <p:spPr>
+            <a:xfrm>
+              <a:off x="4437640" y="2759712"/>
+              <a:ext cx="955546" cy="307777"/>
+            </a:xfrm>
+            <a:prstGeom prst="rect">
+              <a:avLst/>
+            </a:prstGeom>
+            <a:noFill/>
+          </p:spPr>
+          <p:txBody>
+            <a:bodyPr wrap="square" rtlCol="0">
+              <a:spAutoFit/>
+            </a:bodyPr>
+            <a:lstStyle/>
+            <a:p>
+              <a:pPr algn="ctr"/>
+              <a:r>
+                <a:rPr lang="en-US" altLang="zh-CN" sz="1400" dirty="0">
+                  <a:latin typeface="Adobe 黑体 Std R" panose="020B0400000000000000" pitchFamily="34" charset="-122"/>
+                  <a:ea typeface="Adobe 黑体 Std R" panose="020B0400000000000000" pitchFamily="34" charset="-122"/>
+                </a:rPr>
+                <a:t>a[2]</a:t>
+              </a:r>
+            </a:p>
+          </p:txBody>
+        </p:sp>
+        <p:sp>
+          <p:nvSpPr>
+            <p:cNvPr id="104" name="文本框 103">
+              <a:extLst>
+                <a:ext uri="{FF2B5EF4-FFF2-40B4-BE49-F238E27FC236}">
+                  <a16:creationId xmlns:a16="http://schemas.microsoft.com/office/drawing/2014/main" id="{E7C0FDCF-ED41-4248-B9BE-CB4F51C9DD9B}"/>
+                </a:ext>
+              </a:extLst>
+            </p:cNvPr>
+            <p:cNvSpPr txBox="1"/>
+            <p:nvPr/>
+          </p:nvSpPr>
+          <p:spPr>
+            <a:xfrm>
+              <a:off x="5304863" y="2756537"/>
+              <a:ext cx="955546" cy="307777"/>
+            </a:xfrm>
+            <a:prstGeom prst="rect">
+              <a:avLst/>
+            </a:prstGeom>
+            <a:noFill/>
+          </p:spPr>
+          <p:txBody>
+            <a:bodyPr wrap="square" rtlCol="0">
+              <a:spAutoFit/>
+            </a:bodyPr>
+            <a:lstStyle/>
+            <a:p>
+              <a:pPr algn="ctr"/>
+              <a:r>
+                <a:rPr lang="en-US" altLang="zh-CN" sz="1400" dirty="0">
+                  <a:latin typeface="Adobe 黑体 Std R" panose="020B0400000000000000" pitchFamily="34" charset="-122"/>
+                  <a:ea typeface="Adobe 黑体 Std R" panose="020B0400000000000000" pitchFamily="34" charset="-122"/>
+                </a:rPr>
+                <a:t>a[3]</a:t>
+              </a:r>
+            </a:p>
+          </p:txBody>
+        </p:sp>
+        <p:sp>
+          <p:nvSpPr>
+            <p:cNvPr id="105" name="文本框 104">
+              <a:extLst>
+                <a:ext uri="{FF2B5EF4-FFF2-40B4-BE49-F238E27FC236}">
+                  <a16:creationId xmlns:a16="http://schemas.microsoft.com/office/drawing/2014/main" id="{EC715363-D4A9-43C3-A17D-43484EFB43D5}"/>
+                </a:ext>
+              </a:extLst>
+            </p:cNvPr>
+            <p:cNvSpPr txBox="1"/>
+            <p:nvPr/>
+          </p:nvSpPr>
+          <p:spPr>
+            <a:xfrm>
+              <a:off x="6162883" y="2752714"/>
+              <a:ext cx="955546" cy="307777"/>
+            </a:xfrm>
+            <a:prstGeom prst="rect">
+              <a:avLst/>
+            </a:prstGeom>
+            <a:noFill/>
+          </p:spPr>
+          <p:txBody>
+            <a:bodyPr wrap="square" rtlCol="0">
+              <a:spAutoFit/>
+            </a:bodyPr>
+            <a:lstStyle/>
+            <a:p>
+              <a:pPr algn="ctr"/>
+              <a:r>
+                <a:rPr lang="en-US" altLang="zh-CN" sz="1400" dirty="0">
+                  <a:latin typeface="Adobe 黑体 Std R" panose="020B0400000000000000" pitchFamily="34" charset="-122"/>
+                  <a:ea typeface="Adobe 黑体 Std R" panose="020B0400000000000000" pitchFamily="34" charset="-122"/>
+                </a:rPr>
+                <a:t>a[4]</a:t>
+              </a:r>
+            </a:p>
+          </p:txBody>
+        </p:sp>
+        <p:sp>
+          <p:nvSpPr>
+            <p:cNvPr id="110" name="文本框 109">
+              <a:extLst>
+                <a:ext uri="{FF2B5EF4-FFF2-40B4-BE49-F238E27FC236}">
+                  <a16:creationId xmlns:a16="http://schemas.microsoft.com/office/drawing/2014/main" id="{34E1D4C6-B7A0-4188-9C24-FE9B06897876}"/>
+                </a:ext>
+              </a:extLst>
+            </p:cNvPr>
+            <p:cNvSpPr txBox="1"/>
+            <p:nvPr/>
+          </p:nvSpPr>
+          <p:spPr>
+            <a:xfrm>
+              <a:off x="7015377" y="2752708"/>
+              <a:ext cx="955546" cy="307777"/>
+            </a:xfrm>
+            <a:prstGeom prst="rect">
+              <a:avLst/>
+            </a:prstGeom>
+            <a:noFill/>
+          </p:spPr>
+          <p:txBody>
+            <a:bodyPr wrap="square" rtlCol="0">
+              <a:spAutoFit/>
+            </a:bodyPr>
+            <a:lstStyle/>
+            <a:p>
+              <a:pPr algn="ctr"/>
+              <a:r>
+                <a:rPr lang="en-US" altLang="zh-CN" sz="1400" dirty="0">
+                  <a:latin typeface="Adobe 黑体 Std R" panose="020B0400000000000000" pitchFamily="34" charset="-122"/>
+                  <a:ea typeface="Adobe 黑体 Std R" panose="020B0400000000000000" pitchFamily="34" charset="-122"/>
+                </a:rPr>
+                <a:t>a[5]</a:t>
+              </a:r>
+            </a:p>
+          </p:txBody>
+        </p:sp>
+        <p:sp>
+          <p:nvSpPr>
+            <p:cNvPr id="113" name="箭头: 下 112">
+              <a:extLst>
+                <a:ext uri="{FF2B5EF4-FFF2-40B4-BE49-F238E27FC236}">
+                  <a16:creationId xmlns:a16="http://schemas.microsoft.com/office/drawing/2014/main" id="{BB30400E-BA8C-4D94-9635-D23D7A953DBC}"/>
+                </a:ext>
+              </a:extLst>
+            </p:cNvPr>
+            <p:cNvSpPr/>
+            <p:nvPr/>
+          </p:nvSpPr>
+          <p:spPr>
+            <a:xfrm>
+              <a:off x="5237565" y="3686765"/>
+              <a:ext cx="205655" cy="471488"/>
+            </a:xfrm>
+            <a:prstGeom prst="downArrow">
+              <a:avLst/>
+            </a:prstGeom>
+          </p:spPr>
+          <p:style>
+            <a:lnRef idx="2">
+              <a:schemeClr val="accent1">
+                <a:shade val="50000"/>
+              </a:schemeClr>
+            </a:lnRef>
+            <a:fillRef idx="1">
+              <a:schemeClr val="accent1"/>
+            </a:fillRef>
+            <a:effectRef idx="0">
+              <a:schemeClr val="accent1"/>
+            </a:effectRef>
+            <a:fontRef idx="minor">
+              <a:schemeClr val="lt1"/>
+            </a:fontRef>
+          </p:style>
+          <p:txBody>
+            <a:bodyPr rtlCol="0" anchor="ctr"/>
+            <a:lstStyle/>
+            <a:p>
+              <a:pPr algn="ctr"/>
+              <a:endParaRPr lang="zh-CN" altLang="en-US"/>
+            </a:p>
+          </p:txBody>
+        </p:sp>
+        <p:grpSp>
+          <p:nvGrpSpPr>
+            <p:cNvPr id="116" name="组合 115">
+              <a:extLst>
+                <a:ext uri="{FF2B5EF4-FFF2-40B4-BE49-F238E27FC236}">
+                  <a16:creationId xmlns:a16="http://schemas.microsoft.com/office/drawing/2014/main" id="{36E3CDAF-B173-4028-8E94-81DA36ACF126}"/>
+                </a:ext>
+              </a:extLst>
+            </p:cNvPr>
+            <p:cNvGrpSpPr/>
+            <p:nvPr/>
+          </p:nvGrpSpPr>
+          <p:grpSpPr>
+            <a:xfrm>
+              <a:off x="2742395" y="5536018"/>
+              <a:ext cx="5194270" cy="508656"/>
+              <a:chOff x="2742399" y="4278707"/>
+              <a:chExt cx="5194270" cy="508656"/>
+            </a:xfrm>
+          </p:grpSpPr>
+          <p:sp>
+            <p:nvSpPr>
+              <p:cNvPr id="117" name="矩形 116">
+                <a:extLst>
+                  <a:ext uri="{FF2B5EF4-FFF2-40B4-BE49-F238E27FC236}">
+                    <a16:creationId xmlns:a16="http://schemas.microsoft.com/office/drawing/2014/main" id="{17D1378E-0370-41CA-B7E1-E1815D460698}"/>
+                  </a:ext>
+                </a:extLst>
+              </p:cNvPr>
+              <p:cNvSpPr/>
+              <p:nvPr/>
+            </p:nvSpPr>
+            <p:spPr>
+              <a:xfrm>
+                <a:off x="2742399" y="4278707"/>
+                <a:ext cx="861889" cy="508656"/>
+              </a:xfrm>
+              <a:prstGeom prst="rect">
+                <a:avLst/>
+              </a:prstGeom>
+              <a:ln>
+                <a:solidFill>
+                  <a:schemeClr val="tx1">
+                    <a:lumMod val="65000"/>
+                    <a:lumOff val="35000"/>
+                  </a:schemeClr>
+                </a:solidFill>
+              </a:ln>
+            </p:spPr>
+            <p:style>
+              <a:lnRef idx="2">
+                <a:schemeClr val="accent1">
+                  <a:shade val="50000"/>
+                </a:schemeClr>
+              </a:lnRef>
+              <a:fillRef idx="1">
+                <a:schemeClr val="accent1"/>
+              </a:fillRef>
+              <a:effectRef idx="0">
+                <a:schemeClr val="accent1"/>
+              </a:effectRef>
+              <a:fontRef idx="minor">
+                <a:schemeClr val="lt1"/>
+              </a:fontRef>
+            </p:style>
+            <p:txBody>
+              <a:bodyPr rtlCol="0" anchor="ctr"/>
+              <a:lstStyle/>
+              <a:p>
+                <a:pPr algn="ctr"/>
+                <a:r>
+                  <a:rPr lang="en-US" altLang="zh-CN" dirty="0"/>
+                  <a:t>a</a:t>
+                </a:r>
+                <a:endParaRPr lang="zh-CN" altLang="en-US" dirty="0"/>
+              </a:p>
+            </p:txBody>
+          </p:sp>
+          <p:sp>
+            <p:nvSpPr>
+              <p:cNvPr id="118" name="矩形 117">
+                <a:extLst>
+                  <a:ext uri="{FF2B5EF4-FFF2-40B4-BE49-F238E27FC236}">
+                    <a16:creationId xmlns:a16="http://schemas.microsoft.com/office/drawing/2014/main" id="{36D809EF-F2F2-4F88-A8FF-5FE0A0ED9B8E}"/>
+                  </a:ext>
+                </a:extLst>
+              </p:cNvPr>
+              <p:cNvSpPr/>
+              <p:nvPr/>
+            </p:nvSpPr>
+            <p:spPr>
+              <a:xfrm>
+                <a:off x="3609471" y="4278707"/>
+                <a:ext cx="861889" cy="508656"/>
+              </a:xfrm>
+              <a:prstGeom prst="rect">
+                <a:avLst/>
+              </a:prstGeom>
+              <a:solidFill>
+                <a:schemeClr val="accent1"/>
+              </a:solidFill>
+              <a:ln>
+                <a:solidFill>
+                  <a:schemeClr val="tx1">
+                    <a:lumMod val="65000"/>
+                    <a:lumOff val="35000"/>
+                  </a:schemeClr>
+                </a:solidFill>
+              </a:ln>
+            </p:spPr>
+            <p:style>
+              <a:lnRef idx="2">
+                <a:schemeClr val="accent1">
+                  <a:shade val="50000"/>
+                </a:schemeClr>
+              </a:lnRef>
+              <a:fillRef idx="1">
+                <a:schemeClr val="accent1"/>
+              </a:fillRef>
+              <a:effectRef idx="0">
+                <a:schemeClr val="accent1"/>
+              </a:effectRef>
+              <a:fontRef idx="minor">
+                <a:schemeClr val="lt1"/>
+              </a:fontRef>
+            </p:style>
+            <p:txBody>
+              <a:bodyPr rtlCol="0" anchor="ctr"/>
+              <a:lstStyle/>
+              <a:p>
+                <a:pPr algn="ctr"/>
+                <a:r>
+                  <a:rPr lang="en-US" altLang="zh-CN" dirty="0">
+                    <a:solidFill>
+                      <a:schemeClr val="bg1"/>
+                    </a:solidFill>
+                  </a:rPr>
+                  <a:t>d</a:t>
+                </a:r>
+                <a:endParaRPr lang="zh-CN" altLang="en-US" dirty="0">
+                  <a:solidFill>
+                    <a:schemeClr val="bg1"/>
+                  </a:solidFill>
+                </a:endParaRPr>
+              </a:p>
+            </p:txBody>
+          </p:sp>
+          <p:sp>
+            <p:nvSpPr>
+              <p:cNvPr id="119" name="矩形 118">
+                <a:extLst>
+                  <a:ext uri="{FF2B5EF4-FFF2-40B4-BE49-F238E27FC236}">
+                    <a16:creationId xmlns:a16="http://schemas.microsoft.com/office/drawing/2014/main" id="{6F90B4C5-751C-4A76-9D8C-7461B39FAEB8}"/>
+                  </a:ext>
+                </a:extLst>
+              </p:cNvPr>
+              <p:cNvSpPr/>
+              <p:nvPr/>
+            </p:nvSpPr>
+            <p:spPr>
+              <a:xfrm>
+                <a:off x="4478504" y="4278707"/>
+                <a:ext cx="861889" cy="508656"/>
+              </a:xfrm>
+              <a:prstGeom prst="rect">
+                <a:avLst/>
+              </a:prstGeom>
+              <a:solidFill>
+                <a:schemeClr val="accent1"/>
+              </a:solidFill>
+              <a:ln>
+                <a:solidFill>
+                  <a:schemeClr val="tx1">
+                    <a:lumMod val="65000"/>
+                    <a:lumOff val="35000"/>
+                  </a:schemeClr>
+                </a:solidFill>
+              </a:ln>
+            </p:spPr>
+            <p:style>
+              <a:lnRef idx="2">
+                <a:schemeClr val="accent1">
+                  <a:shade val="50000"/>
+                </a:schemeClr>
+              </a:lnRef>
+              <a:fillRef idx="1">
+                <a:schemeClr val="accent1"/>
+              </a:fillRef>
+              <a:effectRef idx="0">
+                <a:schemeClr val="accent1"/>
+              </a:effectRef>
+              <a:fontRef idx="minor">
+                <a:schemeClr val="lt1"/>
+              </a:fontRef>
+            </p:style>
+            <p:txBody>
+              <a:bodyPr rtlCol="0" anchor="ctr"/>
+              <a:lstStyle/>
+              <a:p>
+                <a:pPr algn="ctr"/>
+                <a:r>
+                  <a:rPr lang="en-US" altLang="zh-CN" dirty="0">
+                    <a:solidFill>
+                      <a:schemeClr val="bg1"/>
+                    </a:solidFill>
+                  </a:rPr>
+                  <a:t>f</a:t>
+                </a:r>
+                <a:endParaRPr lang="zh-CN" altLang="en-US" dirty="0">
+                  <a:solidFill>
+                    <a:schemeClr val="bg1"/>
+                  </a:solidFill>
+                </a:endParaRPr>
+              </a:p>
+            </p:txBody>
+          </p:sp>
+          <p:sp>
+            <p:nvSpPr>
+              <p:cNvPr id="120" name="矩形 119">
+                <a:extLst>
+                  <a:ext uri="{FF2B5EF4-FFF2-40B4-BE49-F238E27FC236}">
+                    <a16:creationId xmlns:a16="http://schemas.microsoft.com/office/drawing/2014/main" id="{75F0C124-8F46-4627-895E-C1088C89366F}"/>
+                  </a:ext>
+                </a:extLst>
+              </p:cNvPr>
+              <p:cNvSpPr/>
+              <p:nvPr/>
+            </p:nvSpPr>
+            <p:spPr>
+              <a:xfrm>
+                <a:off x="5342774" y="4278707"/>
+                <a:ext cx="861889" cy="508656"/>
+              </a:xfrm>
+              <a:prstGeom prst="rect">
+                <a:avLst/>
+              </a:prstGeom>
+              <a:solidFill>
+                <a:schemeClr val="accent1"/>
+              </a:solidFill>
+              <a:ln>
+                <a:solidFill>
+                  <a:schemeClr val="tx1">
+                    <a:lumMod val="65000"/>
+                    <a:lumOff val="35000"/>
+                  </a:schemeClr>
+                </a:solidFill>
+              </a:ln>
+            </p:spPr>
+            <p:style>
+              <a:lnRef idx="2">
+                <a:schemeClr val="accent1">
+                  <a:shade val="50000"/>
+                </a:schemeClr>
+              </a:lnRef>
+              <a:fillRef idx="1">
+                <a:schemeClr val="accent1"/>
+              </a:fillRef>
+              <a:effectRef idx="0">
+                <a:schemeClr val="accent1"/>
+              </a:effectRef>
+              <a:fontRef idx="minor">
+                <a:schemeClr val="lt1"/>
+              </a:fontRef>
+            </p:style>
+            <p:txBody>
+              <a:bodyPr rtlCol="0" anchor="ctr"/>
+              <a:lstStyle/>
+              <a:p>
+                <a:pPr algn="ctr"/>
+                <a:r>
+                  <a:rPr lang="en-US" altLang="zh-CN" dirty="0"/>
+                  <a:t>g</a:t>
+                </a:r>
+                <a:endParaRPr lang="zh-CN" altLang="en-US" dirty="0"/>
+              </a:p>
+            </p:txBody>
+          </p:sp>
+          <p:sp>
+            <p:nvSpPr>
+              <p:cNvPr id="121" name="矩形 120">
+                <a:extLst>
+                  <a:ext uri="{FF2B5EF4-FFF2-40B4-BE49-F238E27FC236}">
+                    <a16:creationId xmlns:a16="http://schemas.microsoft.com/office/drawing/2014/main" id="{2B3D3C31-2FCE-456C-97D9-17B196A7E43A}"/>
+                  </a:ext>
+                </a:extLst>
+              </p:cNvPr>
+              <p:cNvSpPr/>
+              <p:nvPr/>
+            </p:nvSpPr>
+            <p:spPr>
+              <a:xfrm>
+                <a:off x="6211027" y="4278707"/>
+                <a:ext cx="861889" cy="508656"/>
+              </a:xfrm>
+              <a:prstGeom prst="rect">
+                <a:avLst/>
+              </a:prstGeom>
+              <a:solidFill>
+                <a:schemeClr val="bg1">
+                  <a:lumMod val="85000"/>
+                </a:schemeClr>
+              </a:solidFill>
+              <a:ln>
+                <a:solidFill>
+                  <a:schemeClr val="tx1">
+                    <a:lumMod val="65000"/>
+                    <a:lumOff val="35000"/>
+                  </a:schemeClr>
+                </a:solidFill>
+              </a:ln>
+            </p:spPr>
+            <p:style>
+              <a:lnRef idx="2">
+                <a:schemeClr val="accent1">
+                  <a:shade val="50000"/>
+                </a:schemeClr>
+              </a:lnRef>
+              <a:fillRef idx="1">
+                <a:schemeClr val="accent1"/>
+              </a:fillRef>
+              <a:effectRef idx="0">
+                <a:schemeClr val="accent1"/>
+              </a:effectRef>
+              <a:fontRef idx="minor">
+                <a:schemeClr val="lt1"/>
+              </a:fontRef>
+            </p:style>
+            <p:txBody>
+              <a:bodyPr rtlCol="0" anchor="ctr"/>
+              <a:lstStyle/>
+              <a:p>
+                <a:pPr algn="ctr"/>
+                <a:r>
+                  <a:rPr lang="en-US" altLang="zh-CN" dirty="0"/>
+                  <a:t>e</a:t>
+                </a:r>
+                <a:endParaRPr lang="zh-CN" altLang="en-US" dirty="0"/>
+              </a:p>
+            </p:txBody>
+          </p:sp>
+          <p:sp>
+            <p:nvSpPr>
+              <p:cNvPr id="122" name="矩形 121">
+                <a:extLst>
+                  <a:ext uri="{FF2B5EF4-FFF2-40B4-BE49-F238E27FC236}">
+                    <a16:creationId xmlns:a16="http://schemas.microsoft.com/office/drawing/2014/main" id="{944B294B-ACC3-4F5E-A191-A597ED7B8F87}"/>
+                  </a:ext>
+                </a:extLst>
+              </p:cNvPr>
+              <p:cNvSpPr/>
+              <p:nvPr/>
+            </p:nvSpPr>
+            <p:spPr>
+              <a:xfrm>
+                <a:off x="7074780" y="4278707"/>
+                <a:ext cx="861889" cy="508656"/>
+              </a:xfrm>
+              <a:prstGeom prst="rect">
+                <a:avLst/>
+              </a:prstGeom>
+              <a:solidFill>
+                <a:schemeClr val="bg1">
+                  <a:lumMod val="85000"/>
+                </a:schemeClr>
+              </a:solidFill>
+              <a:ln>
+                <a:solidFill>
+                  <a:schemeClr val="tx1">
+                    <a:lumMod val="65000"/>
+                    <a:lumOff val="35000"/>
+                  </a:schemeClr>
+                </a:solidFill>
+              </a:ln>
+            </p:spPr>
+            <p:style>
+              <a:lnRef idx="2">
+                <a:schemeClr val="accent1">
+                  <a:shade val="50000"/>
+                </a:schemeClr>
+              </a:lnRef>
+              <a:fillRef idx="1">
+                <a:schemeClr val="accent1"/>
+              </a:fillRef>
+              <a:effectRef idx="0">
+                <a:schemeClr val="accent1"/>
+              </a:effectRef>
+              <a:fontRef idx="minor">
+                <a:schemeClr val="lt1"/>
+              </a:fontRef>
+            </p:style>
+            <p:txBody>
+              <a:bodyPr rtlCol="0" anchor="ctr"/>
+              <a:lstStyle/>
+              <a:p>
+                <a:pPr algn="ctr"/>
+                <a:r>
+                  <a:rPr lang="en-US" altLang="zh-CN" dirty="0"/>
+                  <a:t>f</a:t>
+                </a:r>
+                <a:endParaRPr lang="zh-CN" altLang="en-US" dirty="0"/>
+              </a:p>
+            </p:txBody>
+          </p:sp>
+        </p:grpSp>
+        <p:sp>
+          <p:nvSpPr>
+            <p:cNvPr id="123" name="箭头: 下 122">
+              <a:extLst>
+                <a:ext uri="{FF2B5EF4-FFF2-40B4-BE49-F238E27FC236}">
+                  <a16:creationId xmlns:a16="http://schemas.microsoft.com/office/drawing/2014/main" id="{52713A46-BB37-4CA1-9E32-CD08BA4781C7}"/>
+                </a:ext>
+              </a:extLst>
+            </p:cNvPr>
+            <p:cNvSpPr/>
+            <p:nvPr/>
+          </p:nvSpPr>
+          <p:spPr>
+            <a:xfrm>
+              <a:off x="5237555" y="4939303"/>
+              <a:ext cx="205655" cy="471488"/>
+            </a:xfrm>
+            <a:prstGeom prst="downArrow">
+              <a:avLst/>
+            </a:prstGeom>
+          </p:spPr>
+          <p:style>
+            <a:lnRef idx="2">
+              <a:schemeClr val="accent1">
+                <a:shade val="50000"/>
+              </a:schemeClr>
+            </a:lnRef>
+            <a:fillRef idx="1">
+              <a:schemeClr val="accent1"/>
+            </a:fillRef>
+            <a:effectRef idx="0">
+              <a:schemeClr val="accent1"/>
+            </a:effectRef>
+            <a:fontRef idx="minor">
+              <a:schemeClr val="lt1"/>
+            </a:fontRef>
+          </p:style>
+          <p:txBody>
+            <a:bodyPr rtlCol="0" anchor="ctr"/>
+            <a:lstStyle/>
+            <a:p>
+              <a:pPr algn="ctr"/>
+              <a:endParaRPr lang="zh-CN" altLang="en-US"/>
+            </a:p>
+          </p:txBody>
+        </p:sp>
+        <p:sp>
+          <p:nvSpPr>
+            <p:cNvPr id="124" name="文本框 123">
+              <a:extLst>
+                <a:ext uri="{FF2B5EF4-FFF2-40B4-BE49-F238E27FC236}">
+                  <a16:creationId xmlns:a16="http://schemas.microsoft.com/office/drawing/2014/main" id="{6623E116-1FF0-4EAF-8C4E-37A1E5092F7F}"/>
+                </a:ext>
+              </a:extLst>
+            </p:cNvPr>
+            <p:cNvSpPr txBox="1"/>
+            <p:nvPr/>
+          </p:nvSpPr>
+          <p:spPr>
+            <a:xfrm>
+              <a:off x="1940768" y="3186029"/>
+              <a:ext cx="955546" cy="307777"/>
+            </a:xfrm>
+            <a:prstGeom prst="rect">
+              <a:avLst/>
+            </a:prstGeom>
+            <a:noFill/>
+          </p:spPr>
+          <p:txBody>
+            <a:bodyPr wrap="square" rtlCol="0">
+              <a:spAutoFit/>
+            </a:bodyPr>
+            <a:lstStyle/>
+            <a:p>
+              <a:pPr algn="ctr"/>
+              <a:r>
+                <a:rPr lang="zh-CN" altLang="en-US" sz="1400" dirty="0">
+                  <a:latin typeface="Adobe 黑体 Std R" panose="020B0400000000000000" pitchFamily="34" charset="-122"/>
+                  <a:ea typeface="Adobe 黑体 Std R" panose="020B0400000000000000" pitchFamily="34" charset="-122"/>
+                </a:rPr>
+                <a:t>（一）</a:t>
+              </a:r>
+              <a:endParaRPr lang="en-US" altLang="zh-CN" sz="1400" dirty="0">
+                <a:latin typeface="Adobe 黑体 Std R" panose="020B0400000000000000" pitchFamily="34" charset="-122"/>
+                <a:ea typeface="Adobe 黑体 Std R" panose="020B0400000000000000" pitchFamily="34" charset="-122"/>
+              </a:endParaRPr>
+            </a:p>
+          </p:txBody>
+        </p:sp>
+        <p:sp>
+          <p:nvSpPr>
+            <p:cNvPr id="125" name="文本框 124">
+              <a:extLst>
+                <a:ext uri="{FF2B5EF4-FFF2-40B4-BE49-F238E27FC236}">
+                  <a16:creationId xmlns:a16="http://schemas.microsoft.com/office/drawing/2014/main" id="{B5D8BBB4-1439-437A-B955-B87D05D6F7C5}"/>
+                </a:ext>
+              </a:extLst>
+            </p:cNvPr>
+            <p:cNvSpPr txBox="1"/>
+            <p:nvPr/>
+          </p:nvSpPr>
+          <p:spPr>
+            <a:xfrm>
+              <a:off x="1940768" y="4371895"/>
+              <a:ext cx="955546" cy="307777"/>
+            </a:xfrm>
+            <a:prstGeom prst="rect">
+              <a:avLst/>
+            </a:prstGeom>
+            <a:noFill/>
+          </p:spPr>
+          <p:txBody>
+            <a:bodyPr wrap="square" rtlCol="0">
+              <a:spAutoFit/>
+            </a:bodyPr>
+            <a:lstStyle/>
+            <a:p>
+              <a:pPr algn="ctr"/>
+              <a:r>
+                <a:rPr lang="zh-CN" altLang="en-US" sz="1400" dirty="0">
+                  <a:latin typeface="Adobe 黑体 Std R" panose="020B0400000000000000" pitchFamily="34" charset="-122"/>
+                  <a:ea typeface="Adobe 黑体 Std R" panose="020B0400000000000000" pitchFamily="34" charset="-122"/>
+                </a:rPr>
+                <a:t>（二）</a:t>
+              </a:r>
+              <a:endParaRPr lang="en-US" altLang="zh-CN" sz="1400" dirty="0">
+                <a:latin typeface="Adobe 黑体 Std R" panose="020B0400000000000000" pitchFamily="34" charset="-122"/>
+                <a:ea typeface="Adobe 黑体 Std R" panose="020B0400000000000000" pitchFamily="34" charset="-122"/>
+              </a:endParaRPr>
+            </a:p>
+          </p:txBody>
+        </p:sp>
+        <p:sp>
+          <p:nvSpPr>
+            <p:cNvPr id="126" name="文本框 125">
+              <a:extLst>
+                <a:ext uri="{FF2B5EF4-FFF2-40B4-BE49-F238E27FC236}">
+                  <a16:creationId xmlns:a16="http://schemas.microsoft.com/office/drawing/2014/main" id="{D0BD6A21-C40E-41D6-9E8A-46BF7E35FC5E}"/>
+                </a:ext>
+              </a:extLst>
+            </p:cNvPr>
+            <p:cNvSpPr txBox="1"/>
+            <p:nvPr/>
+          </p:nvSpPr>
+          <p:spPr>
+            <a:xfrm>
+              <a:off x="1940760" y="5648248"/>
+              <a:ext cx="955546" cy="307777"/>
+            </a:xfrm>
+            <a:prstGeom prst="rect">
+              <a:avLst/>
+            </a:prstGeom>
+            <a:noFill/>
+          </p:spPr>
+          <p:txBody>
+            <a:bodyPr wrap="square" rtlCol="0">
+              <a:spAutoFit/>
+            </a:bodyPr>
+            <a:lstStyle/>
+            <a:p>
+              <a:pPr algn="ctr"/>
+              <a:r>
+                <a:rPr lang="zh-CN" altLang="en-US" sz="1400" dirty="0">
+                  <a:latin typeface="Adobe 黑体 Std R" panose="020B0400000000000000" pitchFamily="34" charset="-122"/>
+                  <a:ea typeface="Adobe 黑体 Std R" panose="020B0400000000000000" pitchFamily="34" charset="-122"/>
+                </a:rPr>
+                <a:t>（三）</a:t>
+              </a:r>
+              <a:endParaRPr lang="en-US" altLang="zh-CN" sz="1400" dirty="0">
+                <a:latin typeface="Adobe 黑体 Std R" panose="020B0400000000000000" pitchFamily="34" charset="-122"/>
+                <a:ea typeface="Adobe 黑体 Std R" panose="020B0400000000000000" pitchFamily="34" charset="-122"/>
+              </a:endParaRPr>
+            </a:p>
+          </p:txBody>
+        </p:sp>
+        <p:sp>
+          <p:nvSpPr>
+            <p:cNvPr id="128" name="矩形 127">
+              <a:extLst>
+                <a:ext uri="{FF2B5EF4-FFF2-40B4-BE49-F238E27FC236}">
+                  <a16:creationId xmlns:a16="http://schemas.microsoft.com/office/drawing/2014/main" id="{0FA8B622-4D9A-4519-BB20-BF78C5B4557D}"/>
+                </a:ext>
+              </a:extLst>
+            </p:cNvPr>
+            <p:cNvSpPr/>
+            <p:nvPr/>
+          </p:nvSpPr>
+          <p:spPr>
+            <a:xfrm>
+              <a:off x="8278113" y="3078550"/>
+              <a:ext cx="861889" cy="508656"/>
+            </a:xfrm>
+            <a:prstGeom prst="rect">
+              <a:avLst/>
+            </a:prstGeom>
+            <a:solidFill>
+              <a:schemeClr val="accent1">
+                <a:lumMod val="60000"/>
+                <a:lumOff val="40000"/>
+              </a:schemeClr>
+            </a:solidFill>
+            <a:ln>
+              <a:solidFill>
+                <a:schemeClr val="tx1">
+                  <a:lumMod val="65000"/>
+                  <a:lumOff val="35000"/>
+                </a:schemeClr>
+              </a:solidFill>
+            </a:ln>
+          </p:spPr>
+          <p:style>
+            <a:lnRef idx="2">
+              <a:schemeClr val="accent1">
+                <a:shade val="50000"/>
+              </a:schemeClr>
+            </a:lnRef>
+            <a:fillRef idx="1">
+              <a:schemeClr val="accent1"/>
+            </a:fillRef>
+            <a:effectRef idx="0">
+              <a:schemeClr val="accent1"/>
+            </a:effectRef>
+            <a:fontRef idx="minor">
+              <a:schemeClr val="lt1"/>
+            </a:fontRef>
+          </p:style>
+          <p:txBody>
+            <a:bodyPr rtlCol="0" anchor="ctr"/>
+            <a:lstStyle/>
+            <a:p>
+              <a:pPr algn="ctr"/>
+              <a:r>
+                <a:rPr lang="en-US" altLang="zh-CN" dirty="0"/>
+                <a:t>g</a:t>
+              </a:r>
+              <a:endParaRPr lang="zh-CN" altLang="en-US" dirty="0"/>
+            </a:p>
+          </p:txBody>
+        </p:sp>
+        <p:sp>
+          <p:nvSpPr>
+            <p:cNvPr id="129" name="矩形 128">
+              <a:extLst>
+                <a:ext uri="{FF2B5EF4-FFF2-40B4-BE49-F238E27FC236}">
+                  <a16:creationId xmlns:a16="http://schemas.microsoft.com/office/drawing/2014/main" id="{F6140CB8-FE8B-49EF-82BA-346587E867F1}"/>
+                </a:ext>
+              </a:extLst>
+            </p:cNvPr>
+            <p:cNvSpPr/>
+            <p:nvPr/>
+          </p:nvSpPr>
+          <p:spPr>
+            <a:xfrm>
+              <a:off x="8278103" y="4278710"/>
+              <a:ext cx="861889" cy="508656"/>
+            </a:xfrm>
+            <a:prstGeom prst="rect">
+              <a:avLst/>
+            </a:prstGeom>
+            <a:solidFill>
+              <a:schemeClr val="accent1">
+                <a:lumMod val="60000"/>
+                <a:lumOff val="40000"/>
+              </a:schemeClr>
+            </a:solidFill>
+            <a:ln>
+              <a:solidFill>
+                <a:schemeClr val="tx1">
+                  <a:lumMod val="65000"/>
+                  <a:lumOff val="35000"/>
+                </a:schemeClr>
+              </a:solidFill>
+            </a:ln>
+          </p:spPr>
+          <p:style>
+            <a:lnRef idx="2">
+              <a:schemeClr val="accent1">
+                <a:shade val="50000"/>
+              </a:schemeClr>
+            </a:lnRef>
+            <a:fillRef idx="1">
+              <a:schemeClr val="accent1"/>
+            </a:fillRef>
+            <a:effectRef idx="0">
+              <a:schemeClr val="accent1"/>
+            </a:effectRef>
+            <a:fontRef idx="minor">
+              <a:schemeClr val="lt1"/>
+            </a:fontRef>
+          </p:style>
+          <p:txBody>
+            <a:bodyPr rtlCol="0" anchor="ctr"/>
+            <a:lstStyle/>
+            <a:p>
+              <a:pPr algn="ctr"/>
+              <a:r>
+                <a:rPr lang="en-US" altLang="zh-CN" dirty="0"/>
+                <a:t>g</a:t>
+              </a:r>
+              <a:endParaRPr lang="zh-CN" altLang="en-US" dirty="0"/>
+            </a:p>
+          </p:txBody>
+        </p:sp>
+        <p:sp>
+          <p:nvSpPr>
+            <p:cNvPr id="132" name="矩形 131">
+              <a:extLst>
+                <a:ext uri="{FF2B5EF4-FFF2-40B4-BE49-F238E27FC236}">
+                  <a16:creationId xmlns:a16="http://schemas.microsoft.com/office/drawing/2014/main" id="{AA824BC0-C583-4103-9CE4-6AD4241FC4DF}"/>
+                </a:ext>
+              </a:extLst>
+            </p:cNvPr>
+            <p:cNvSpPr/>
+            <p:nvPr/>
+          </p:nvSpPr>
+          <p:spPr>
+            <a:xfrm>
+              <a:off x="8278103" y="5536018"/>
+              <a:ext cx="861889" cy="508656"/>
+            </a:xfrm>
+            <a:prstGeom prst="rect">
+              <a:avLst/>
+            </a:prstGeom>
+            <a:solidFill>
+              <a:schemeClr val="accent1">
+                <a:lumMod val="60000"/>
+                <a:lumOff val="40000"/>
+                <a:alpha val="40000"/>
+              </a:schemeClr>
+            </a:solidFill>
+            <a:ln>
+              <a:solidFill>
+                <a:schemeClr val="tx1">
+                  <a:lumMod val="65000"/>
+                  <a:lumOff val="35000"/>
+                  <a:alpha val="39000"/>
+                </a:schemeClr>
+              </a:solidFill>
+            </a:ln>
+          </p:spPr>
+          <p:style>
+            <a:lnRef idx="2">
+              <a:schemeClr val="accent1">
+                <a:shade val="50000"/>
+              </a:schemeClr>
+            </a:lnRef>
+            <a:fillRef idx="1">
+              <a:schemeClr val="accent1"/>
+            </a:fillRef>
+            <a:effectRef idx="0">
+              <a:schemeClr val="accent1"/>
+            </a:effectRef>
+            <a:fontRef idx="minor">
+              <a:schemeClr val="lt1"/>
+            </a:fontRef>
+          </p:style>
+          <p:txBody>
+            <a:bodyPr rtlCol="0" anchor="ctr"/>
+            <a:lstStyle/>
+            <a:p>
+              <a:pPr algn="ctr"/>
+              <a:r>
+                <a:rPr lang="en-US" altLang="zh-CN" dirty="0"/>
+                <a:t>g</a:t>
+              </a:r>
+              <a:endParaRPr lang="zh-CN" altLang="en-US" dirty="0"/>
+            </a:p>
+          </p:txBody>
+        </p:sp>
+        <p:sp>
+          <p:nvSpPr>
+            <p:cNvPr id="139" name="箭头: 左弧形 138">
+              <a:extLst>
+                <a:ext uri="{FF2B5EF4-FFF2-40B4-BE49-F238E27FC236}">
+                  <a16:creationId xmlns:a16="http://schemas.microsoft.com/office/drawing/2014/main" id="{8F5A8D97-307A-4C9E-BB31-64442E168118}"/>
+                </a:ext>
+              </a:extLst>
+            </p:cNvPr>
+            <p:cNvSpPr/>
+            <p:nvPr/>
+          </p:nvSpPr>
+          <p:spPr>
+            <a:xfrm rot="5400000">
+              <a:off x="7082906" y="3871974"/>
+              <a:ext cx="307777" cy="2878937"/>
+            </a:xfrm>
+            <a:prstGeom prst="curvedRightArrow">
+              <a:avLst>
+                <a:gd name="adj1" fmla="val 21855"/>
+                <a:gd name="adj2" fmla="val 50000"/>
+                <a:gd name="adj3" fmla="val 25000"/>
+              </a:avLst>
+            </a:prstGeom>
+          </p:spPr>
+          <p:style>
+            <a:lnRef idx="2">
+              <a:schemeClr val="accent1">
+                <a:shade val="50000"/>
+              </a:schemeClr>
+            </a:lnRef>
+            <a:fillRef idx="1">
+              <a:schemeClr val="accent1"/>
+            </a:fillRef>
+            <a:effectRef idx="0">
+              <a:schemeClr val="accent1"/>
+            </a:effectRef>
+            <a:fontRef idx="minor">
+              <a:schemeClr val="lt1"/>
+            </a:fontRef>
+          </p:style>
+          <p:txBody>
+            <a:bodyPr rtlCol="0" anchor="ctr"/>
+            <a:lstStyle/>
+            <a:p>
+              <a:pPr algn="ctr"/>
+              <a:endParaRPr lang="zh-CN" altLang="en-US">
+                <a:solidFill>
+                  <a:schemeClr val="tx1"/>
+                </a:solidFill>
+              </a:endParaRPr>
+            </a:p>
+          </p:txBody>
+        </p:sp>
       </p:grpSp>
     </p:spTree>
     <p:extLst>

--- a/data-structure-and-algorithm/2.线性表/线性表示意图.pptx
+++ b/data-structure-and-algorithm/2.线性表/线性表示意图.pptx
@@ -8,9 +8,10 @@
     <p:sldId id="256" r:id="rId2"/>
     <p:sldId id="258" r:id="rId3"/>
     <p:sldId id="262" r:id="rId4"/>
-    <p:sldId id="259" r:id="rId5"/>
-    <p:sldId id="260" r:id="rId6"/>
-    <p:sldId id="261" r:id="rId7"/>
+    <p:sldId id="263" r:id="rId5"/>
+    <p:sldId id="259" r:id="rId6"/>
+    <p:sldId id="260" r:id="rId7"/>
+    <p:sldId id="261" r:id="rId8"/>
   </p:sldIdLst>
   <p:sldSz cx="12192000" cy="6858000"/>
   <p:notesSz cx="6858000" cy="9144000"/>
@@ -264,7 +265,7 @@
           <a:p>
             <a:fld id="{32BCB312-0F9D-4850-93AD-23EE793B822D}" type="datetimeFigureOut">
               <a:rPr lang="zh-CN" altLang="en-US" smtClean="0"/>
-              <a:t>2022/8/13</a:t>
+              <a:t>2022/8/21</a:t>
             </a:fld>
             <a:endParaRPr lang="zh-CN" altLang="en-US"/>
           </a:p>
@@ -462,7 +463,7 @@
           <a:p>
             <a:fld id="{32BCB312-0F9D-4850-93AD-23EE793B822D}" type="datetimeFigureOut">
               <a:rPr lang="zh-CN" altLang="en-US" smtClean="0"/>
-              <a:t>2022/8/13</a:t>
+              <a:t>2022/8/21</a:t>
             </a:fld>
             <a:endParaRPr lang="zh-CN" altLang="en-US"/>
           </a:p>
@@ -670,7 +671,7 @@
           <a:p>
             <a:fld id="{32BCB312-0F9D-4850-93AD-23EE793B822D}" type="datetimeFigureOut">
               <a:rPr lang="zh-CN" altLang="en-US" smtClean="0"/>
-              <a:t>2022/8/13</a:t>
+              <a:t>2022/8/21</a:t>
             </a:fld>
             <a:endParaRPr lang="zh-CN" altLang="en-US"/>
           </a:p>
@@ -868,7 +869,7 @@
           <a:p>
             <a:fld id="{32BCB312-0F9D-4850-93AD-23EE793B822D}" type="datetimeFigureOut">
               <a:rPr lang="zh-CN" altLang="en-US" smtClean="0"/>
-              <a:t>2022/8/13</a:t>
+              <a:t>2022/8/21</a:t>
             </a:fld>
             <a:endParaRPr lang="zh-CN" altLang="en-US"/>
           </a:p>
@@ -1143,7 +1144,7 @@
           <a:p>
             <a:fld id="{32BCB312-0F9D-4850-93AD-23EE793B822D}" type="datetimeFigureOut">
               <a:rPr lang="zh-CN" altLang="en-US" smtClean="0"/>
-              <a:t>2022/8/13</a:t>
+              <a:t>2022/8/21</a:t>
             </a:fld>
             <a:endParaRPr lang="zh-CN" altLang="en-US"/>
           </a:p>
@@ -1408,7 +1409,7 @@
           <a:p>
             <a:fld id="{32BCB312-0F9D-4850-93AD-23EE793B822D}" type="datetimeFigureOut">
               <a:rPr lang="zh-CN" altLang="en-US" smtClean="0"/>
-              <a:t>2022/8/13</a:t>
+              <a:t>2022/8/21</a:t>
             </a:fld>
             <a:endParaRPr lang="zh-CN" altLang="en-US"/>
           </a:p>
@@ -1820,7 +1821,7 @@
           <a:p>
             <a:fld id="{32BCB312-0F9D-4850-93AD-23EE793B822D}" type="datetimeFigureOut">
               <a:rPr lang="zh-CN" altLang="en-US" smtClean="0"/>
-              <a:t>2022/8/13</a:t>
+              <a:t>2022/8/21</a:t>
             </a:fld>
             <a:endParaRPr lang="zh-CN" altLang="en-US"/>
           </a:p>
@@ -1961,7 +1962,7 @@
           <a:p>
             <a:fld id="{32BCB312-0F9D-4850-93AD-23EE793B822D}" type="datetimeFigureOut">
               <a:rPr lang="zh-CN" altLang="en-US" smtClean="0"/>
-              <a:t>2022/8/13</a:t>
+              <a:t>2022/8/21</a:t>
             </a:fld>
             <a:endParaRPr lang="zh-CN" altLang="en-US"/>
           </a:p>
@@ -2074,7 +2075,7 @@
           <a:p>
             <a:fld id="{32BCB312-0F9D-4850-93AD-23EE793B822D}" type="datetimeFigureOut">
               <a:rPr lang="zh-CN" altLang="en-US" smtClean="0"/>
-              <a:t>2022/8/13</a:t>
+              <a:t>2022/8/21</a:t>
             </a:fld>
             <a:endParaRPr lang="zh-CN" altLang="en-US"/>
           </a:p>
@@ -2385,7 +2386,7 @@
           <a:p>
             <a:fld id="{32BCB312-0F9D-4850-93AD-23EE793B822D}" type="datetimeFigureOut">
               <a:rPr lang="zh-CN" altLang="en-US" smtClean="0"/>
-              <a:t>2022/8/13</a:t>
+              <a:t>2022/8/21</a:t>
             </a:fld>
             <a:endParaRPr lang="zh-CN" altLang="en-US"/>
           </a:p>
@@ -2673,7 +2674,7 @@
           <a:p>
             <a:fld id="{32BCB312-0F9D-4850-93AD-23EE793B822D}" type="datetimeFigureOut">
               <a:rPr lang="zh-CN" altLang="en-US" smtClean="0"/>
-              <a:t>2022/8/13</a:t>
+              <a:t>2022/8/21</a:t>
             </a:fld>
             <a:endParaRPr lang="zh-CN" altLang="en-US"/>
           </a:p>
@@ -2914,7 +2915,7 @@
           <a:p>
             <a:fld id="{32BCB312-0F9D-4850-93AD-23EE793B822D}" type="datetimeFigureOut">
               <a:rPr lang="zh-CN" altLang="en-US" smtClean="0"/>
-              <a:t>2022/8/13</a:t>
+              <a:t>2022/8/21</a:t>
             </a:fld>
             <a:endParaRPr lang="zh-CN" altLang="en-US"/>
           </a:p>
@@ -5410,6 +5411,207 @@
           </p:style>
         </p:cxnSp>
       </p:grpSp>
+      <p:grpSp>
+        <p:nvGrpSpPr>
+          <p:cNvPr id="2" name="组合 1">
+            <a:extLst>
+              <a:ext uri="{FF2B5EF4-FFF2-40B4-BE49-F238E27FC236}">
+                <a16:creationId xmlns:a16="http://schemas.microsoft.com/office/drawing/2014/main" id="{64D020F1-B3F6-458F-B370-BF07B4C6BC7A}"/>
+              </a:ext>
+            </a:extLst>
+          </p:cNvPr>
+          <p:cNvGrpSpPr/>
+          <p:nvPr/>
+        </p:nvGrpSpPr>
+        <p:grpSpPr>
+          <a:xfrm>
+            <a:off x="6732462" y="1500117"/>
+            <a:ext cx="446502" cy="45719"/>
+            <a:chOff x="6732462" y="1500117"/>
+            <a:chExt cx="446502" cy="45719"/>
+          </a:xfrm>
+        </p:grpSpPr>
+        <p:sp>
+          <p:nvSpPr>
+            <p:cNvPr id="56" name="椭圆 55">
+              <a:extLst>
+                <a:ext uri="{FF2B5EF4-FFF2-40B4-BE49-F238E27FC236}">
+                  <a16:creationId xmlns:a16="http://schemas.microsoft.com/office/drawing/2014/main" id="{7A2C803D-E59F-4FC3-BB1A-FBA23B522C8F}"/>
+                </a:ext>
+              </a:extLst>
+            </p:cNvPr>
+            <p:cNvSpPr/>
+            <p:nvPr/>
+          </p:nvSpPr>
+          <p:spPr>
+            <a:xfrm rot="16200000">
+              <a:off x="6732462" y="1503087"/>
+              <a:ext cx="42749" cy="42749"/>
+            </a:xfrm>
+            <a:prstGeom prst="ellipse">
+              <a:avLst/>
+            </a:prstGeom>
+            <a:solidFill>
+              <a:schemeClr val="tx1">
+                <a:lumMod val="75000"/>
+                <a:lumOff val="25000"/>
+              </a:schemeClr>
+            </a:solidFill>
+            <a:ln w="44450">
+              <a:solidFill>
+                <a:schemeClr val="tx1">
+                  <a:lumMod val="75000"/>
+                  <a:lumOff val="25000"/>
+                </a:schemeClr>
+              </a:solidFill>
+            </a:ln>
+          </p:spPr>
+          <p:style>
+            <a:lnRef idx="2">
+              <a:schemeClr val="accent1">
+                <a:shade val="50000"/>
+              </a:schemeClr>
+            </a:lnRef>
+            <a:fillRef idx="1">
+              <a:schemeClr val="accent1"/>
+            </a:fillRef>
+            <a:effectRef idx="0">
+              <a:schemeClr val="accent1"/>
+            </a:effectRef>
+            <a:fontRef idx="minor">
+              <a:schemeClr val="lt1"/>
+            </a:fontRef>
+          </p:style>
+          <p:txBody>
+            <a:bodyPr rtlCol="0" anchor="ctr"/>
+            <a:lstStyle/>
+            <a:p>
+              <a:pPr algn="ctr"/>
+              <a:endParaRPr lang="zh-CN" altLang="en-US" dirty="0"/>
+            </a:p>
+          </p:txBody>
+        </p:sp>
+        <p:sp>
+          <p:nvSpPr>
+            <p:cNvPr id="57" name="椭圆 56">
+              <a:extLst>
+                <a:ext uri="{FF2B5EF4-FFF2-40B4-BE49-F238E27FC236}">
+                  <a16:creationId xmlns:a16="http://schemas.microsoft.com/office/drawing/2014/main" id="{EF776A01-6436-4ECC-B264-20120E589EB7}"/>
+                </a:ext>
+              </a:extLst>
+            </p:cNvPr>
+            <p:cNvSpPr/>
+            <p:nvPr/>
+          </p:nvSpPr>
+          <p:spPr>
+            <a:xfrm rot="16200000">
+              <a:off x="6934338" y="1500118"/>
+              <a:ext cx="42749" cy="42749"/>
+            </a:xfrm>
+            <a:prstGeom prst="ellipse">
+              <a:avLst/>
+            </a:prstGeom>
+            <a:solidFill>
+              <a:schemeClr val="tx1">
+                <a:lumMod val="75000"/>
+                <a:lumOff val="25000"/>
+              </a:schemeClr>
+            </a:solidFill>
+            <a:ln w="44450">
+              <a:solidFill>
+                <a:schemeClr val="tx1">
+                  <a:lumMod val="75000"/>
+                  <a:lumOff val="25000"/>
+                </a:schemeClr>
+              </a:solidFill>
+            </a:ln>
+          </p:spPr>
+          <p:style>
+            <a:lnRef idx="2">
+              <a:schemeClr val="accent1">
+                <a:shade val="50000"/>
+              </a:schemeClr>
+            </a:lnRef>
+            <a:fillRef idx="1">
+              <a:schemeClr val="accent1"/>
+            </a:fillRef>
+            <a:effectRef idx="0">
+              <a:schemeClr val="accent1"/>
+            </a:effectRef>
+            <a:fontRef idx="minor">
+              <a:schemeClr val="lt1"/>
+            </a:fontRef>
+          </p:style>
+          <p:txBody>
+            <a:bodyPr rtlCol="0" anchor="ctr"/>
+            <a:lstStyle/>
+            <a:p>
+              <a:pPr algn="ctr"/>
+              <a:endParaRPr lang="zh-CN" altLang="en-US" dirty="0"/>
+            </a:p>
+          </p:txBody>
+        </p:sp>
+        <p:sp>
+          <p:nvSpPr>
+            <p:cNvPr id="58" name="椭圆 57">
+              <a:extLst>
+                <a:ext uri="{FF2B5EF4-FFF2-40B4-BE49-F238E27FC236}">
+                  <a16:creationId xmlns:a16="http://schemas.microsoft.com/office/drawing/2014/main" id="{B05A6B33-BCF4-4871-BC05-A35F322011A9}"/>
+                </a:ext>
+              </a:extLst>
+            </p:cNvPr>
+            <p:cNvSpPr/>
+            <p:nvPr/>
+          </p:nvSpPr>
+          <p:spPr>
+            <a:xfrm rot="16200000">
+              <a:off x="7136215" y="1500117"/>
+              <a:ext cx="42749" cy="42749"/>
+            </a:xfrm>
+            <a:prstGeom prst="ellipse">
+              <a:avLst/>
+            </a:prstGeom>
+            <a:solidFill>
+              <a:schemeClr val="tx1">
+                <a:lumMod val="75000"/>
+                <a:lumOff val="25000"/>
+              </a:schemeClr>
+            </a:solidFill>
+            <a:ln w="44450">
+              <a:solidFill>
+                <a:schemeClr val="tx1">
+                  <a:lumMod val="75000"/>
+                  <a:lumOff val="25000"/>
+                </a:schemeClr>
+              </a:solidFill>
+            </a:ln>
+          </p:spPr>
+          <p:style>
+            <a:lnRef idx="2">
+              <a:schemeClr val="accent1">
+                <a:shade val="50000"/>
+              </a:schemeClr>
+            </a:lnRef>
+            <a:fillRef idx="1">
+              <a:schemeClr val="accent1"/>
+            </a:fillRef>
+            <a:effectRef idx="0">
+              <a:schemeClr val="accent1"/>
+            </a:effectRef>
+            <a:fontRef idx="minor">
+              <a:schemeClr val="lt1"/>
+            </a:fontRef>
+          </p:style>
+          <p:txBody>
+            <a:bodyPr rtlCol="0" anchor="ctr"/>
+            <a:lstStyle/>
+            <a:p>
+              <a:pPr algn="ctr"/>
+              <a:endParaRPr lang="zh-CN" altLang="en-US" dirty="0"/>
+            </a:p>
+          </p:txBody>
+        </p:sp>
+      </p:grpSp>
     </p:spTree>
     <p:extLst>
       <p:ext uri="{BB962C8B-B14F-4D97-AF65-F5344CB8AC3E}">
@@ -9859,10 +10061,10 @@
       </p:grpSpPr>
       <p:grpSp>
         <p:nvGrpSpPr>
-          <p:cNvPr id="10" name="组合 9">
+          <p:cNvPr id="12" name="组合 11">
             <a:extLst>
               <a:ext uri="{FF2B5EF4-FFF2-40B4-BE49-F238E27FC236}">
-                <a16:creationId xmlns:a16="http://schemas.microsoft.com/office/drawing/2014/main" id="{4FBE0780-66FB-4B66-AA9E-769E4EF0F9AD}"/>
+                <a16:creationId xmlns:a16="http://schemas.microsoft.com/office/drawing/2014/main" id="{5B48A6D5-9705-4FED-A300-ED650F8A50EE}"/>
               </a:ext>
             </a:extLst>
           </p:cNvPr>
@@ -9871,7 +10073,7 @@
         </p:nvGrpSpPr>
         <p:grpSpPr>
           <a:xfrm>
-            <a:off x="3067365" y="2308905"/>
+            <a:off x="1955614" y="1302408"/>
             <a:ext cx="8680181" cy="1972999"/>
             <a:chOff x="3067365" y="2308905"/>
             <a:chExt cx="8680181" cy="1972999"/>
@@ -9879,10 +10081,10 @@
         </p:grpSpPr>
         <p:grpSp>
           <p:nvGrpSpPr>
-            <p:cNvPr id="3" name="组合 2">
+            <p:cNvPr id="18" name="组合 17">
               <a:extLst>
                 <a:ext uri="{FF2B5EF4-FFF2-40B4-BE49-F238E27FC236}">
-                  <a16:creationId xmlns:a16="http://schemas.microsoft.com/office/drawing/2014/main" id="{D28B2A77-459E-4F8A-8B1D-3AD59C318B7D}"/>
+                  <a16:creationId xmlns:a16="http://schemas.microsoft.com/office/drawing/2014/main" id="{8DB65663-3188-4F4D-9369-E440CF623564}"/>
                 </a:ext>
               </a:extLst>
             </p:cNvPr>
@@ -9891,18 +10093,18 @@
           </p:nvGrpSpPr>
           <p:grpSpPr>
             <a:xfrm>
-              <a:off x="3067365" y="2308905"/>
-              <a:ext cx="7276549" cy="1972999"/>
-              <a:chOff x="3067365" y="2308905"/>
-              <a:chExt cx="7276549" cy="1972999"/>
+              <a:off x="5071563" y="2781300"/>
+              <a:ext cx="3301570" cy="508656"/>
+              <a:chOff x="4345758" y="2781300"/>
+              <a:chExt cx="3301570" cy="508656"/>
             </a:xfrm>
           </p:grpSpPr>
           <p:grpSp>
             <p:nvGrpSpPr>
-              <p:cNvPr id="24" name="组合 23">
+              <p:cNvPr id="4" name="组合 3">
                 <a:extLst>
                   <a:ext uri="{FF2B5EF4-FFF2-40B4-BE49-F238E27FC236}">
-                    <a16:creationId xmlns:a16="http://schemas.microsoft.com/office/drawing/2014/main" id="{3DE1965A-0695-4DFF-84D2-4930F07D307C}"/>
+                    <a16:creationId xmlns:a16="http://schemas.microsoft.com/office/drawing/2014/main" id="{81951FBA-8B86-4ABB-BB9E-51CC7507474A}"/>
                   </a:ext>
                 </a:extLst>
               </p:cNvPr>
@@ -9911,977 +10113,18 @@
             </p:nvGrpSpPr>
             <p:grpSpPr>
               <a:xfrm>
-                <a:off x="3095940" y="2774623"/>
-                <a:ext cx="5277193" cy="515333"/>
-                <a:chOff x="4305615" y="2774623"/>
-                <a:chExt cx="5277193" cy="515333"/>
-              </a:xfrm>
-            </p:grpSpPr>
-            <p:grpSp>
-              <p:nvGrpSpPr>
-                <p:cNvPr id="18" name="组合 17">
-                  <a:extLst>
-                    <a:ext uri="{FF2B5EF4-FFF2-40B4-BE49-F238E27FC236}">
-                      <a16:creationId xmlns:a16="http://schemas.microsoft.com/office/drawing/2014/main" id="{8DB65663-3188-4F4D-9369-E440CF623564}"/>
-                    </a:ext>
-                  </a:extLst>
-                </p:cNvPr>
-                <p:cNvGrpSpPr/>
-                <p:nvPr/>
-              </p:nvGrpSpPr>
-              <p:grpSpPr>
-                <a:xfrm>
-                  <a:off x="6281238" y="2781300"/>
-                  <a:ext cx="3301570" cy="508656"/>
-                  <a:chOff x="4345758" y="2781300"/>
-                  <a:chExt cx="3301570" cy="508656"/>
-                </a:xfrm>
-              </p:grpSpPr>
-              <p:grpSp>
-                <p:nvGrpSpPr>
-                  <p:cNvPr id="4" name="组合 3">
-                    <a:extLst>
-                      <a:ext uri="{FF2B5EF4-FFF2-40B4-BE49-F238E27FC236}">
-                        <a16:creationId xmlns:a16="http://schemas.microsoft.com/office/drawing/2014/main" id="{81951FBA-8B86-4ABB-BB9E-51CC7507474A}"/>
-                      </a:ext>
-                    </a:extLst>
-                  </p:cNvPr>
-                  <p:cNvGrpSpPr/>
-                  <p:nvPr/>
-                </p:nvGrpSpPr>
-                <p:grpSpPr>
-                  <a:xfrm>
-                    <a:off x="4345758" y="2781300"/>
-                    <a:ext cx="1325947" cy="508656"/>
-                    <a:chOff x="4345758" y="2611226"/>
-                    <a:chExt cx="1769290" cy="678730"/>
-                  </a:xfrm>
-                </p:grpSpPr>
-                <p:sp>
-                  <p:nvSpPr>
-                    <p:cNvPr id="5" name="矩形 4">
-                      <a:extLst>
-                        <a:ext uri="{FF2B5EF4-FFF2-40B4-BE49-F238E27FC236}">
-                          <a16:creationId xmlns:a16="http://schemas.microsoft.com/office/drawing/2014/main" id="{91F7D8C4-C44F-4814-B31F-8E42F2BBD26F}"/>
-                        </a:ext>
-                      </a:extLst>
-                    </p:cNvPr>
-                    <p:cNvSpPr/>
-                    <p:nvPr/>
-                  </p:nvSpPr>
-                  <p:spPr>
-                    <a:xfrm>
-                      <a:off x="4345758" y="2611226"/>
-                      <a:ext cx="1150070" cy="678730"/>
-                    </a:xfrm>
-                    <a:prstGeom prst="rect">
-                      <a:avLst/>
-                    </a:prstGeom>
-                    <a:ln>
-                      <a:solidFill>
-                        <a:schemeClr val="tx1">
-                          <a:lumMod val="65000"/>
-                          <a:lumOff val="35000"/>
-                        </a:schemeClr>
-                      </a:solidFill>
-                    </a:ln>
-                  </p:spPr>
-                  <p:style>
-                    <a:lnRef idx="2">
-                      <a:schemeClr val="accent1">
-                        <a:shade val="50000"/>
-                      </a:schemeClr>
-                    </a:lnRef>
-                    <a:fillRef idx="1">
-                      <a:schemeClr val="accent1"/>
-                    </a:fillRef>
-                    <a:effectRef idx="0">
-                      <a:schemeClr val="accent1"/>
-                    </a:effectRef>
-                    <a:fontRef idx="minor">
-                      <a:schemeClr val="lt1"/>
-                    </a:fontRef>
-                  </p:style>
-                  <p:txBody>
-                    <a:bodyPr rtlCol="0" anchor="ctr"/>
-                    <a:lstStyle/>
-                    <a:p>
-                      <a:pPr algn="ctr"/>
-                      <a:r>
-                        <a:rPr lang="en-US" altLang="zh-CN" dirty="0"/>
-                        <a:t>a</a:t>
-                      </a:r>
-                      <a:endParaRPr lang="zh-CN" altLang="en-US" dirty="0"/>
-                    </a:p>
-                  </p:txBody>
-                </p:sp>
-                <p:sp>
-                  <p:nvSpPr>
-                    <p:cNvPr id="6" name="矩形 5">
-                      <a:extLst>
-                        <a:ext uri="{FF2B5EF4-FFF2-40B4-BE49-F238E27FC236}">
-                          <a16:creationId xmlns:a16="http://schemas.microsoft.com/office/drawing/2014/main" id="{6645EDD6-8159-429B-9BE5-56841DAA3D32}"/>
-                        </a:ext>
-                      </a:extLst>
-                    </p:cNvPr>
-                    <p:cNvSpPr/>
-                    <p:nvPr/>
-                  </p:nvSpPr>
-                  <p:spPr>
-                    <a:xfrm>
-                      <a:off x="5492585" y="2611226"/>
-                      <a:ext cx="622463" cy="678730"/>
-                    </a:xfrm>
-                    <a:prstGeom prst="rect">
-                      <a:avLst/>
-                    </a:prstGeom>
-                    <a:solidFill>
-                      <a:schemeClr val="accent6"/>
-                    </a:solidFill>
-                    <a:ln>
-                      <a:solidFill>
-                        <a:schemeClr val="tx1">
-                          <a:lumMod val="65000"/>
-                          <a:lumOff val="35000"/>
-                        </a:schemeClr>
-                      </a:solidFill>
-                    </a:ln>
-                  </p:spPr>
-                  <p:style>
-                    <a:lnRef idx="2">
-                      <a:schemeClr val="accent1">
-                        <a:shade val="50000"/>
-                      </a:schemeClr>
-                    </a:lnRef>
-                    <a:fillRef idx="1">
-                      <a:schemeClr val="accent1"/>
-                    </a:fillRef>
-                    <a:effectRef idx="0">
-                      <a:schemeClr val="accent1"/>
-                    </a:effectRef>
-                    <a:fontRef idx="minor">
-                      <a:schemeClr val="lt1"/>
-                    </a:fontRef>
-                  </p:style>
-                  <p:txBody>
-                    <a:bodyPr rtlCol="0" anchor="ctr"/>
-                    <a:lstStyle/>
-                    <a:p>
-                      <a:pPr algn="ctr"/>
-                      <a:endParaRPr lang="zh-CN" altLang="en-US" dirty="0"/>
-                    </a:p>
-                  </p:txBody>
-                </p:sp>
-              </p:grpSp>
-              <p:grpSp>
-                <p:nvGrpSpPr>
-                  <p:cNvPr id="7" name="组合 6">
-                    <a:extLst>
-                      <a:ext uri="{FF2B5EF4-FFF2-40B4-BE49-F238E27FC236}">
-                        <a16:creationId xmlns:a16="http://schemas.microsoft.com/office/drawing/2014/main" id="{E3B21196-27D6-4644-8217-FAB363BBE257}"/>
-                      </a:ext>
-                    </a:extLst>
-                  </p:cNvPr>
-                  <p:cNvGrpSpPr/>
-                  <p:nvPr/>
-                </p:nvGrpSpPr>
-                <p:grpSpPr>
-                  <a:xfrm>
-                    <a:off x="6321381" y="2781300"/>
-                    <a:ext cx="1325947" cy="508656"/>
-                    <a:chOff x="4345758" y="2611226"/>
-                    <a:chExt cx="1769290" cy="678730"/>
-                  </a:xfrm>
-                </p:grpSpPr>
-                <p:sp>
-                  <p:nvSpPr>
-                    <p:cNvPr id="8" name="矩形 7">
-                      <a:extLst>
-                        <a:ext uri="{FF2B5EF4-FFF2-40B4-BE49-F238E27FC236}">
-                          <a16:creationId xmlns:a16="http://schemas.microsoft.com/office/drawing/2014/main" id="{F3D1105F-2A5B-40C8-9E28-6BC1B5A415A9}"/>
-                        </a:ext>
-                      </a:extLst>
-                    </p:cNvPr>
-                    <p:cNvSpPr/>
-                    <p:nvPr/>
-                  </p:nvSpPr>
-                  <p:spPr>
-                    <a:xfrm>
-                      <a:off x="4345758" y="2611226"/>
-                      <a:ext cx="1150070" cy="678730"/>
-                    </a:xfrm>
-                    <a:prstGeom prst="rect">
-                      <a:avLst/>
-                    </a:prstGeom>
-                    <a:ln>
-                      <a:solidFill>
-                        <a:schemeClr val="tx1">
-                          <a:lumMod val="65000"/>
-                          <a:lumOff val="35000"/>
-                        </a:schemeClr>
-                      </a:solidFill>
-                    </a:ln>
-                  </p:spPr>
-                  <p:style>
-                    <a:lnRef idx="2">
-                      <a:schemeClr val="accent1">
-                        <a:shade val="50000"/>
-                      </a:schemeClr>
-                    </a:lnRef>
-                    <a:fillRef idx="1">
-                      <a:schemeClr val="accent1"/>
-                    </a:fillRef>
-                    <a:effectRef idx="0">
-                      <a:schemeClr val="accent1"/>
-                    </a:effectRef>
-                    <a:fontRef idx="minor">
-                      <a:schemeClr val="lt1"/>
-                    </a:fontRef>
-                  </p:style>
-                  <p:txBody>
-                    <a:bodyPr rtlCol="0" anchor="ctr"/>
-                    <a:lstStyle/>
-                    <a:p>
-                      <a:pPr algn="ctr"/>
-                      <a:r>
-                        <a:rPr lang="en-US" altLang="zh-CN" dirty="0"/>
-                        <a:t>b</a:t>
-                      </a:r>
-                      <a:endParaRPr lang="zh-CN" altLang="en-US" dirty="0"/>
-                    </a:p>
-                  </p:txBody>
-                </p:sp>
-                <p:sp>
-                  <p:nvSpPr>
-                    <p:cNvPr id="9" name="矩形 8">
-                      <a:extLst>
-                        <a:ext uri="{FF2B5EF4-FFF2-40B4-BE49-F238E27FC236}">
-                          <a16:creationId xmlns:a16="http://schemas.microsoft.com/office/drawing/2014/main" id="{0960B612-3C62-4AF8-842B-F32238832D4B}"/>
-                        </a:ext>
-                      </a:extLst>
-                    </p:cNvPr>
-                    <p:cNvSpPr/>
-                    <p:nvPr/>
-                  </p:nvSpPr>
-                  <p:spPr>
-                    <a:xfrm>
-                      <a:off x="5492585" y="2611226"/>
-                      <a:ext cx="622463" cy="678730"/>
-                    </a:xfrm>
-                    <a:prstGeom prst="rect">
-                      <a:avLst/>
-                    </a:prstGeom>
-                    <a:solidFill>
-                      <a:schemeClr val="accent6"/>
-                    </a:solidFill>
-                    <a:ln>
-                      <a:solidFill>
-                        <a:schemeClr val="tx1">
-                          <a:lumMod val="65000"/>
-                          <a:lumOff val="35000"/>
-                        </a:schemeClr>
-                      </a:solidFill>
-                    </a:ln>
-                  </p:spPr>
-                  <p:style>
-                    <a:lnRef idx="2">
-                      <a:schemeClr val="accent1">
-                        <a:shade val="50000"/>
-                      </a:schemeClr>
-                    </a:lnRef>
-                    <a:fillRef idx="1">
-                      <a:schemeClr val="accent1"/>
-                    </a:fillRef>
-                    <a:effectRef idx="0">
-                      <a:schemeClr val="accent1"/>
-                    </a:effectRef>
-                    <a:fontRef idx="minor">
-                      <a:schemeClr val="lt1"/>
-                    </a:fontRef>
-                  </p:style>
-                  <p:txBody>
-                    <a:bodyPr rtlCol="0" anchor="ctr"/>
-                    <a:lstStyle/>
-                    <a:p>
-                      <a:pPr algn="ctr"/>
-                      <a:endParaRPr lang="zh-CN" altLang="en-US" dirty="0"/>
-                    </a:p>
-                  </p:txBody>
-                </p:sp>
-              </p:grpSp>
-              <p:grpSp>
-                <p:nvGrpSpPr>
-                  <p:cNvPr id="14" name="组合 13">
-                    <a:extLst>
-                      <a:ext uri="{FF2B5EF4-FFF2-40B4-BE49-F238E27FC236}">
-                        <a16:creationId xmlns:a16="http://schemas.microsoft.com/office/drawing/2014/main" id="{E72EBAC1-213B-4B73-A0AD-9468F3893285}"/>
-                      </a:ext>
-                    </a:extLst>
-                  </p:cNvPr>
-                  <p:cNvGrpSpPr/>
-                  <p:nvPr/>
-                </p:nvGrpSpPr>
-                <p:grpSpPr>
-                  <a:xfrm>
-                    <a:off x="5419727" y="3028951"/>
-                    <a:ext cx="901654" cy="45719"/>
-                    <a:chOff x="5419727" y="3012284"/>
-                    <a:chExt cx="901654" cy="45719"/>
-                  </a:xfrm>
-                </p:grpSpPr>
-                <p:cxnSp>
-                  <p:nvCxnSpPr>
-                    <p:cNvPr id="11" name="直接箭头连接符 10">
-                      <a:extLst>
-                        <a:ext uri="{FF2B5EF4-FFF2-40B4-BE49-F238E27FC236}">
-                          <a16:creationId xmlns:a16="http://schemas.microsoft.com/office/drawing/2014/main" id="{4DA82DB4-FFC9-4B6C-B676-05FC68B07399}"/>
-                        </a:ext>
-                      </a:extLst>
-                    </p:cNvPr>
-                    <p:cNvCxnSpPr>
-                      <a:cxnSpLocks/>
-                      <a:endCxn id="8" idx="1"/>
-                    </p:cNvCxnSpPr>
-                    <p:nvPr/>
-                  </p:nvCxnSpPr>
-                  <p:spPr>
-                    <a:xfrm>
-                      <a:off x="5438461" y="3035628"/>
-                      <a:ext cx="882920" cy="0"/>
-                    </a:xfrm>
-                    <a:prstGeom prst="straightConnector1">
-                      <a:avLst/>
-                    </a:prstGeom>
-                    <a:ln w="44450">
-                      <a:solidFill>
-                        <a:schemeClr val="tx1">
-                          <a:lumMod val="65000"/>
-                          <a:lumOff val="35000"/>
-                        </a:schemeClr>
-                      </a:solidFill>
-                      <a:tailEnd type="triangle"/>
-                    </a:ln>
-                  </p:spPr>
-                  <p:style>
-                    <a:lnRef idx="1">
-                      <a:schemeClr val="accent1"/>
-                    </a:lnRef>
-                    <a:fillRef idx="0">
-                      <a:schemeClr val="accent1"/>
-                    </a:fillRef>
-                    <a:effectRef idx="0">
-                      <a:schemeClr val="accent1"/>
-                    </a:effectRef>
-                    <a:fontRef idx="minor">
-                      <a:schemeClr val="tx1"/>
-                    </a:fontRef>
-                  </p:style>
-                </p:cxnSp>
-                <p:sp>
-                  <p:nvSpPr>
-                    <p:cNvPr id="13" name="椭圆 12">
-                      <a:extLst>
-                        <a:ext uri="{FF2B5EF4-FFF2-40B4-BE49-F238E27FC236}">
-                          <a16:creationId xmlns:a16="http://schemas.microsoft.com/office/drawing/2014/main" id="{BB75EEE7-F6B5-420D-9F8B-7FB07A74895E}"/>
-                        </a:ext>
-                      </a:extLst>
-                    </p:cNvPr>
-                    <p:cNvSpPr/>
-                    <p:nvPr/>
-                  </p:nvSpPr>
-                  <p:spPr>
-                    <a:xfrm>
-                      <a:off x="5419727" y="3012284"/>
-                      <a:ext cx="45719" cy="45719"/>
-                    </a:xfrm>
-                    <a:prstGeom prst="ellipse">
-                      <a:avLst/>
-                    </a:prstGeom>
-                    <a:solidFill>
-                      <a:schemeClr val="tx1">
-                        <a:lumMod val="75000"/>
-                        <a:lumOff val="25000"/>
-                      </a:schemeClr>
-                    </a:solidFill>
-                    <a:ln w="44450">
-                      <a:solidFill>
-                        <a:schemeClr val="tx1">
-                          <a:lumMod val="75000"/>
-                          <a:lumOff val="25000"/>
-                        </a:schemeClr>
-                      </a:solidFill>
-                    </a:ln>
-                  </p:spPr>
-                  <p:style>
-                    <a:lnRef idx="2">
-                      <a:schemeClr val="accent1">
-                        <a:shade val="50000"/>
-                      </a:schemeClr>
-                    </a:lnRef>
-                    <a:fillRef idx="1">
-                      <a:schemeClr val="accent1"/>
-                    </a:fillRef>
-                    <a:effectRef idx="0">
-                      <a:schemeClr val="accent1"/>
-                    </a:effectRef>
-                    <a:fontRef idx="minor">
-                      <a:schemeClr val="lt1"/>
-                    </a:fontRef>
-                  </p:style>
-                  <p:txBody>
-                    <a:bodyPr rtlCol="0" anchor="ctr"/>
-                    <a:lstStyle/>
-                    <a:p>
-                      <a:pPr algn="ctr"/>
-                      <a:endParaRPr lang="zh-CN" altLang="en-US"/>
-                    </a:p>
-                  </p:txBody>
-                </p:sp>
-              </p:grpSp>
-            </p:grpSp>
-            <p:grpSp>
-              <p:nvGrpSpPr>
-                <p:cNvPr id="15" name="组合 14">
-                  <a:extLst>
-                    <a:ext uri="{FF2B5EF4-FFF2-40B4-BE49-F238E27FC236}">
-                      <a16:creationId xmlns:a16="http://schemas.microsoft.com/office/drawing/2014/main" id="{E405CE6E-AEB3-4CC2-BCFA-40799045093D}"/>
-                    </a:ext>
-                  </a:extLst>
-                </p:cNvPr>
-                <p:cNvGrpSpPr/>
-                <p:nvPr/>
-              </p:nvGrpSpPr>
-              <p:grpSpPr>
-                <a:xfrm>
-                  <a:off x="4305615" y="2774623"/>
-                  <a:ext cx="1325947" cy="508656"/>
-                  <a:chOff x="4345758" y="2611226"/>
-                  <a:chExt cx="1769290" cy="678730"/>
-                </a:xfrm>
-              </p:grpSpPr>
-              <p:sp>
-                <p:nvSpPr>
-                  <p:cNvPr id="16" name="矩形 15">
-                    <a:extLst>
-                      <a:ext uri="{FF2B5EF4-FFF2-40B4-BE49-F238E27FC236}">
-                        <a16:creationId xmlns:a16="http://schemas.microsoft.com/office/drawing/2014/main" id="{748AA9F6-9A99-4E66-A582-9D39CE1B2A37}"/>
-                      </a:ext>
-                    </a:extLst>
-                  </p:cNvPr>
-                  <p:cNvSpPr/>
-                  <p:nvPr/>
-                </p:nvSpPr>
-                <p:spPr>
-                  <a:xfrm>
-                    <a:off x="4345758" y="2611226"/>
-                    <a:ext cx="1150070" cy="678730"/>
-                  </a:xfrm>
-                  <a:prstGeom prst="rect">
-                    <a:avLst/>
-                  </a:prstGeom>
-                  <a:pattFill prst="wdDnDiag">
-                    <a:fgClr>
-                      <a:schemeClr val="tx1">
-                        <a:lumMod val="65000"/>
-                        <a:lumOff val="35000"/>
-                      </a:schemeClr>
-                    </a:fgClr>
-                    <a:bgClr>
-                      <a:schemeClr val="accent1"/>
-                    </a:bgClr>
-                  </a:pattFill>
-                  <a:ln>
-                    <a:solidFill>
-                      <a:schemeClr val="tx1">
-                        <a:lumMod val="65000"/>
-                        <a:lumOff val="35000"/>
-                      </a:schemeClr>
-                    </a:solidFill>
-                  </a:ln>
-                </p:spPr>
-                <p:style>
-                  <a:lnRef idx="2">
-                    <a:schemeClr val="accent1">
-                      <a:shade val="50000"/>
-                    </a:schemeClr>
-                  </a:lnRef>
-                  <a:fillRef idx="1">
-                    <a:schemeClr val="accent1"/>
-                  </a:fillRef>
-                  <a:effectRef idx="0">
-                    <a:schemeClr val="accent1"/>
-                  </a:effectRef>
-                  <a:fontRef idx="minor">
-                    <a:schemeClr val="lt1"/>
-                  </a:fontRef>
-                </p:style>
-                <p:txBody>
-                  <a:bodyPr rtlCol="0" anchor="ctr"/>
-                  <a:lstStyle/>
-                  <a:p>
-                    <a:pPr algn="ctr"/>
-                    <a:endParaRPr lang="zh-CN" altLang="en-US" dirty="0"/>
-                  </a:p>
-                </p:txBody>
-              </p:sp>
-              <p:sp>
-                <p:nvSpPr>
-                  <p:cNvPr id="17" name="矩形 16">
-                    <a:extLst>
-                      <a:ext uri="{FF2B5EF4-FFF2-40B4-BE49-F238E27FC236}">
-                        <a16:creationId xmlns:a16="http://schemas.microsoft.com/office/drawing/2014/main" id="{5F96D159-4030-40EA-8484-C21FA56AF8F0}"/>
-                      </a:ext>
-                    </a:extLst>
-                  </p:cNvPr>
-                  <p:cNvSpPr/>
-                  <p:nvPr/>
-                </p:nvSpPr>
-                <p:spPr>
-                  <a:xfrm>
-                    <a:off x="5492585" y="2611226"/>
-                    <a:ext cx="622463" cy="678730"/>
-                  </a:xfrm>
-                  <a:prstGeom prst="rect">
-                    <a:avLst/>
-                  </a:prstGeom>
-                  <a:solidFill>
-                    <a:schemeClr val="accent6"/>
-                  </a:solidFill>
-                  <a:ln>
-                    <a:solidFill>
-                      <a:schemeClr val="tx1">
-                        <a:lumMod val="65000"/>
-                        <a:lumOff val="35000"/>
-                      </a:schemeClr>
-                    </a:solidFill>
-                  </a:ln>
-                </p:spPr>
-                <p:style>
-                  <a:lnRef idx="2">
-                    <a:schemeClr val="accent1">
-                      <a:shade val="50000"/>
-                    </a:schemeClr>
-                  </a:lnRef>
-                  <a:fillRef idx="1">
-                    <a:schemeClr val="accent1"/>
-                  </a:fillRef>
-                  <a:effectRef idx="0">
-                    <a:schemeClr val="accent1"/>
-                  </a:effectRef>
-                  <a:fontRef idx="minor">
-                    <a:schemeClr val="lt1"/>
-                  </a:fontRef>
-                </p:style>
-                <p:txBody>
-                  <a:bodyPr rtlCol="0" anchor="ctr"/>
-                  <a:lstStyle/>
-                  <a:p>
-                    <a:pPr algn="ctr"/>
-                    <a:endParaRPr lang="zh-CN" altLang="en-US" dirty="0"/>
-                  </a:p>
-                </p:txBody>
-              </p:sp>
-            </p:grpSp>
-            <p:grpSp>
-              <p:nvGrpSpPr>
-                <p:cNvPr id="22" name="组合 21">
-                  <a:extLst>
-                    <a:ext uri="{FF2B5EF4-FFF2-40B4-BE49-F238E27FC236}">
-                      <a16:creationId xmlns:a16="http://schemas.microsoft.com/office/drawing/2014/main" id="{4AD981FA-223B-477F-B724-D2A1E088CF20}"/>
-                    </a:ext>
-                  </a:extLst>
-                </p:cNvPr>
-                <p:cNvGrpSpPr/>
-                <p:nvPr/>
-              </p:nvGrpSpPr>
-              <p:grpSpPr>
-                <a:xfrm>
-                  <a:off x="5379584" y="3028951"/>
-                  <a:ext cx="901654" cy="45719"/>
-                  <a:chOff x="5477657" y="3028951"/>
-                  <a:chExt cx="901654" cy="45719"/>
-                </a:xfrm>
-              </p:grpSpPr>
-              <p:cxnSp>
-                <p:nvCxnSpPr>
-                  <p:cNvPr id="20" name="直接箭头连接符 19">
-                    <a:extLst>
-                      <a:ext uri="{FF2B5EF4-FFF2-40B4-BE49-F238E27FC236}">
-                        <a16:creationId xmlns:a16="http://schemas.microsoft.com/office/drawing/2014/main" id="{3487722D-6F8B-4CD6-8988-034CFCB85EF3}"/>
-                      </a:ext>
-                    </a:extLst>
-                  </p:cNvPr>
-                  <p:cNvCxnSpPr>
-                    <a:cxnSpLocks/>
-                  </p:cNvCxnSpPr>
-                  <p:nvPr/>
-                </p:nvCxnSpPr>
-                <p:spPr>
-                  <a:xfrm>
-                    <a:off x="5496391" y="3052295"/>
-                    <a:ext cx="882920" cy="0"/>
-                  </a:xfrm>
-                  <a:prstGeom prst="straightConnector1">
-                    <a:avLst/>
-                  </a:prstGeom>
-                  <a:ln w="44450">
-                    <a:solidFill>
-                      <a:schemeClr val="tx1">
-                        <a:lumMod val="65000"/>
-                        <a:lumOff val="35000"/>
-                      </a:schemeClr>
-                    </a:solidFill>
-                    <a:tailEnd type="triangle"/>
-                  </a:ln>
-                </p:spPr>
-                <p:style>
-                  <a:lnRef idx="1">
-                    <a:schemeClr val="accent1"/>
-                  </a:lnRef>
-                  <a:fillRef idx="0">
-                    <a:schemeClr val="accent1"/>
-                  </a:fillRef>
-                  <a:effectRef idx="0">
-                    <a:schemeClr val="accent1"/>
-                  </a:effectRef>
-                  <a:fontRef idx="minor">
-                    <a:schemeClr val="tx1"/>
-                  </a:fontRef>
-                </p:style>
-              </p:cxnSp>
-              <p:sp>
-                <p:nvSpPr>
-                  <p:cNvPr id="21" name="椭圆 20">
-                    <a:extLst>
-                      <a:ext uri="{FF2B5EF4-FFF2-40B4-BE49-F238E27FC236}">
-                        <a16:creationId xmlns:a16="http://schemas.microsoft.com/office/drawing/2014/main" id="{4D9ED69B-71FE-4C58-988C-07967EFF0935}"/>
-                      </a:ext>
-                    </a:extLst>
-                  </p:cNvPr>
-                  <p:cNvSpPr/>
-                  <p:nvPr/>
-                </p:nvSpPr>
-                <p:spPr>
-                  <a:xfrm>
-                    <a:off x="5477657" y="3028951"/>
-                    <a:ext cx="45719" cy="45719"/>
-                  </a:xfrm>
-                  <a:prstGeom prst="ellipse">
-                    <a:avLst/>
-                  </a:prstGeom>
-                  <a:solidFill>
-                    <a:schemeClr val="tx1">
-                      <a:lumMod val="75000"/>
-                      <a:lumOff val="25000"/>
-                    </a:schemeClr>
-                  </a:solidFill>
-                  <a:ln w="44450">
-                    <a:solidFill>
-                      <a:schemeClr val="tx1">
-                        <a:lumMod val="75000"/>
-                        <a:lumOff val="25000"/>
-                      </a:schemeClr>
-                    </a:solidFill>
-                  </a:ln>
-                </p:spPr>
-                <p:style>
-                  <a:lnRef idx="2">
-                    <a:schemeClr val="accent1">
-                      <a:shade val="50000"/>
-                    </a:schemeClr>
-                  </a:lnRef>
-                  <a:fillRef idx="1">
-                    <a:schemeClr val="accent1"/>
-                  </a:fillRef>
-                  <a:effectRef idx="0">
-                    <a:schemeClr val="accent1"/>
-                  </a:effectRef>
-                  <a:fontRef idx="minor">
-                    <a:schemeClr val="lt1"/>
-                  </a:fontRef>
-                </p:style>
-                <p:txBody>
-                  <a:bodyPr rtlCol="0" anchor="ctr"/>
-                  <a:lstStyle/>
-                  <a:p>
-                    <a:pPr algn="ctr"/>
-                    <a:endParaRPr lang="zh-CN" altLang="en-US" dirty="0"/>
-                  </a:p>
-                </p:txBody>
-              </p:sp>
-            </p:grpSp>
-          </p:grpSp>
-          <p:grpSp>
-            <p:nvGrpSpPr>
-              <p:cNvPr id="32" name="组合 31">
-                <a:extLst>
-                  <a:ext uri="{FF2B5EF4-FFF2-40B4-BE49-F238E27FC236}">
-                    <a16:creationId xmlns:a16="http://schemas.microsoft.com/office/drawing/2014/main" id="{66F2A5D0-4050-4281-BF1D-F4BBB62ACE1C}"/>
-                  </a:ext>
-                </a:extLst>
-              </p:cNvPr>
-              <p:cNvGrpSpPr/>
-              <p:nvPr/>
-            </p:nvGrpSpPr>
-            <p:grpSpPr>
-              <a:xfrm>
-                <a:off x="3515172" y="3289956"/>
-                <a:ext cx="45719" cy="564820"/>
-                <a:chOff x="4724847" y="3289956"/>
-                <a:chExt cx="45719" cy="564820"/>
-              </a:xfrm>
-            </p:grpSpPr>
-            <p:cxnSp>
-              <p:nvCxnSpPr>
-                <p:cNvPr id="28" name="直接箭头连接符 27">
-                  <a:extLst>
-                    <a:ext uri="{FF2B5EF4-FFF2-40B4-BE49-F238E27FC236}">
-                      <a16:creationId xmlns:a16="http://schemas.microsoft.com/office/drawing/2014/main" id="{4A9288D3-824C-4E77-B351-85A04727348A}"/>
-                    </a:ext>
-                  </a:extLst>
-                </p:cNvPr>
-                <p:cNvCxnSpPr>
-                  <a:cxnSpLocks/>
-                </p:cNvCxnSpPr>
-                <p:nvPr/>
-              </p:nvCxnSpPr>
-              <p:spPr>
-                <a:xfrm flipV="1">
-                  <a:off x="4747707" y="3289956"/>
-                  <a:ext cx="0" cy="535284"/>
-                </a:xfrm>
-                <a:prstGeom prst="straightConnector1">
-                  <a:avLst/>
-                </a:prstGeom>
-                <a:ln w="44450">
-                  <a:solidFill>
-                    <a:schemeClr val="tx1">
-                      <a:lumMod val="65000"/>
-                      <a:lumOff val="35000"/>
-                    </a:schemeClr>
-                  </a:solidFill>
-                  <a:tailEnd type="triangle"/>
-                </a:ln>
-              </p:spPr>
-              <p:style>
-                <a:lnRef idx="1">
-                  <a:schemeClr val="accent1"/>
-                </a:lnRef>
-                <a:fillRef idx="0">
-                  <a:schemeClr val="accent1"/>
-                </a:fillRef>
-                <a:effectRef idx="0">
-                  <a:schemeClr val="accent1"/>
-                </a:effectRef>
-                <a:fontRef idx="minor">
-                  <a:schemeClr val="tx1"/>
-                </a:fontRef>
-              </p:style>
-            </p:cxnSp>
-            <p:sp>
-              <p:nvSpPr>
-                <p:cNvPr id="29" name="椭圆 28">
-                  <a:extLst>
-                    <a:ext uri="{FF2B5EF4-FFF2-40B4-BE49-F238E27FC236}">
-                      <a16:creationId xmlns:a16="http://schemas.microsoft.com/office/drawing/2014/main" id="{DDB1B9C2-C47E-4147-A3D5-26297D2D30DC}"/>
-                    </a:ext>
-                  </a:extLst>
-                </p:cNvPr>
-                <p:cNvSpPr/>
-                <p:nvPr/>
-              </p:nvSpPr>
-              <p:spPr>
-                <a:xfrm rot="16200000">
-                  <a:off x="4724847" y="3809057"/>
-                  <a:ext cx="45719" cy="45719"/>
-                </a:xfrm>
-                <a:prstGeom prst="ellipse">
-                  <a:avLst/>
-                </a:prstGeom>
-                <a:solidFill>
-                  <a:schemeClr val="tx1">
-                    <a:lumMod val="75000"/>
-                    <a:lumOff val="25000"/>
-                  </a:schemeClr>
-                </a:solidFill>
-                <a:ln w="44450">
-                  <a:solidFill>
-                    <a:schemeClr val="tx1">
-                      <a:lumMod val="75000"/>
-                      <a:lumOff val="25000"/>
-                    </a:schemeClr>
-                  </a:solidFill>
-                </a:ln>
-              </p:spPr>
-              <p:style>
-                <a:lnRef idx="2">
-                  <a:schemeClr val="accent1">
-                    <a:shade val="50000"/>
-                  </a:schemeClr>
-                </a:lnRef>
-                <a:fillRef idx="1">
-                  <a:schemeClr val="accent1"/>
-                </a:fillRef>
-                <a:effectRef idx="0">
-                  <a:schemeClr val="accent1"/>
-                </a:effectRef>
-                <a:fontRef idx="minor">
-                  <a:schemeClr val="lt1"/>
-                </a:fontRef>
-              </p:style>
-              <p:txBody>
-                <a:bodyPr rtlCol="0" anchor="ctr"/>
-                <a:lstStyle/>
-                <a:p>
-                  <a:pPr algn="ctr"/>
-                  <a:endParaRPr lang="zh-CN" altLang="en-US" dirty="0"/>
-                </a:p>
-              </p:txBody>
-            </p:sp>
-          </p:grpSp>
-          <p:sp>
-            <p:nvSpPr>
-              <p:cNvPr id="2" name="文本框 1">
-                <a:extLst>
-                  <a:ext uri="{FF2B5EF4-FFF2-40B4-BE49-F238E27FC236}">
-                    <a16:creationId xmlns:a16="http://schemas.microsoft.com/office/drawing/2014/main" id="{91313E6B-10F1-4B37-ACC1-D48644B79D84}"/>
-                  </a:ext>
-                </a:extLst>
-              </p:cNvPr>
-              <p:cNvSpPr txBox="1"/>
-              <p:nvPr/>
-            </p:nvSpPr>
-            <p:spPr>
-              <a:xfrm>
-                <a:off x="3067365" y="3943350"/>
-                <a:ext cx="955546" cy="338554"/>
-              </a:xfrm>
-              <a:prstGeom prst="rect">
-                <a:avLst/>
-              </a:prstGeom>
-              <a:noFill/>
-            </p:spPr>
-            <p:txBody>
-              <a:bodyPr wrap="square" rtlCol="0">
-                <a:spAutoFit/>
-              </a:bodyPr>
-              <a:lstStyle/>
-              <a:p>
-                <a:pPr algn="ctr"/>
-                <a:r>
-                  <a:rPr lang="zh-CN" altLang="en-US" sz="1600" dirty="0">
-                    <a:latin typeface="Adobe 黑体 Std R" panose="020B0400000000000000" pitchFamily="34" charset="-122"/>
-                    <a:ea typeface="Adobe 黑体 Std R" panose="020B0400000000000000" pitchFamily="34" charset="-122"/>
-                  </a:rPr>
-                  <a:t>头指针</a:t>
-                </a:r>
-              </a:p>
-            </p:txBody>
-          </p:sp>
-          <p:sp>
-            <p:nvSpPr>
-              <p:cNvPr id="50" name="文本框 49">
-                <a:extLst>
-                  <a:ext uri="{FF2B5EF4-FFF2-40B4-BE49-F238E27FC236}">
-                    <a16:creationId xmlns:a16="http://schemas.microsoft.com/office/drawing/2014/main" id="{86A6C6EA-AFFA-408F-BA24-47B11B6B9CF7}"/>
-                  </a:ext>
-                </a:extLst>
-              </p:cNvPr>
-              <p:cNvSpPr txBox="1"/>
-              <p:nvPr/>
-            </p:nvSpPr>
-            <p:spPr>
-              <a:xfrm>
-                <a:off x="3263443" y="2308905"/>
-                <a:ext cx="955546" cy="338554"/>
-              </a:xfrm>
-              <a:prstGeom prst="rect">
-                <a:avLst/>
-              </a:prstGeom>
-              <a:noFill/>
-            </p:spPr>
-            <p:txBody>
-              <a:bodyPr wrap="square" rtlCol="0">
-                <a:spAutoFit/>
-              </a:bodyPr>
-              <a:lstStyle/>
-              <a:p>
-                <a:pPr algn="ctr"/>
-                <a:r>
-                  <a:rPr lang="zh-CN" altLang="en-US" sz="1600" dirty="0">
-                    <a:latin typeface="Adobe 黑体 Std R" panose="020B0400000000000000" pitchFamily="34" charset="-122"/>
-                    <a:ea typeface="Adobe 黑体 Std R" panose="020B0400000000000000" pitchFamily="34" charset="-122"/>
-                  </a:rPr>
-                  <a:t>头节点</a:t>
-                </a:r>
-              </a:p>
-            </p:txBody>
-          </p:sp>
-          <p:sp>
-            <p:nvSpPr>
-              <p:cNvPr id="51" name="文本框 50">
-                <a:extLst>
-                  <a:ext uri="{FF2B5EF4-FFF2-40B4-BE49-F238E27FC236}">
-                    <a16:creationId xmlns:a16="http://schemas.microsoft.com/office/drawing/2014/main" id="{B35366CF-C637-47D2-8A18-1F8C917DA62D}"/>
-                  </a:ext>
-                </a:extLst>
-              </p:cNvPr>
-              <p:cNvSpPr txBox="1"/>
-              <p:nvPr/>
-            </p:nvSpPr>
-            <p:spPr>
-              <a:xfrm>
-                <a:off x="5130620" y="2318921"/>
-                <a:ext cx="1188790" cy="338554"/>
-              </a:xfrm>
-              <a:prstGeom prst="rect">
-                <a:avLst/>
-              </a:prstGeom>
-              <a:noFill/>
-            </p:spPr>
-            <p:txBody>
-              <a:bodyPr wrap="square" rtlCol="0">
-                <a:spAutoFit/>
-              </a:bodyPr>
-              <a:lstStyle/>
-              <a:p>
-                <a:pPr algn="ctr"/>
-                <a:r>
-                  <a:rPr lang="zh-CN" altLang="en-US" sz="1600" dirty="0">
-                    <a:latin typeface="Adobe 黑体 Std R" panose="020B0400000000000000" pitchFamily="34" charset="-122"/>
-                    <a:ea typeface="Adobe 黑体 Std R" panose="020B0400000000000000" pitchFamily="34" charset="-122"/>
-                  </a:rPr>
-                  <a:t>首元节点</a:t>
-                </a:r>
-              </a:p>
-            </p:txBody>
-          </p:sp>
-          <p:grpSp>
-            <p:nvGrpSpPr>
-              <p:cNvPr id="52" name="组合 51">
-                <a:extLst>
-                  <a:ext uri="{FF2B5EF4-FFF2-40B4-BE49-F238E27FC236}">
-                    <a16:creationId xmlns:a16="http://schemas.microsoft.com/office/drawing/2014/main" id="{46E1E9EC-6884-46B3-AB35-AB80F31983AE}"/>
-                  </a:ext>
-                </a:extLst>
-              </p:cNvPr>
-              <p:cNvGrpSpPr/>
-              <p:nvPr/>
-            </p:nvGrpSpPr>
-            <p:grpSpPr>
-              <a:xfrm>
-                <a:off x="9017967" y="2774623"/>
+                <a:off x="4345758" y="2781300"/>
                 <a:ext cx="1325947" cy="508656"/>
-                <a:chOff x="6541467" y="4587240"/>
-                <a:chExt cx="1325947" cy="508656"/>
+                <a:chOff x="4345758" y="2611226"/>
+                <a:chExt cx="1769290" cy="678730"/>
               </a:xfrm>
             </p:grpSpPr>
             <p:sp>
               <p:nvSpPr>
-                <p:cNvPr id="53" name="矩形 52">
+                <p:cNvPr id="5" name="矩形 4">
                   <a:extLst>
                     <a:ext uri="{FF2B5EF4-FFF2-40B4-BE49-F238E27FC236}">
-                      <a16:creationId xmlns:a16="http://schemas.microsoft.com/office/drawing/2014/main" id="{A8F29205-9459-4417-89B8-65EAA36D770E}"/>
+                      <a16:creationId xmlns:a16="http://schemas.microsoft.com/office/drawing/2014/main" id="{91F7D8C4-C44F-4814-B31F-8E42F2BBD26F}"/>
                     </a:ext>
                   </a:extLst>
                 </p:cNvPr>
@@ -10890,8 +10133,8 @@
               </p:nvSpPr>
               <p:spPr>
                 <a:xfrm>
-                  <a:off x="6541467" y="4587240"/>
-                  <a:ext cx="861889" cy="508656"/>
+                  <a:off x="4345758" y="2611226"/>
+                  <a:ext cx="1150070" cy="678730"/>
                 </a:xfrm>
                 <a:prstGeom prst="rect">
                   <a:avLst/>
@@ -10928,7 +10171,7 @@
                   <a:pPr algn="ctr"/>
                   <a:r>
                     <a:rPr lang="en-US" altLang="zh-CN" dirty="0"/>
-                    <a:t>c</a:t>
+                    <a:t>a</a:t>
                   </a:r>
                   <a:endParaRPr lang="zh-CN" altLang="en-US" dirty="0"/>
                 </a:p>
@@ -10936,10 +10179,10 @@
             </p:sp>
             <p:sp>
               <p:nvSpPr>
-                <p:cNvPr id="54" name="矩形 53">
+                <p:cNvPr id="6" name="矩形 5">
                   <a:extLst>
                     <a:ext uri="{FF2B5EF4-FFF2-40B4-BE49-F238E27FC236}">
-                      <a16:creationId xmlns:a16="http://schemas.microsoft.com/office/drawing/2014/main" id="{7E1D350F-F61B-4B65-9073-6AFD6B167508}"/>
+                      <a16:creationId xmlns:a16="http://schemas.microsoft.com/office/drawing/2014/main" id="{6645EDD6-8159-429B-9BE5-56841DAA3D32}"/>
                     </a:ext>
                   </a:extLst>
                 </p:cNvPr>
@@ -10948,8 +10191,8 @@
               </p:nvSpPr>
               <p:spPr>
                 <a:xfrm>
-                  <a:off x="7400926" y="4587240"/>
-                  <a:ext cx="466488" cy="508656"/>
+                  <a:off x="5492585" y="2611226"/>
+                  <a:ext cx="622463" cy="678730"/>
                 </a:xfrm>
                 <a:prstGeom prst="rect">
                   <a:avLst/>
@@ -10994,10 +10237,10 @@
           </p:grpSp>
           <p:grpSp>
             <p:nvGrpSpPr>
-              <p:cNvPr id="55" name="组合 54">
+              <p:cNvPr id="7" name="组合 6">
                 <a:extLst>
                   <a:ext uri="{FF2B5EF4-FFF2-40B4-BE49-F238E27FC236}">
-                    <a16:creationId xmlns:a16="http://schemas.microsoft.com/office/drawing/2014/main" id="{DBD70C75-903E-4A5B-A3FA-31E82D3B2471}"/>
+                    <a16:creationId xmlns:a16="http://schemas.microsoft.com/office/drawing/2014/main" id="{E3B21196-27D6-4644-8217-FAB363BBE257}"/>
                   </a:ext>
                 </a:extLst>
               </p:cNvPr>
@@ -11006,29 +10249,166 @@
             </p:nvGrpSpPr>
             <p:grpSpPr>
               <a:xfrm>
-                <a:off x="8116371" y="3035628"/>
+                <a:off x="6321381" y="2781300"/>
+                <a:ext cx="1325947" cy="508656"/>
+                <a:chOff x="4345758" y="2611226"/>
+                <a:chExt cx="1769290" cy="678730"/>
+              </a:xfrm>
+            </p:grpSpPr>
+            <p:sp>
+              <p:nvSpPr>
+                <p:cNvPr id="8" name="矩形 7">
+                  <a:extLst>
+                    <a:ext uri="{FF2B5EF4-FFF2-40B4-BE49-F238E27FC236}">
+                      <a16:creationId xmlns:a16="http://schemas.microsoft.com/office/drawing/2014/main" id="{F3D1105F-2A5B-40C8-9E28-6BC1B5A415A9}"/>
+                    </a:ext>
+                  </a:extLst>
+                </p:cNvPr>
+                <p:cNvSpPr/>
+                <p:nvPr/>
+              </p:nvSpPr>
+              <p:spPr>
+                <a:xfrm>
+                  <a:off x="4345758" y="2611226"/>
+                  <a:ext cx="1150070" cy="678730"/>
+                </a:xfrm>
+                <a:prstGeom prst="rect">
+                  <a:avLst/>
+                </a:prstGeom>
+                <a:ln>
+                  <a:solidFill>
+                    <a:schemeClr val="tx1">
+                      <a:lumMod val="65000"/>
+                      <a:lumOff val="35000"/>
+                    </a:schemeClr>
+                  </a:solidFill>
+                </a:ln>
+              </p:spPr>
+              <p:style>
+                <a:lnRef idx="2">
+                  <a:schemeClr val="accent1">
+                    <a:shade val="50000"/>
+                  </a:schemeClr>
+                </a:lnRef>
+                <a:fillRef idx="1">
+                  <a:schemeClr val="accent1"/>
+                </a:fillRef>
+                <a:effectRef idx="0">
+                  <a:schemeClr val="accent1"/>
+                </a:effectRef>
+                <a:fontRef idx="minor">
+                  <a:schemeClr val="lt1"/>
+                </a:fontRef>
+              </p:style>
+              <p:txBody>
+                <a:bodyPr rtlCol="0" anchor="ctr"/>
+                <a:lstStyle/>
+                <a:p>
+                  <a:pPr algn="ctr"/>
+                  <a:r>
+                    <a:rPr lang="en-US" altLang="zh-CN" dirty="0"/>
+                    <a:t>b</a:t>
+                  </a:r>
+                  <a:endParaRPr lang="zh-CN" altLang="en-US" dirty="0"/>
+                </a:p>
+              </p:txBody>
+            </p:sp>
+            <p:sp>
+              <p:nvSpPr>
+                <p:cNvPr id="9" name="矩形 8">
+                  <a:extLst>
+                    <a:ext uri="{FF2B5EF4-FFF2-40B4-BE49-F238E27FC236}">
+                      <a16:creationId xmlns:a16="http://schemas.microsoft.com/office/drawing/2014/main" id="{0960B612-3C62-4AF8-842B-F32238832D4B}"/>
+                    </a:ext>
+                  </a:extLst>
+                </p:cNvPr>
+                <p:cNvSpPr/>
+                <p:nvPr/>
+              </p:nvSpPr>
+              <p:spPr>
+                <a:xfrm>
+                  <a:off x="5492585" y="2611226"/>
+                  <a:ext cx="622463" cy="678730"/>
+                </a:xfrm>
+                <a:prstGeom prst="rect">
+                  <a:avLst/>
+                </a:prstGeom>
+                <a:solidFill>
+                  <a:schemeClr val="accent6"/>
+                </a:solidFill>
+                <a:ln>
+                  <a:solidFill>
+                    <a:schemeClr val="tx1">
+                      <a:lumMod val="65000"/>
+                      <a:lumOff val="35000"/>
+                    </a:schemeClr>
+                  </a:solidFill>
+                </a:ln>
+              </p:spPr>
+              <p:style>
+                <a:lnRef idx="2">
+                  <a:schemeClr val="accent1">
+                    <a:shade val="50000"/>
+                  </a:schemeClr>
+                </a:lnRef>
+                <a:fillRef idx="1">
+                  <a:schemeClr val="accent1"/>
+                </a:fillRef>
+                <a:effectRef idx="0">
+                  <a:schemeClr val="accent1"/>
+                </a:effectRef>
+                <a:fontRef idx="minor">
+                  <a:schemeClr val="lt1"/>
+                </a:fontRef>
+              </p:style>
+              <p:txBody>
+                <a:bodyPr rtlCol="0" anchor="ctr"/>
+                <a:lstStyle/>
+                <a:p>
+                  <a:pPr algn="ctr"/>
+                  <a:endParaRPr lang="zh-CN" altLang="en-US" dirty="0"/>
+                </a:p>
+              </p:txBody>
+            </p:sp>
+          </p:grpSp>
+          <p:grpSp>
+            <p:nvGrpSpPr>
+              <p:cNvPr id="14" name="组合 13">
+                <a:extLst>
+                  <a:ext uri="{FF2B5EF4-FFF2-40B4-BE49-F238E27FC236}">
+                    <a16:creationId xmlns:a16="http://schemas.microsoft.com/office/drawing/2014/main" id="{E72EBAC1-213B-4B73-A0AD-9468F3893285}"/>
+                  </a:ext>
+                </a:extLst>
+              </p:cNvPr>
+              <p:cNvGrpSpPr/>
+              <p:nvPr/>
+            </p:nvGrpSpPr>
+            <p:grpSpPr>
+              <a:xfrm>
+                <a:off x="5419727" y="3028951"/>
                 <a:ext cx="901654" cy="45719"/>
-                <a:chOff x="5119355" y="3952876"/>
+                <a:chOff x="5419727" y="3012284"/>
                 <a:chExt cx="901654" cy="45719"/>
               </a:xfrm>
             </p:grpSpPr>
             <p:cxnSp>
               <p:nvCxnSpPr>
-                <p:cNvPr id="56" name="直接箭头连接符 55">
+                <p:cNvPr id="11" name="直接箭头连接符 10">
                   <a:extLst>
                     <a:ext uri="{FF2B5EF4-FFF2-40B4-BE49-F238E27FC236}">
-                      <a16:creationId xmlns:a16="http://schemas.microsoft.com/office/drawing/2014/main" id="{A8B00E4E-7B2D-4BEC-9330-C746E1A946B3}"/>
+                      <a16:creationId xmlns:a16="http://schemas.microsoft.com/office/drawing/2014/main" id="{4DA82DB4-FFC9-4B6C-B676-05FC68B07399}"/>
                     </a:ext>
                   </a:extLst>
                 </p:cNvPr>
                 <p:cNvCxnSpPr>
                   <a:cxnSpLocks/>
+                  <a:endCxn id="8" idx="1"/>
                 </p:cNvCxnSpPr>
                 <p:nvPr/>
               </p:nvCxnSpPr>
               <p:spPr>
                 <a:xfrm>
-                  <a:off x="5138089" y="3976220"/>
+                  <a:off x="5438461" y="3035628"/>
                   <a:ext cx="882920" cy="0"/>
                 </a:xfrm>
                 <a:prstGeom prst="straightConnector1">
@@ -11061,10 +10441,10 @@
             </p:cxnSp>
             <p:sp>
               <p:nvSpPr>
-                <p:cNvPr id="57" name="椭圆 56">
+                <p:cNvPr id="13" name="椭圆 12">
                   <a:extLst>
                     <a:ext uri="{FF2B5EF4-FFF2-40B4-BE49-F238E27FC236}">
-                      <a16:creationId xmlns:a16="http://schemas.microsoft.com/office/drawing/2014/main" id="{EFF9F255-52BC-4DEA-9483-F2182875A1BF}"/>
+                      <a16:creationId xmlns:a16="http://schemas.microsoft.com/office/drawing/2014/main" id="{BB75EEE7-F6B5-420D-9F8B-7FB07A74895E}"/>
                     </a:ext>
                   </a:extLst>
                 </p:cNvPr>
@@ -11073,7 +10453,7 @@
               </p:nvSpPr>
               <p:spPr>
                 <a:xfrm>
-                  <a:off x="5119355" y="3952876"/>
+                  <a:off x="5419727" y="3012284"/>
                   <a:ext cx="45719" cy="45719"/>
                 </a:xfrm>
                 <a:prstGeom prst="ellipse">
@@ -11115,90 +10495,870 @@
                 <a:lstStyle/>
                 <a:p>
                   <a:pPr algn="ctr"/>
-                  <a:endParaRPr lang="zh-CN" altLang="en-US" dirty="0"/>
+                  <a:endParaRPr lang="zh-CN" altLang="en-US"/>
                 </a:p>
               </p:txBody>
             </p:sp>
           </p:grpSp>
+        </p:grpSp>
+        <p:grpSp>
+          <p:nvGrpSpPr>
+            <p:cNvPr id="15" name="组合 14">
+              <a:extLst>
+                <a:ext uri="{FF2B5EF4-FFF2-40B4-BE49-F238E27FC236}">
+                  <a16:creationId xmlns:a16="http://schemas.microsoft.com/office/drawing/2014/main" id="{E405CE6E-AEB3-4CC2-BCFA-40799045093D}"/>
+                </a:ext>
+              </a:extLst>
+            </p:cNvPr>
+            <p:cNvGrpSpPr/>
+            <p:nvPr/>
+          </p:nvGrpSpPr>
+          <p:grpSpPr>
+            <a:xfrm>
+              <a:off x="3095940" y="2774623"/>
+              <a:ext cx="1325947" cy="508656"/>
+              <a:chOff x="4345758" y="2611226"/>
+              <a:chExt cx="1769290" cy="678730"/>
+            </a:xfrm>
+          </p:grpSpPr>
           <p:sp>
             <p:nvSpPr>
-              <p:cNvPr id="58" name="文本框 57">
+              <p:cNvPr id="16" name="矩形 15">
                 <a:extLst>
                   <a:ext uri="{FF2B5EF4-FFF2-40B4-BE49-F238E27FC236}">
-                    <a16:creationId xmlns:a16="http://schemas.microsoft.com/office/drawing/2014/main" id="{4F55BA5D-32C0-482F-8BFE-A886A94F3913}"/>
+                    <a16:creationId xmlns:a16="http://schemas.microsoft.com/office/drawing/2014/main" id="{748AA9F6-9A99-4E66-A582-9D39CE1B2A37}"/>
                   </a:ext>
                 </a:extLst>
               </p:cNvPr>
-              <p:cNvSpPr txBox="1"/>
+              <p:cNvSpPr/>
               <p:nvPr/>
             </p:nvSpPr>
             <p:spPr>
               <a:xfrm>
-                <a:off x="7104337" y="2318921"/>
-                <a:ext cx="1188790" cy="338554"/>
+                <a:off x="4345758" y="2611226"/>
+                <a:ext cx="1150070" cy="678730"/>
               </a:xfrm>
               <a:prstGeom prst="rect">
                 <a:avLst/>
               </a:prstGeom>
-              <a:noFill/>
+              <a:pattFill prst="wdDnDiag">
+                <a:fgClr>
+                  <a:schemeClr val="tx1">
+                    <a:lumMod val="65000"/>
+                    <a:lumOff val="35000"/>
+                  </a:schemeClr>
+                </a:fgClr>
+                <a:bgClr>
+                  <a:schemeClr val="accent1"/>
+                </a:bgClr>
+              </a:pattFill>
+              <a:ln>
+                <a:solidFill>
+                  <a:schemeClr val="tx1">
+                    <a:lumMod val="65000"/>
+                    <a:lumOff val="35000"/>
+                  </a:schemeClr>
+                </a:solidFill>
+              </a:ln>
             </p:spPr>
+            <p:style>
+              <a:lnRef idx="2">
+                <a:schemeClr val="accent1">
+                  <a:shade val="50000"/>
+                </a:schemeClr>
+              </a:lnRef>
+              <a:fillRef idx="1">
+                <a:schemeClr val="accent1"/>
+              </a:fillRef>
+              <a:effectRef idx="0">
+                <a:schemeClr val="accent1"/>
+              </a:effectRef>
+              <a:fontRef idx="minor">
+                <a:schemeClr val="lt1"/>
+              </a:fontRef>
+            </p:style>
             <p:txBody>
-              <a:bodyPr wrap="square" rtlCol="0">
-                <a:spAutoFit/>
-              </a:bodyPr>
+              <a:bodyPr rtlCol="0" anchor="ctr"/>
               <a:lstStyle/>
               <a:p>
                 <a:pPr algn="ctr"/>
-                <a:r>
-                  <a:rPr lang="zh-CN" altLang="en-US" sz="1600" dirty="0">
-                    <a:latin typeface="Adobe 黑体 Std R" panose="020B0400000000000000" pitchFamily="34" charset="-122"/>
-                    <a:ea typeface="Adobe 黑体 Std R" panose="020B0400000000000000" pitchFamily="34" charset="-122"/>
-                  </a:rPr>
-                  <a:t>普通节点</a:t>
-                </a:r>
+                <a:endParaRPr lang="zh-CN" altLang="en-US" dirty="0"/>
               </a:p>
             </p:txBody>
           </p:sp>
           <p:sp>
             <p:nvSpPr>
-              <p:cNvPr id="59" name="文本框 58">
+              <p:cNvPr id="17" name="矩形 16">
                 <a:extLst>
                   <a:ext uri="{FF2B5EF4-FFF2-40B4-BE49-F238E27FC236}">
-                    <a16:creationId xmlns:a16="http://schemas.microsoft.com/office/drawing/2014/main" id="{8953A5E6-1D14-43B8-84EA-203C10587DA1}"/>
+                    <a16:creationId xmlns:a16="http://schemas.microsoft.com/office/drawing/2014/main" id="{5F96D159-4030-40EA-8484-C21FA56AF8F0}"/>
                   </a:ext>
                 </a:extLst>
               </p:cNvPr>
-              <p:cNvSpPr txBox="1"/>
+              <p:cNvSpPr/>
               <p:nvPr/>
             </p:nvSpPr>
             <p:spPr>
               <a:xfrm>
-                <a:off x="9215376" y="2308905"/>
-                <a:ext cx="955546" cy="338554"/>
+                <a:off x="5492585" y="2611226"/>
+                <a:ext cx="622463" cy="678730"/>
               </a:xfrm>
               <a:prstGeom prst="rect">
                 <a:avLst/>
               </a:prstGeom>
-              <a:noFill/>
+              <a:solidFill>
+                <a:schemeClr val="accent6"/>
+              </a:solidFill>
+              <a:ln>
+                <a:solidFill>
+                  <a:schemeClr val="tx1">
+                    <a:lumMod val="65000"/>
+                    <a:lumOff val="35000"/>
+                  </a:schemeClr>
+                </a:solidFill>
+              </a:ln>
             </p:spPr>
+            <p:style>
+              <a:lnRef idx="2">
+                <a:schemeClr val="accent1">
+                  <a:shade val="50000"/>
+                </a:schemeClr>
+              </a:lnRef>
+              <a:fillRef idx="1">
+                <a:schemeClr val="accent1"/>
+              </a:fillRef>
+              <a:effectRef idx="0">
+                <a:schemeClr val="accent1"/>
+              </a:effectRef>
+              <a:fontRef idx="minor">
+                <a:schemeClr val="lt1"/>
+              </a:fontRef>
+            </p:style>
             <p:txBody>
-              <a:bodyPr wrap="square" rtlCol="0">
-                <a:spAutoFit/>
-              </a:bodyPr>
+              <a:bodyPr rtlCol="0" anchor="ctr"/>
+              <a:lstStyle/>
+              <a:p>
+                <a:pPr algn="ctr"/>
+                <a:endParaRPr lang="zh-CN" altLang="en-US" dirty="0"/>
+              </a:p>
+            </p:txBody>
+          </p:sp>
+        </p:grpSp>
+        <p:grpSp>
+          <p:nvGrpSpPr>
+            <p:cNvPr id="22" name="组合 21">
+              <a:extLst>
+                <a:ext uri="{FF2B5EF4-FFF2-40B4-BE49-F238E27FC236}">
+                  <a16:creationId xmlns:a16="http://schemas.microsoft.com/office/drawing/2014/main" id="{4AD981FA-223B-477F-B724-D2A1E088CF20}"/>
+                </a:ext>
+              </a:extLst>
+            </p:cNvPr>
+            <p:cNvGrpSpPr/>
+            <p:nvPr/>
+          </p:nvGrpSpPr>
+          <p:grpSpPr>
+            <a:xfrm>
+              <a:off x="4169909" y="3028951"/>
+              <a:ext cx="901654" cy="45719"/>
+              <a:chOff x="5477657" y="3028951"/>
+              <a:chExt cx="901654" cy="45719"/>
+            </a:xfrm>
+          </p:grpSpPr>
+          <p:cxnSp>
+            <p:nvCxnSpPr>
+              <p:cNvPr id="20" name="直接箭头连接符 19">
+                <a:extLst>
+                  <a:ext uri="{FF2B5EF4-FFF2-40B4-BE49-F238E27FC236}">
+                    <a16:creationId xmlns:a16="http://schemas.microsoft.com/office/drawing/2014/main" id="{3487722D-6F8B-4CD6-8988-034CFCB85EF3}"/>
+                  </a:ext>
+                </a:extLst>
+              </p:cNvPr>
+              <p:cNvCxnSpPr>
+                <a:cxnSpLocks/>
+              </p:cNvCxnSpPr>
+              <p:nvPr/>
+            </p:nvCxnSpPr>
+            <p:spPr>
+              <a:xfrm>
+                <a:off x="5496391" y="3052295"/>
+                <a:ext cx="882920" cy="0"/>
+              </a:xfrm>
+              <a:prstGeom prst="straightConnector1">
+                <a:avLst/>
+              </a:prstGeom>
+              <a:ln w="44450">
+                <a:solidFill>
+                  <a:schemeClr val="tx1">
+                    <a:lumMod val="65000"/>
+                    <a:lumOff val="35000"/>
+                  </a:schemeClr>
+                </a:solidFill>
+                <a:tailEnd type="triangle"/>
+              </a:ln>
+            </p:spPr>
+            <p:style>
+              <a:lnRef idx="1">
+                <a:schemeClr val="accent1"/>
+              </a:lnRef>
+              <a:fillRef idx="0">
+                <a:schemeClr val="accent1"/>
+              </a:fillRef>
+              <a:effectRef idx="0">
+                <a:schemeClr val="accent1"/>
+              </a:effectRef>
+              <a:fontRef idx="minor">
+                <a:schemeClr val="tx1"/>
+              </a:fontRef>
+            </p:style>
+          </p:cxnSp>
+          <p:sp>
+            <p:nvSpPr>
+              <p:cNvPr id="21" name="椭圆 20">
+                <a:extLst>
+                  <a:ext uri="{FF2B5EF4-FFF2-40B4-BE49-F238E27FC236}">
+                    <a16:creationId xmlns:a16="http://schemas.microsoft.com/office/drawing/2014/main" id="{4D9ED69B-71FE-4C58-988C-07967EFF0935}"/>
+                  </a:ext>
+                </a:extLst>
+              </p:cNvPr>
+              <p:cNvSpPr/>
+              <p:nvPr/>
+            </p:nvSpPr>
+            <p:spPr>
+              <a:xfrm>
+                <a:off x="5477657" y="3028951"/>
+                <a:ext cx="45719" cy="45719"/>
+              </a:xfrm>
+              <a:prstGeom prst="ellipse">
+                <a:avLst/>
+              </a:prstGeom>
+              <a:solidFill>
+                <a:schemeClr val="tx1">
+                  <a:lumMod val="75000"/>
+                  <a:lumOff val="25000"/>
+                </a:schemeClr>
+              </a:solidFill>
+              <a:ln w="44450">
+                <a:solidFill>
+                  <a:schemeClr val="tx1">
+                    <a:lumMod val="75000"/>
+                    <a:lumOff val="25000"/>
+                  </a:schemeClr>
+                </a:solidFill>
+              </a:ln>
+            </p:spPr>
+            <p:style>
+              <a:lnRef idx="2">
+                <a:schemeClr val="accent1">
+                  <a:shade val="50000"/>
+                </a:schemeClr>
+              </a:lnRef>
+              <a:fillRef idx="1">
+                <a:schemeClr val="accent1"/>
+              </a:fillRef>
+              <a:effectRef idx="0">
+                <a:schemeClr val="accent1"/>
+              </a:effectRef>
+              <a:fontRef idx="minor">
+                <a:schemeClr val="lt1"/>
+              </a:fontRef>
+            </p:style>
+            <p:txBody>
+              <a:bodyPr rtlCol="0" anchor="ctr"/>
+              <a:lstStyle/>
+              <a:p>
+                <a:pPr algn="ctr"/>
+                <a:endParaRPr lang="zh-CN" altLang="en-US" dirty="0"/>
+              </a:p>
+            </p:txBody>
+          </p:sp>
+        </p:grpSp>
+        <p:grpSp>
+          <p:nvGrpSpPr>
+            <p:cNvPr id="32" name="组合 31">
+              <a:extLst>
+                <a:ext uri="{FF2B5EF4-FFF2-40B4-BE49-F238E27FC236}">
+                  <a16:creationId xmlns:a16="http://schemas.microsoft.com/office/drawing/2014/main" id="{66F2A5D0-4050-4281-BF1D-F4BBB62ACE1C}"/>
+                </a:ext>
+              </a:extLst>
+            </p:cNvPr>
+            <p:cNvGrpSpPr/>
+            <p:nvPr/>
+          </p:nvGrpSpPr>
+          <p:grpSpPr>
+            <a:xfrm>
+              <a:off x="3515172" y="3289956"/>
+              <a:ext cx="45719" cy="564820"/>
+              <a:chOff x="4724847" y="3289956"/>
+              <a:chExt cx="45719" cy="564820"/>
+            </a:xfrm>
+          </p:grpSpPr>
+          <p:cxnSp>
+            <p:nvCxnSpPr>
+              <p:cNvPr id="28" name="直接箭头连接符 27">
+                <a:extLst>
+                  <a:ext uri="{FF2B5EF4-FFF2-40B4-BE49-F238E27FC236}">
+                    <a16:creationId xmlns:a16="http://schemas.microsoft.com/office/drawing/2014/main" id="{4A9288D3-824C-4E77-B351-85A04727348A}"/>
+                  </a:ext>
+                </a:extLst>
+              </p:cNvPr>
+              <p:cNvCxnSpPr>
+                <a:cxnSpLocks/>
+              </p:cNvCxnSpPr>
+              <p:nvPr/>
+            </p:nvCxnSpPr>
+            <p:spPr>
+              <a:xfrm flipV="1">
+                <a:off x="4747707" y="3289956"/>
+                <a:ext cx="0" cy="535284"/>
+              </a:xfrm>
+              <a:prstGeom prst="straightConnector1">
+                <a:avLst/>
+              </a:prstGeom>
+              <a:ln w="44450">
+                <a:solidFill>
+                  <a:schemeClr val="tx1">
+                    <a:lumMod val="65000"/>
+                    <a:lumOff val="35000"/>
+                  </a:schemeClr>
+                </a:solidFill>
+                <a:tailEnd type="triangle"/>
+              </a:ln>
+            </p:spPr>
+            <p:style>
+              <a:lnRef idx="1">
+                <a:schemeClr val="accent1"/>
+              </a:lnRef>
+              <a:fillRef idx="0">
+                <a:schemeClr val="accent1"/>
+              </a:fillRef>
+              <a:effectRef idx="0">
+                <a:schemeClr val="accent1"/>
+              </a:effectRef>
+              <a:fontRef idx="minor">
+                <a:schemeClr val="tx1"/>
+              </a:fontRef>
+            </p:style>
+          </p:cxnSp>
+          <p:sp>
+            <p:nvSpPr>
+              <p:cNvPr id="29" name="椭圆 28">
+                <a:extLst>
+                  <a:ext uri="{FF2B5EF4-FFF2-40B4-BE49-F238E27FC236}">
+                    <a16:creationId xmlns:a16="http://schemas.microsoft.com/office/drawing/2014/main" id="{DDB1B9C2-C47E-4147-A3D5-26297D2D30DC}"/>
+                  </a:ext>
+                </a:extLst>
+              </p:cNvPr>
+              <p:cNvSpPr/>
+              <p:nvPr/>
+            </p:nvSpPr>
+            <p:spPr>
+              <a:xfrm rot="16200000">
+                <a:off x="4724847" y="3809057"/>
+                <a:ext cx="45719" cy="45719"/>
+              </a:xfrm>
+              <a:prstGeom prst="ellipse">
+                <a:avLst/>
+              </a:prstGeom>
+              <a:solidFill>
+                <a:schemeClr val="tx1">
+                  <a:lumMod val="75000"/>
+                  <a:lumOff val="25000"/>
+                </a:schemeClr>
+              </a:solidFill>
+              <a:ln w="44450">
+                <a:solidFill>
+                  <a:schemeClr val="tx1">
+                    <a:lumMod val="75000"/>
+                    <a:lumOff val="25000"/>
+                  </a:schemeClr>
+                </a:solidFill>
+              </a:ln>
+            </p:spPr>
+            <p:style>
+              <a:lnRef idx="2">
+                <a:schemeClr val="accent1">
+                  <a:shade val="50000"/>
+                </a:schemeClr>
+              </a:lnRef>
+              <a:fillRef idx="1">
+                <a:schemeClr val="accent1"/>
+              </a:fillRef>
+              <a:effectRef idx="0">
+                <a:schemeClr val="accent1"/>
+              </a:effectRef>
+              <a:fontRef idx="minor">
+                <a:schemeClr val="lt1"/>
+              </a:fontRef>
+            </p:style>
+            <p:txBody>
+              <a:bodyPr rtlCol="0" anchor="ctr"/>
+              <a:lstStyle/>
+              <a:p>
+                <a:pPr algn="ctr"/>
+                <a:endParaRPr lang="zh-CN" altLang="en-US" dirty="0"/>
+              </a:p>
+            </p:txBody>
+          </p:sp>
+        </p:grpSp>
+        <p:sp>
+          <p:nvSpPr>
+            <p:cNvPr id="2" name="文本框 1">
+              <a:extLst>
+                <a:ext uri="{FF2B5EF4-FFF2-40B4-BE49-F238E27FC236}">
+                  <a16:creationId xmlns:a16="http://schemas.microsoft.com/office/drawing/2014/main" id="{91313E6B-10F1-4B37-ACC1-D48644B79D84}"/>
+                </a:ext>
+              </a:extLst>
+            </p:cNvPr>
+            <p:cNvSpPr txBox="1"/>
+            <p:nvPr/>
+          </p:nvSpPr>
+          <p:spPr>
+            <a:xfrm>
+              <a:off x="3067365" y="3943350"/>
+              <a:ext cx="955546" cy="338554"/>
+            </a:xfrm>
+            <a:prstGeom prst="rect">
+              <a:avLst/>
+            </a:prstGeom>
+            <a:noFill/>
+          </p:spPr>
+          <p:txBody>
+            <a:bodyPr wrap="square" rtlCol="0">
+              <a:spAutoFit/>
+            </a:bodyPr>
+            <a:lstStyle/>
+            <a:p>
+              <a:pPr algn="ctr"/>
+              <a:r>
+                <a:rPr lang="zh-CN" altLang="en-US" sz="1600" dirty="0">
+                  <a:latin typeface="Adobe 黑体 Std R" panose="020B0400000000000000" pitchFamily="34" charset="-122"/>
+                  <a:ea typeface="Adobe 黑体 Std R" panose="020B0400000000000000" pitchFamily="34" charset="-122"/>
+                </a:rPr>
+                <a:t>头指针</a:t>
+              </a:r>
+            </a:p>
+          </p:txBody>
+        </p:sp>
+        <p:sp>
+          <p:nvSpPr>
+            <p:cNvPr id="50" name="文本框 49">
+              <a:extLst>
+                <a:ext uri="{FF2B5EF4-FFF2-40B4-BE49-F238E27FC236}">
+                  <a16:creationId xmlns:a16="http://schemas.microsoft.com/office/drawing/2014/main" id="{86A6C6EA-AFFA-408F-BA24-47B11B6B9CF7}"/>
+                </a:ext>
+              </a:extLst>
+            </p:cNvPr>
+            <p:cNvSpPr txBox="1"/>
+            <p:nvPr/>
+          </p:nvSpPr>
+          <p:spPr>
+            <a:xfrm>
+              <a:off x="3263443" y="2308905"/>
+              <a:ext cx="955546" cy="338554"/>
+            </a:xfrm>
+            <a:prstGeom prst="rect">
+              <a:avLst/>
+            </a:prstGeom>
+            <a:noFill/>
+          </p:spPr>
+          <p:txBody>
+            <a:bodyPr wrap="square" rtlCol="0">
+              <a:spAutoFit/>
+            </a:bodyPr>
+            <a:lstStyle/>
+            <a:p>
+              <a:pPr algn="ctr"/>
+              <a:r>
+                <a:rPr lang="zh-CN" altLang="en-US" sz="1600" dirty="0">
+                  <a:latin typeface="Adobe 黑体 Std R" panose="020B0400000000000000" pitchFamily="34" charset="-122"/>
+                  <a:ea typeface="Adobe 黑体 Std R" panose="020B0400000000000000" pitchFamily="34" charset="-122"/>
+                </a:rPr>
+                <a:t>头节点</a:t>
+              </a:r>
+            </a:p>
+          </p:txBody>
+        </p:sp>
+        <p:sp>
+          <p:nvSpPr>
+            <p:cNvPr id="51" name="文本框 50">
+              <a:extLst>
+                <a:ext uri="{FF2B5EF4-FFF2-40B4-BE49-F238E27FC236}">
+                  <a16:creationId xmlns:a16="http://schemas.microsoft.com/office/drawing/2014/main" id="{B35366CF-C637-47D2-8A18-1F8C917DA62D}"/>
+                </a:ext>
+              </a:extLst>
+            </p:cNvPr>
+            <p:cNvSpPr txBox="1"/>
+            <p:nvPr/>
+          </p:nvSpPr>
+          <p:spPr>
+            <a:xfrm>
+              <a:off x="5130620" y="2318921"/>
+              <a:ext cx="1188790" cy="338554"/>
+            </a:xfrm>
+            <a:prstGeom prst="rect">
+              <a:avLst/>
+            </a:prstGeom>
+            <a:noFill/>
+          </p:spPr>
+          <p:txBody>
+            <a:bodyPr wrap="square" rtlCol="0">
+              <a:spAutoFit/>
+            </a:bodyPr>
+            <a:lstStyle/>
+            <a:p>
+              <a:pPr algn="ctr"/>
+              <a:r>
+                <a:rPr lang="zh-CN" altLang="en-US" sz="1600" dirty="0">
+                  <a:latin typeface="Adobe 黑体 Std R" panose="020B0400000000000000" pitchFamily="34" charset="-122"/>
+                  <a:ea typeface="Adobe 黑体 Std R" panose="020B0400000000000000" pitchFamily="34" charset="-122"/>
+                </a:rPr>
+                <a:t>首元节点</a:t>
+              </a:r>
+            </a:p>
+          </p:txBody>
+        </p:sp>
+        <p:grpSp>
+          <p:nvGrpSpPr>
+            <p:cNvPr id="52" name="组合 51">
+              <a:extLst>
+                <a:ext uri="{FF2B5EF4-FFF2-40B4-BE49-F238E27FC236}">
+                  <a16:creationId xmlns:a16="http://schemas.microsoft.com/office/drawing/2014/main" id="{46E1E9EC-6884-46B3-AB35-AB80F31983AE}"/>
+                </a:ext>
+              </a:extLst>
+            </p:cNvPr>
+            <p:cNvGrpSpPr/>
+            <p:nvPr/>
+          </p:nvGrpSpPr>
+          <p:grpSpPr>
+            <a:xfrm>
+              <a:off x="9017967" y="2774623"/>
+              <a:ext cx="1325947" cy="508656"/>
+              <a:chOff x="6541467" y="4587240"/>
+              <a:chExt cx="1325947" cy="508656"/>
+            </a:xfrm>
+          </p:grpSpPr>
+          <p:sp>
+            <p:nvSpPr>
+              <p:cNvPr id="53" name="矩形 52">
+                <a:extLst>
+                  <a:ext uri="{FF2B5EF4-FFF2-40B4-BE49-F238E27FC236}">
+                    <a16:creationId xmlns:a16="http://schemas.microsoft.com/office/drawing/2014/main" id="{A8F29205-9459-4417-89B8-65EAA36D770E}"/>
+                  </a:ext>
+                </a:extLst>
+              </p:cNvPr>
+              <p:cNvSpPr/>
+              <p:nvPr/>
+            </p:nvSpPr>
+            <p:spPr>
+              <a:xfrm>
+                <a:off x="6541467" y="4587240"/>
+                <a:ext cx="861889" cy="508656"/>
+              </a:xfrm>
+              <a:prstGeom prst="rect">
+                <a:avLst/>
+              </a:prstGeom>
+              <a:ln>
+                <a:solidFill>
+                  <a:schemeClr val="tx1">
+                    <a:lumMod val="65000"/>
+                    <a:lumOff val="35000"/>
+                  </a:schemeClr>
+                </a:solidFill>
+              </a:ln>
+            </p:spPr>
+            <p:style>
+              <a:lnRef idx="2">
+                <a:schemeClr val="accent1">
+                  <a:shade val="50000"/>
+                </a:schemeClr>
+              </a:lnRef>
+              <a:fillRef idx="1">
+                <a:schemeClr val="accent1"/>
+              </a:fillRef>
+              <a:effectRef idx="0">
+                <a:schemeClr val="accent1"/>
+              </a:effectRef>
+              <a:fontRef idx="minor">
+                <a:schemeClr val="lt1"/>
+              </a:fontRef>
+            </p:style>
+            <p:txBody>
+              <a:bodyPr rtlCol="0" anchor="ctr"/>
               <a:lstStyle/>
               <a:p>
                 <a:pPr algn="ctr"/>
                 <a:r>
-                  <a:rPr lang="zh-CN" altLang="en-US" sz="1600" dirty="0">
-                    <a:latin typeface="Adobe 黑体 Std R" panose="020B0400000000000000" pitchFamily="34" charset="-122"/>
-                    <a:ea typeface="Adobe 黑体 Std R" panose="020B0400000000000000" pitchFamily="34" charset="-122"/>
-                  </a:rPr>
-                  <a:t>尾节点</a:t>
+                  <a:rPr lang="en-US" altLang="zh-CN" dirty="0"/>
+                  <a:t>c</a:t>
                 </a:r>
+                <a:endParaRPr lang="zh-CN" altLang="en-US" dirty="0"/>
+              </a:p>
+            </p:txBody>
+          </p:sp>
+          <p:sp>
+            <p:nvSpPr>
+              <p:cNvPr id="54" name="矩形 53">
+                <a:extLst>
+                  <a:ext uri="{FF2B5EF4-FFF2-40B4-BE49-F238E27FC236}">
+                    <a16:creationId xmlns:a16="http://schemas.microsoft.com/office/drawing/2014/main" id="{7E1D350F-F61B-4B65-9073-6AFD6B167508}"/>
+                  </a:ext>
+                </a:extLst>
+              </p:cNvPr>
+              <p:cNvSpPr/>
+              <p:nvPr/>
+            </p:nvSpPr>
+            <p:spPr>
+              <a:xfrm>
+                <a:off x="7400926" y="4587240"/>
+                <a:ext cx="466488" cy="508656"/>
+              </a:xfrm>
+              <a:prstGeom prst="rect">
+                <a:avLst/>
+              </a:prstGeom>
+              <a:solidFill>
+                <a:schemeClr val="accent6"/>
+              </a:solidFill>
+              <a:ln>
+                <a:solidFill>
+                  <a:schemeClr val="tx1">
+                    <a:lumMod val="65000"/>
+                    <a:lumOff val="35000"/>
+                  </a:schemeClr>
+                </a:solidFill>
+              </a:ln>
+            </p:spPr>
+            <p:style>
+              <a:lnRef idx="2">
+                <a:schemeClr val="accent1">
+                  <a:shade val="50000"/>
+                </a:schemeClr>
+              </a:lnRef>
+              <a:fillRef idx="1">
+                <a:schemeClr val="accent1"/>
+              </a:fillRef>
+              <a:effectRef idx="0">
+                <a:schemeClr val="accent1"/>
+              </a:effectRef>
+              <a:fontRef idx="minor">
+                <a:schemeClr val="lt1"/>
+              </a:fontRef>
+            </p:style>
+            <p:txBody>
+              <a:bodyPr rtlCol="0" anchor="ctr"/>
+              <a:lstStyle/>
+              <a:p>
+                <a:pPr algn="ctr"/>
+                <a:endParaRPr lang="zh-CN" altLang="en-US" dirty="0"/>
               </a:p>
             </p:txBody>
           </p:sp>
         </p:grpSp>
+        <p:grpSp>
+          <p:nvGrpSpPr>
+            <p:cNvPr id="55" name="组合 54">
+              <a:extLst>
+                <a:ext uri="{FF2B5EF4-FFF2-40B4-BE49-F238E27FC236}">
+                  <a16:creationId xmlns:a16="http://schemas.microsoft.com/office/drawing/2014/main" id="{DBD70C75-903E-4A5B-A3FA-31E82D3B2471}"/>
+                </a:ext>
+              </a:extLst>
+            </p:cNvPr>
+            <p:cNvGrpSpPr/>
+            <p:nvPr/>
+          </p:nvGrpSpPr>
+          <p:grpSpPr>
+            <a:xfrm>
+              <a:off x="8116371" y="3035628"/>
+              <a:ext cx="901654" cy="45719"/>
+              <a:chOff x="5119355" y="3952876"/>
+              <a:chExt cx="901654" cy="45719"/>
+            </a:xfrm>
+          </p:grpSpPr>
+          <p:cxnSp>
+            <p:nvCxnSpPr>
+              <p:cNvPr id="56" name="直接箭头连接符 55">
+                <a:extLst>
+                  <a:ext uri="{FF2B5EF4-FFF2-40B4-BE49-F238E27FC236}">
+                    <a16:creationId xmlns:a16="http://schemas.microsoft.com/office/drawing/2014/main" id="{A8B00E4E-7B2D-4BEC-9330-C746E1A946B3}"/>
+                  </a:ext>
+                </a:extLst>
+              </p:cNvPr>
+              <p:cNvCxnSpPr>
+                <a:cxnSpLocks/>
+              </p:cNvCxnSpPr>
+              <p:nvPr/>
+            </p:nvCxnSpPr>
+            <p:spPr>
+              <a:xfrm>
+                <a:off x="5138089" y="3976220"/>
+                <a:ext cx="882920" cy="0"/>
+              </a:xfrm>
+              <a:prstGeom prst="straightConnector1">
+                <a:avLst/>
+              </a:prstGeom>
+              <a:ln w="44450">
+                <a:solidFill>
+                  <a:schemeClr val="tx1">
+                    <a:lumMod val="65000"/>
+                    <a:lumOff val="35000"/>
+                  </a:schemeClr>
+                </a:solidFill>
+                <a:tailEnd type="triangle"/>
+              </a:ln>
+            </p:spPr>
+            <p:style>
+              <a:lnRef idx="1">
+                <a:schemeClr val="accent1"/>
+              </a:lnRef>
+              <a:fillRef idx="0">
+                <a:schemeClr val="accent1"/>
+              </a:fillRef>
+              <a:effectRef idx="0">
+                <a:schemeClr val="accent1"/>
+              </a:effectRef>
+              <a:fontRef idx="minor">
+                <a:schemeClr val="tx1"/>
+              </a:fontRef>
+            </p:style>
+          </p:cxnSp>
+          <p:sp>
+            <p:nvSpPr>
+              <p:cNvPr id="57" name="椭圆 56">
+                <a:extLst>
+                  <a:ext uri="{FF2B5EF4-FFF2-40B4-BE49-F238E27FC236}">
+                    <a16:creationId xmlns:a16="http://schemas.microsoft.com/office/drawing/2014/main" id="{EFF9F255-52BC-4DEA-9483-F2182875A1BF}"/>
+                  </a:ext>
+                </a:extLst>
+              </p:cNvPr>
+              <p:cNvSpPr/>
+              <p:nvPr/>
+            </p:nvSpPr>
+            <p:spPr>
+              <a:xfrm>
+                <a:off x="5119355" y="3952876"/>
+                <a:ext cx="45719" cy="45719"/>
+              </a:xfrm>
+              <a:prstGeom prst="ellipse">
+                <a:avLst/>
+              </a:prstGeom>
+              <a:solidFill>
+                <a:schemeClr val="tx1">
+                  <a:lumMod val="75000"/>
+                  <a:lumOff val="25000"/>
+                </a:schemeClr>
+              </a:solidFill>
+              <a:ln w="44450">
+                <a:solidFill>
+                  <a:schemeClr val="tx1">
+                    <a:lumMod val="75000"/>
+                    <a:lumOff val="25000"/>
+                  </a:schemeClr>
+                </a:solidFill>
+              </a:ln>
+            </p:spPr>
+            <p:style>
+              <a:lnRef idx="2">
+                <a:schemeClr val="accent1">
+                  <a:shade val="50000"/>
+                </a:schemeClr>
+              </a:lnRef>
+              <a:fillRef idx="1">
+                <a:schemeClr val="accent1"/>
+              </a:fillRef>
+              <a:effectRef idx="0">
+                <a:schemeClr val="accent1"/>
+              </a:effectRef>
+              <a:fontRef idx="minor">
+                <a:schemeClr val="lt1"/>
+              </a:fontRef>
+            </p:style>
+            <p:txBody>
+              <a:bodyPr rtlCol="0" anchor="ctr"/>
+              <a:lstStyle/>
+              <a:p>
+                <a:pPr algn="ctr"/>
+                <a:endParaRPr lang="zh-CN" altLang="en-US" dirty="0"/>
+              </a:p>
+            </p:txBody>
+          </p:sp>
+        </p:grpSp>
+        <p:sp>
+          <p:nvSpPr>
+            <p:cNvPr id="58" name="文本框 57">
+              <a:extLst>
+                <a:ext uri="{FF2B5EF4-FFF2-40B4-BE49-F238E27FC236}">
+                  <a16:creationId xmlns:a16="http://schemas.microsoft.com/office/drawing/2014/main" id="{4F55BA5D-32C0-482F-8BFE-A886A94F3913}"/>
+                </a:ext>
+              </a:extLst>
+            </p:cNvPr>
+            <p:cNvSpPr txBox="1"/>
+            <p:nvPr/>
+          </p:nvSpPr>
+          <p:spPr>
+            <a:xfrm>
+              <a:off x="7104337" y="2318921"/>
+              <a:ext cx="1188790" cy="338554"/>
+            </a:xfrm>
+            <a:prstGeom prst="rect">
+              <a:avLst/>
+            </a:prstGeom>
+            <a:noFill/>
+          </p:spPr>
+          <p:txBody>
+            <a:bodyPr wrap="square" rtlCol="0">
+              <a:spAutoFit/>
+            </a:bodyPr>
+            <a:lstStyle/>
+            <a:p>
+              <a:pPr algn="ctr"/>
+              <a:r>
+                <a:rPr lang="zh-CN" altLang="en-US" sz="1600" dirty="0">
+                  <a:latin typeface="Adobe 黑体 Std R" panose="020B0400000000000000" pitchFamily="34" charset="-122"/>
+                  <a:ea typeface="Adobe 黑体 Std R" panose="020B0400000000000000" pitchFamily="34" charset="-122"/>
+                </a:rPr>
+                <a:t>普通节点</a:t>
+              </a:r>
+            </a:p>
+          </p:txBody>
+        </p:sp>
+        <p:sp>
+          <p:nvSpPr>
+            <p:cNvPr id="59" name="文本框 58">
+              <a:extLst>
+                <a:ext uri="{FF2B5EF4-FFF2-40B4-BE49-F238E27FC236}">
+                  <a16:creationId xmlns:a16="http://schemas.microsoft.com/office/drawing/2014/main" id="{8953A5E6-1D14-43B8-84EA-203C10587DA1}"/>
+                </a:ext>
+              </a:extLst>
+            </p:cNvPr>
+            <p:cNvSpPr txBox="1"/>
+            <p:nvPr/>
+          </p:nvSpPr>
+          <p:spPr>
+            <a:xfrm>
+              <a:off x="9215376" y="2308905"/>
+              <a:ext cx="955546" cy="338554"/>
+            </a:xfrm>
+            <a:prstGeom prst="rect">
+              <a:avLst/>
+            </a:prstGeom>
+            <a:noFill/>
+          </p:spPr>
+          <p:txBody>
+            <a:bodyPr wrap="square" rtlCol="0">
+              <a:spAutoFit/>
+            </a:bodyPr>
+            <a:lstStyle/>
+            <a:p>
+              <a:pPr algn="ctr"/>
+              <a:r>
+                <a:rPr lang="zh-CN" altLang="en-US" sz="1600" dirty="0">
+                  <a:latin typeface="Adobe 黑体 Std R" panose="020B0400000000000000" pitchFamily="34" charset="-122"/>
+                  <a:ea typeface="Adobe 黑体 Std R" panose="020B0400000000000000" pitchFamily="34" charset="-122"/>
+                </a:rPr>
+                <a:t>尾节点</a:t>
+              </a:r>
+            </a:p>
+          </p:txBody>
+        </p:sp>
         <p:grpSp>
           <p:nvGrpSpPr>
             <p:cNvPr id="60" name="组合 59">
@@ -11371,6 +11531,543 @@
           </p:txBody>
         </p:sp>
       </p:grpSp>
+      <p:grpSp>
+        <p:nvGrpSpPr>
+          <p:cNvPr id="19" name="组合 18">
+            <a:extLst>
+              <a:ext uri="{FF2B5EF4-FFF2-40B4-BE49-F238E27FC236}">
+                <a16:creationId xmlns:a16="http://schemas.microsoft.com/office/drawing/2014/main" id="{3A2847B7-7CB2-4341-AA56-DA6029FECD6C}"/>
+              </a:ext>
+            </a:extLst>
+          </p:cNvPr>
+          <p:cNvGrpSpPr/>
+          <p:nvPr/>
+        </p:nvGrpSpPr>
+        <p:grpSpPr>
+          <a:xfrm>
+            <a:off x="4497368" y="3459372"/>
+            <a:ext cx="2781880" cy="1972999"/>
+            <a:chOff x="5099365" y="4353605"/>
+            <a:chExt cx="2781880" cy="1972999"/>
+          </a:xfrm>
+        </p:grpSpPr>
+        <p:grpSp>
+          <p:nvGrpSpPr>
+            <p:cNvPr id="39" name="组合 38">
+              <a:extLst>
+                <a:ext uri="{FF2B5EF4-FFF2-40B4-BE49-F238E27FC236}">
+                  <a16:creationId xmlns:a16="http://schemas.microsoft.com/office/drawing/2014/main" id="{13CB6CEA-9F0F-4D73-8C7D-D8F56F60B876}"/>
+                </a:ext>
+              </a:extLst>
+            </p:cNvPr>
+            <p:cNvGrpSpPr/>
+            <p:nvPr/>
+          </p:nvGrpSpPr>
+          <p:grpSpPr>
+            <a:xfrm>
+              <a:off x="5127940" y="4819323"/>
+              <a:ext cx="1325947" cy="508656"/>
+              <a:chOff x="4345758" y="2611226"/>
+              <a:chExt cx="1769290" cy="678730"/>
+            </a:xfrm>
+          </p:grpSpPr>
+          <p:sp>
+            <p:nvSpPr>
+              <p:cNvPr id="40" name="矩形 39">
+                <a:extLst>
+                  <a:ext uri="{FF2B5EF4-FFF2-40B4-BE49-F238E27FC236}">
+                    <a16:creationId xmlns:a16="http://schemas.microsoft.com/office/drawing/2014/main" id="{2E9B0C0B-940B-4389-8E7E-1C02A9792ECF}"/>
+                  </a:ext>
+                </a:extLst>
+              </p:cNvPr>
+              <p:cNvSpPr/>
+              <p:nvPr/>
+            </p:nvSpPr>
+            <p:spPr>
+              <a:xfrm>
+                <a:off x="4345758" y="2611226"/>
+                <a:ext cx="1150070" cy="678730"/>
+              </a:xfrm>
+              <a:prstGeom prst="rect">
+                <a:avLst/>
+              </a:prstGeom>
+              <a:solidFill>
+                <a:schemeClr val="accent1"/>
+              </a:solidFill>
+              <a:ln>
+                <a:solidFill>
+                  <a:schemeClr val="tx1">
+                    <a:lumMod val="65000"/>
+                    <a:lumOff val="35000"/>
+                  </a:schemeClr>
+                </a:solidFill>
+              </a:ln>
+            </p:spPr>
+            <p:style>
+              <a:lnRef idx="2">
+                <a:schemeClr val="accent1">
+                  <a:shade val="50000"/>
+                </a:schemeClr>
+              </a:lnRef>
+              <a:fillRef idx="1">
+                <a:schemeClr val="accent1"/>
+              </a:fillRef>
+              <a:effectRef idx="0">
+                <a:schemeClr val="accent1"/>
+              </a:effectRef>
+              <a:fontRef idx="minor">
+                <a:schemeClr val="lt1"/>
+              </a:fontRef>
+            </p:style>
+            <p:txBody>
+              <a:bodyPr rtlCol="0" anchor="ctr"/>
+              <a:lstStyle/>
+              <a:p>
+                <a:pPr algn="ctr"/>
+                <a:r>
+                  <a:rPr lang="en-US" altLang="zh-CN" dirty="0"/>
+                  <a:t>size</a:t>
+                </a:r>
+                <a:endParaRPr lang="zh-CN" altLang="en-US" dirty="0"/>
+              </a:p>
+            </p:txBody>
+          </p:sp>
+          <p:sp>
+            <p:nvSpPr>
+              <p:cNvPr id="41" name="矩形 40">
+                <a:extLst>
+                  <a:ext uri="{FF2B5EF4-FFF2-40B4-BE49-F238E27FC236}">
+                    <a16:creationId xmlns:a16="http://schemas.microsoft.com/office/drawing/2014/main" id="{CF6B85D8-5847-42C5-B141-5ABBB633B573}"/>
+                  </a:ext>
+                </a:extLst>
+              </p:cNvPr>
+              <p:cNvSpPr/>
+              <p:nvPr/>
+            </p:nvSpPr>
+            <p:spPr>
+              <a:xfrm>
+                <a:off x="5492585" y="2611226"/>
+                <a:ext cx="622463" cy="678730"/>
+              </a:xfrm>
+              <a:prstGeom prst="rect">
+                <a:avLst/>
+              </a:prstGeom>
+              <a:solidFill>
+                <a:schemeClr val="accent6"/>
+              </a:solidFill>
+              <a:ln>
+                <a:solidFill>
+                  <a:schemeClr val="tx1">
+                    <a:lumMod val="65000"/>
+                    <a:lumOff val="35000"/>
+                  </a:schemeClr>
+                </a:solidFill>
+              </a:ln>
+            </p:spPr>
+            <p:style>
+              <a:lnRef idx="2">
+                <a:schemeClr val="accent1">
+                  <a:shade val="50000"/>
+                </a:schemeClr>
+              </a:lnRef>
+              <a:fillRef idx="1">
+                <a:schemeClr val="accent1"/>
+              </a:fillRef>
+              <a:effectRef idx="0">
+                <a:schemeClr val="accent1"/>
+              </a:effectRef>
+              <a:fontRef idx="minor">
+                <a:schemeClr val="lt1"/>
+              </a:fontRef>
+            </p:style>
+            <p:txBody>
+              <a:bodyPr rtlCol="0" anchor="ctr"/>
+              <a:lstStyle/>
+              <a:p>
+                <a:pPr algn="ctr"/>
+                <a:endParaRPr lang="zh-CN" altLang="en-US" dirty="0"/>
+              </a:p>
+            </p:txBody>
+          </p:sp>
+        </p:grpSp>
+        <p:grpSp>
+          <p:nvGrpSpPr>
+            <p:cNvPr id="42" name="组合 41">
+              <a:extLst>
+                <a:ext uri="{FF2B5EF4-FFF2-40B4-BE49-F238E27FC236}">
+                  <a16:creationId xmlns:a16="http://schemas.microsoft.com/office/drawing/2014/main" id="{11240A9B-A2D3-4305-9BF0-50D158E13C8C}"/>
+                </a:ext>
+              </a:extLst>
+            </p:cNvPr>
+            <p:cNvGrpSpPr/>
+            <p:nvPr/>
+          </p:nvGrpSpPr>
+          <p:grpSpPr>
+            <a:xfrm>
+              <a:off x="6201909" y="5073651"/>
+              <a:ext cx="901654" cy="45719"/>
+              <a:chOff x="5477657" y="3028951"/>
+              <a:chExt cx="901654" cy="45719"/>
+            </a:xfrm>
+          </p:grpSpPr>
+          <p:cxnSp>
+            <p:nvCxnSpPr>
+              <p:cNvPr id="43" name="直接箭头连接符 42">
+                <a:extLst>
+                  <a:ext uri="{FF2B5EF4-FFF2-40B4-BE49-F238E27FC236}">
+                    <a16:creationId xmlns:a16="http://schemas.microsoft.com/office/drawing/2014/main" id="{F4B9E75A-0346-4F43-B00B-EE127C93A4C3}"/>
+                  </a:ext>
+                </a:extLst>
+              </p:cNvPr>
+              <p:cNvCxnSpPr>
+                <a:cxnSpLocks/>
+              </p:cNvCxnSpPr>
+              <p:nvPr/>
+            </p:nvCxnSpPr>
+            <p:spPr>
+              <a:xfrm>
+                <a:off x="5496391" y="3052295"/>
+                <a:ext cx="882920" cy="0"/>
+              </a:xfrm>
+              <a:prstGeom prst="straightConnector1">
+                <a:avLst/>
+              </a:prstGeom>
+              <a:ln w="44450">
+                <a:solidFill>
+                  <a:schemeClr val="tx1">
+                    <a:lumMod val="65000"/>
+                    <a:lumOff val="35000"/>
+                  </a:schemeClr>
+                </a:solidFill>
+                <a:tailEnd type="triangle"/>
+              </a:ln>
+            </p:spPr>
+            <p:style>
+              <a:lnRef idx="1">
+                <a:schemeClr val="accent1"/>
+              </a:lnRef>
+              <a:fillRef idx="0">
+                <a:schemeClr val="accent1"/>
+              </a:fillRef>
+              <a:effectRef idx="0">
+                <a:schemeClr val="accent1"/>
+              </a:effectRef>
+              <a:fontRef idx="minor">
+                <a:schemeClr val="tx1"/>
+              </a:fontRef>
+            </p:style>
+          </p:cxnSp>
+          <p:sp>
+            <p:nvSpPr>
+              <p:cNvPr id="44" name="椭圆 43">
+                <a:extLst>
+                  <a:ext uri="{FF2B5EF4-FFF2-40B4-BE49-F238E27FC236}">
+                    <a16:creationId xmlns:a16="http://schemas.microsoft.com/office/drawing/2014/main" id="{710DCF84-0A58-49C6-B9B3-91135654DFB6}"/>
+                  </a:ext>
+                </a:extLst>
+              </p:cNvPr>
+              <p:cNvSpPr/>
+              <p:nvPr/>
+            </p:nvSpPr>
+            <p:spPr>
+              <a:xfrm>
+                <a:off x="5477657" y="3028951"/>
+                <a:ext cx="45719" cy="45719"/>
+              </a:xfrm>
+              <a:prstGeom prst="ellipse">
+                <a:avLst/>
+              </a:prstGeom>
+              <a:solidFill>
+                <a:schemeClr val="tx1">
+                  <a:lumMod val="75000"/>
+                  <a:lumOff val="25000"/>
+                </a:schemeClr>
+              </a:solidFill>
+              <a:ln w="44450">
+                <a:solidFill>
+                  <a:schemeClr val="tx1">
+                    <a:lumMod val="75000"/>
+                    <a:lumOff val="25000"/>
+                  </a:schemeClr>
+                </a:solidFill>
+              </a:ln>
+            </p:spPr>
+            <p:style>
+              <a:lnRef idx="2">
+                <a:schemeClr val="accent1">
+                  <a:shade val="50000"/>
+                </a:schemeClr>
+              </a:lnRef>
+              <a:fillRef idx="1">
+                <a:schemeClr val="accent1"/>
+              </a:fillRef>
+              <a:effectRef idx="0">
+                <a:schemeClr val="accent1"/>
+              </a:effectRef>
+              <a:fontRef idx="minor">
+                <a:schemeClr val="lt1"/>
+              </a:fontRef>
+            </p:style>
+            <p:txBody>
+              <a:bodyPr rtlCol="0" anchor="ctr"/>
+              <a:lstStyle/>
+              <a:p>
+                <a:pPr algn="ctr"/>
+                <a:endParaRPr lang="zh-CN" altLang="en-US" dirty="0"/>
+              </a:p>
+            </p:txBody>
+          </p:sp>
+        </p:grpSp>
+        <p:grpSp>
+          <p:nvGrpSpPr>
+            <p:cNvPr id="45" name="组合 44">
+              <a:extLst>
+                <a:ext uri="{FF2B5EF4-FFF2-40B4-BE49-F238E27FC236}">
+                  <a16:creationId xmlns:a16="http://schemas.microsoft.com/office/drawing/2014/main" id="{D0B4D99B-BDE3-4754-B97F-211B6490D4FE}"/>
+                </a:ext>
+              </a:extLst>
+            </p:cNvPr>
+            <p:cNvGrpSpPr/>
+            <p:nvPr/>
+          </p:nvGrpSpPr>
+          <p:grpSpPr>
+            <a:xfrm>
+              <a:off x="5547172" y="5334656"/>
+              <a:ext cx="45719" cy="564820"/>
+              <a:chOff x="4724847" y="3289956"/>
+              <a:chExt cx="45719" cy="564820"/>
+            </a:xfrm>
+          </p:grpSpPr>
+          <p:cxnSp>
+            <p:nvCxnSpPr>
+              <p:cNvPr id="46" name="直接箭头连接符 45">
+                <a:extLst>
+                  <a:ext uri="{FF2B5EF4-FFF2-40B4-BE49-F238E27FC236}">
+                    <a16:creationId xmlns:a16="http://schemas.microsoft.com/office/drawing/2014/main" id="{6055439E-DF6D-43B7-B9DA-3A54FD29A12C}"/>
+                  </a:ext>
+                </a:extLst>
+              </p:cNvPr>
+              <p:cNvCxnSpPr>
+                <a:cxnSpLocks/>
+              </p:cNvCxnSpPr>
+              <p:nvPr/>
+            </p:nvCxnSpPr>
+            <p:spPr>
+              <a:xfrm flipV="1">
+                <a:off x="4747707" y="3289956"/>
+                <a:ext cx="0" cy="535284"/>
+              </a:xfrm>
+              <a:prstGeom prst="straightConnector1">
+                <a:avLst/>
+              </a:prstGeom>
+              <a:ln w="44450">
+                <a:solidFill>
+                  <a:schemeClr val="tx1">
+                    <a:lumMod val="65000"/>
+                    <a:lumOff val="35000"/>
+                  </a:schemeClr>
+                </a:solidFill>
+                <a:tailEnd type="triangle"/>
+              </a:ln>
+            </p:spPr>
+            <p:style>
+              <a:lnRef idx="1">
+                <a:schemeClr val="accent1"/>
+              </a:lnRef>
+              <a:fillRef idx="0">
+                <a:schemeClr val="accent1"/>
+              </a:fillRef>
+              <a:effectRef idx="0">
+                <a:schemeClr val="accent1"/>
+              </a:effectRef>
+              <a:fontRef idx="minor">
+                <a:schemeClr val="tx1"/>
+              </a:fontRef>
+            </p:style>
+          </p:cxnSp>
+          <p:sp>
+            <p:nvSpPr>
+              <p:cNvPr id="47" name="椭圆 46">
+                <a:extLst>
+                  <a:ext uri="{FF2B5EF4-FFF2-40B4-BE49-F238E27FC236}">
+                    <a16:creationId xmlns:a16="http://schemas.microsoft.com/office/drawing/2014/main" id="{F6D72B03-AA04-41EF-B5BC-AF67B011AFEC}"/>
+                  </a:ext>
+                </a:extLst>
+              </p:cNvPr>
+              <p:cNvSpPr/>
+              <p:nvPr/>
+            </p:nvSpPr>
+            <p:spPr>
+              <a:xfrm rot="16200000">
+                <a:off x="4724847" y="3809057"/>
+                <a:ext cx="45719" cy="45719"/>
+              </a:xfrm>
+              <a:prstGeom prst="ellipse">
+                <a:avLst/>
+              </a:prstGeom>
+              <a:solidFill>
+                <a:schemeClr val="tx1">
+                  <a:lumMod val="75000"/>
+                  <a:lumOff val="25000"/>
+                </a:schemeClr>
+              </a:solidFill>
+              <a:ln w="44450">
+                <a:solidFill>
+                  <a:schemeClr val="tx1">
+                    <a:lumMod val="75000"/>
+                    <a:lumOff val="25000"/>
+                  </a:schemeClr>
+                </a:solidFill>
+              </a:ln>
+            </p:spPr>
+            <p:style>
+              <a:lnRef idx="2">
+                <a:schemeClr val="accent1">
+                  <a:shade val="50000"/>
+                </a:schemeClr>
+              </a:lnRef>
+              <a:fillRef idx="1">
+                <a:schemeClr val="accent1"/>
+              </a:fillRef>
+              <a:effectRef idx="0">
+                <a:schemeClr val="accent1"/>
+              </a:effectRef>
+              <a:fontRef idx="minor">
+                <a:schemeClr val="lt1"/>
+              </a:fontRef>
+            </p:style>
+            <p:txBody>
+              <a:bodyPr rtlCol="0" anchor="ctr"/>
+              <a:lstStyle/>
+              <a:p>
+                <a:pPr algn="ctr"/>
+                <a:endParaRPr lang="zh-CN" altLang="en-US" dirty="0"/>
+              </a:p>
+            </p:txBody>
+          </p:sp>
+        </p:grpSp>
+        <p:sp>
+          <p:nvSpPr>
+            <p:cNvPr id="48" name="文本框 47">
+              <a:extLst>
+                <a:ext uri="{FF2B5EF4-FFF2-40B4-BE49-F238E27FC236}">
+                  <a16:creationId xmlns:a16="http://schemas.microsoft.com/office/drawing/2014/main" id="{BF0D466A-0862-4566-8A7F-643F2856AA73}"/>
+                </a:ext>
+              </a:extLst>
+            </p:cNvPr>
+            <p:cNvSpPr txBox="1"/>
+            <p:nvPr/>
+          </p:nvSpPr>
+          <p:spPr>
+            <a:xfrm>
+              <a:off x="5099365" y="5988050"/>
+              <a:ext cx="955546" cy="338554"/>
+            </a:xfrm>
+            <a:prstGeom prst="rect">
+              <a:avLst/>
+            </a:prstGeom>
+            <a:noFill/>
+          </p:spPr>
+          <p:txBody>
+            <a:bodyPr wrap="square" rtlCol="0">
+              <a:spAutoFit/>
+            </a:bodyPr>
+            <a:lstStyle/>
+            <a:p>
+              <a:pPr algn="ctr"/>
+              <a:r>
+                <a:rPr lang="zh-CN" altLang="en-US" sz="1600" dirty="0">
+                  <a:latin typeface="Adobe 黑体 Std R" panose="020B0400000000000000" pitchFamily="34" charset="-122"/>
+                  <a:ea typeface="Adobe 黑体 Std R" panose="020B0400000000000000" pitchFamily="34" charset="-122"/>
+                </a:rPr>
+                <a:t>头指针</a:t>
+              </a:r>
+            </a:p>
+          </p:txBody>
+        </p:sp>
+        <p:sp>
+          <p:nvSpPr>
+            <p:cNvPr id="49" name="文本框 48">
+              <a:extLst>
+                <a:ext uri="{FF2B5EF4-FFF2-40B4-BE49-F238E27FC236}">
+                  <a16:creationId xmlns:a16="http://schemas.microsoft.com/office/drawing/2014/main" id="{245B4228-A371-4CA7-99C9-8F5BC30BFBE3}"/>
+                </a:ext>
+              </a:extLst>
+            </p:cNvPr>
+            <p:cNvSpPr txBox="1"/>
+            <p:nvPr/>
+          </p:nvSpPr>
+          <p:spPr>
+            <a:xfrm>
+              <a:off x="5295443" y="4353605"/>
+              <a:ext cx="955546" cy="338554"/>
+            </a:xfrm>
+            <a:prstGeom prst="rect">
+              <a:avLst/>
+            </a:prstGeom>
+            <a:noFill/>
+          </p:spPr>
+          <p:txBody>
+            <a:bodyPr wrap="square" rtlCol="0">
+              <a:spAutoFit/>
+            </a:bodyPr>
+            <a:lstStyle/>
+            <a:p>
+              <a:pPr algn="ctr"/>
+              <a:r>
+                <a:rPr lang="zh-CN" altLang="en-US" sz="1600" dirty="0">
+                  <a:latin typeface="Adobe 黑体 Std R" panose="020B0400000000000000" pitchFamily="34" charset="-122"/>
+                  <a:ea typeface="Adobe 黑体 Std R" panose="020B0400000000000000" pitchFamily="34" charset="-122"/>
+                </a:rPr>
+                <a:t>头节点</a:t>
+              </a:r>
+            </a:p>
+          </p:txBody>
+        </p:sp>
+        <p:sp>
+          <p:nvSpPr>
+            <p:cNvPr id="64" name="文本框 63">
+              <a:extLst>
+                <a:ext uri="{FF2B5EF4-FFF2-40B4-BE49-F238E27FC236}">
+                  <a16:creationId xmlns:a16="http://schemas.microsoft.com/office/drawing/2014/main" id="{5433BE11-308E-4E49-9B9A-719AFB617C2F}"/>
+                </a:ext>
+              </a:extLst>
+            </p:cNvPr>
+            <p:cNvSpPr txBox="1"/>
+            <p:nvPr/>
+          </p:nvSpPr>
+          <p:spPr>
+            <a:xfrm>
+              <a:off x="6925699" y="4933583"/>
+              <a:ext cx="955546" cy="338554"/>
+            </a:xfrm>
+            <a:prstGeom prst="rect">
+              <a:avLst/>
+            </a:prstGeom>
+            <a:noFill/>
+          </p:spPr>
+          <p:txBody>
+            <a:bodyPr wrap="square" rtlCol="0">
+              <a:spAutoFit/>
+            </a:bodyPr>
+            <a:lstStyle/>
+            <a:p>
+              <a:pPr algn="ctr"/>
+              <a:r>
+                <a:rPr lang="en-US" altLang="zh-CN" sz="1600" dirty="0">
+                  <a:latin typeface="Adobe 黑体 Std R" panose="020B0400000000000000" pitchFamily="34" charset="-122"/>
+                  <a:ea typeface="Adobe 黑体 Std R" panose="020B0400000000000000" pitchFamily="34" charset="-122"/>
+                </a:rPr>
+                <a:t>NULL</a:t>
+              </a:r>
+              <a:endParaRPr lang="zh-CN" altLang="en-US" sz="1600" dirty="0">
+                <a:latin typeface="Adobe 黑体 Std R" panose="020B0400000000000000" pitchFamily="34" charset="-122"/>
+                <a:ea typeface="Adobe 黑体 Std R" panose="020B0400000000000000" pitchFamily="34" charset="-122"/>
+              </a:endParaRPr>
+            </a:p>
+          </p:txBody>
+        </p:sp>
+      </p:grpSp>
     </p:spTree>
     <p:extLst>
       <p:ext uri="{BB962C8B-B14F-4D97-AF65-F5344CB8AC3E}">
@@ -11385,6 +12082,3202 @@
 </file>
 
 <file path=ppt/slides/slide4.xml><?xml version="1.0" encoding="utf-8"?>
+<p:sld xmlns:a="http://schemas.openxmlformats.org/drawingml/2006/main" xmlns:r="http://schemas.openxmlformats.org/officeDocument/2006/relationships" xmlns:p="http://schemas.openxmlformats.org/presentationml/2006/main">
+  <p:cSld>
+    <p:spTree>
+      <p:nvGrpSpPr>
+        <p:cNvPr id="1" name=""/>
+        <p:cNvGrpSpPr/>
+        <p:nvPr/>
+      </p:nvGrpSpPr>
+      <p:grpSpPr>
+        <a:xfrm>
+          <a:off x="0" y="0"/>
+          <a:ext cx="0" cy="0"/>
+          <a:chOff x="0" y="0"/>
+          <a:chExt cx="0" cy="0"/>
+        </a:xfrm>
+      </p:grpSpPr>
+      <p:grpSp>
+        <p:nvGrpSpPr>
+          <p:cNvPr id="10" name="组合 9">
+            <a:extLst>
+              <a:ext uri="{FF2B5EF4-FFF2-40B4-BE49-F238E27FC236}">
+                <a16:creationId xmlns:a16="http://schemas.microsoft.com/office/drawing/2014/main" id="{2A598C7B-06A3-4181-BABB-FADBB20B002A}"/>
+              </a:ext>
+            </a:extLst>
+          </p:cNvPr>
+          <p:cNvGrpSpPr/>
+          <p:nvPr/>
+        </p:nvGrpSpPr>
+        <p:grpSpPr>
+          <a:xfrm>
+            <a:off x="1785565" y="949656"/>
+            <a:ext cx="971299" cy="1300961"/>
+            <a:chOff x="1994734" y="2388969"/>
+            <a:chExt cx="971299" cy="1300961"/>
+          </a:xfrm>
+        </p:grpSpPr>
+        <p:grpSp>
+          <p:nvGrpSpPr>
+            <p:cNvPr id="45" name="组合 44">
+              <a:extLst>
+                <a:ext uri="{FF2B5EF4-FFF2-40B4-BE49-F238E27FC236}">
+                  <a16:creationId xmlns:a16="http://schemas.microsoft.com/office/drawing/2014/main" id="{D0B4D99B-BDE3-4754-B97F-211B6490D4FE}"/>
+                </a:ext>
+              </a:extLst>
+            </p:cNvPr>
+            <p:cNvGrpSpPr/>
+            <p:nvPr/>
+          </p:nvGrpSpPr>
+          <p:grpSpPr>
+            <a:xfrm>
+              <a:off x="2442541" y="2697982"/>
+              <a:ext cx="45719" cy="564820"/>
+              <a:chOff x="4724847" y="3289956"/>
+              <a:chExt cx="45719" cy="564820"/>
+            </a:xfrm>
+          </p:grpSpPr>
+          <p:cxnSp>
+            <p:nvCxnSpPr>
+              <p:cNvPr id="46" name="直接箭头连接符 45">
+                <a:extLst>
+                  <a:ext uri="{FF2B5EF4-FFF2-40B4-BE49-F238E27FC236}">
+                    <a16:creationId xmlns:a16="http://schemas.microsoft.com/office/drawing/2014/main" id="{6055439E-DF6D-43B7-B9DA-3A54FD29A12C}"/>
+                  </a:ext>
+                </a:extLst>
+              </p:cNvPr>
+              <p:cNvCxnSpPr>
+                <a:cxnSpLocks/>
+              </p:cNvCxnSpPr>
+              <p:nvPr/>
+            </p:nvCxnSpPr>
+            <p:spPr>
+              <a:xfrm flipV="1">
+                <a:off x="4747707" y="3289956"/>
+                <a:ext cx="0" cy="535284"/>
+              </a:xfrm>
+              <a:prstGeom prst="straightConnector1">
+                <a:avLst/>
+              </a:prstGeom>
+              <a:ln w="44450">
+                <a:solidFill>
+                  <a:schemeClr val="tx1">
+                    <a:lumMod val="65000"/>
+                    <a:lumOff val="35000"/>
+                  </a:schemeClr>
+                </a:solidFill>
+                <a:tailEnd type="triangle"/>
+              </a:ln>
+            </p:spPr>
+            <p:style>
+              <a:lnRef idx="1">
+                <a:schemeClr val="accent1"/>
+              </a:lnRef>
+              <a:fillRef idx="0">
+                <a:schemeClr val="accent1"/>
+              </a:fillRef>
+              <a:effectRef idx="0">
+                <a:schemeClr val="accent1"/>
+              </a:effectRef>
+              <a:fontRef idx="minor">
+                <a:schemeClr val="tx1"/>
+              </a:fontRef>
+            </p:style>
+          </p:cxnSp>
+          <p:sp>
+            <p:nvSpPr>
+              <p:cNvPr id="47" name="椭圆 46">
+                <a:extLst>
+                  <a:ext uri="{FF2B5EF4-FFF2-40B4-BE49-F238E27FC236}">
+                    <a16:creationId xmlns:a16="http://schemas.microsoft.com/office/drawing/2014/main" id="{F6D72B03-AA04-41EF-B5BC-AF67B011AFEC}"/>
+                  </a:ext>
+                </a:extLst>
+              </p:cNvPr>
+              <p:cNvSpPr/>
+              <p:nvPr/>
+            </p:nvSpPr>
+            <p:spPr>
+              <a:xfrm rot="16200000">
+                <a:off x="4724847" y="3809057"/>
+                <a:ext cx="45719" cy="45719"/>
+              </a:xfrm>
+              <a:prstGeom prst="ellipse">
+                <a:avLst/>
+              </a:prstGeom>
+              <a:solidFill>
+                <a:schemeClr val="tx1">
+                  <a:lumMod val="75000"/>
+                  <a:lumOff val="25000"/>
+                </a:schemeClr>
+              </a:solidFill>
+              <a:ln w="44450">
+                <a:solidFill>
+                  <a:schemeClr val="tx1">
+                    <a:lumMod val="75000"/>
+                    <a:lumOff val="25000"/>
+                  </a:schemeClr>
+                </a:solidFill>
+              </a:ln>
+            </p:spPr>
+            <p:style>
+              <a:lnRef idx="2">
+                <a:schemeClr val="accent1">
+                  <a:shade val="50000"/>
+                </a:schemeClr>
+              </a:lnRef>
+              <a:fillRef idx="1">
+                <a:schemeClr val="accent1"/>
+              </a:fillRef>
+              <a:effectRef idx="0">
+                <a:schemeClr val="accent1"/>
+              </a:effectRef>
+              <a:fontRef idx="minor">
+                <a:schemeClr val="lt1"/>
+              </a:fontRef>
+            </p:style>
+            <p:txBody>
+              <a:bodyPr rtlCol="0" anchor="ctr"/>
+              <a:lstStyle/>
+              <a:p>
+                <a:pPr algn="ctr"/>
+                <a:endParaRPr lang="zh-CN" altLang="en-US" dirty="0"/>
+              </a:p>
+            </p:txBody>
+          </p:sp>
+        </p:grpSp>
+        <p:sp>
+          <p:nvSpPr>
+            <p:cNvPr id="48" name="文本框 47">
+              <a:extLst>
+                <a:ext uri="{FF2B5EF4-FFF2-40B4-BE49-F238E27FC236}">
+                  <a16:creationId xmlns:a16="http://schemas.microsoft.com/office/drawing/2014/main" id="{BF0D466A-0862-4566-8A7F-643F2856AA73}"/>
+                </a:ext>
+              </a:extLst>
+            </p:cNvPr>
+            <p:cNvSpPr txBox="1"/>
+            <p:nvPr/>
+          </p:nvSpPr>
+          <p:spPr>
+            <a:xfrm>
+              <a:off x="1994734" y="3351376"/>
+              <a:ext cx="955546" cy="338554"/>
+            </a:xfrm>
+            <a:prstGeom prst="rect">
+              <a:avLst/>
+            </a:prstGeom>
+            <a:noFill/>
+          </p:spPr>
+          <p:txBody>
+            <a:bodyPr wrap="square" rtlCol="0">
+              <a:spAutoFit/>
+            </a:bodyPr>
+            <a:lstStyle/>
+            <a:p>
+              <a:pPr algn="ctr"/>
+              <a:r>
+                <a:rPr lang="zh-CN" altLang="en-US" sz="1600" dirty="0">
+                  <a:latin typeface="Adobe 黑体 Std R" panose="020B0400000000000000" pitchFamily="34" charset="-122"/>
+                  <a:ea typeface="Adobe 黑体 Std R" panose="020B0400000000000000" pitchFamily="34" charset="-122"/>
+                </a:rPr>
+                <a:t>头指针</a:t>
+              </a:r>
+            </a:p>
+          </p:txBody>
+        </p:sp>
+        <p:sp>
+          <p:nvSpPr>
+            <p:cNvPr id="64" name="文本框 63">
+              <a:extLst>
+                <a:ext uri="{FF2B5EF4-FFF2-40B4-BE49-F238E27FC236}">
+                  <a16:creationId xmlns:a16="http://schemas.microsoft.com/office/drawing/2014/main" id="{5433BE11-308E-4E49-9B9A-719AFB617C2F}"/>
+                </a:ext>
+              </a:extLst>
+            </p:cNvPr>
+            <p:cNvSpPr txBox="1"/>
+            <p:nvPr/>
+          </p:nvSpPr>
+          <p:spPr>
+            <a:xfrm>
+              <a:off x="2010487" y="2388969"/>
+              <a:ext cx="955546" cy="338554"/>
+            </a:xfrm>
+            <a:prstGeom prst="rect">
+              <a:avLst/>
+            </a:prstGeom>
+            <a:noFill/>
+          </p:spPr>
+          <p:txBody>
+            <a:bodyPr wrap="square" rtlCol="0">
+              <a:spAutoFit/>
+            </a:bodyPr>
+            <a:lstStyle/>
+            <a:p>
+              <a:pPr algn="ctr"/>
+              <a:r>
+                <a:rPr lang="en-US" altLang="zh-CN" sz="1600" dirty="0">
+                  <a:latin typeface="Adobe 黑体 Std R" panose="020B0400000000000000" pitchFamily="34" charset="-122"/>
+                  <a:ea typeface="Adobe 黑体 Std R" panose="020B0400000000000000" pitchFamily="34" charset="-122"/>
+                </a:rPr>
+                <a:t>NULL</a:t>
+              </a:r>
+              <a:endParaRPr lang="zh-CN" altLang="en-US" sz="1600" dirty="0">
+                <a:latin typeface="Adobe 黑体 Std R" panose="020B0400000000000000" pitchFamily="34" charset="-122"/>
+                <a:ea typeface="Adobe 黑体 Std R" panose="020B0400000000000000" pitchFamily="34" charset="-122"/>
+              </a:endParaRPr>
+            </a:p>
+          </p:txBody>
+        </p:sp>
+      </p:grpSp>
+      <p:sp>
+        <p:nvSpPr>
+          <p:cNvPr id="3" name="文本框 2">
+            <a:extLst>
+              <a:ext uri="{FF2B5EF4-FFF2-40B4-BE49-F238E27FC236}">
+                <a16:creationId xmlns:a16="http://schemas.microsoft.com/office/drawing/2014/main" id="{4EBE62DD-6397-43A3-A8E2-196C8BF1B297}"/>
+              </a:ext>
+            </a:extLst>
+          </p:cNvPr>
+          <p:cNvSpPr txBox="1"/>
+          <p:nvPr/>
+        </p:nvSpPr>
+        <p:spPr>
+          <a:xfrm>
+            <a:off x="381000" y="425450"/>
+            <a:ext cx="3346450" cy="369332"/>
+          </a:xfrm>
+          <a:prstGeom prst="rect">
+            <a:avLst/>
+          </a:prstGeom>
+          <a:noFill/>
+        </p:spPr>
+        <p:txBody>
+          <a:bodyPr wrap="square" rtlCol="0">
+            <a:spAutoFit/>
+          </a:bodyPr>
+          <a:lstStyle/>
+          <a:p>
+            <a:r>
+              <a:rPr lang="zh-CN" altLang="en-US" dirty="0"/>
+              <a:t>初始化</a:t>
+            </a:r>
+          </a:p>
+        </p:txBody>
+      </p:sp>
+      <p:grpSp>
+        <p:nvGrpSpPr>
+          <p:cNvPr id="65" name="组合 64">
+            <a:extLst>
+              <a:ext uri="{FF2B5EF4-FFF2-40B4-BE49-F238E27FC236}">
+                <a16:creationId xmlns:a16="http://schemas.microsoft.com/office/drawing/2014/main" id="{EDF52CFD-D58E-40DF-93C4-3C170A4170E3}"/>
+              </a:ext>
+            </a:extLst>
+          </p:cNvPr>
+          <p:cNvGrpSpPr/>
+          <p:nvPr/>
+        </p:nvGrpSpPr>
+        <p:grpSpPr>
+          <a:xfrm>
+            <a:off x="7183305" y="454397"/>
+            <a:ext cx="2781880" cy="1972999"/>
+            <a:chOff x="5099365" y="4353605"/>
+            <a:chExt cx="2781880" cy="1972999"/>
+          </a:xfrm>
+        </p:grpSpPr>
+        <p:grpSp>
+          <p:nvGrpSpPr>
+            <p:cNvPr id="66" name="组合 65">
+              <a:extLst>
+                <a:ext uri="{FF2B5EF4-FFF2-40B4-BE49-F238E27FC236}">
+                  <a16:creationId xmlns:a16="http://schemas.microsoft.com/office/drawing/2014/main" id="{DB28895B-ADC3-4454-9C21-E067AC36063A}"/>
+                </a:ext>
+              </a:extLst>
+            </p:cNvPr>
+            <p:cNvGrpSpPr/>
+            <p:nvPr/>
+          </p:nvGrpSpPr>
+          <p:grpSpPr>
+            <a:xfrm>
+              <a:off x="5127940" y="4819323"/>
+              <a:ext cx="1325947" cy="508656"/>
+              <a:chOff x="4345758" y="2611226"/>
+              <a:chExt cx="1769290" cy="678730"/>
+            </a:xfrm>
+          </p:grpSpPr>
+          <p:sp>
+            <p:nvSpPr>
+              <p:cNvPr id="76" name="矩形 75">
+                <a:extLst>
+                  <a:ext uri="{FF2B5EF4-FFF2-40B4-BE49-F238E27FC236}">
+                    <a16:creationId xmlns:a16="http://schemas.microsoft.com/office/drawing/2014/main" id="{89CA3949-1662-4614-A54B-200A5286BD1D}"/>
+                  </a:ext>
+                </a:extLst>
+              </p:cNvPr>
+              <p:cNvSpPr/>
+              <p:nvPr/>
+            </p:nvSpPr>
+            <p:spPr>
+              <a:xfrm>
+                <a:off x="4345758" y="2611226"/>
+                <a:ext cx="1150070" cy="678730"/>
+              </a:xfrm>
+              <a:prstGeom prst="rect">
+                <a:avLst/>
+              </a:prstGeom>
+              <a:solidFill>
+                <a:schemeClr val="accent1"/>
+              </a:solidFill>
+              <a:ln>
+                <a:solidFill>
+                  <a:schemeClr val="tx1">
+                    <a:lumMod val="65000"/>
+                    <a:lumOff val="35000"/>
+                  </a:schemeClr>
+                </a:solidFill>
+              </a:ln>
+            </p:spPr>
+            <p:style>
+              <a:lnRef idx="2">
+                <a:schemeClr val="accent1">
+                  <a:shade val="50000"/>
+                </a:schemeClr>
+              </a:lnRef>
+              <a:fillRef idx="1">
+                <a:schemeClr val="accent1"/>
+              </a:fillRef>
+              <a:effectRef idx="0">
+                <a:schemeClr val="accent1"/>
+              </a:effectRef>
+              <a:fontRef idx="minor">
+                <a:schemeClr val="lt1"/>
+              </a:fontRef>
+            </p:style>
+            <p:txBody>
+              <a:bodyPr rtlCol="0" anchor="ctr"/>
+              <a:lstStyle/>
+              <a:p>
+                <a:pPr algn="ctr"/>
+                <a:r>
+                  <a:rPr lang="en-US" altLang="zh-CN" dirty="0"/>
+                  <a:t>size</a:t>
+                </a:r>
+                <a:endParaRPr lang="zh-CN" altLang="en-US" dirty="0"/>
+              </a:p>
+            </p:txBody>
+          </p:sp>
+          <p:sp>
+            <p:nvSpPr>
+              <p:cNvPr id="77" name="矩形 76">
+                <a:extLst>
+                  <a:ext uri="{FF2B5EF4-FFF2-40B4-BE49-F238E27FC236}">
+                    <a16:creationId xmlns:a16="http://schemas.microsoft.com/office/drawing/2014/main" id="{AE07099C-6E04-4936-B020-9727146862F3}"/>
+                  </a:ext>
+                </a:extLst>
+              </p:cNvPr>
+              <p:cNvSpPr/>
+              <p:nvPr/>
+            </p:nvSpPr>
+            <p:spPr>
+              <a:xfrm>
+                <a:off x="5492585" y="2611226"/>
+                <a:ext cx="622463" cy="678730"/>
+              </a:xfrm>
+              <a:prstGeom prst="rect">
+                <a:avLst/>
+              </a:prstGeom>
+              <a:solidFill>
+                <a:schemeClr val="accent6"/>
+              </a:solidFill>
+              <a:ln>
+                <a:solidFill>
+                  <a:schemeClr val="tx1">
+                    <a:lumMod val="65000"/>
+                    <a:lumOff val="35000"/>
+                  </a:schemeClr>
+                </a:solidFill>
+              </a:ln>
+            </p:spPr>
+            <p:style>
+              <a:lnRef idx="2">
+                <a:schemeClr val="accent1">
+                  <a:shade val="50000"/>
+                </a:schemeClr>
+              </a:lnRef>
+              <a:fillRef idx="1">
+                <a:schemeClr val="accent1"/>
+              </a:fillRef>
+              <a:effectRef idx="0">
+                <a:schemeClr val="accent1"/>
+              </a:effectRef>
+              <a:fontRef idx="minor">
+                <a:schemeClr val="lt1"/>
+              </a:fontRef>
+            </p:style>
+            <p:txBody>
+              <a:bodyPr rtlCol="0" anchor="ctr"/>
+              <a:lstStyle/>
+              <a:p>
+                <a:pPr algn="ctr"/>
+                <a:endParaRPr lang="zh-CN" altLang="en-US" dirty="0"/>
+              </a:p>
+            </p:txBody>
+          </p:sp>
+        </p:grpSp>
+        <p:grpSp>
+          <p:nvGrpSpPr>
+            <p:cNvPr id="67" name="组合 66">
+              <a:extLst>
+                <a:ext uri="{FF2B5EF4-FFF2-40B4-BE49-F238E27FC236}">
+                  <a16:creationId xmlns:a16="http://schemas.microsoft.com/office/drawing/2014/main" id="{50F841CB-4B48-4AC1-BCE1-9488DB8F8DD7}"/>
+                </a:ext>
+              </a:extLst>
+            </p:cNvPr>
+            <p:cNvGrpSpPr/>
+            <p:nvPr/>
+          </p:nvGrpSpPr>
+          <p:grpSpPr>
+            <a:xfrm>
+              <a:off x="6201909" y="5073651"/>
+              <a:ext cx="901654" cy="45719"/>
+              <a:chOff x="5477657" y="3028951"/>
+              <a:chExt cx="901654" cy="45719"/>
+            </a:xfrm>
+          </p:grpSpPr>
+          <p:cxnSp>
+            <p:nvCxnSpPr>
+              <p:cNvPr id="74" name="直接箭头连接符 73">
+                <a:extLst>
+                  <a:ext uri="{FF2B5EF4-FFF2-40B4-BE49-F238E27FC236}">
+                    <a16:creationId xmlns:a16="http://schemas.microsoft.com/office/drawing/2014/main" id="{300237EC-F208-41C6-9FBE-0021255C7480}"/>
+                  </a:ext>
+                </a:extLst>
+              </p:cNvPr>
+              <p:cNvCxnSpPr>
+                <a:cxnSpLocks/>
+              </p:cNvCxnSpPr>
+              <p:nvPr/>
+            </p:nvCxnSpPr>
+            <p:spPr>
+              <a:xfrm>
+                <a:off x="5496391" y="3052295"/>
+                <a:ext cx="882920" cy="0"/>
+              </a:xfrm>
+              <a:prstGeom prst="straightConnector1">
+                <a:avLst/>
+              </a:prstGeom>
+              <a:ln w="44450">
+                <a:solidFill>
+                  <a:schemeClr val="tx1">
+                    <a:lumMod val="65000"/>
+                    <a:lumOff val="35000"/>
+                  </a:schemeClr>
+                </a:solidFill>
+                <a:tailEnd type="triangle"/>
+              </a:ln>
+            </p:spPr>
+            <p:style>
+              <a:lnRef idx="1">
+                <a:schemeClr val="accent1"/>
+              </a:lnRef>
+              <a:fillRef idx="0">
+                <a:schemeClr val="accent1"/>
+              </a:fillRef>
+              <a:effectRef idx="0">
+                <a:schemeClr val="accent1"/>
+              </a:effectRef>
+              <a:fontRef idx="minor">
+                <a:schemeClr val="tx1"/>
+              </a:fontRef>
+            </p:style>
+          </p:cxnSp>
+          <p:sp>
+            <p:nvSpPr>
+              <p:cNvPr id="75" name="椭圆 74">
+                <a:extLst>
+                  <a:ext uri="{FF2B5EF4-FFF2-40B4-BE49-F238E27FC236}">
+                    <a16:creationId xmlns:a16="http://schemas.microsoft.com/office/drawing/2014/main" id="{1F5C02B0-B941-4470-BB00-FDF27BBD545D}"/>
+                  </a:ext>
+                </a:extLst>
+              </p:cNvPr>
+              <p:cNvSpPr/>
+              <p:nvPr/>
+            </p:nvSpPr>
+            <p:spPr>
+              <a:xfrm>
+                <a:off x="5477657" y="3028951"/>
+                <a:ext cx="45719" cy="45719"/>
+              </a:xfrm>
+              <a:prstGeom prst="ellipse">
+                <a:avLst/>
+              </a:prstGeom>
+              <a:solidFill>
+                <a:schemeClr val="tx1">
+                  <a:lumMod val="75000"/>
+                  <a:lumOff val="25000"/>
+                </a:schemeClr>
+              </a:solidFill>
+              <a:ln w="44450">
+                <a:solidFill>
+                  <a:schemeClr val="tx1">
+                    <a:lumMod val="75000"/>
+                    <a:lumOff val="25000"/>
+                  </a:schemeClr>
+                </a:solidFill>
+              </a:ln>
+            </p:spPr>
+            <p:style>
+              <a:lnRef idx="2">
+                <a:schemeClr val="accent1">
+                  <a:shade val="50000"/>
+                </a:schemeClr>
+              </a:lnRef>
+              <a:fillRef idx="1">
+                <a:schemeClr val="accent1"/>
+              </a:fillRef>
+              <a:effectRef idx="0">
+                <a:schemeClr val="accent1"/>
+              </a:effectRef>
+              <a:fontRef idx="minor">
+                <a:schemeClr val="lt1"/>
+              </a:fontRef>
+            </p:style>
+            <p:txBody>
+              <a:bodyPr rtlCol="0" anchor="ctr"/>
+              <a:lstStyle/>
+              <a:p>
+                <a:pPr algn="ctr"/>
+                <a:endParaRPr lang="zh-CN" altLang="en-US" dirty="0"/>
+              </a:p>
+            </p:txBody>
+          </p:sp>
+        </p:grpSp>
+        <p:grpSp>
+          <p:nvGrpSpPr>
+            <p:cNvPr id="68" name="组合 67">
+              <a:extLst>
+                <a:ext uri="{FF2B5EF4-FFF2-40B4-BE49-F238E27FC236}">
+                  <a16:creationId xmlns:a16="http://schemas.microsoft.com/office/drawing/2014/main" id="{6D49030B-2D81-4C39-BD37-250831DC0B8D}"/>
+                </a:ext>
+              </a:extLst>
+            </p:cNvPr>
+            <p:cNvGrpSpPr/>
+            <p:nvPr/>
+          </p:nvGrpSpPr>
+          <p:grpSpPr>
+            <a:xfrm>
+              <a:off x="5547172" y="5334656"/>
+              <a:ext cx="45719" cy="564820"/>
+              <a:chOff x="4724847" y="3289956"/>
+              <a:chExt cx="45719" cy="564820"/>
+            </a:xfrm>
+          </p:grpSpPr>
+          <p:cxnSp>
+            <p:nvCxnSpPr>
+              <p:cNvPr id="72" name="直接箭头连接符 71">
+                <a:extLst>
+                  <a:ext uri="{FF2B5EF4-FFF2-40B4-BE49-F238E27FC236}">
+                    <a16:creationId xmlns:a16="http://schemas.microsoft.com/office/drawing/2014/main" id="{9C722CCD-EA98-4A42-85DA-08830ED2B293}"/>
+                  </a:ext>
+                </a:extLst>
+              </p:cNvPr>
+              <p:cNvCxnSpPr>
+                <a:cxnSpLocks/>
+              </p:cNvCxnSpPr>
+              <p:nvPr/>
+            </p:nvCxnSpPr>
+            <p:spPr>
+              <a:xfrm flipV="1">
+                <a:off x="4747707" y="3289956"/>
+                <a:ext cx="0" cy="535284"/>
+              </a:xfrm>
+              <a:prstGeom prst="straightConnector1">
+                <a:avLst/>
+              </a:prstGeom>
+              <a:ln w="44450">
+                <a:solidFill>
+                  <a:schemeClr val="tx1">
+                    <a:lumMod val="65000"/>
+                    <a:lumOff val="35000"/>
+                  </a:schemeClr>
+                </a:solidFill>
+                <a:tailEnd type="triangle"/>
+              </a:ln>
+            </p:spPr>
+            <p:style>
+              <a:lnRef idx="1">
+                <a:schemeClr val="accent1"/>
+              </a:lnRef>
+              <a:fillRef idx="0">
+                <a:schemeClr val="accent1"/>
+              </a:fillRef>
+              <a:effectRef idx="0">
+                <a:schemeClr val="accent1"/>
+              </a:effectRef>
+              <a:fontRef idx="minor">
+                <a:schemeClr val="tx1"/>
+              </a:fontRef>
+            </p:style>
+          </p:cxnSp>
+          <p:sp>
+            <p:nvSpPr>
+              <p:cNvPr id="73" name="椭圆 72">
+                <a:extLst>
+                  <a:ext uri="{FF2B5EF4-FFF2-40B4-BE49-F238E27FC236}">
+                    <a16:creationId xmlns:a16="http://schemas.microsoft.com/office/drawing/2014/main" id="{6DFB29AE-141B-4F2A-A917-178C1FB61ECF}"/>
+                  </a:ext>
+                </a:extLst>
+              </p:cNvPr>
+              <p:cNvSpPr/>
+              <p:nvPr/>
+            </p:nvSpPr>
+            <p:spPr>
+              <a:xfrm rot="16200000">
+                <a:off x="4724847" y="3809057"/>
+                <a:ext cx="45719" cy="45719"/>
+              </a:xfrm>
+              <a:prstGeom prst="ellipse">
+                <a:avLst/>
+              </a:prstGeom>
+              <a:solidFill>
+                <a:schemeClr val="tx1">
+                  <a:lumMod val="75000"/>
+                  <a:lumOff val="25000"/>
+                </a:schemeClr>
+              </a:solidFill>
+              <a:ln w="44450">
+                <a:solidFill>
+                  <a:schemeClr val="tx1">
+                    <a:lumMod val="75000"/>
+                    <a:lumOff val="25000"/>
+                  </a:schemeClr>
+                </a:solidFill>
+              </a:ln>
+            </p:spPr>
+            <p:style>
+              <a:lnRef idx="2">
+                <a:schemeClr val="accent1">
+                  <a:shade val="50000"/>
+                </a:schemeClr>
+              </a:lnRef>
+              <a:fillRef idx="1">
+                <a:schemeClr val="accent1"/>
+              </a:fillRef>
+              <a:effectRef idx="0">
+                <a:schemeClr val="accent1"/>
+              </a:effectRef>
+              <a:fontRef idx="minor">
+                <a:schemeClr val="lt1"/>
+              </a:fontRef>
+            </p:style>
+            <p:txBody>
+              <a:bodyPr rtlCol="0" anchor="ctr"/>
+              <a:lstStyle/>
+              <a:p>
+                <a:pPr algn="ctr"/>
+                <a:endParaRPr lang="zh-CN" altLang="en-US" dirty="0"/>
+              </a:p>
+            </p:txBody>
+          </p:sp>
+        </p:grpSp>
+        <p:sp>
+          <p:nvSpPr>
+            <p:cNvPr id="69" name="文本框 68">
+              <a:extLst>
+                <a:ext uri="{FF2B5EF4-FFF2-40B4-BE49-F238E27FC236}">
+                  <a16:creationId xmlns:a16="http://schemas.microsoft.com/office/drawing/2014/main" id="{AE303010-25AC-42AA-81F8-33A25A6E1B1C}"/>
+                </a:ext>
+              </a:extLst>
+            </p:cNvPr>
+            <p:cNvSpPr txBox="1"/>
+            <p:nvPr/>
+          </p:nvSpPr>
+          <p:spPr>
+            <a:xfrm>
+              <a:off x="5099365" y="5988050"/>
+              <a:ext cx="955546" cy="338554"/>
+            </a:xfrm>
+            <a:prstGeom prst="rect">
+              <a:avLst/>
+            </a:prstGeom>
+            <a:noFill/>
+          </p:spPr>
+          <p:txBody>
+            <a:bodyPr wrap="square" rtlCol="0">
+              <a:spAutoFit/>
+            </a:bodyPr>
+            <a:lstStyle/>
+            <a:p>
+              <a:pPr algn="ctr"/>
+              <a:r>
+                <a:rPr lang="zh-CN" altLang="en-US" sz="1600" dirty="0">
+                  <a:latin typeface="Adobe 黑体 Std R" panose="020B0400000000000000" pitchFamily="34" charset="-122"/>
+                  <a:ea typeface="Adobe 黑体 Std R" panose="020B0400000000000000" pitchFamily="34" charset="-122"/>
+                </a:rPr>
+                <a:t>头指针</a:t>
+              </a:r>
+            </a:p>
+          </p:txBody>
+        </p:sp>
+        <p:sp>
+          <p:nvSpPr>
+            <p:cNvPr id="70" name="文本框 69">
+              <a:extLst>
+                <a:ext uri="{FF2B5EF4-FFF2-40B4-BE49-F238E27FC236}">
+                  <a16:creationId xmlns:a16="http://schemas.microsoft.com/office/drawing/2014/main" id="{08DC242E-342A-4E2E-823E-2547C1312AFA}"/>
+                </a:ext>
+              </a:extLst>
+            </p:cNvPr>
+            <p:cNvSpPr txBox="1"/>
+            <p:nvPr/>
+          </p:nvSpPr>
+          <p:spPr>
+            <a:xfrm>
+              <a:off x="5295443" y="4353605"/>
+              <a:ext cx="955546" cy="338554"/>
+            </a:xfrm>
+            <a:prstGeom prst="rect">
+              <a:avLst/>
+            </a:prstGeom>
+            <a:noFill/>
+          </p:spPr>
+          <p:txBody>
+            <a:bodyPr wrap="square" rtlCol="0">
+              <a:spAutoFit/>
+            </a:bodyPr>
+            <a:lstStyle/>
+            <a:p>
+              <a:pPr algn="ctr"/>
+              <a:r>
+                <a:rPr lang="zh-CN" altLang="en-US" sz="1600" dirty="0">
+                  <a:latin typeface="Adobe 黑体 Std R" panose="020B0400000000000000" pitchFamily="34" charset="-122"/>
+                  <a:ea typeface="Adobe 黑体 Std R" panose="020B0400000000000000" pitchFamily="34" charset="-122"/>
+                </a:rPr>
+                <a:t>头节点</a:t>
+              </a:r>
+            </a:p>
+          </p:txBody>
+        </p:sp>
+        <p:sp>
+          <p:nvSpPr>
+            <p:cNvPr id="71" name="文本框 70">
+              <a:extLst>
+                <a:ext uri="{FF2B5EF4-FFF2-40B4-BE49-F238E27FC236}">
+                  <a16:creationId xmlns:a16="http://schemas.microsoft.com/office/drawing/2014/main" id="{2758E6AF-8E96-4BBC-B8A2-A1F9F40FEC08}"/>
+                </a:ext>
+              </a:extLst>
+            </p:cNvPr>
+            <p:cNvSpPr txBox="1"/>
+            <p:nvPr/>
+          </p:nvSpPr>
+          <p:spPr>
+            <a:xfrm>
+              <a:off x="6925699" y="4933583"/>
+              <a:ext cx="955546" cy="338554"/>
+            </a:xfrm>
+            <a:prstGeom prst="rect">
+              <a:avLst/>
+            </a:prstGeom>
+            <a:noFill/>
+          </p:spPr>
+          <p:txBody>
+            <a:bodyPr wrap="square" rtlCol="0">
+              <a:spAutoFit/>
+            </a:bodyPr>
+            <a:lstStyle/>
+            <a:p>
+              <a:pPr algn="ctr"/>
+              <a:r>
+                <a:rPr lang="en-US" altLang="zh-CN" sz="1600" dirty="0">
+                  <a:latin typeface="Adobe 黑体 Std R" panose="020B0400000000000000" pitchFamily="34" charset="-122"/>
+                  <a:ea typeface="Adobe 黑体 Std R" panose="020B0400000000000000" pitchFamily="34" charset="-122"/>
+                </a:rPr>
+                <a:t>NULL</a:t>
+              </a:r>
+              <a:endParaRPr lang="zh-CN" altLang="en-US" sz="1600" dirty="0">
+                <a:latin typeface="Adobe 黑体 Std R" panose="020B0400000000000000" pitchFamily="34" charset="-122"/>
+                <a:ea typeface="Adobe 黑体 Std R" panose="020B0400000000000000" pitchFamily="34" charset="-122"/>
+              </a:endParaRPr>
+            </a:p>
+          </p:txBody>
+        </p:sp>
+      </p:grpSp>
+      <p:grpSp>
+        <p:nvGrpSpPr>
+          <p:cNvPr id="78" name="组合 77">
+            <a:extLst>
+              <a:ext uri="{FF2B5EF4-FFF2-40B4-BE49-F238E27FC236}">
+                <a16:creationId xmlns:a16="http://schemas.microsoft.com/office/drawing/2014/main" id="{E60B8A96-4F90-410B-BC19-36C97D7491F1}"/>
+              </a:ext>
+            </a:extLst>
+          </p:cNvPr>
+          <p:cNvGrpSpPr/>
+          <p:nvPr/>
+        </p:nvGrpSpPr>
+        <p:grpSpPr>
+          <a:xfrm>
+            <a:off x="3283319" y="792951"/>
+            <a:ext cx="2781880" cy="1972999"/>
+            <a:chOff x="5099365" y="4353605"/>
+            <a:chExt cx="2781880" cy="1972999"/>
+          </a:xfrm>
+        </p:grpSpPr>
+        <p:grpSp>
+          <p:nvGrpSpPr>
+            <p:cNvPr id="79" name="组合 78">
+              <a:extLst>
+                <a:ext uri="{FF2B5EF4-FFF2-40B4-BE49-F238E27FC236}">
+                  <a16:creationId xmlns:a16="http://schemas.microsoft.com/office/drawing/2014/main" id="{D8AFC7A8-F2F3-4858-B7CD-5C7F3DB8EE37}"/>
+                </a:ext>
+              </a:extLst>
+            </p:cNvPr>
+            <p:cNvGrpSpPr/>
+            <p:nvPr/>
+          </p:nvGrpSpPr>
+          <p:grpSpPr>
+            <a:xfrm>
+              <a:off x="5127940" y="4819323"/>
+              <a:ext cx="1325947" cy="508656"/>
+              <a:chOff x="4345758" y="2611226"/>
+              <a:chExt cx="1769290" cy="678730"/>
+            </a:xfrm>
+          </p:grpSpPr>
+          <p:sp>
+            <p:nvSpPr>
+              <p:cNvPr id="89" name="矩形 88">
+                <a:extLst>
+                  <a:ext uri="{FF2B5EF4-FFF2-40B4-BE49-F238E27FC236}">
+                    <a16:creationId xmlns:a16="http://schemas.microsoft.com/office/drawing/2014/main" id="{5378548B-D02E-432D-A69C-2614B8440AD0}"/>
+                  </a:ext>
+                </a:extLst>
+              </p:cNvPr>
+              <p:cNvSpPr/>
+              <p:nvPr/>
+            </p:nvSpPr>
+            <p:spPr>
+              <a:xfrm>
+                <a:off x="4345758" y="2611226"/>
+                <a:ext cx="1150070" cy="678730"/>
+              </a:xfrm>
+              <a:prstGeom prst="rect">
+                <a:avLst/>
+              </a:prstGeom>
+              <a:pattFill prst="wdDnDiag">
+                <a:fgClr>
+                  <a:schemeClr val="tx1">
+                    <a:lumMod val="65000"/>
+                    <a:lumOff val="35000"/>
+                  </a:schemeClr>
+                </a:fgClr>
+                <a:bgClr>
+                  <a:schemeClr val="accent1"/>
+                </a:bgClr>
+              </a:pattFill>
+              <a:ln>
+                <a:solidFill>
+                  <a:schemeClr val="tx1">
+                    <a:lumMod val="65000"/>
+                    <a:lumOff val="35000"/>
+                  </a:schemeClr>
+                </a:solidFill>
+              </a:ln>
+            </p:spPr>
+            <p:style>
+              <a:lnRef idx="2">
+                <a:schemeClr val="accent1">
+                  <a:shade val="50000"/>
+                </a:schemeClr>
+              </a:lnRef>
+              <a:fillRef idx="1">
+                <a:schemeClr val="accent1"/>
+              </a:fillRef>
+              <a:effectRef idx="0">
+                <a:schemeClr val="accent1"/>
+              </a:effectRef>
+              <a:fontRef idx="minor">
+                <a:schemeClr val="lt1"/>
+              </a:fontRef>
+            </p:style>
+            <p:txBody>
+              <a:bodyPr rtlCol="0" anchor="ctr"/>
+              <a:lstStyle/>
+              <a:p>
+                <a:pPr algn="ctr"/>
+                <a:endParaRPr lang="zh-CN" altLang="en-US" dirty="0"/>
+              </a:p>
+            </p:txBody>
+          </p:sp>
+          <p:sp>
+            <p:nvSpPr>
+              <p:cNvPr id="90" name="矩形 89">
+                <a:extLst>
+                  <a:ext uri="{FF2B5EF4-FFF2-40B4-BE49-F238E27FC236}">
+                    <a16:creationId xmlns:a16="http://schemas.microsoft.com/office/drawing/2014/main" id="{F52E572D-11E6-4E17-9E74-9B5A4B82D257}"/>
+                  </a:ext>
+                </a:extLst>
+              </p:cNvPr>
+              <p:cNvSpPr/>
+              <p:nvPr/>
+            </p:nvSpPr>
+            <p:spPr>
+              <a:xfrm>
+                <a:off x="5492585" y="2611226"/>
+                <a:ext cx="622463" cy="678730"/>
+              </a:xfrm>
+              <a:prstGeom prst="rect">
+                <a:avLst/>
+              </a:prstGeom>
+              <a:solidFill>
+                <a:schemeClr val="accent6"/>
+              </a:solidFill>
+              <a:ln>
+                <a:solidFill>
+                  <a:schemeClr val="tx1">
+                    <a:lumMod val="65000"/>
+                    <a:lumOff val="35000"/>
+                  </a:schemeClr>
+                </a:solidFill>
+              </a:ln>
+            </p:spPr>
+            <p:style>
+              <a:lnRef idx="2">
+                <a:schemeClr val="accent1">
+                  <a:shade val="50000"/>
+                </a:schemeClr>
+              </a:lnRef>
+              <a:fillRef idx="1">
+                <a:schemeClr val="accent1"/>
+              </a:fillRef>
+              <a:effectRef idx="0">
+                <a:schemeClr val="accent1"/>
+              </a:effectRef>
+              <a:fontRef idx="minor">
+                <a:schemeClr val="lt1"/>
+              </a:fontRef>
+            </p:style>
+            <p:txBody>
+              <a:bodyPr rtlCol="0" anchor="ctr"/>
+              <a:lstStyle/>
+              <a:p>
+                <a:pPr algn="ctr"/>
+                <a:endParaRPr lang="zh-CN" altLang="en-US" dirty="0"/>
+              </a:p>
+            </p:txBody>
+          </p:sp>
+        </p:grpSp>
+        <p:grpSp>
+          <p:nvGrpSpPr>
+            <p:cNvPr id="80" name="组合 79">
+              <a:extLst>
+                <a:ext uri="{FF2B5EF4-FFF2-40B4-BE49-F238E27FC236}">
+                  <a16:creationId xmlns:a16="http://schemas.microsoft.com/office/drawing/2014/main" id="{2E6D064F-ECE4-46E5-909B-E14668B86A8F}"/>
+                </a:ext>
+              </a:extLst>
+            </p:cNvPr>
+            <p:cNvGrpSpPr/>
+            <p:nvPr/>
+          </p:nvGrpSpPr>
+          <p:grpSpPr>
+            <a:xfrm>
+              <a:off x="6201909" y="5073651"/>
+              <a:ext cx="901654" cy="45719"/>
+              <a:chOff x="5477657" y="3028951"/>
+              <a:chExt cx="901654" cy="45719"/>
+            </a:xfrm>
+          </p:grpSpPr>
+          <p:cxnSp>
+            <p:nvCxnSpPr>
+              <p:cNvPr id="87" name="直接箭头连接符 86">
+                <a:extLst>
+                  <a:ext uri="{FF2B5EF4-FFF2-40B4-BE49-F238E27FC236}">
+                    <a16:creationId xmlns:a16="http://schemas.microsoft.com/office/drawing/2014/main" id="{97829BE3-8F45-4DA0-BB6F-7EAA94830588}"/>
+                  </a:ext>
+                </a:extLst>
+              </p:cNvPr>
+              <p:cNvCxnSpPr>
+                <a:cxnSpLocks/>
+              </p:cNvCxnSpPr>
+              <p:nvPr/>
+            </p:nvCxnSpPr>
+            <p:spPr>
+              <a:xfrm>
+                <a:off x="5496391" y="3052295"/>
+                <a:ext cx="882920" cy="0"/>
+              </a:xfrm>
+              <a:prstGeom prst="straightConnector1">
+                <a:avLst/>
+              </a:prstGeom>
+              <a:ln w="44450">
+                <a:solidFill>
+                  <a:schemeClr val="tx1">
+                    <a:lumMod val="65000"/>
+                    <a:lumOff val="35000"/>
+                  </a:schemeClr>
+                </a:solidFill>
+                <a:tailEnd type="triangle"/>
+              </a:ln>
+            </p:spPr>
+            <p:style>
+              <a:lnRef idx="1">
+                <a:schemeClr val="accent1"/>
+              </a:lnRef>
+              <a:fillRef idx="0">
+                <a:schemeClr val="accent1"/>
+              </a:fillRef>
+              <a:effectRef idx="0">
+                <a:schemeClr val="accent1"/>
+              </a:effectRef>
+              <a:fontRef idx="minor">
+                <a:schemeClr val="tx1"/>
+              </a:fontRef>
+            </p:style>
+          </p:cxnSp>
+          <p:sp>
+            <p:nvSpPr>
+              <p:cNvPr id="88" name="椭圆 87">
+                <a:extLst>
+                  <a:ext uri="{FF2B5EF4-FFF2-40B4-BE49-F238E27FC236}">
+                    <a16:creationId xmlns:a16="http://schemas.microsoft.com/office/drawing/2014/main" id="{8565835D-DE4B-4942-8056-AED58BD2F832}"/>
+                  </a:ext>
+                </a:extLst>
+              </p:cNvPr>
+              <p:cNvSpPr/>
+              <p:nvPr/>
+            </p:nvSpPr>
+            <p:spPr>
+              <a:xfrm>
+                <a:off x="5477657" y="3028951"/>
+                <a:ext cx="45719" cy="45719"/>
+              </a:xfrm>
+              <a:prstGeom prst="ellipse">
+                <a:avLst/>
+              </a:prstGeom>
+              <a:solidFill>
+                <a:schemeClr val="tx1">
+                  <a:lumMod val="75000"/>
+                  <a:lumOff val="25000"/>
+                </a:schemeClr>
+              </a:solidFill>
+              <a:ln w="44450">
+                <a:solidFill>
+                  <a:schemeClr val="tx1">
+                    <a:lumMod val="75000"/>
+                    <a:lumOff val="25000"/>
+                  </a:schemeClr>
+                </a:solidFill>
+              </a:ln>
+            </p:spPr>
+            <p:style>
+              <a:lnRef idx="2">
+                <a:schemeClr val="accent1">
+                  <a:shade val="50000"/>
+                </a:schemeClr>
+              </a:lnRef>
+              <a:fillRef idx="1">
+                <a:schemeClr val="accent1"/>
+              </a:fillRef>
+              <a:effectRef idx="0">
+                <a:schemeClr val="accent1"/>
+              </a:effectRef>
+              <a:fontRef idx="minor">
+                <a:schemeClr val="lt1"/>
+              </a:fontRef>
+            </p:style>
+            <p:txBody>
+              <a:bodyPr rtlCol="0" anchor="ctr"/>
+              <a:lstStyle/>
+              <a:p>
+                <a:pPr algn="ctr"/>
+                <a:endParaRPr lang="zh-CN" altLang="en-US" dirty="0"/>
+              </a:p>
+            </p:txBody>
+          </p:sp>
+        </p:grpSp>
+        <p:grpSp>
+          <p:nvGrpSpPr>
+            <p:cNvPr id="81" name="组合 80">
+              <a:extLst>
+                <a:ext uri="{FF2B5EF4-FFF2-40B4-BE49-F238E27FC236}">
+                  <a16:creationId xmlns:a16="http://schemas.microsoft.com/office/drawing/2014/main" id="{C8643B29-CF46-4CF5-B85A-B27B80BD262F}"/>
+                </a:ext>
+              </a:extLst>
+            </p:cNvPr>
+            <p:cNvGrpSpPr/>
+            <p:nvPr/>
+          </p:nvGrpSpPr>
+          <p:grpSpPr>
+            <a:xfrm>
+              <a:off x="5547172" y="5334656"/>
+              <a:ext cx="45719" cy="564820"/>
+              <a:chOff x="4724847" y="3289956"/>
+              <a:chExt cx="45719" cy="564820"/>
+            </a:xfrm>
+          </p:grpSpPr>
+          <p:cxnSp>
+            <p:nvCxnSpPr>
+              <p:cNvPr id="85" name="直接箭头连接符 84">
+                <a:extLst>
+                  <a:ext uri="{FF2B5EF4-FFF2-40B4-BE49-F238E27FC236}">
+                    <a16:creationId xmlns:a16="http://schemas.microsoft.com/office/drawing/2014/main" id="{F8B529CD-1ED9-480E-9190-E3DD6F2EA28D}"/>
+                  </a:ext>
+                </a:extLst>
+              </p:cNvPr>
+              <p:cNvCxnSpPr>
+                <a:cxnSpLocks/>
+              </p:cNvCxnSpPr>
+              <p:nvPr/>
+            </p:nvCxnSpPr>
+            <p:spPr>
+              <a:xfrm flipV="1">
+                <a:off x="4747707" y="3289956"/>
+                <a:ext cx="0" cy="535284"/>
+              </a:xfrm>
+              <a:prstGeom prst="straightConnector1">
+                <a:avLst/>
+              </a:prstGeom>
+              <a:ln w="44450">
+                <a:solidFill>
+                  <a:schemeClr val="tx1">
+                    <a:lumMod val="65000"/>
+                    <a:lumOff val="35000"/>
+                  </a:schemeClr>
+                </a:solidFill>
+                <a:tailEnd type="triangle"/>
+              </a:ln>
+            </p:spPr>
+            <p:style>
+              <a:lnRef idx="1">
+                <a:schemeClr val="accent1"/>
+              </a:lnRef>
+              <a:fillRef idx="0">
+                <a:schemeClr val="accent1"/>
+              </a:fillRef>
+              <a:effectRef idx="0">
+                <a:schemeClr val="accent1"/>
+              </a:effectRef>
+              <a:fontRef idx="minor">
+                <a:schemeClr val="tx1"/>
+              </a:fontRef>
+            </p:style>
+          </p:cxnSp>
+          <p:sp>
+            <p:nvSpPr>
+              <p:cNvPr id="86" name="椭圆 85">
+                <a:extLst>
+                  <a:ext uri="{FF2B5EF4-FFF2-40B4-BE49-F238E27FC236}">
+                    <a16:creationId xmlns:a16="http://schemas.microsoft.com/office/drawing/2014/main" id="{6B5A2C48-E7AB-45BA-8E16-3904BD0776C3}"/>
+                  </a:ext>
+                </a:extLst>
+              </p:cNvPr>
+              <p:cNvSpPr/>
+              <p:nvPr/>
+            </p:nvSpPr>
+            <p:spPr>
+              <a:xfrm rot="16200000">
+                <a:off x="4724847" y="3809057"/>
+                <a:ext cx="45719" cy="45719"/>
+              </a:xfrm>
+              <a:prstGeom prst="ellipse">
+                <a:avLst/>
+              </a:prstGeom>
+              <a:solidFill>
+                <a:schemeClr val="tx1">
+                  <a:lumMod val="75000"/>
+                  <a:lumOff val="25000"/>
+                </a:schemeClr>
+              </a:solidFill>
+              <a:ln w="44450">
+                <a:solidFill>
+                  <a:schemeClr val="tx1">
+                    <a:lumMod val="75000"/>
+                    <a:lumOff val="25000"/>
+                  </a:schemeClr>
+                </a:solidFill>
+              </a:ln>
+            </p:spPr>
+            <p:style>
+              <a:lnRef idx="2">
+                <a:schemeClr val="accent1">
+                  <a:shade val="50000"/>
+                </a:schemeClr>
+              </a:lnRef>
+              <a:fillRef idx="1">
+                <a:schemeClr val="accent1"/>
+              </a:fillRef>
+              <a:effectRef idx="0">
+                <a:schemeClr val="accent1"/>
+              </a:effectRef>
+              <a:fontRef idx="minor">
+                <a:schemeClr val="lt1"/>
+              </a:fontRef>
+            </p:style>
+            <p:txBody>
+              <a:bodyPr rtlCol="0" anchor="ctr"/>
+              <a:lstStyle/>
+              <a:p>
+                <a:pPr algn="ctr"/>
+                <a:endParaRPr lang="zh-CN" altLang="en-US" dirty="0"/>
+              </a:p>
+            </p:txBody>
+          </p:sp>
+        </p:grpSp>
+        <p:sp>
+          <p:nvSpPr>
+            <p:cNvPr id="82" name="文本框 81">
+              <a:extLst>
+                <a:ext uri="{FF2B5EF4-FFF2-40B4-BE49-F238E27FC236}">
+                  <a16:creationId xmlns:a16="http://schemas.microsoft.com/office/drawing/2014/main" id="{E1880A5C-B6F1-4792-B3A8-2ECA42BF4A24}"/>
+                </a:ext>
+              </a:extLst>
+            </p:cNvPr>
+            <p:cNvSpPr txBox="1"/>
+            <p:nvPr/>
+          </p:nvSpPr>
+          <p:spPr>
+            <a:xfrm>
+              <a:off x="5099365" y="5988050"/>
+              <a:ext cx="955546" cy="338554"/>
+            </a:xfrm>
+            <a:prstGeom prst="rect">
+              <a:avLst/>
+            </a:prstGeom>
+            <a:noFill/>
+          </p:spPr>
+          <p:txBody>
+            <a:bodyPr wrap="square" rtlCol="0">
+              <a:spAutoFit/>
+            </a:bodyPr>
+            <a:lstStyle/>
+            <a:p>
+              <a:pPr algn="ctr"/>
+              <a:r>
+                <a:rPr lang="zh-CN" altLang="en-US" sz="1600" dirty="0">
+                  <a:latin typeface="Adobe 黑体 Std R" panose="020B0400000000000000" pitchFamily="34" charset="-122"/>
+                  <a:ea typeface="Adobe 黑体 Std R" panose="020B0400000000000000" pitchFamily="34" charset="-122"/>
+                </a:rPr>
+                <a:t>头指针</a:t>
+              </a:r>
+            </a:p>
+          </p:txBody>
+        </p:sp>
+        <p:sp>
+          <p:nvSpPr>
+            <p:cNvPr id="83" name="文本框 82">
+              <a:extLst>
+                <a:ext uri="{FF2B5EF4-FFF2-40B4-BE49-F238E27FC236}">
+                  <a16:creationId xmlns:a16="http://schemas.microsoft.com/office/drawing/2014/main" id="{CE2AF14A-E63D-4940-B398-1E03767E0341}"/>
+                </a:ext>
+              </a:extLst>
+            </p:cNvPr>
+            <p:cNvSpPr txBox="1"/>
+            <p:nvPr/>
+          </p:nvSpPr>
+          <p:spPr>
+            <a:xfrm>
+              <a:off x="5295443" y="4353605"/>
+              <a:ext cx="955546" cy="338554"/>
+            </a:xfrm>
+            <a:prstGeom prst="rect">
+              <a:avLst/>
+            </a:prstGeom>
+            <a:noFill/>
+          </p:spPr>
+          <p:txBody>
+            <a:bodyPr wrap="square" rtlCol="0">
+              <a:spAutoFit/>
+            </a:bodyPr>
+            <a:lstStyle/>
+            <a:p>
+              <a:pPr algn="ctr"/>
+              <a:r>
+                <a:rPr lang="zh-CN" altLang="en-US" sz="1600" dirty="0">
+                  <a:latin typeface="Adobe 黑体 Std R" panose="020B0400000000000000" pitchFamily="34" charset="-122"/>
+                  <a:ea typeface="Adobe 黑体 Std R" panose="020B0400000000000000" pitchFamily="34" charset="-122"/>
+                </a:rPr>
+                <a:t>头节点</a:t>
+              </a:r>
+            </a:p>
+          </p:txBody>
+        </p:sp>
+        <p:sp>
+          <p:nvSpPr>
+            <p:cNvPr id="84" name="文本框 83">
+              <a:extLst>
+                <a:ext uri="{FF2B5EF4-FFF2-40B4-BE49-F238E27FC236}">
+                  <a16:creationId xmlns:a16="http://schemas.microsoft.com/office/drawing/2014/main" id="{9D87B774-DDFC-4110-A4DB-CCA83426FDE0}"/>
+                </a:ext>
+              </a:extLst>
+            </p:cNvPr>
+            <p:cNvSpPr txBox="1"/>
+            <p:nvPr/>
+          </p:nvSpPr>
+          <p:spPr>
+            <a:xfrm>
+              <a:off x="6925699" y="4933583"/>
+              <a:ext cx="955546" cy="338554"/>
+            </a:xfrm>
+            <a:prstGeom prst="rect">
+              <a:avLst/>
+            </a:prstGeom>
+            <a:noFill/>
+          </p:spPr>
+          <p:txBody>
+            <a:bodyPr wrap="square" rtlCol="0">
+              <a:spAutoFit/>
+            </a:bodyPr>
+            <a:lstStyle/>
+            <a:p>
+              <a:pPr algn="ctr"/>
+              <a:r>
+                <a:rPr lang="en-US" altLang="zh-CN" sz="1600" dirty="0">
+                  <a:latin typeface="Adobe 黑体 Std R" panose="020B0400000000000000" pitchFamily="34" charset="-122"/>
+                  <a:ea typeface="Adobe 黑体 Std R" panose="020B0400000000000000" pitchFamily="34" charset="-122"/>
+                </a:rPr>
+                <a:t>NULL</a:t>
+              </a:r>
+              <a:endParaRPr lang="zh-CN" altLang="en-US" sz="1600" dirty="0">
+                <a:latin typeface="Adobe 黑体 Std R" panose="020B0400000000000000" pitchFamily="34" charset="-122"/>
+                <a:ea typeface="Adobe 黑体 Std R" panose="020B0400000000000000" pitchFamily="34" charset="-122"/>
+              </a:endParaRPr>
+            </a:p>
+          </p:txBody>
+        </p:sp>
+      </p:grpSp>
+      <p:grpSp>
+        <p:nvGrpSpPr>
+          <p:cNvPr id="23" name="组合 22">
+            <a:extLst>
+              <a:ext uri="{FF2B5EF4-FFF2-40B4-BE49-F238E27FC236}">
+                <a16:creationId xmlns:a16="http://schemas.microsoft.com/office/drawing/2014/main" id="{6D0648A9-8545-4A17-A7DD-C6562D9A4336}"/>
+              </a:ext>
+            </a:extLst>
+          </p:cNvPr>
+          <p:cNvGrpSpPr/>
+          <p:nvPr/>
+        </p:nvGrpSpPr>
+        <p:grpSpPr>
+          <a:xfrm>
+            <a:off x="791235" y="3183710"/>
+            <a:ext cx="10374395" cy="1980619"/>
+            <a:chOff x="791235" y="3183710"/>
+            <a:chExt cx="10374395" cy="1980619"/>
+          </a:xfrm>
+        </p:grpSpPr>
+        <p:grpSp>
+          <p:nvGrpSpPr>
+            <p:cNvPr id="92" name="组合 91">
+              <a:extLst>
+                <a:ext uri="{FF2B5EF4-FFF2-40B4-BE49-F238E27FC236}">
+                  <a16:creationId xmlns:a16="http://schemas.microsoft.com/office/drawing/2014/main" id="{6365F2CD-2DE5-4BEF-9A59-F00283DDC2CC}"/>
+                </a:ext>
+              </a:extLst>
+            </p:cNvPr>
+            <p:cNvGrpSpPr/>
+            <p:nvPr/>
+          </p:nvGrpSpPr>
+          <p:grpSpPr>
+            <a:xfrm>
+              <a:off x="2795433" y="3663725"/>
+              <a:ext cx="3301570" cy="508656"/>
+              <a:chOff x="4345758" y="2781300"/>
+              <a:chExt cx="3301570" cy="508656"/>
+            </a:xfrm>
+          </p:grpSpPr>
+          <p:grpSp>
+            <p:nvGrpSpPr>
+              <p:cNvPr id="117" name="组合 116">
+                <a:extLst>
+                  <a:ext uri="{FF2B5EF4-FFF2-40B4-BE49-F238E27FC236}">
+                    <a16:creationId xmlns:a16="http://schemas.microsoft.com/office/drawing/2014/main" id="{6FBB7168-CAC9-4541-9502-56C490D5AF0C}"/>
+                  </a:ext>
+                </a:extLst>
+              </p:cNvPr>
+              <p:cNvGrpSpPr/>
+              <p:nvPr/>
+            </p:nvGrpSpPr>
+            <p:grpSpPr>
+              <a:xfrm>
+                <a:off x="4345758" y="2781300"/>
+                <a:ext cx="1325947" cy="508656"/>
+                <a:chOff x="4345758" y="2611226"/>
+                <a:chExt cx="1769290" cy="678730"/>
+              </a:xfrm>
+            </p:grpSpPr>
+            <p:sp>
+              <p:nvSpPr>
+                <p:cNvPr id="124" name="矩形 123">
+                  <a:extLst>
+                    <a:ext uri="{FF2B5EF4-FFF2-40B4-BE49-F238E27FC236}">
+                      <a16:creationId xmlns:a16="http://schemas.microsoft.com/office/drawing/2014/main" id="{8DFB2B08-EB29-4718-8B4D-A5F3805C6095}"/>
+                    </a:ext>
+                  </a:extLst>
+                </p:cNvPr>
+                <p:cNvSpPr/>
+                <p:nvPr/>
+              </p:nvSpPr>
+              <p:spPr>
+                <a:xfrm>
+                  <a:off x="4345758" y="2611226"/>
+                  <a:ext cx="1150070" cy="678730"/>
+                </a:xfrm>
+                <a:prstGeom prst="rect">
+                  <a:avLst/>
+                </a:prstGeom>
+                <a:ln>
+                  <a:solidFill>
+                    <a:schemeClr val="tx1">
+                      <a:lumMod val="65000"/>
+                      <a:lumOff val="35000"/>
+                    </a:schemeClr>
+                  </a:solidFill>
+                </a:ln>
+              </p:spPr>
+              <p:style>
+                <a:lnRef idx="2">
+                  <a:schemeClr val="accent1">
+                    <a:shade val="50000"/>
+                  </a:schemeClr>
+                </a:lnRef>
+                <a:fillRef idx="1">
+                  <a:schemeClr val="accent1"/>
+                </a:fillRef>
+                <a:effectRef idx="0">
+                  <a:schemeClr val="accent1"/>
+                </a:effectRef>
+                <a:fontRef idx="minor">
+                  <a:schemeClr val="lt1"/>
+                </a:fontRef>
+              </p:style>
+              <p:txBody>
+                <a:bodyPr rtlCol="0" anchor="ctr"/>
+                <a:lstStyle/>
+                <a:p>
+                  <a:pPr algn="ctr"/>
+                  <a:r>
+                    <a:rPr lang="en-US" altLang="zh-CN" dirty="0"/>
+                    <a:t>data</a:t>
+                  </a:r>
+                  <a:endParaRPr lang="zh-CN" altLang="en-US" dirty="0"/>
+                </a:p>
+              </p:txBody>
+            </p:sp>
+            <p:sp>
+              <p:nvSpPr>
+                <p:cNvPr id="125" name="矩形 124">
+                  <a:extLst>
+                    <a:ext uri="{FF2B5EF4-FFF2-40B4-BE49-F238E27FC236}">
+                      <a16:creationId xmlns:a16="http://schemas.microsoft.com/office/drawing/2014/main" id="{98F5EEB8-A005-472D-87F9-C0F298F48BC9}"/>
+                    </a:ext>
+                  </a:extLst>
+                </p:cNvPr>
+                <p:cNvSpPr/>
+                <p:nvPr/>
+              </p:nvSpPr>
+              <p:spPr>
+                <a:xfrm>
+                  <a:off x="5492585" y="2611226"/>
+                  <a:ext cx="622463" cy="678730"/>
+                </a:xfrm>
+                <a:prstGeom prst="rect">
+                  <a:avLst/>
+                </a:prstGeom>
+                <a:solidFill>
+                  <a:schemeClr val="accent6"/>
+                </a:solidFill>
+                <a:ln>
+                  <a:solidFill>
+                    <a:schemeClr val="tx1">
+                      <a:lumMod val="65000"/>
+                      <a:lumOff val="35000"/>
+                    </a:schemeClr>
+                  </a:solidFill>
+                </a:ln>
+              </p:spPr>
+              <p:style>
+                <a:lnRef idx="2">
+                  <a:schemeClr val="accent1">
+                    <a:shade val="50000"/>
+                  </a:schemeClr>
+                </a:lnRef>
+                <a:fillRef idx="1">
+                  <a:schemeClr val="accent1"/>
+                </a:fillRef>
+                <a:effectRef idx="0">
+                  <a:schemeClr val="accent1"/>
+                </a:effectRef>
+                <a:fontRef idx="minor">
+                  <a:schemeClr val="lt1"/>
+                </a:fontRef>
+              </p:style>
+              <p:txBody>
+                <a:bodyPr rtlCol="0" anchor="ctr"/>
+                <a:lstStyle/>
+                <a:p>
+                  <a:pPr algn="ctr"/>
+                  <a:endParaRPr lang="zh-CN" altLang="en-US" dirty="0"/>
+                </a:p>
+              </p:txBody>
+            </p:sp>
+          </p:grpSp>
+          <p:grpSp>
+            <p:nvGrpSpPr>
+              <p:cNvPr id="118" name="组合 117">
+                <a:extLst>
+                  <a:ext uri="{FF2B5EF4-FFF2-40B4-BE49-F238E27FC236}">
+                    <a16:creationId xmlns:a16="http://schemas.microsoft.com/office/drawing/2014/main" id="{EFB13696-D803-427F-9E1E-0F42CE80B328}"/>
+                  </a:ext>
+                </a:extLst>
+              </p:cNvPr>
+              <p:cNvGrpSpPr/>
+              <p:nvPr/>
+            </p:nvGrpSpPr>
+            <p:grpSpPr>
+              <a:xfrm>
+                <a:off x="6321381" y="2781300"/>
+                <a:ext cx="1325947" cy="508656"/>
+                <a:chOff x="4345758" y="2611226"/>
+                <a:chExt cx="1769290" cy="678730"/>
+              </a:xfrm>
+            </p:grpSpPr>
+            <p:sp>
+              <p:nvSpPr>
+                <p:cNvPr id="122" name="矩形 121">
+                  <a:extLst>
+                    <a:ext uri="{FF2B5EF4-FFF2-40B4-BE49-F238E27FC236}">
+                      <a16:creationId xmlns:a16="http://schemas.microsoft.com/office/drawing/2014/main" id="{2062D935-EBB7-4F99-B435-B1A7390E85F2}"/>
+                    </a:ext>
+                  </a:extLst>
+                </p:cNvPr>
+                <p:cNvSpPr/>
+                <p:nvPr/>
+              </p:nvSpPr>
+              <p:spPr>
+                <a:xfrm>
+                  <a:off x="4345758" y="2611226"/>
+                  <a:ext cx="1150070" cy="678730"/>
+                </a:xfrm>
+                <a:prstGeom prst="rect">
+                  <a:avLst/>
+                </a:prstGeom>
+                <a:ln>
+                  <a:solidFill>
+                    <a:schemeClr val="tx1">
+                      <a:lumMod val="65000"/>
+                      <a:lumOff val="35000"/>
+                    </a:schemeClr>
+                  </a:solidFill>
+                </a:ln>
+              </p:spPr>
+              <p:style>
+                <a:lnRef idx="2">
+                  <a:schemeClr val="accent1">
+                    <a:shade val="50000"/>
+                  </a:schemeClr>
+                </a:lnRef>
+                <a:fillRef idx="1">
+                  <a:schemeClr val="accent1"/>
+                </a:fillRef>
+                <a:effectRef idx="0">
+                  <a:schemeClr val="accent1"/>
+                </a:effectRef>
+                <a:fontRef idx="minor">
+                  <a:schemeClr val="lt1"/>
+                </a:fontRef>
+              </p:style>
+              <p:txBody>
+                <a:bodyPr rtlCol="0" anchor="ctr"/>
+                <a:lstStyle/>
+                <a:p>
+                  <a:pPr algn="ctr"/>
+                  <a:r>
+                    <a:rPr lang="en-US" altLang="zh-CN" dirty="0"/>
+                    <a:t>data</a:t>
+                  </a:r>
+                  <a:endParaRPr lang="zh-CN" altLang="en-US" dirty="0"/>
+                </a:p>
+              </p:txBody>
+            </p:sp>
+            <p:sp>
+              <p:nvSpPr>
+                <p:cNvPr id="123" name="矩形 122">
+                  <a:extLst>
+                    <a:ext uri="{FF2B5EF4-FFF2-40B4-BE49-F238E27FC236}">
+                      <a16:creationId xmlns:a16="http://schemas.microsoft.com/office/drawing/2014/main" id="{54A97D51-B670-4B55-888C-657D660753B2}"/>
+                    </a:ext>
+                  </a:extLst>
+                </p:cNvPr>
+                <p:cNvSpPr/>
+                <p:nvPr/>
+              </p:nvSpPr>
+              <p:spPr>
+                <a:xfrm>
+                  <a:off x="5492585" y="2611226"/>
+                  <a:ext cx="622463" cy="678730"/>
+                </a:xfrm>
+                <a:prstGeom prst="rect">
+                  <a:avLst/>
+                </a:prstGeom>
+                <a:solidFill>
+                  <a:schemeClr val="accent6"/>
+                </a:solidFill>
+                <a:ln>
+                  <a:solidFill>
+                    <a:schemeClr val="tx1">
+                      <a:lumMod val="65000"/>
+                      <a:lumOff val="35000"/>
+                    </a:schemeClr>
+                  </a:solidFill>
+                </a:ln>
+              </p:spPr>
+              <p:style>
+                <a:lnRef idx="2">
+                  <a:schemeClr val="accent1">
+                    <a:shade val="50000"/>
+                  </a:schemeClr>
+                </a:lnRef>
+                <a:fillRef idx="1">
+                  <a:schemeClr val="accent1"/>
+                </a:fillRef>
+                <a:effectRef idx="0">
+                  <a:schemeClr val="accent1"/>
+                </a:effectRef>
+                <a:fontRef idx="minor">
+                  <a:schemeClr val="lt1"/>
+                </a:fontRef>
+              </p:style>
+              <p:txBody>
+                <a:bodyPr rtlCol="0" anchor="ctr"/>
+                <a:lstStyle/>
+                <a:p>
+                  <a:pPr algn="ctr"/>
+                  <a:endParaRPr lang="zh-CN" altLang="en-US" dirty="0"/>
+                </a:p>
+              </p:txBody>
+            </p:sp>
+          </p:grpSp>
+          <p:grpSp>
+            <p:nvGrpSpPr>
+              <p:cNvPr id="119" name="组合 118">
+                <a:extLst>
+                  <a:ext uri="{FF2B5EF4-FFF2-40B4-BE49-F238E27FC236}">
+                    <a16:creationId xmlns:a16="http://schemas.microsoft.com/office/drawing/2014/main" id="{67A1F382-090E-4155-99BC-FDB497041481}"/>
+                  </a:ext>
+                </a:extLst>
+              </p:cNvPr>
+              <p:cNvGrpSpPr/>
+              <p:nvPr/>
+            </p:nvGrpSpPr>
+            <p:grpSpPr>
+              <a:xfrm>
+                <a:off x="5419727" y="3028951"/>
+                <a:ext cx="901654" cy="45719"/>
+                <a:chOff x="5419727" y="3012284"/>
+                <a:chExt cx="901654" cy="45719"/>
+              </a:xfrm>
+            </p:grpSpPr>
+            <p:cxnSp>
+              <p:nvCxnSpPr>
+                <p:cNvPr id="120" name="直接箭头连接符 119">
+                  <a:extLst>
+                    <a:ext uri="{FF2B5EF4-FFF2-40B4-BE49-F238E27FC236}">
+                      <a16:creationId xmlns:a16="http://schemas.microsoft.com/office/drawing/2014/main" id="{8659A09F-15CC-4555-9466-E753B0E1F86E}"/>
+                    </a:ext>
+                  </a:extLst>
+                </p:cNvPr>
+                <p:cNvCxnSpPr>
+                  <a:cxnSpLocks/>
+                  <a:endCxn id="122" idx="1"/>
+                </p:cNvCxnSpPr>
+                <p:nvPr/>
+              </p:nvCxnSpPr>
+              <p:spPr>
+                <a:xfrm>
+                  <a:off x="5438461" y="3035628"/>
+                  <a:ext cx="882920" cy="0"/>
+                </a:xfrm>
+                <a:prstGeom prst="straightConnector1">
+                  <a:avLst/>
+                </a:prstGeom>
+                <a:ln w="44450">
+                  <a:solidFill>
+                    <a:schemeClr val="tx1">
+                      <a:lumMod val="65000"/>
+                      <a:lumOff val="35000"/>
+                    </a:schemeClr>
+                  </a:solidFill>
+                  <a:tailEnd type="triangle"/>
+                </a:ln>
+              </p:spPr>
+              <p:style>
+                <a:lnRef idx="1">
+                  <a:schemeClr val="accent1"/>
+                </a:lnRef>
+                <a:fillRef idx="0">
+                  <a:schemeClr val="accent1"/>
+                </a:fillRef>
+                <a:effectRef idx="0">
+                  <a:schemeClr val="accent1"/>
+                </a:effectRef>
+                <a:fontRef idx="minor">
+                  <a:schemeClr val="tx1"/>
+                </a:fontRef>
+              </p:style>
+            </p:cxnSp>
+            <p:sp>
+              <p:nvSpPr>
+                <p:cNvPr id="121" name="椭圆 120">
+                  <a:extLst>
+                    <a:ext uri="{FF2B5EF4-FFF2-40B4-BE49-F238E27FC236}">
+                      <a16:creationId xmlns:a16="http://schemas.microsoft.com/office/drawing/2014/main" id="{9750FE7C-8669-4C81-AC79-49ED52AA88C5}"/>
+                    </a:ext>
+                  </a:extLst>
+                </p:cNvPr>
+                <p:cNvSpPr/>
+                <p:nvPr/>
+              </p:nvSpPr>
+              <p:spPr>
+                <a:xfrm>
+                  <a:off x="5419727" y="3012284"/>
+                  <a:ext cx="45719" cy="45719"/>
+                </a:xfrm>
+                <a:prstGeom prst="ellipse">
+                  <a:avLst/>
+                </a:prstGeom>
+                <a:solidFill>
+                  <a:schemeClr val="tx1">
+                    <a:lumMod val="75000"/>
+                    <a:lumOff val="25000"/>
+                  </a:schemeClr>
+                </a:solidFill>
+                <a:ln w="44450">
+                  <a:solidFill>
+                    <a:schemeClr val="tx1">
+                      <a:lumMod val="75000"/>
+                      <a:lumOff val="25000"/>
+                    </a:schemeClr>
+                  </a:solidFill>
+                </a:ln>
+              </p:spPr>
+              <p:style>
+                <a:lnRef idx="2">
+                  <a:schemeClr val="accent1">
+                    <a:shade val="50000"/>
+                  </a:schemeClr>
+                </a:lnRef>
+                <a:fillRef idx="1">
+                  <a:schemeClr val="accent1"/>
+                </a:fillRef>
+                <a:effectRef idx="0">
+                  <a:schemeClr val="accent1"/>
+                </a:effectRef>
+                <a:fontRef idx="minor">
+                  <a:schemeClr val="lt1"/>
+                </a:fontRef>
+              </p:style>
+              <p:txBody>
+                <a:bodyPr rtlCol="0" anchor="ctr"/>
+                <a:lstStyle/>
+                <a:p>
+                  <a:pPr algn="ctr"/>
+                  <a:endParaRPr lang="zh-CN" altLang="en-US"/>
+                </a:p>
+              </p:txBody>
+            </p:sp>
+          </p:grpSp>
+        </p:grpSp>
+        <p:grpSp>
+          <p:nvGrpSpPr>
+            <p:cNvPr id="93" name="组合 92">
+              <a:extLst>
+                <a:ext uri="{FF2B5EF4-FFF2-40B4-BE49-F238E27FC236}">
+                  <a16:creationId xmlns:a16="http://schemas.microsoft.com/office/drawing/2014/main" id="{0F079220-6BCD-4C60-850A-4486DC8AE261}"/>
+                </a:ext>
+              </a:extLst>
+            </p:cNvPr>
+            <p:cNvGrpSpPr/>
+            <p:nvPr/>
+          </p:nvGrpSpPr>
+          <p:grpSpPr>
+            <a:xfrm>
+              <a:off x="819810" y="3657048"/>
+              <a:ext cx="1325947" cy="508656"/>
+              <a:chOff x="4345758" y="2611226"/>
+              <a:chExt cx="1769290" cy="678730"/>
+            </a:xfrm>
+          </p:grpSpPr>
+          <p:sp>
+            <p:nvSpPr>
+              <p:cNvPr id="115" name="矩形 114">
+                <a:extLst>
+                  <a:ext uri="{FF2B5EF4-FFF2-40B4-BE49-F238E27FC236}">
+                    <a16:creationId xmlns:a16="http://schemas.microsoft.com/office/drawing/2014/main" id="{D5FB4251-2DB3-48AE-88FE-4C6FB9FFD523}"/>
+                  </a:ext>
+                </a:extLst>
+              </p:cNvPr>
+              <p:cNvSpPr/>
+              <p:nvPr/>
+            </p:nvSpPr>
+            <p:spPr>
+              <a:xfrm>
+                <a:off x="4345758" y="2611226"/>
+                <a:ext cx="1150070" cy="678730"/>
+              </a:xfrm>
+              <a:prstGeom prst="rect">
+                <a:avLst/>
+              </a:prstGeom>
+              <a:solidFill>
+                <a:schemeClr val="accent1"/>
+              </a:solidFill>
+              <a:ln>
+                <a:solidFill>
+                  <a:schemeClr val="tx1">
+                    <a:lumMod val="65000"/>
+                    <a:lumOff val="35000"/>
+                  </a:schemeClr>
+                </a:solidFill>
+              </a:ln>
+            </p:spPr>
+            <p:style>
+              <a:lnRef idx="2">
+                <a:schemeClr val="accent1">
+                  <a:shade val="50000"/>
+                </a:schemeClr>
+              </a:lnRef>
+              <a:fillRef idx="1">
+                <a:schemeClr val="accent1"/>
+              </a:fillRef>
+              <a:effectRef idx="0">
+                <a:schemeClr val="accent1"/>
+              </a:effectRef>
+              <a:fontRef idx="minor">
+                <a:schemeClr val="lt1"/>
+              </a:fontRef>
+            </p:style>
+            <p:txBody>
+              <a:bodyPr rtlCol="0" anchor="ctr"/>
+              <a:lstStyle/>
+              <a:p>
+                <a:pPr algn="ctr"/>
+                <a:r>
+                  <a:rPr lang="en-US" altLang="zh-CN" dirty="0"/>
+                  <a:t>size</a:t>
+                </a:r>
+                <a:endParaRPr lang="zh-CN" altLang="en-US" dirty="0"/>
+              </a:p>
+            </p:txBody>
+          </p:sp>
+          <p:sp>
+            <p:nvSpPr>
+              <p:cNvPr id="116" name="矩形 115">
+                <a:extLst>
+                  <a:ext uri="{FF2B5EF4-FFF2-40B4-BE49-F238E27FC236}">
+                    <a16:creationId xmlns:a16="http://schemas.microsoft.com/office/drawing/2014/main" id="{4BF3A49F-5350-42A2-A5D7-0022BCECCC84}"/>
+                  </a:ext>
+                </a:extLst>
+              </p:cNvPr>
+              <p:cNvSpPr/>
+              <p:nvPr/>
+            </p:nvSpPr>
+            <p:spPr>
+              <a:xfrm>
+                <a:off x="5492585" y="2611226"/>
+                <a:ext cx="622463" cy="678730"/>
+              </a:xfrm>
+              <a:prstGeom prst="rect">
+                <a:avLst/>
+              </a:prstGeom>
+              <a:solidFill>
+                <a:schemeClr val="accent6"/>
+              </a:solidFill>
+              <a:ln>
+                <a:solidFill>
+                  <a:schemeClr val="tx1">
+                    <a:lumMod val="65000"/>
+                    <a:lumOff val="35000"/>
+                  </a:schemeClr>
+                </a:solidFill>
+              </a:ln>
+            </p:spPr>
+            <p:style>
+              <a:lnRef idx="2">
+                <a:schemeClr val="accent1">
+                  <a:shade val="50000"/>
+                </a:schemeClr>
+              </a:lnRef>
+              <a:fillRef idx="1">
+                <a:schemeClr val="accent1"/>
+              </a:fillRef>
+              <a:effectRef idx="0">
+                <a:schemeClr val="accent1"/>
+              </a:effectRef>
+              <a:fontRef idx="minor">
+                <a:schemeClr val="lt1"/>
+              </a:fontRef>
+            </p:style>
+            <p:txBody>
+              <a:bodyPr rtlCol="0" anchor="ctr"/>
+              <a:lstStyle/>
+              <a:p>
+                <a:pPr algn="ctr"/>
+                <a:endParaRPr lang="zh-CN" altLang="en-US" dirty="0"/>
+              </a:p>
+            </p:txBody>
+          </p:sp>
+        </p:grpSp>
+        <p:grpSp>
+          <p:nvGrpSpPr>
+            <p:cNvPr id="94" name="组合 93">
+              <a:extLst>
+                <a:ext uri="{FF2B5EF4-FFF2-40B4-BE49-F238E27FC236}">
+                  <a16:creationId xmlns:a16="http://schemas.microsoft.com/office/drawing/2014/main" id="{6212A3EA-BCD4-4043-9EE9-1860E1A00F2E}"/>
+                </a:ext>
+              </a:extLst>
+            </p:cNvPr>
+            <p:cNvGrpSpPr/>
+            <p:nvPr/>
+          </p:nvGrpSpPr>
+          <p:grpSpPr>
+            <a:xfrm>
+              <a:off x="1893779" y="3911376"/>
+              <a:ext cx="901654" cy="45719"/>
+              <a:chOff x="5477657" y="3028951"/>
+              <a:chExt cx="901654" cy="45719"/>
+            </a:xfrm>
+          </p:grpSpPr>
+          <p:cxnSp>
+            <p:nvCxnSpPr>
+              <p:cNvPr id="113" name="直接箭头连接符 112">
+                <a:extLst>
+                  <a:ext uri="{FF2B5EF4-FFF2-40B4-BE49-F238E27FC236}">
+                    <a16:creationId xmlns:a16="http://schemas.microsoft.com/office/drawing/2014/main" id="{8CABF15E-F641-4064-918A-E8C0816C7698}"/>
+                  </a:ext>
+                </a:extLst>
+              </p:cNvPr>
+              <p:cNvCxnSpPr>
+                <a:cxnSpLocks/>
+              </p:cNvCxnSpPr>
+              <p:nvPr/>
+            </p:nvCxnSpPr>
+            <p:spPr>
+              <a:xfrm>
+                <a:off x="5496391" y="3052295"/>
+                <a:ext cx="882920" cy="0"/>
+              </a:xfrm>
+              <a:prstGeom prst="straightConnector1">
+                <a:avLst/>
+              </a:prstGeom>
+              <a:ln w="44450">
+                <a:solidFill>
+                  <a:schemeClr val="tx1">
+                    <a:lumMod val="65000"/>
+                    <a:lumOff val="35000"/>
+                  </a:schemeClr>
+                </a:solidFill>
+                <a:tailEnd type="triangle"/>
+              </a:ln>
+            </p:spPr>
+            <p:style>
+              <a:lnRef idx="1">
+                <a:schemeClr val="accent1"/>
+              </a:lnRef>
+              <a:fillRef idx="0">
+                <a:schemeClr val="accent1"/>
+              </a:fillRef>
+              <a:effectRef idx="0">
+                <a:schemeClr val="accent1"/>
+              </a:effectRef>
+              <a:fontRef idx="minor">
+                <a:schemeClr val="tx1"/>
+              </a:fontRef>
+            </p:style>
+          </p:cxnSp>
+          <p:sp>
+            <p:nvSpPr>
+              <p:cNvPr id="114" name="椭圆 113">
+                <a:extLst>
+                  <a:ext uri="{FF2B5EF4-FFF2-40B4-BE49-F238E27FC236}">
+                    <a16:creationId xmlns:a16="http://schemas.microsoft.com/office/drawing/2014/main" id="{960DE7A5-FA9D-44BF-9535-FD91A2F68541}"/>
+                  </a:ext>
+                </a:extLst>
+              </p:cNvPr>
+              <p:cNvSpPr/>
+              <p:nvPr/>
+            </p:nvSpPr>
+            <p:spPr>
+              <a:xfrm>
+                <a:off x="5477657" y="3028951"/>
+                <a:ext cx="45719" cy="45719"/>
+              </a:xfrm>
+              <a:prstGeom prst="ellipse">
+                <a:avLst/>
+              </a:prstGeom>
+              <a:solidFill>
+                <a:schemeClr val="tx1">
+                  <a:lumMod val="75000"/>
+                  <a:lumOff val="25000"/>
+                </a:schemeClr>
+              </a:solidFill>
+              <a:ln w="44450">
+                <a:solidFill>
+                  <a:schemeClr val="tx1">
+                    <a:lumMod val="75000"/>
+                    <a:lumOff val="25000"/>
+                  </a:schemeClr>
+                </a:solidFill>
+              </a:ln>
+            </p:spPr>
+            <p:style>
+              <a:lnRef idx="2">
+                <a:schemeClr val="accent1">
+                  <a:shade val="50000"/>
+                </a:schemeClr>
+              </a:lnRef>
+              <a:fillRef idx="1">
+                <a:schemeClr val="accent1"/>
+              </a:fillRef>
+              <a:effectRef idx="0">
+                <a:schemeClr val="accent1"/>
+              </a:effectRef>
+              <a:fontRef idx="minor">
+                <a:schemeClr val="lt1"/>
+              </a:fontRef>
+            </p:style>
+            <p:txBody>
+              <a:bodyPr rtlCol="0" anchor="ctr"/>
+              <a:lstStyle/>
+              <a:p>
+                <a:pPr algn="ctr"/>
+                <a:endParaRPr lang="zh-CN" altLang="en-US" dirty="0"/>
+              </a:p>
+            </p:txBody>
+          </p:sp>
+        </p:grpSp>
+        <p:grpSp>
+          <p:nvGrpSpPr>
+            <p:cNvPr id="95" name="组合 94">
+              <a:extLst>
+                <a:ext uri="{FF2B5EF4-FFF2-40B4-BE49-F238E27FC236}">
+                  <a16:creationId xmlns:a16="http://schemas.microsoft.com/office/drawing/2014/main" id="{37513442-A77A-42F3-A92D-2F99199D2B71}"/>
+                </a:ext>
+              </a:extLst>
+            </p:cNvPr>
+            <p:cNvGrpSpPr/>
+            <p:nvPr/>
+          </p:nvGrpSpPr>
+          <p:grpSpPr>
+            <a:xfrm>
+              <a:off x="1239042" y="4172381"/>
+              <a:ext cx="45719" cy="564820"/>
+              <a:chOff x="4724847" y="3289956"/>
+              <a:chExt cx="45719" cy="564820"/>
+            </a:xfrm>
+          </p:grpSpPr>
+          <p:cxnSp>
+            <p:nvCxnSpPr>
+              <p:cNvPr id="111" name="直接箭头连接符 110">
+                <a:extLst>
+                  <a:ext uri="{FF2B5EF4-FFF2-40B4-BE49-F238E27FC236}">
+                    <a16:creationId xmlns:a16="http://schemas.microsoft.com/office/drawing/2014/main" id="{8858D6F2-0556-4F79-B06A-CD0700267F67}"/>
+                  </a:ext>
+                </a:extLst>
+              </p:cNvPr>
+              <p:cNvCxnSpPr>
+                <a:cxnSpLocks/>
+              </p:cNvCxnSpPr>
+              <p:nvPr/>
+            </p:nvCxnSpPr>
+            <p:spPr>
+              <a:xfrm flipV="1">
+                <a:off x="4747707" y="3289956"/>
+                <a:ext cx="0" cy="535284"/>
+              </a:xfrm>
+              <a:prstGeom prst="straightConnector1">
+                <a:avLst/>
+              </a:prstGeom>
+              <a:ln w="44450">
+                <a:solidFill>
+                  <a:schemeClr val="tx1">
+                    <a:lumMod val="65000"/>
+                    <a:lumOff val="35000"/>
+                  </a:schemeClr>
+                </a:solidFill>
+                <a:tailEnd type="triangle"/>
+              </a:ln>
+            </p:spPr>
+            <p:style>
+              <a:lnRef idx="1">
+                <a:schemeClr val="accent1"/>
+              </a:lnRef>
+              <a:fillRef idx="0">
+                <a:schemeClr val="accent1"/>
+              </a:fillRef>
+              <a:effectRef idx="0">
+                <a:schemeClr val="accent1"/>
+              </a:effectRef>
+              <a:fontRef idx="minor">
+                <a:schemeClr val="tx1"/>
+              </a:fontRef>
+            </p:style>
+          </p:cxnSp>
+          <p:sp>
+            <p:nvSpPr>
+              <p:cNvPr id="112" name="椭圆 111">
+                <a:extLst>
+                  <a:ext uri="{FF2B5EF4-FFF2-40B4-BE49-F238E27FC236}">
+                    <a16:creationId xmlns:a16="http://schemas.microsoft.com/office/drawing/2014/main" id="{76259B96-EE92-4117-A957-D3C963BCE3F0}"/>
+                  </a:ext>
+                </a:extLst>
+              </p:cNvPr>
+              <p:cNvSpPr/>
+              <p:nvPr/>
+            </p:nvSpPr>
+            <p:spPr>
+              <a:xfrm rot="16200000">
+                <a:off x="4724847" y="3809057"/>
+                <a:ext cx="45719" cy="45719"/>
+              </a:xfrm>
+              <a:prstGeom prst="ellipse">
+                <a:avLst/>
+              </a:prstGeom>
+              <a:solidFill>
+                <a:schemeClr val="tx1">
+                  <a:lumMod val="75000"/>
+                  <a:lumOff val="25000"/>
+                </a:schemeClr>
+              </a:solidFill>
+              <a:ln w="44450">
+                <a:solidFill>
+                  <a:schemeClr val="tx1">
+                    <a:lumMod val="75000"/>
+                    <a:lumOff val="25000"/>
+                  </a:schemeClr>
+                </a:solidFill>
+              </a:ln>
+            </p:spPr>
+            <p:style>
+              <a:lnRef idx="2">
+                <a:schemeClr val="accent1">
+                  <a:shade val="50000"/>
+                </a:schemeClr>
+              </a:lnRef>
+              <a:fillRef idx="1">
+                <a:schemeClr val="accent1"/>
+              </a:fillRef>
+              <a:effectRef idx="0">
+                <a:schemeClr val="accent1"/>
+              </a:effectRef>
+              <a:fontRef idx="minor">
+                <a:schemeClr val="lt1"/>
+              </a:fontRef>
+            </p:style>
+            <p:txBody>
+              <a:bodyPr rtlCol="0" anchor="ctr"/>
+              <a:lstStyle/>
+              <a:p>
+                <a:pPr algn="ctr"/>
+                <a:endParaRPr lang="zh-CN" altLang="en-US" dirty="0"/>
+              </a:p>
+            </p:txBody>
+          </p:sp>
+        </p:grpSp>
+        <p:sp>
+          <p:nvSpPr>
+            <p:cNvPr id="96" name="文本框 95">
+              <a:extLst>
+                <a:ext uri="{FF2B5EF4-FFF2-40B4-BE49-F238E27FC236}">
+                  <a16:creationId xmlns:a16="http://schemas.microsoft.com/office/drawing/2014/main" id="{CA34A488-7AB8-4351-AE74-8057E92DA1C5}"/>
+                </a:ext>
+              </a:extLst>
+            </p:cNvPr>
+            <p:cNvSpPr txBox="1"/>
+            <p:nvPr/>
+          </p:nvSpPr>
+          <p:spPr>
+            <a:xfrm>
+              <a:off x="791235" y="4825775"/>
+              <a:ext cx="955546" cy="338554"/>
+            </a:xfrm>
+            <a:prstGeom prst="rect">
+              <a:avLst/>
+            </a:prstGeom>
+            <a:noFill/>
+          </p:spPr>
+          <p:txBody>
+            <a:bodyPr wrap="square" rtlCol="0">
+              <a:spAutoFit/>
+            </a:bodyPr>
+            <a:lstStyle/>
+            <a:p>
+              <a:pPr algn="ctr"/>
+              <a:r>
+                <a:rPr lang="zh-CN" altLang="en-US" sz="1600" dirty="0">
+                  <a:latin typeface="Adobe 黑体 Std R" panose="020B0400000000000000" pitchFamily="34" charset="-122"/>
+                  <a:ea typeface="Adobe 黑体 Std R" panose="020B0400000000000000" pitchFamily="34" charset="-122"/>
+                </a:rPr>
+                <a:t>头指针</a:t>
+              </a:r>
+            </a:p>
+          </p:txBody>
+        </p:sp>
+        <p:sp>
+          <p:nvSpPr>
+            <p:cNvPr id="97" name="文本框 96">
+              <a:extLst>
+                <a:ext uri="{FF2B5EF4-FFF2-40B4-BE49-F238E27FC236}">
+                  <a16:creationId xmlns:a16="http://schemas.microsoft.com/office/drawing/2014/main" id="{5541DD86-7C8F-4016-A4FD-5FCCD2B2B1B2}"/>
+                </a:ext>
+              </a:extLst>
+            </p:cNvPr>
+            <p:cNvSpPr txBox="1"/>
+            <p:nvPr/>
+          </p:nvSpPr>
+          <p:spPr>
+            <a:xfrm>
+              <a:off x="987313" y="3191330"/>
+              <a:ext cx="955546" cy="338554"/>
+            </a:xfrm>
+            <a:prstGeom prst="rect">
+              <a:avLst/>
+            </a:prstGeom>
+            <a:noFill/>
+          </p:spPr>
+          <p:txBody>
+            <a:bodyPr wrap="square" rtlCol="0">
+              <a:spAutoFit/>
+            </a:bodyPr>
+            <a:lstStyle/>
+            <a:p>
+              <a:pPr algn="ctr"/>
+              <a:r>
+                <a:rPr lang="zh-CN" altLang="en-US" sz="1600" dirty="0">
+                  <a:latin typeface="Adobe 黑体 Std R" panose="020B0400000000000000" pitchFamily="34" charset="-122"/>
+                  <a:ea typeface="Adobe 黑体 Std R" panose="020B0400000000000000" pitchFamily="34" charset="-122"/>
+                </a:rPr>
+                <a:t>头节点</a:t>
+              </a:r>
+            </a:p>
+          </p:txBody>
+        </p:sp>
+        <p:sp>
+          <p:nvSpPr>
+            <p:cNvPr id="98" name="文本框 97">
+              <a:extLst>
+                <a:ext uri="{FF2B5EF4-FFF2-40B4-BE49-F238E27FC236}">
+                  <a16:creationId xmlns:a16="http://schemas.microsoft.com/office/drawing/2014/main" id="{F040D84A-CE56-4424-912D-04419EB97AB1}"/>
+                </a:ext>
+              </a:extLst>
+            </p:cNvPr>
+            <p:cNvSpPr txBox="1"/>
+            <p:nvPr/>
+          </p:nvSpPr>
+          <p:spPr>
+            <a:xfrm>
+              <a:off x="2854490" y="3201346"/>
+              <a:ext cx="1188790" cy="338554"/>
+            </a:xfrm>
+            <a:prstGeom prst="rect">
+              <a:avLst/>
+            </a:prstGeom>
+            <a:noFill/>
+          </p:spPr>
+          <p:txBody>
+            <a:bodyPr wrap="square" rtlCol="0">
+              <a:spAutoFit/>
+            </a:bodyPr>
+            <a:lstStyle/>
+            <a:p>
+              <a:pPr algn="ctr"/>
+              <a:r>
+                <a:rPr lang="zh-CN" altLang="en-US" sz="1600" dirty="0">
+                  <a:latin typeface="Adobe 黑体 Std R" panose="020B0400000000000000" pitchFamily="34" charset="-122"/>
+                  <a:ea typeface="Adobe 黑体 Std R" panose="020B0400000000000000" pitchFamily="34" charset="-122"/>
+                </a:rPr>
+                <a:t>首元节点</a:t>
+              </a:r>
+            </a:p>
+          </p:txBody>
+        </p:sp>
+        <p:grpSp>
+          <p:nvGrpSpPr>
+            <p:cNvPr id="99" name="组合 98">
+              <a:extLst>
+                <a:ext uri="{FF2B5EF4-FFF2-40B4-BE49-F238E27FC236}">
+                  <a16:creationId xmlns:a16="http://schemas.microsoft.com/office/drawing/2014/main" id="{EC9FF2F2-DFD2-42DE-8B6A-7DC955DF27BC}"/>
+                </a:ext>
+              </a:extLst>
+            </p:cNvPr>
+            <p:cNvGrpSpPr/>
+            <p:nvPr/>
+          </p:nvGrpSpPr>
+          <p:grpSpPr>
+            <a:xfrm>
+              <a:off x="8436051" y="3649428"/>
+              <a:ext cx="1325947" cy="508656"/>
+              <a:chOff x="6541467" y="4587240"/>
+              <a:chExt cx="1325947" cy="508656"/>
+            </a:xfrm>
+          </p:grpSpPr>
+          <p:sp>
+            <p:nvSpPr>
+              <p:cNvPr id="109" name="矩形 108">
+                <a:extLst>
+                  <a:ext uri="{FF2B5EF4-FFF2-40B4-BE49-F238E27FC236}">
+                    <a16:creationId xmlns:a16="http://schemas.microsoft.com/office/drawing/2014/main" id="{D3CC7A69-5F6B-45B0-90D0-26630745D1A3}"/>
+                  </a:ext>
+                </a:extLst>
+              </p:cNvPr>
+              <p:cNvSpPr/>
+              <p:nvPr/>
+            </p:nvSpPr>
+            <p:spPr>
+              <a:xfrm>
+                <a:off x="6541467" y="4587240"/>
+                <a:ext cx="861889" cy="508656"/>
+              </a:xfrm>
+              <a:prstGeom prst="rect">
+                <a:avLst/>
+              </a:prstGeom>
+              <a:ln>
+                <a:solidFill>
+                  <a:schemeClr val="tx1">
+                    <a:lumMod val="65000"/>
+                    <a:lumOff val="35000"/>
+                  </a:schemeClr>
+                </a:solidFill>
+              </a:ln>
+            </p:spPr>
+            <p:style>
+              <a:lnRef idx="2">
+                <a:schemeClr val="accent1">
+                  <a:shade val="50000"/>
+                </a:schemeClr>
+              </a:lnRef>
+              <a:fillRef idx="1">
+                <a:schemeClr val="accent1"/>
+              </a:fillRef>
+              <a:effectRef idx="0">
+                <a:schemeClr val="accent1"/>
+              </a:effectRef>
+              <a:fontRef idx="minor">
+                <a:schemeClr val="lt1"/>
+              </a:fontRef>
+            </p:style>
+            <p:txBody>
+              <a:bodyPr rtlCol="0" anchor="ctr"/>
+              <a:lstStyle/>
+              <a:p>
+                <a:pPr algn="ctr"/>
+                <a:r>
+                  <a:rPr lang="en-US" altLang="zh-CN" dirty="0"/>
+                  <a:t>data</a:t>
+                </a:r>
+                <a:endParaRPr lang="zh-CN" altLang="en-US" dirty="0"/>
+              </a:p>
+            </p:txBody>
+          </p:sp>
+          <p:sp>
+            <p:nvSpPr>
+              <p:cNvPr id="110" name="矩形 109">
+                <a:extLst>
+                  <a:ext uri="{FF2B5EF4-FFF2-40B4-BE49-F238E27FC236}">
+                    <a16:creationId xmlns:a16="http://schemas.microsoft.com/office/drawing/2014/main" id="{6FABFF8B-28D1-47FB-96FF-DF94E0993C2B}"/>
+                  </a:ext>
+                </a:extLst>
+              </p:cNvPr>
+              <p:cNvSpPr/>
+              <p:nvPr/>
+            </p:nvSpPr>
+            <p:spPr>
+              <a:xfrm>
+                <a:off x="7400926" y="4587240"/>
+                <a:ext cx="466488" cy="508656"/>
+              </a:xfrm>
+              <a:prstGeom prst="rect">
+                <a:avLst/>
+              </a:prstGeom>
+              <a:solidFill>
+                <a:schemeClr val="accent6"/>
+              </a:solidFill>
+              <a:ln>
+                <a:solidFill>
+                  <a:schemeClr val="tx1">
+                    <a:lumMod val="65000"/>
+                    <a:lumOff val="35000"/>
+                  </a:schemeClr>
+                </a:solidFill>
+              </a:ln>
+            </p:spPr>
+            <p:style>
+              <a:lnRef idx="2">
+                <a:schemeClr val="accent1">
+                  <a:shade val="50000"/>
+                </a:schemeClr>
+              </a:lnRef>
+              <a:fillRef idx="1">
+                <a:schemeClr val="accent1"/>
+              </a:fillRef>
+              <a:effectRef idx="0">
+                <a:schemeClr val="accent1"/>
+              </a:effectRef>
+              <a:fontRef idx="minor">
+                <a:schemeClr val="lt1"/>
+              </a:fontRef>
+            </p:style>
+            <p:txBody>
+              <a:bodyPr rtlCol="0" anchor="ctr"/>
+              <a:lstStyle/>
+              <a:p>
+                <a:pPr algn="ctr"/>
+                <a:endParaRPr lang="zh-CN" altLang="en-US" dirty="0"/>
+              </a:p>
+            </p:txBody>
+          </p:sp>
+        </p:grpSp>
+        <p:grpSp>
+          <p:nvGrpSpPr>
+            <p:cNvPr id="100" name="组合 99">
+              <a:extLst>
+                <a:ext uri="{FF2B5EF4-FFF2-40B4-BE49-F238E27FC236}">
+                  <a16:creationId xmlns:a16="http://schemas.microsoft.com/office/drawing/2014/main" id="{20D7E351-218A-4EC2-BC19-E8CDB86F5885}"/>
+                </a:ext>
+              </a:extLst>
+            </p:cNvPr>
+            <p:cNvGrpSpPr/>
+            <p:nvPr/>
+          </p:nvGrpSpPr>
+          <p:grpSpPr>
+            <a:xfrm>
+              <a:off x="5840241" y="3918053"/>
+              <a:ext cx="901654" cy="45719"/>
+              <a:chOff x="5119355" y="3952876"/>
+              <a:chExt cx="901654" cy="45719"/>
+            </a:xfrm>
+          </p:grpSpPr>
+          <p:cxnSp>
+            <p:nvCxnSpPr>
+              <p:cNvPr id="107" name="直接箭头连接符 106">
+                <a:extLst>
+                  <a:ext uri="{FF2B5EF4-FFF2-40B4-BE49-F238E27FC236}">
+                    <a16:creationId xmlns:a16="http://schemas.microsoft.com/office/drawing/2014/main" id="{529C5B80-3AF9-482C-A1D5-79CA8E3715F1}"/>
+                  </a:ext>
+                </a:extLst>
+              </p:cNvPr>
+              <p:cNvCxnSpPr>
+                <a:cxnSpLocks/>
+              </p:cNvCxnSpPr>
+              <p:nvPr/>
+            </p:nvCxnSpPr>
+            <p:spPr>
+              <a:xfrm>
+                <a:off x="5138089" y="3976220"/>
+                <a:ext cx="882920" cy="0"/>
+              </a:xfrm>
+              <a:prstGeom prst="straightConnector1">
+                <a:avLst/>
+              </a:prstGeom>
+              <a:ln w="44450">
+                <a:solidFill>
+                  <a:schemeClr val="tx1">
+                    <a:lumMod val="65000"/>
+                    <a:lumOff val="35000"/>
+                  </a:schemeClr>
+                </a:solidFill>
+                <a:tailEnd type="triangle"/>
+              </a:ln>
+            </p:spPr>
+            <p:style>
+              <a:lnRef idx="1">
+                <a:schemeClr val="accent1"/>
+              </a:lnRef>
+              <a:fillRef idx="0">
+                <a:schemeClr val="accent1"/>
+              </a:fillRef>
+              <a:effectRef idx="0">
+                <a:schemeClr val="accent1"/>
+              </a:effectRef>
+              <a:fontRef idx="minor">
+                <a:schemeClr val="tx1"/>
+              </a:fontRef>
+            </p:style>
+          </p:cxnSp>
+          <p:sp>
+            <p:nvSpPr>
+              <p:cNvPr id="108" name="椭圆 107">
+                <a:extLst>
+                  <a:ext uri="{FF2B5EF4-FFF2-40B4-BE49-F238E27FC236}">
+                    <a16:creationId xmlns:a16="http://schemas.microsoft.com/office/drawing/2014/main" id="{2A08CCBE-508E-43A1-9C8F-0C2ACCBFF3E4}"/>
+                  </a:ext>
+                </a:extLst>
+              </p:cNvPr>
+              <p:cNvSpPr/>
+              <p:nvPr/>
+            </p:nvSpPr>
+            <p:spPr>
+              <a:xfrm>
+                <a:off x="5119355" y="3952876"/>
+                <a:ext cx="45719" cy="45719"/>
+              </a:xfrm>
+              <a:prstGeom prst="ellipse">
+                <a:avLst/>
+              </a:prstGeom>
+              <a:solidFill>
+                <a:schemeClr val="tx1">
+                  <a:lumMod val="75000"/>
+                  <a:lumOff val="25000"/>
+                </a:schemeClr>
+              </a:solidFill>
+              <a:ln w="44450">
+                <a:solidFill>
+                  <a:schemeClr val="tx1">
+                    <a:lumMod val="75000"/>
+                    <a:lumOff val="25000"/>
+                  </a:schemeClr>
+                </a:solidFill>
+              </a:ln>
+            </p:spPr>
+            <p:style>
+              <a:lnRef idx="2">
+                <a:schemeClr val="accent1">
+                  <a:shade val="50000"/>
+                </a:schemeClr>
+              </a:lnRef>
+              <a:fillRef idx="1">
+                <a:schemeClr val="accent1"/>
+              </a:fillRef>
+              <a:effectRef idx="0">
+                <a:schemeClr val="accent1"/>
+              </a:effectRef>
+              <a:fontRef idx="minor">
+                <a:schemeClr val="lt1"/>
+              </a:fontRef>
+            </p:style>
+            <p:txBody>
+              <a:bodyPr rtlCol="0" anchor="ctr"/>
+              <a:lstStyle/>
+              <a:p>
+                <a:pPr algn="ctr"/>
+                <a:endParaRPr lang="zh-CN" altLang="en-US" dirty="0"/>
+              </a:p>
+            </p:txBody>
+          </p:sp>
+        </p:grpSp>
+        <p:sp>
+          <p:nvSpPr>
+            <p:cNvPr id="101" name="文本框 100">
+              <a:extLst>
+                <a:ext uri="{FF2B5EF4-FFF2-40B4-BE49-F238E27FC236}">
+                  <a16:creationId xmlns:a16="http://schemas.microsoft.com/office/drawing/2014/main" id="{5F07F9BB-58B6-4C12-9421-939BA112A9D6}"/>
+                </a:ext>
+              </a:extLst>
+            </p:cNvPr>
+            <p:cNvSpPr txBox="1"/>
+            <p:nvPr/>
+          </p:nvSpPr>
+          <p:spPr>
+            <a:xfrm>
+              <a:off x="4828207" y="3201346"/>
+              <a:ext cx="1188790" cy="338554"/>
+            </a:xfrm>
+            <a:prstGeom prst="rect">
+              <a:avLst/>
+            </a:prstGeom>
+            <a:noFill/>
+          </p:spPr>
+          <p:txBody>
+            <a:bodyPr wrap="square" rtlCol="0">
+              <a:spAutoFit/>
+            </a:bodyPr>
+            <a:lstStyle/>
+            <a:p>
+              <a:pPr algn="ctr"/>
+              <a:r>
+                <a:rPr lang="zh-CN" altLang="en-US" sz="1600" dirty="0">
+                  <a:latin typeface="Adobe 黑体 Std R" panose="020B0400000000000000" pitchFamily="34" charset="-122"/>
+                  <a:ea typeface="Adobe 黑体 Std R" panose="020B0400000000000000" pitchFamily="34" charset="-122"/>
+                </a:rPr>
+                <a:t>普通节点</a:t>
+              </a:r>
+            </a:p>
+          </p:txBody>
+        </p:sp>
+        <p:sp>
+          <p:nvSpPr>
+            <p:cNvPr id="102" name="文本框 101">
+              <a:extLst>
+                <a:ext uri="{FF2B5EF4-FFF2-40B4-BE49-F238E27FC236}">
+                  <a16:creationId xmlns:a16="http://schemas.microsoft.com/office/drawing/2014/main" id="{22B7E0AE-DEAC-45DD-BA20-1B4814ADEC84}"/>
+                </a:ext>
+              </a:extLst>
+            </p:cNvPr>
+            <p:cNvSpPr txBox="1"/>
+            <p:nvPr/>
+          </p:nvSpPr>
+          <p:spPr>
+            <a:xfrm>
+              <a:off x="8219025" y="3183710"/>
+              <a:ext cx="1773372" cy="338554"/>
+            </a:xfrm>
+            <a:prstGeom prst="rect">
+              <a:avLst/>
+            </a:prstGeom>
+            <a:noFill/>
+          </p:spPr>
+          <p:txBody>
+            <a:bodyPr wrap="square" rtlCol="0">
+              <a:spAutoFit/>
+            </a:bodyPr>
+            <a:lstStyle/>
+            <a:p>
+              <a:pPr algn="ctr"/>
+              <a:r>
+                <a:rPr lang="zh-CN" altLang="en-US" sz="1600" dirty="0">
+                  <a:latin typeface="Adobe 黑体 Std R" panose="020B0400000000000000" pitchFamily="34" charset="-122"/>
+                  <a:ea typeface="Adobe 黑体 Std R" panose="020B0400000000000000" pitchFamily="34" charset="-122"/>
+                </a:rPr>
+                <a:t>普通节点</a:t>
+              </a:r>
+              <a:r>
+                <a:rPr lang="en-US" altLang="zh-CN" sz="1600" dirty="0">
+                  <a:latin typeface="Adobe 黑体 Std R" panose="020B0400000000000000" pitchFamily="34" charset="-122"/>
+                  <a:ea typeface="Adobe 黑体 Std R" panose="020B0400000000000000" pitchFamily="34" charset="-122"/>
+                </a:rPr>
+                <a:t>(</a:t>
+              </a:r>
+              <a:r>
+                <a:rPr lang="zh-CN" altLang="en-US" sz="1600" dirty="0">
+                  <a:latin typeface="Adobe 黑体 Std R" panose="020B0400000000000000" pitchFamily="34" charset="-122"/>
+                  <a:ea typeface="Adobe 黑体 Std R" panose="020B0400000000000000" pitchFamily="34" charset="-122"/>
+                </a:rPr>
+                <a:t>尾节点</a:t>
+              </a:r>
+              <a:r>
+                <a:rPr lang="en-US" altLang="zh-CN" sz="1600" dirty="0">
+                  <a:latin typeface="Adobe 黑体 Std R" panose="020B0400000000000000" pitchFamily="34" charset="-122"/>
+                  <a:ea typeface="Adobe 黑体 Std R" panose="020B0400000000000000" pitchFamily="34" charset="-122"/>
+                </a:rPr>
+                <a:t>)</a:t>
+              </a:r>
+              <a:endParaRPr lang="zh-CN" altLang="en-US" sz="1600" dirty="0">
+                <a:latin typeface="Adobe 黑体 Std R" panose="020B0400000000000000" pitchFamily="34" charset="-122"/>
+                <a:ea typeface="Adobe 黑体 Std R" panose="020B0400000000000000" pitchFamily="34" charset="-122"/>
+              </a:endParaRPr>
+            </a:p>
+          </p:txBody>
+        </p:sp>
+        <p:grpSp>
+          <p:nvGrpSpPr>
+            <p:cNvPr id="103" name="组合 102">
+              <a:extLst>
+                <a:ext uri="{FF2B5EF4-FFF2-40B4-BE49-F238E27FC236}">
+                  <a16:creationId xmlns:a16="http://schemas.microsoft.com/office/drawing/2014/main" id="{E91D06CD-BB8A-43BE-BA29-14016E108954}"/>
+                </a:ext>
+              </a:extLst>
+            </p:cNvPr>
+            <p:cNvGrpSpPr/>
+            <p:nvPr/>
+          </p:nvGrpSpPr>
+          <p:grpSpPr>
+            <a:xfrm>
+              <a:off x="9505178" y="3903756"/>
+              <a:ext cx="901654" cy="45719"/>
+              <a:chOff x="5119355" y="3952876"/>
+              <a:chExt cx="901654" cy="45719"/>
+            </a:xfrm>
+          </p:grpSpPr>
+          <p:cxnSp>
+            <p:nvCxnSpPr>
+              <p:cNvPr id="105" name="直接箭头连接符 104">
+                <a:extLst>
+                  <a:ext uri="{FF2B5EF4-FFF2-40B4-BE49-F238E27FC236}">
+                    <a16:creationId xmlns:a16="http://schemas.microsoft.com/office/drawing/2014/main" id="{2C074976-6CEA-426E-9E4A-BF697A171CB9}"/>
+                  </a:ext>
+                </a:extLst>
+              </p:cNvPr>
+              <p:cNvCxnSpPr>
+                <a:cxnSpLocks/>
+              </p:cNvCxnSpPr>
+              <p:nvPr/>
+            </p:nvCxnSpPr>
+            <p:spPr>
+              <a:xfrm>
+                <a:off x="5138089" y="3976220"/>
+                <a:ext cx="882920" cy="0"/>
+              </a:xfrm>
+              <a:prstGeom prst="straightConnector1">
+                <a:avLst/>
+              </a:prstGeom>
+              <a:ln w="44450">
+                <a:solidFill>
+                  <a:schemeClr val="tx1">
+                    <a:lumMod val="65000"/>
+                    <a:lumOff val="35000"/>
+                  </a:schemeClr>
+                </a:solidFill>
+                <a:tailEnd type="triangle"/>
+              </a:ln>
+            </p:spPr>
+            <p:style>
+              <a:lnRef idx="1">
+                <a:schemeClr val="accent1"/>
+              </a:lnRef>
+              <a:fillRef idx="0">
+                <a:schemeClr val="accent1"/>
+              </a:fillRef>
+              <a:effectRef idx="0">
+                <a:schemeClr val="accent1"/>
+              </a:effectRef>
+              <a:fontRef idx="minor">
+                <a:schemeClr val="tx1"/>
+              </a:fontRef>
+            </p:style>
+          </p:cxnSp>
+          <p:sp>
+            <p:nvSpPr>
+              <p:cNvPr id="106" name="椭圆 105">
+                <a:extLst>
+                  <a:ext uri="{FF2B5EF4-FFF2-40B4-BE49-F238E27FC236}">
+                    <a16:creationId xmlns:a16="http://schemas.microsoft.com/office/drawing/2014/main" id="{CB20C658-82BC-4D58-8FDF-64831296CECA}"/>
+                  </a:ext>
+                </a:extLst>
+              </p:cNvPr>
+              <p:cNvSpPr/>
+              <p:nvPr/>
+            </p:nvSpPr>
+            <p:spPr>
+              <a:xfrm>
+                <a:off x="5119355" y="3952876"/>
+                <a:ext cx="45719" cy="45719"/>
+              </a:xfrm>
+              <a:prstGeom prst="ellipse">
+                <a:avLst/>
+              </a:prstGeom>
+              <a:solidFill>
+                <a:schemeClr val="tx1">
+                  <a:lumMod val="75000"/>
+                  <a:lumOff val="25000"/>
+                </a:schemeClr>
+              </a:solidFill>
+              <a:ln w="44450">
+                <a:solidFill>
+                  <a:schemeClr val="tx1">
+                    <a:lumMod val="75000"/>
+                    <a:lumOff val="25000"/>
+                  </a:schemeClr>
+                </a:solidFill>
+              </a:ln>
+            </p:spPr>
+            <p:style>
+              <a:lnRef idx="2">
+                <a:schemeClr val="accent1">
+                  <a:shade val="50000"/>
+                </a:schemeClr>
+              </a:lnRef>
+              <a:fillRef idx="1">
+                <a:schemeClr val="accent1"/>
+              </a:fillRef>
+              <a:effectRef idx="0">
+                <a:schemeClr val="accent1"/>
+              </a:effectRef>
+              <a:fontRef idx="minor">
+                <a:schemeClr val="lt1"/>
+              </a:fontRef>
+            </p:style>
+            <p:txBody>
+              <a:bodyPr rtlCol="0" anchor="ctr"/>
+              <a:lstStyle/>
+              <a:p>
+                <a:pPr algn="ctr"/>
+                <a:endParaRPr lang="zh-CN" altLang="en-US" dirty="0"/>
+              </a:p>
+            </p:txBody>
+          </p:sp>
+        </p:grpSp>
+        <p:sp>
+          <p:nvSpPr>
+            <p:cNvPr id="104" name="文本框 103">
+              <a:extLst>
+                <a:ext uri="{FF2B5EF4-FFF2-40B4-BE49-F238E27FC236}">
+                  <a16:creationId xmlns:a16="http://schemas.microsoft.com/office/drawing/2014/main" id="{FF9A4508-7071-4BBC-96DF-98BE50767E56}"/>
+                </a:ext>
+              </a:extLst>
+            </p:cNvPr>
+            <p:cNvSpPr txBox="1"/>
+            <p:nvPr/>
+          </p:nvSpPr>
+          <p:spPr>
+            <a:xfrm>
+              <a:off x="10210084" y="3759243"/>
+              <a:ext cx="955546" cy="338554"/>
+            </a:xfrm>
+            <a:prstGeom prst="rect">
+              <a:avLst/>
+            </a:prstGeom>
+            <a:noFill/>
+          </p:spPr>
+          <p:txBody>
+            <a:bodyPr wrap="square" rtlCol="0">
+              <a:spAutoFit/>
+            </a:bodyPr>
+            <a:lstStyle/>
+            <a:p>
+              <a:pPr algn="ctr"/>
+              <a:r>
+                <a:rPr lang="en-US" altLang="zh-CN" sz="1600" dirty="0">
+                  <a:latin typeface="Adobe 黑体 Std R" panose="020B0400000000000000" pitchFamily="34" charset="-122"/>
+                  <a:ea typeface="Adobe 黑体 Std R" panose="020B0400000000000000" pitchFamily="34" charset="-122"/>
+                </a:rPr>
+                <a:t>NULL</a:t>
+              </a:r>
+              <a:endParaRPr lang="zh-CN" altLang="en-US" sz="1600" dirty="0">
+                <a:latin typeface="Adobe 黑体 Std R" panose="020B0400000000000000" pitchFamily="34" charset="-122"/>
+                <a:ea typeface="Adobe 黑体 Std R" panose="020B0400000000000000" pitchFamily="34" charset="-122"/>
+              </a:endParaRPr>
+            </a:p>
+          </p:txBody>
+        </p:sp>
+        <p:grpSp>
+          <p:nvGrpSpPr>
+            <p:cNvPr id="126" name="组合 125">
+              <a:extLst>
+                <a:ext uri="{FF2B5EF4-FFF2-40B4-BE49-F238E27FC236}">
+                  <a16:creationId xmlns:a16="http://schemas.microsoft.com/office/drawing/2014/main" id="{E27EB13D-E872-4D62-8A85-5AECCBA61821}"/>
+                </a:ext>
+              </a:extLst>
+            </p:cNvPr>
+            <p:cNvGrpSpPr/>
+            <p:nvPr/>
+          </p:nvGrpSpPr>
+          <p:grpSpPr>
+            <a:xfrm>
+              <a:off x="7528967" y="3911533"/>
+              <a:ext cx="901654" cy="45719"/>
+              <a:chOff x="5119355" y="3952876"/>
+              <a:chExt cx="901654" cy="45719"/>
+            </a:xfrm>
+          </p:grpSpPr>
+          <p:cxnSp>
+            <p:nvCxnSpPr>
+              <p:cNvPr id="127" name="直接箭头连接符 126">
+                <a:extLst>
+                  <a:ext uri="{FF2B5EF4-FFF2-40B4-BE49-F238E27FC236}">
+                    <a16:creationId xmlns:a16="http://schemas.microsoft.com/office/drawing/2014/main" id="{18C7C5E2-9452-4AAF-A913-9CF3E0EB1F2A}"/>
+                  </a:ext>
+                </a:extLst>
+              </p:cNvPr>
+              <p:cNvCxnSpPr>
+                <a:cxnSpLocks/>
+              </p:cNvCxnSpPr>
+              <p:nvPr/>
+            </p:nvCxnSpPr>
+            <p:spPr>
+              <a:xfrm>
+                <a:off x="5138089" y="3976220"/>
+                <a:ext cx="882920" cy="0"/>
+              </a:xfrm>
+              <a:prstGeom prst="straightConnector1">
+                <a:avLst/>
+              </a:prstGeom>
+              <a:ln w="44450">
+                <a:solidFill>
+                  <a:schemeClr val="tx1">
+                    <a:lumMod val="65000"/>
+                    <a:lumOff val="35000"/>
+                  </a:schemeClr>
+                </a:solidFill>
+                <a:tailEnd type="triangle"/>
+              </a:ln>
+            </p:spPr>
+            <p:style>
+              <a:lnRef idx="1">
+                <a:schemeClr val="accent1"/>
+              </a:lnRef>
+              <a:fillRef idx="0">
+                <a:schemeClr val="accent1"/>
+              </a:fillRef>
+              <a:effectRef idx="0">
+                <a:schemeClr val="accent1"/>
+              </a:effectRef>
+              <a:fontRef idx="minor">
+                <a:schemeClr val="tx1"/>
+              </a:fontRef>
+            </p:style>
+          </p:cxnSp>
+          <p:sp>
+            <p:nvSpPr>
+              <p:cNvPr id="128" name="椭圆 127">
+                <a:extLst>
+                  <a:ext uri="{FF2B5EF4-FFF2-40B4-BE49-F238E27FC236}">
+                    <a16:creationId xmlns:a16="http://schemas.microsoft.com/office/drawing/2014/main" id="{D4E7CF10-A1D9-474D-B195-0FC29DC8DD95}"/>
+                  </a:ext>
+                </a:extLst>
+              </p:cNvPr>
+              <p:cNvSpPr/>
+              <p:nvPr/>
+            </p:nvSpPr>
+            <p:spPr>
+              <a:xfrm>
+                <a:off x="5119355" y="3952876"/>
+                <a:ext cx="45719" cy="45719"/>
+              </a:xfrm>
+              <a:prstGeom prst="ellipse">
+                <a:avLst/>
+              </a:prstGeom>
+              <a:solidFill>
+                <a:schemeClr val="tx1">
+                  <a:lumMod val="75000"/>
+                  <a:lumOff val="25000"/>
+                </a:schemeClr>
+              </a:solidFill>
+              <a:ln w="44450">
+                <a:solidFill>
+                  <a:schemeClr val="tx1">
+                    <a:lumMod val="75000"/>
+                    <a:lumOff val="25000"/>
+                  </a:schemeClr>
+                </a:solidFill>
+              </a:ln>
+            </p:spPr>
+            <p:style>
+              <a:lnRef idx="2">
+                <a:schemeClr val="accent1">
+                  <a:shade val="50000"/>
+                </a:schemeClr>
+              </a:lnRef>
+              <a:fillRef idx="1">
+                <a:schemeClr val="accent1"/>
+              </a:fillRef>
+              <a:effectRef idx="0">
+                <a:schemeClr val="accent1"/>
+              </a:effectRef>
+              <a:fontRef idx="minor">
+                <a:schemeClr val="lt1"/>
+              </a:fontRef>
+            </p:style>
+            <p:txBody>
+              <a:bodyPr rtlCol="0" anchor="ctr"/>
+              <a:lstStyle/>
+              <a:p>
+                <a:pPr algn="ctr"/>
+                <a:endParaRPr lang="zh-CN" altLang="en-US" dirty="0"/>
+              </a:p>
+            </p:txBody>
+          </p:sp>
+        </p:grpSp>
+        <p:grpSp>
+          <p:nvGrpSpPr>
+            <p:cNvPr id="129" name="组合 128">
+              <a:extLst>
+                <a:ext uri="{FF2B5EF4-FFF2-40B4-BE49-F238E27FC236}">
+                  <a16:creationId xmlns:a16="http://schemas.microsoft.com/office/drawing/2014/main" id="{DA88EA77-EA17-4678-A235-D48A9535786F}"/>
+                </a:ext>
+              </a:extLst>
+            </p:cNvPr>
+            <p:cNvGrpSpPr/>
+            <p:nvPr/>
+          </p:nvGrpSpPr>
+          <p:grpSpPr>
+            <a:xfrm>
+              <a:off x="6900102" y="3915657"/>
+              <a:ext cx="446502" cy="45719"/>
+              <a:chOff x="6732462" y="1500117"/>
+              <a:chExt cx="446502" cy="45719"/>
+            </a:xfrm>
+          </p:grpSpPr>
+          <p:sp>
+            <p:nvSpPr>
+              <p:cNvPr id="130" name="椭圆 129">
+                <a:extLst>
+                  <a:ext uri="{FF2B5EF4-FFF2-40B4-BE49-F238E27FC236}">
+                    <a16:creationId xmlns:a16="http://schemas.microsoft.com/office/drawing/2014/main" id="{B7FE72B8-9DD2-4173-8006-FBEE31407784}"/>
+                  </a:ext>
+                </a:extLst>
+              </p:cNvPr>
+              <p:cNvSpPr/>
+              <p:nvPr/>
+            </p:nvSpPr>
+            <p:spPr>
+              <a:xfrm rot="16200000">
+                <a:off x="6732462" y="1503087"/>
+                <a:ext cx="42749" cy="42749"/>
+              </a:xfrm>
+              <a:prstGeom prst="ellipse">
+                <a:avLst/>
+              </a:prstGeom>
+              <a:solidFill>
+                <a:schemeClr val="tx1">
+                  <a:lumMod val="75000"/>
+                  <a:lumOff val="25000"/>
+                </a:schemeClr>
+              </a:solidFill>
+              <a:ln w="44450">
+                <a:solidFill>
+                  <a:schemeClr val="tx1">
+                    <a:lumMod val="75000"/>
+                    <a:lumOff val="25000"/>
+                  </a:schemeClr>
+                </a:solidFill>
+              </a:ln>
+            </p:spPr>
+            <p:style>
+              <a:lnRef idx="2">
+                <a:schemeClr val="accent1">
+                  <a:shade val="50000"/>
+                </a:schemeClr>
+              </a:lnRef>
+              <a:fillRef idx="1">
+                <a:schemeClr val="accent1"/>
+              </a:fillRef>
+              <a:effectRef idx="0">
+                <a:schemeClr val="accent1"/>
+              </a:effectRef>
+              <a:fontRef idx="minor">
+                <a:schemeClr val="lt1"/>
+              </a:fontRef>
+            </p:style>
+            <p:txBody>
+              <a:bodyPr rtlCol="0" anchor="ctr"/>
+              <a:lstStyle/>
+              <a:p>
+                <a:pPr algn="ctr"/>
+                <a:endParaRPr lang="zh-CN" altLang="en-US" dirty="0"/>
+              </a:p>
+            </p:txBody>
+          </p:sp>
+          <p:sp>
+            <p:nvSpPr>
+              <p:cNvPr id="131" name="椭圆 130">
+                <a:extLst>
+                  <a:ext uri="{FF2B5EF4-FFF2-40B4-BE49-F238E27FC236}">
+                    <a16:creationId xmlns:a16="http://schemas.microsoft.com/office/drawing/2014/main" id="{39F6F938-E395-4854-90A8-A04BE31769E6}"/>
+                  </a:ext>
+                </a:extLst>
+              </p:cNvPr>
+              <p:cNvSpPr/>
+              <p:nvPr/>
+            </p:nvSpPr>
+            <p:spPr>
+              <a:xfrm rot="16200000">
+                <a:off x="6934338" y="1500118"/>
+                <a:ext cx="42749" cy="42749"/>
+              </a:xfrm>
+              <a:prstGeom prst="ellipse">
+                <a:avLst/>
+              </a:prstGeom>
+              <a:solidFill>
+                <a:schemeClr val="tx1">
+                  <a:lumMod val="75000"/>
+                  <a:lumOff val="25000"/>
+                </a:schemeClr>
+              </a:solidFill>
+              <a:ln w="44450">
+                <a:solidFill>
+                  <a:schemeClr val="tx1">
+                    <a:lumMod val="75000"/>
+                    <a:lumOff val="25000"/>
+                  </a:schemeClr>
+                </a:solidFill>
+              </a:ln>
+            </p:spPr>
+            <p:style>
+              <a:lnRef idx="2">
+                <a:schemeClr val="accent1">
+                  <a:shade val="50000"/>
+                </a:schemeClr>
+              </a:lnRef>
+              <a:fillRef idx="1">
+                <a:schemeClr val="accent1"/>
+              </a:fillRef>
+              <a:effectRef idx="0">
+                <a:schemeClr val="accent1"/>
+              </a:effectRef>
+              <a:fontRef idx="minor">
+                <a:schemeClr val="lt1"/>
+              </a:fontRef>
+            </p:style>
+            <p:txBody>
+              <a:bodyPr rtlCol="0" anchor="ctr"/>
+              <a:lstStyle/>
+              <a:p>
+                <a:pPr algn="ctr"/>
+                <a:endParaRPr lang="zh-CN" altLang="en-US" dirty="0"/>
+              </a:p>
+            </p:txBody>
+          </p:sp>
+          <p:sp>
+            <p:nvSpPr>
+              <p:cNvPr id="132" name="椭圆 131">
+                <a:extLst>
+                  <a:ext uri="{FF2B5EF4-FFF2-40B4-BE49-F238E27FC236}">
+                    <a16:creationId xmlns:a16="http://schemas.microsoft.com/office/drawing/2014/main" id="{2665D8FC-2CFE-4432-BF6B-33129EF328A9}"/>
+                  </a:ext>
+                </a:extLst>
+              </p:cNvPr>
+              <p:cNvSpPr/>
+              <p:nvPr/>
+            </p:nvSpPr>
+            <p:spPr>
+              <a:xfrm rot="16200000">
+                <a:off x="7136215" y="1500117"/>
+                <a:ext cx="42749" cy="42749"/>
+              </a:xfrm>
+              <a:prstGeom prst="ellipse">
+                <a:avLst/>
+              </a:prstGeom>
+              <a:solidFill>
+                <a:schemeClr val="tx1">
+                  <a:lumMod val="75000"/>
+                  <a:lumOff val="25000"/>
+                </a:schemeClr>
+              </a:solidFill>
+              <a:ln w="44450">
+                <a:solidFill>
+                  <a:schemeClr val="tx1">
+                    <a:lumMod val="75000"/>
+                    <a:lumOff val="25000"/>
+                  </a:schemeClr>
+                </a:solidFill>
+              </a:ln>
+            </p:spPr>
+            <p:style>
+              <a:lnRef idx="2">
+                <a:schemeClr val="accent1">
+                  <a:shade val="50000"/>
+                </a:schemeClr>
+              </a:lnRef>
+              <a:fillRef idx="1">
+                <a:schemeClr val="accent1"/>
+              </a:fillRef>
+              <a:effectRef idx="0">
+                <a:schemeClr val="accent1"/>
+              </a:effectRef>
+              <a:fontRef idx="minor">
+                <a:schemeClr val="lt1"/>
+              </a:fontRef>
+            </p:style>
+            <p:txBody>
+              <a:bodyPr rtlCol="0" anchor="ctr"/>
+              <a:lstStyle/>
+              <a:p>
+                <a:pPr algn="ctr"/>
+                <a:endParaRPr lang="zh-CN" altLang="en-US" dirty="0"/>
+              </a:p>
+            </p:txBody>
+          </p:sp>
+        </p:grpSp>
+      </p:grpSp>
+    </p:spTree>
+    <p:extLst>
+      <p:ext uri="{BB962C8B-B14F-4D97-AF65-F5344CB8AC3E}">
+        <p14:creationId xmlns:p14="http://schemas.microsoft.com/office/powerpoint/2010/main" val="2206133741"/>
+      </p:ext>
+    </p:extLst>
+  </p:cSld>
+  <p:clrMapOvr>
+    <a:masterClrMapping/>
+  </p:clrMapOvr>
+</p:sld>
+</file>
+
+<file path=ppt/slides/slide5.xml><?xml version="1.0" encoding="utf-8"?>
 <p:sld xmlns:a="http://schemas.openxmlformats.org/drawingml/2006/main" xmlns:r="http://schemas.openxmlformats.org/officeDocument/2006/relationships" xmlns:p="http://schemas.openxmlformats.org/presentationml/2006/main">
   <p:cSld>
     <p:spTree>
@@ -12597,7 +16490,7 @@
 </p:sld>
 </file>
 
-<file path=ppt/slides/slide5.xml><?xml version="1.0" encoding="utf-8"?>
+<file path=ppt/slides/slide6.xml><?xml version="1.0" encoding="utf-8"?>
 <p:sld xmlns:a="http://schemas.openxmlformats.org/drawingml/2006/main" xmlns:r="http://schemas.openxmlformats.org/officeDocument/2006/relationships" xmlns:p="http://schemas.openxmlformats.org/presentationml/2006/main">
   <p:cSld>
     <p:spTree>
@@ -14859,7 +18752,7 @@
 </p:sld>
 </file>
 
-<file path=ppt/slides/slide6.xml><?xml version="1.0" encoding="utf-8"?>
+<file path=ppt/slides/slide7.xml><?xml version="1.0" encoding="utf-8"?>
 <p:sld xmlns:a="http://schemas.openxmlformats.org/drawingml/2006/main" xmlns:r="http://schemas.openxmlformats.org/officeDocument/2006/relationships" xmlns:p="http://schemas.openxmlformats.org/presentationml/2006/main">
   <p:cSld>
     <p:spTree>

--- a/data-structure-and-algorithm/2.线性表/线性表示意图.pptx
+++ b/data-structure-and-algorithm/2.线性表/线性表示意图.pptx
@@ -9,9 +9,11 @@
     <p:sldId id="258" r:id="rId3"/>
     <p:sldId id="262" r:id="rId4"/>
     <p:sldId id="263" r:id="rId5"/>
-    <p:sldId id="259" r:id="rId6"/>
-    <p:sldId id="260" r:id="rId7"/>
-    <p:sldId id="261" r:id="rId8"/>
+    <p:sldId id="264" r:id="rId6"/>
+    <p:sldId id="265" r:id="rId7"/>
+    <p:sldId id="259" r:id="rId8"/>
+    <p:sldId id="260" r:id="rId9"/>
+    <p:sldId id="261" r:id="rId10"/>
   </p:sldIdLst>
   <p:sldSz cx="12192000" cy="6858000"/>
   <p:notesSz cx="6858000" cy="9144000"/>
@@ -265,7 +267,7 @@
           <a:p>
             <a:fld id="{32BCB312-0F9D-4850-93AD-23EE793B822D}" type="datetimeFigureOut">
               <a:rPr lang="zh-CN" altLang="en-US" smtClean="0"/>
-              <a:t>2022/8/21</a:t>
+              <a:t>2022/8/23</a:t>
             </a:fld>
             <a:endParaRPr lang="zh-CN" altLang="en-US"/>
           </a:p>
@@ -463,7 +465,7 @@
           <a:p>
             <a:fld id="{32BCB312-0F9D-4850-93AD-23EE793B822D}" type="datetimeFigureOut">
               <a:rPr lang="zh-CN" altLang="en-US" smtClean="0"/>
-              <a:t>2022/8/21</a:t>
+              <a:t>2022/8/23</a:t>
             </a:fld>
             <a:endParaRPr lang="zh-CN" altLang="en-US"/>
           </a:p>
@@ -671,7 +673,7 @@
           <a:p>
             <a:fld id="{32BCB312-0F9D-4850-93AD-23EE793B822D}" type="datetimeFigureOut">
               <a:rPr lang="zh-CN" altLang="en-US" smtClean="0"/>
-              <a:t>2022/8/21</a:t>
+              <a:t>2022/8/23</a:t>
             </a:fld>
             <a:endParaRPr lang="zh-CN" altLang="en-US"/>
           </a:p>
@@ -869,7 +871,7 @@
           <a:p>
             <a:fld id="{32BCB312-0F9D-4850-93AD-23EE793B822D}" type="datetimeFigureOut">
               <a:rPr lang="zh-CN" altLang="en-US" smtClean="0"/>
-              <a:t>2022/8/21</a:t>
+              <a:t>2022/8/23</a:t>
             </a:fld>
             <a:endParaRPr lang="zh-CN" altLang="en-US"/>
           </a:p>
@@ -1144,7 +1146,7 @@
           <a:p>
             <a:fld id="{32BCB312-0F9D-4850-93AD-23EE793B822D}" type="datetimeFigureOut">
               <a:rPr lang="zh-CN" altLang="en-US" smtClean="0"/>
-              <a:t>2022/8/21</a:t>
+              <a:t>2022/8/23</a:t>
             </a:fld>
             <a:endParaRPr lang="zh-CN" altLang="en-US"/>
           </a:p>
@@ -1409,7 +1411,7 @@
           <a:p>
             <a:fld id="{32BCB312-0F9D-4850-93AD-23EE793B822D}" type="datetimeFigureOut">
               <a:rPr lang="zh-CN" altLang="en-US" smtClean="0"/>
-              <a:t>2022/8/21</a:t>
+              <a:t>2022/8/23</a:t>
             </a:fld>
             <a:endParaRPr lang="zh-CN" altLang="en-US"/>
           </a:p>
@@ -1821,7 +1823,7 @@
           <a:p>
             <a:fld id="{32BCB312-0F9D-4850-93AD-23EE793B822D}" type="datetimeFigureOut">
               <a:rPr lang="zh-CN" altLang="en-US" smtClean="0"/>
-              <a:t>2022/8/21</a:t>
+              <a:t>2022/8/23</a:t>
             </a:fld>
             <a:endParaRPr lang="zh-CN" altLang="en-US"/>
           </a:p>
@@ -1962,7 +1964,7 @@
           <a:p>
             <a:fld id="{32BCB312-0F9D-4850-93AD-23EE793B822D}" type="datetimeFigureOut">
               <a:rPr lang="zh-CN" altLang="en-US" smtClean="0"/>
-              <a:t>2022/8/21</a:t>
+              <a:t>2022/8/23</a:t>
             </a:fld>
             <a:endParaRPr lang="zh-CN" altLang="en-US"/>
           </a:p>
@@ -2075,7 +2077,7 @@
           <a:p>
             <a:fld id="{32BCB312-0F9D-4850-93AD-23EE793B822D}" type="datetimeFigureOut">
               <a:rPr lang="zh-CN" altLang="en-US" smtClean="0"/>
-              <a:t>2022/8/21</a:t>
+              <a:t>2022/8/23</a:t>
             </a:fld>
             <a:endParaRPr lang="zh-CN" altLang="en-US"/>
           </a:p>
@@ -2386,7 +2388,7 @@
           <a:p>
             <a:fld id="{32BCB312-0F9D-4850-93AD-23EE793B822D}" type="datetimeFigureOut">
               <a:rPr lang="zh-CN" altLang="en-US" smtClean="0"/>
-              <a:t>2022/8/21</a:t>
+              <a:t>2022/8/23</a:t>
             </a:fld>
             <a:endParaRPr lang="zh-CN" altLang="en-US"/>
           </a:p>
@@ -2674,7 +2676,7 @@
           <a:p>
             <a:fld id="{32BCB312-0F9D-4850-93AD-23EE793B822D}" type="datetimeFigureOut">
               <a:rPr lang="zh-CN" altLang="en-US" smtClean="0"/>
-              <a:t>2022/8/21</a:t>
+              <a:t>2022/8/23</a:t>
             </a:fld>
             <a:endParaRPr lang="zh-CN" altLang="en-US"/>
           </a:p>
@@ -2915,7 +2917,7 @@
           <a:p>
             <a:fld id="{32BCB312-0F9D-4850-93AD-23EE793B822D}" type="datetimeFigureOut">
               <a:rPr lang="zh-CN" altLang="en-US" smtClean="0"/>
-              <a:t>2022/8/21</a:t>
+              <a:t>2022/8/23</a:t>
             </a:fld>
             <a:endParaRPr lang="zh-CN" altLang="en-US"/>
           </a:p>
@@ -15294,6 +15296,8570 @@
           <a:chExt cx="0" cy="0"/>
         </a:xfrm>
       </p:grpSpPr>
+      <p:sp>
+        <p:nvSpPr>
+          <p:cNvPr id="3" name="文本框 2">
+            <a:extLst>
+              <a:ext uri="{FF2B5EF4-FFF2-40B4-BE49-F238E27FC236}">
+                <a16:creationId xmlns:a16="http://schemas.microsoft.com/office/drawing/2014/main" id="{4EBE62DD-6397-43A3-A8E2-196C8BF1B297}"/>
+              </a:ext>
+            </a:extLst>
+          </p:cNvPr>
+          <p:cNvSpPr txBox="1"/>
+          <p:nvPr/>
+        </p:nvSpPr>
+        <p:spPr>
+          <a:xfrm>
+            <a:off x="381000" y="425450"/>
+            <a:ext cx="3346450" cy="369332"/>
+          </a:xfrm>
+          <a:prstGeom prst="rect">
+            <a:avLst/>
+          </a:prstGeom>
+          <a:noFill/>
+        </p:spPr>
+        <p:txBody>
+          <a:bodyPr wrap="square" rtlCol="0">
+            <a:spAutoFit/>
+          </a:bodyPr>
+          <a:lstStyle/>
+          <a:p>
+            <a:r>
+              <a:rPr lang="zh-CN" altLang="en-US" dirty="0"/>
+              <a:t>头插法和尾插法</a:t>
+            </a:r>
+          </a:p>
+        </p:txBody>
+      </p:sp>
+      <p:grpSp>
+        <p:nvGrpSpPr>
+          <p:cNvPr id="8" name="组合 7">
+            <a:extLst>
+              <a:ext uri="{FF2B5EF4-FFF2-40B4-BE49-F238E27FC236}">
+                <a16:creationId xmlns:a16="http://schemas.microsoft.com/office/drawing/2014/main" id="{2A683F79-3A09-4346-BF81-4F455C6AFEE3}"/>
+              </a:ext>
+            </a:extLst>
+          </p:cNvPr>
+          <p:cNvGrpSpPr/>
+          <p:nvPr/>
+        </p:nvGrpSpPr>
+        <p:grpSpPr>
+          <a:xfrm>
+            <a:off x="1073175" y="1172030"/>
+            <a:ext cx="10374395" cy="2569909"/>
+            <a:chOff x="791235" y="3183710"/>
+            <a:chExt cx="10374395" cy="2569909"/>
+          </a:xfrm>
+        </p:grpSpPr>
+        <p:grpSp>
+          <p:nvGrpSpPr>
+            <p:cNvPr id="66" name="组合 65">
+              <a:extLst>
+                <a:ext uri="{FF2B5EF4-FFF2-40B4-BE49-F238E27FC236}">
+                  <a16:creationId xmlns:a16="http://schemas.microsoft.com/office/drawing/2014/main" id="{DB28895B-ADC3-4454-9C21-E067AC36063A}"/>
+                </a:ext>
+              </a:extLst>
+            </p:cNvPr>
+            <p:cNvGrpSpPr/>
+            <p:nvPr/>
+          </p:nvGrpSpPr>
+          <p:grpSpPr>
+            <a:xfrm>
+              <a:off x="1825425" y="4769533"/>
+              <a:ext cx="1325947" cy="508656"/>
+              <a:chOff x="4345758" y="2611226"/>
+              <a:chExt cx="1769290" cy="678730"/>
+            </a:xfrm>
+          </p:grpSpPr>
+          <p:sp>
+            <p:nvSpPr>
+              <p:cNvPr id="76" name="矩形 75">
+                <a:extLst>
+                  <a:ext uri="{FF2B5EF4-FFF2-40B4-BE49-F238E27FC236}">
+                    <a16:creationId xmlns:a16="http://schemas.microsoft.com/office/drawing/2014/main" id="{89CA3949-1662-4614-A54B-200A5286BD1D}"/>
+                  </a:ext>
+                </a:extLst>
+              </p:cNvPr>
+              <p:cNvSpPr/>
+              <p:nvPr/>
+            </p:nvSpPr>
+            <p:spPr>
+              <a:xfrm>
+                <a:off x="4345758" y="2611226"/>
+                <a:ext cx="1150070" cy="678730"/>
+              </a:xfrm>
+              <a:prstGeom prst="rect">
+                <a:avLst/>
+              </a:prstGeom>
+              <a:solidFill>
+                <a:schemeClr val="accent1"/>
+              </a:solidFill>
+              <a:ln>
+                <a:solidFill>
+                  <a:schemeClr val="tx1">
+                    <a:lumMod val="65000"/>
+                    <a:lumOff val="35000"/>
+                  </a:schemeClr>
+                </a:solidFill>
+              </a:ln>
+            </p:spPr>
+            <p:style>
+              <a:lnRef idx="2">
+                <a:schemeClr val="accent1">
+                  <a:shade val="50000"/>
+                </a:schemeClr>
+              </a:lnRef>
+              <a:fillRef idx="1">
+                <a:schemeClr val="accent1"/>
+              </a:fillRef>
+              <a:effectRef idx="0">
+                <a:schemeClr val="accent1"/>
+              </a:effectRef>
+              <a:fontRef idx="minor">
+                <a:schemeClr val="lt1"/>
+              </a:fontRef>
+            </p:style>
+            <p:txBody>
+              <a:bodyPr rtlCol="0" anchor="ctr"/>
+              <a:lstStyle/>
+              <a:p>
+                <a:pPr algn="ctr"/>
+                <a:r>
+                  <a:rPr lang="en-US" altLang="zh-CN" dirty="0"/>
+                  <a:t>data</a:t>
+                </a:r>
+                <a:endParaRPr lang="zh-CN" altLang="en-US" dirty="0"/>
+              </a:p>
+            </p:txBody>
+          </p:sp>
+          <p:sp>
+            <p:nvSpPr>
+              <p:cNvPr id="77" name="矩形 76">
+                <a:extLst>
+                  <a:ext uri="{FF2B5EF4-FFF2-40B4-BE49-F238E27FC236}">
+                    <a16:creationId xmlns:a16="http://schemas.microsoft.com/office/drawing/2014/main" id="{AE07099C-6E04-4936-B020-9727146862F3}"/>
+                  </a:ext>
+                </a:extLst>
+              </p:cNvPr>
+              <p:cNvSpPr/>
+              <p:nvPr/>
+            </p:nvSpPr>
+            <p:spPr>
+              <a:xfrm>
+                <a:off x="5492585" y="2611226"/>
+                <a:ext cx="622463" cy="678730"/>
+              </a:xfrm>
+              <a:prstGeom prst="rect">
+                <a:avLst/>
+              </a:prstGeom>
+              <a:solidFill>
+                <a:schemeClr val="accent6"/>
+              </a:solidFill>
+              <a:ln>
+                <a:solidFill>
+                  <a:schemeClr val="tx1">
+                    <a:lumMod val="65000"/>
+                    <a:lumOff val="35000"/>
+                  </a:schemeClr>
+                </a:solidFill>
+              </a:ln>
+            </p:spPr>
+            <p:style>
+              <a:lnRef idx="2">
+                <a:schemeClr val="accent1">
+                  <a:shade val="50000"/>
+                </a:schemeClr>
+              </a:lnRef>
+              <a:fillRef idx="1">
+                <a:schemeClr val="accent1"/>
+              </a:fillRef>
+              <a:effectRef idx="0">
+                <a:schemeClr val="accent1"/>
+              </a:effectRef>
+              <a:fontRef idx="minor">
+                <a:schemeClr val="lt1"/>
+              </a:fontRef>
+            </p:style>
+            <p:txBody>
+              <a:bodyPr rtlCol="0" anchor="ctr"/>
+              <a:lstStyle/>
+              <a:p>
+                <a:pPr algn="ctr"/>
+                <a:endParaRPr lang="zh-CN" altLang="en-US" dirty="0"/>
+              </a:p>
+            </p:txBody>
+          </p:sp>
+        </p:grpSp>
+        <p:sp>
+          <p:nvSpPr>
+            <p:cNvPr id="70" name="文本框 69">
+              <a:extLst>
+                <a:ext uri="{FF2B5EF4-FFF2-40B4-BE49-F238E27FC236}">
+                  <a16:creationId xmlns:a16="http://schemas.microsoft.com/office/drawing/2014/main" id="{08DC242E-342A-4E2E-823E-2547C1312AFA}"/>
+                </a:ext>
+              </a:extLst>
+            </p:cNvPr>
+            <p:cNvSpPr txBox="1"/>
+            <p:nvPr/>
+          </p:nvSpPr>
+          <p:spPr>
+            <a:xfrm>
+              <a:off x="1992928" y="5415065"/>
+              <a:ext cx="955546" cy="338554"/>
+            </a:xfrm>
+            <a:prstGeom prst="rect">
+              <a:avLst/>
+            </a:prstGeom>
+            <a:noFill/>
+          </p:spPr>
+          <p:txBody>
+            <a:bodyPr wrap="square" rtlCol="0">
+              <a:spAutoFit/>
+            </a:bodyPr>
+            <a:lstStyle/>
+            <a:p>
+              <a:pPr algn="ctr"/>
+              <a:r>
+                <a:rPr lang="zh-CN" altLang="en-US" sz="1600" dirty="0">
+                  <a:latin typeface="Adobe 黑体 Std R" panose="020B0400000000000000" pitchFamily="34" charset="-122"/>
+                  <a:ea typeface="Adobe 黑体 Std R" panose="020B0400000000000000" pitchFamily="34" charset="-122"/>
+                </a:rPr>
+                <a:t>新节点</a:t>
+              </a:r>
+            </a:p>
+          </p:txBody>
+        </p:sp>
+        <p:cxnSp>
+          <p:nvCxnSpPr>
+            <p:cNvPr id="133" name="直接箭头连接符 132">
+              <a:extLst>
+                <a:ext uri="{FF2B5EF4-FFF2-40B4-BE49-F238E27FC236}">
+                  <a16:creationId xmlns:a16="http://schemas.microsoft.com/office/drawing/2014/main" id="{D5A9AD13-998F-4D33-B700-0487BBCFDE90}"/>
+                </a:ext>
+              </a:extLst>
+            </p:cNvPr>
+            <p:cNvCxnSpPr>
+              <a:cxnSpLocks/>
+            </p:cNvCxnSpPr>
+            <p:nvPr/>
+          </p:nvCxnSpPr>
+          <p:spPr>
+            <a:xfrm flipV="1">
+              <a:off x="2921302" y="4172381"/>
+              <a:ext cx="303488" cy="868627"/>
+            </a:xfrm>
+            <a:prstGeom prst="straightConnector1">
+              <a:avLst/>
+            </a:prstGeom>
+            <a:ln w="44450">
+              <a:solidFill>
+                <a:schemeClr val="tx1">
+                  <a:lumMod val="65000"/>
+                  <a:lumOff val="35000"/>
+                </a:schemeClr>
+              </a:solidFill>
+              <a:tailEnd type="triangle"/>
+            </a:ln>
+          </p:spPr>
+          <p:style>
+            <a:lnRef idx="1">
+              <a:schemeClr val="accent1"/>
+            </a:lnRef>
+            <a:fillRef idx="0">
+              <a:schemeClr val="accent1"/>
+            </a:fillRef>
+            <a:effectRef idx="0">
+              <a:schemeClr val="accent1"/>
+            </a:effectRef>
+            <a:fontRef idx="minor">
+              <a:schemeClr val="tx1"/>
+            </a:fontRef>
+          </p:style>
+        </p:cxnSp>
+        <p:sp>
+          <p:nvSpPr>
+            <p:cNvPr id="75" name="椭圆 74">
+              <a:extLst>
+                <a:ext uri="{FF2B5EF4-FFF2-40B4-BE49-F238E27FC236}">
+                  <a16:creationId xmlns:a16="http://schemas.microsoft.com/office/drawing/2014/main" id="{1F5C02B0-B941-4470-BB00-FDF27BBD545D}"/>
+                </a:ext>
+              </a:extLst>
+            </p:cNvPr>
+            <p:cNvSpPr/>
+            <p:nvPr/>
+          </p:nvSpPr>
+          <p:spPr>
+            <a:xfrm>
+              <a:off x="2899394" y="5023861"/>
+              <a:ext cx="45719" cy="45719"/>
+            </a:xfrm>
+            <a:prstGeom prst="ellipse">
+              <a:avLst/>
+            </a:prstGeom>
+            <a:solidFill>
+              <a:schemeClr val="tx1">
+                <a:lumMod val="75000"/>
+                <a:lumOff val="25000"/>
+              </a:schemeClr>
+            </a:solidFill>
+            <a:ln w="44450">
+              <a:solidFill>
+                <a:schemeClr val="tx1">
+                  <a:lumMod val="75000"/>
+                  <a:lumOff val="25000"/>
+                </a:schemeClr>
+              </a:solidFill>
+            </a:ln>
+          </p:spPr>
+          <p:style>
+            <a:lnRef idx="2">
+              <a:schemeClr val="accent1">
+                <a:shade val="50000"/>
+              </a:schemeClr>
+            </a:lnRef>
+            <a:fillRef idx="1">
+              <a:schemeClr val="accent1"/>
+            </a:fillRef>
+            <a:effectRef idx="0">
+              <a:schemeClr val="accent1"/>
+            </a:effectRef>
+            <a:fontRef idx="minor">
+              <a:schemeClr val="lt1"/>
+            </a:fontRef>
+          </p:style>
+          <p:txBody>
+            <a:bodyPr rtlCol="0" anchor="ctr"/>
+            <a:lstStyle/>
+            <a:p>
+              <a:pPr algn="ctr"/>
+              <a:endParaRPr lang="zh-CN" altLang="en-US" dirty="0"/>
+            </a:p>
+          </p:txBody>
+        </p:sp>
+        <p:grpSp>
+          <p:nvGrpSpPr>
+            <p:cNvPr id="92" name="组合 91">
+              <a:extLst>
+                <a:ext uri="{FF2B5EF4-FFF2-40B4-BE49-F238E27FC236}">
+                  <a16:creationId xmlns:a16="http://schemas.microsoft.com/office/drawing/2014/main" id="{6365F2CD-2DE5-4BEF-9A59-F00283DDC2CC}"/>
+                </a:ext>
+              </a:extLst>
+            </p:cNvPr>
+            <p:cNvGrpSpPr/>
+            <p:nvPr/>
+          </p:nvGrpSpPr>
+          <p:grpSpPr>
+            <a:xfrm>
+              <a:off x="2795433" y="3663725"/>
+              <a:ext cx="3301570" cy="508656"/>
+              <a:chOff x="4345758" y="2781300"/>
+              <a:chExt cx="3301570" cy="508656"/>
+            </a:xfrm>
+          </p:grpSpPr>
+          <p:grpSp>
+            <p:nvGrpSpPr>
+              <p:cNvPr id="117" name="组合 116">
+                <a:extLst>
+                  <a:ext uri="{FF2B5EF4-FFF2-40B4-BE49-F238E27FC236}">
+                    <a16:creationId xmlns:a16="http://schemas.microsoft.com/office/drawing/2014/main" id="{6FBB7168-CAC9-4541-9502-56C490D5AF0C}"/>
+                  </a:ext>
+                </a:extLst>
+              </p:cNvPr>
+              <p:cNvGrpSpPr/>
+              <p:nvPr/>
+            </p:nvGrpSpPr>
+            <p:grpSpPr>
+              <a:xfrm>
+                <a:off x="4345758" y="2781300"/>
+                <a:ext cx="1325947" cy="508656"/>
+                <a:chOff x="4345758" y="2611226"/>
+                <a:chExt cx="1769290" cy="678730"/>
+              </a:xfrm>
+            </p:grpSpPr>
+            <p:sp>
+              <p:nvSpPr>
+                <p:cNvPr id="124" name="矩形 123">
+                  <a:extLst>
+                    <a:ext uri="{FF2B5EF4-FFF2-40B4-BE49-F238E27FC236}">
+                      <a16:creationId xmlns:a16="http://schemas.microsoft.com/office/drawing/2014/main" id="{8DFB2B08-EB29-4718-8B4D-A5F3805C6095}"/>
+                    </a:ext>
+                  </a:extLst>
+                </p:cNvPr>
+                <p:cNvSpPr/>
+                <p:nvPr/>
+              </p:nvSpPr>
+              <p:spPr>
+                <a:xfrm>
+                  <a:off x="4345758" y="2611226"/>
+                  <a:ext cx="1150070" cy="678730"/>
+                </a:xfrm>
+                <a:prstGeom prst="rect">
+                  <a:avLst/>
+                </a:prstGeom>
+                <a:ln>
+                  <a:solidFill>
+                    <a:schemeClr val="tx1">
+                      <a:lumMod val="65000"/>
+                      <a:lumOff val="35000"/>
+                    </a:schemeClr>
+                  </a:solidFill>
+                </a:ln>
+              </p:spPr>
+              <p:style>
+                <a:lnRef idx="2">
+                  <a:schemeClr val="accent1">
+                    <a:shade val="50000"/>
+                  </a:schemeClr>
+                </a:lnRef>
+                <a:fillRef idx="1">
+                  <a:schemeClr val="accent1"/>
+                </a:fillRef>
+                <a:effectRef idx="0">
+                  <a:schemeClr val="accent1"/>
+                </a:effectRef>
+                <a:fontRef idx="minor">
+                  <a:schemeClr val="lt1"/>
+                </a:fontRef>
+              </p:style>
+              <p:txBody>
+                <a:bodyPr rtlCol="0" anchor="ctr"/>
+                <a:lstStyle/>
+                <a:p>
+                  <a:pPr algn="ctr"/>
+                  <a:r>
+                    <a:rPr lang="en-US" altLang="zh-CN" dirty="0"/>
+                    <a:t>data</a:t>
+                  </a:r>
+                  <a:endParaRPr lang="zh-CN" altLang="en-US" dirty="0"/>
+                </a:p>
+              </p:txBody>
+            </p:sp>
+            <p:sp>
+              <p:nvSpPr>
+                <p:cNvPr id="125" name="矩形 124">
+                  <a:extLst>
+                    <a:ext uri="{FF2B5EF4-FFF2-40B4-BE49-F238E27FC236}">
+                      <a16:creationId xmlns:a16="http://schemas.microsoft.com/office/drawing/2014/main" id="{98F5EEB8-A005-472D-87F9-C0F298F48BC9}"/>
+                    </a:ext>
+                  </a:extLst>
+                </p:cNvPr>
+                <p:cNvSpPr/>
+                <p:nvPr/>
+              </p:nvSpPr>
+              <p:spPr>
+                <a:xfrm>
+                  <a:off x="5492585" y="2611226"/>
+                  <a:ext cx="622463" cy="678730"/>
+                </a:xfrm>
+                <a:prstGeom prst="rect">
+                  <a:avLst/>
+                </a:prstGeom>
+                <a:solidFill>
+                  <a:schemeClr val="accent6"/>
+                </a:solidFill>
+                <a:ln>
+                  <a:solidFill>
+                    <a:schemeClr val="tx1">
+                      <a:lumMod val="65000"/>
+                      <a:lumOff val="35000"/>
+                    </a:schemeClr>
+                  </a:solidFill>
+                </a:ln>
+              </p:spPr>
+              <p:style>
+                <a:lnRef idx="2">
+                  <a:schemeClr val="accent1">
+                    <a:shade val="50000"/>
+                  </a:schemeClr>
+                </a:lnRef>
+                <a:fillRef idx="1">
+                  <a:schemeClr val="accent1"/>
+                </a:fillRef>
+                <a:effectRef idx="0">
+                  <a:schemeClr val="accent1"/>
+                </a:effectRef>
+                <a:fontRef idx="minor">
+                  <a:schemeClr val="lt1"/>
+                </a:fontRef>
+              </p:style>
+              <p:txBody>
+                <a:bodyPr rtlCol="0" anchor="ctr"/>
+                <a:lstStyle/>
+                <a:p>
+                  <a:pPr algn="ctr"/>
+                  <a:endParaRPr lang="zh-CN" altLang="en-US" dirty="0"/>
+                </a:p>
+              </p:txBody>
+            </p:sp>
+          </p:grpSp>
+          <p:grpSp>
+            <p:nvGrpSpPr>
+              <p:cNvPr id="118" name="组合 117">
+                <a:extLst>
+                  <a:ext uri="{FF2B5EF4-FFF2-40B4-BE49-F238E27FC236}">
+                    <a16:creationId xmlns:a16="http://schemas.microsoft.com/office/drawing/2014/main" id="{EFB13696-D803-427F-9E1E-0F42CE80B328}"/>
+                  </a:ext>
+                </a:extLst>
+              </p:cNvPr>
+              <p:cNvGrpSpPr/>
+              <p:nvPr/>
+            </p:nvGrpSpPr>
+            <p:grpSpPr>
+              <a:xfrm>
+                <a:off x="6321381" y="2781300"/>
+                <a:ext cx="1325947" cy="508656"/>
+                <a:chOff x="4345758" y="2611226"/>
+                <a:chExt cx="1769290" cy="678730"/>
+              </a:xfrm>
+            </p:grpSpPr>
+            <p:sp>
+              <p:nvSpPr>
+                <p:cNvPr id="122" name="矩形 121">
+                  <a:extLst>
+                    <a:ext uri="{FF2B5EF4-FFF2-40B4-BE49-F238E27FC236}">
+                      <a16:creationId xmlns:a16="http://schemas.microsoft.com/office/drawing/2014/main" id="{2062D935-EBB7-4F99-B435-B1A7390E85F2}"/>
+                    </a:ext>
+                  </a:extLst>
+                </p:cNvPr>
+                <p:cNvSpPr/>
+                <p:nvPr/>
+              </p:nvSpPr>
+              <p:spPr>
+                <a:xfrm>
+                  <a:off x="4345758" y="2611226"/>
+                  <a:ext cx="1150070" cy="678730"/>
+                </a:xfrm>
+                <a:prstGeom prst="rect">
+                  <a:avLst/>
+                </a:prstGeom>
+                <a:ln>
+                  <a:solidFill>
+                    <a:schemeClr val="tx1">
+                      <a:lumMod val="65000"/>
+                      <a:lumOff val="35000"/>
+                    </a:schemeClr>
+                  </a:solidFill>
+                </a:ln>
+              </p:spPr>
+              <p:style>
+                <a:lnRef idx="2">
+                  <a:schemeClr val="accent1">
+                    <a:shade val="50000"/>
+                  </a:schemeClr>
+                </a:lnRef>
+                <a:fillRef idx="1">
+                  <a:schemeClr val="accent1"/>
+                </a:fillRef>
+                <a:effectRef idx="0">
+                  <a:schemeClr val="accent1"/>
+                </a:effectRef>
+                <a:fontRef idx="minor">
+                  <a:schemeClr val="lt1"/>
+                </a:fontRef>
+              </p:style>
+              <p:txBody>
+                <a:bodyPr rtlCol="0" anchor="ctr"/>
+                <a:lstStyle/>
+                <a:p>
+                  <a:pPr algn="ctr"/>
+                  <a:r>
+                    <a:rPr lang="en-US" altLang="zh-CN" dirty="0"/>
+                    <a:t>data</a:t>
+                  </a:r>
+                  <a:endParaRPr lang="zh-CN" altLang="en-US" dirty="0"/>
+                </a:p>
+              </p:txBody>
+            </p:sp>
+            <p:sp>
+              <p:nvSpPr>
+                <p:cNvPr id="123" name="矩形 122">
+                  <a:extLst>
+                    <a:ext uri="{FF2B5EF4-FFF2-40B4-BE49-F238E27FC236}">
+                      <a16:creationId xmlns:a16="http://schemas.microsoft.com/office/drawing/2014/main" id="{54A97D51-B670-4B55-888C-657D660753B2}"/>
+                    </a:ext>
+                  </a:extLst>
+                </p:cNvPr>
+                <p:cNvSpPr/>
+                <p:nvPr/>
+              </p:nvSpPr>
+              <p:spPr>
+                <a:xfrm>
+                  <a:off x="5492585" y="2611226"/>
+                  <a:ext cx="622463" cy="678730"/>
+                </a:xfrm>
+                <a:prstGeom prst="rect">
+                  <a:avLst/>
+                </a:prstGeom>
+                <a:solidFill>
+                  <a:schemeClr val="accent6"/>
+                </a:solidFill>
+                <a:ln>
+                  <a:solidFill>
+                    <a:schemeClr val="tx1">
+                      <a:lumMod val="65000"/>
+                      <a:lumOff val="35000"/>
+                    </a:schemeClr>
+                  </a:solidFill>
+                </a:ln>
+              </p:spPr>
+              <p:style>
+                <a:lnRef idx="2">
+                  <a:schemeClr val="accent1">
+                    <a:shade val="50000"/>
+                  </a:schemeClr>
+                </a:lnRef>
+                <a:fillRef idx="1">
+                  <a:schemeClr val="accent1"/>
+                </a:fillRef>
+                <a:effectRef idx="0">
+                  <a:schemeClr val="accent1"/>
+                </a:effectRef>
+                <a:fontRef idx="minor">
+                  <a:schemeClr val="lt1"/>
+                </a:fontRef>
+              </p:style>
+              <p:txBody>
+                <a:bodyPr rtlCol="0" anchor="ctr"/>
+                <a:lstStyle/>
+                <a:p>
+                  <a:pPr algn="ctr"/>
+                  <a:endParaRPr lang="zh-CN" altLang="en-US" dirty="0"/>
+                </a:p>
+              </p:txBody>
+            </p:sp>
+          </p:grpSp>
+          <p:grpSp>
+            <p:nvGrpSpPr>
+              <p:cNvPr id="119" name="组合 118">
+                <a:extLst>
+                  <a:ext uri="{FF2B5EF4-FFF2-40B4-BE49-F238E27FC236}">
+                    <a16:creationId xmlns:a16="http://schemas.microsoft.com/office/drawing/2014/main" id="{67A1F382-090E-4155-99BC-FDB497041481}"/>
+                  </a:ext>
+                </a:extLst>
+              </p:cNvPr>
+              <p:cNvGrpSpPr/>
+              <p:nvPr/>
+            </p:nvGrpSpPr>
+            <p:grpSpPr>
+              <a:xfrm>
+                <a:off x="5419727" y="3028951"/>
+                <a:ext cx="901654" cy="45719"/>
+                <a:chOff x="5419727" y="3012284"/>
+                <a:chExt cx="901654" cy="45719"/>
+              </a:xfrm>
+            </p:grpSpPr>
+            <p:cxnSp>
+              <p:nvCxnSpPr>
+                <p:cNvPr id="120" name="直接箭头连接符 119">
+                  <a:extLst>
+                    <a:ext uri="{FF2B5EF4-FFF2-40B4-BE49-F238E27FC236}">
+                      <a16:creationId xmlns:a16="http://schemas.microsoft.com/office/drawing/2014/main" id="{8659A09F-15CC-4555-9466-E753B0E1F86E}"/>
+                    </a:ext>
+                  </a:extLst>
+                </p:cNvPr>
+                <p:cNvCxnSpPr>
+                  <a:cxnSpLocks/>
+                  <a:endCxn id="122" idx="1"/>
+                </p:cNvCxnSpPr>
+                <p:nvPr/>
+              </p:nvCxnSpPr>
+              <p:spPr>
+                <a:xfrm>
+                  <a:off x="5438461" y="3035628"/>
+                  <a:ext cx="882920" cy="0"/>
+                </a:xfrm>
+                <a:prstGeom prst="straightConnector1">
+                  <a:avLst/>
+                </a:prstGeom>
+                <a:ln w="44450">
+                  <a:solidFill>
+                    <a:schemeClr val="tx1">
+                      <a:lumMod val="65000"/>
+                      <a:lumOff val="35000"/>
+                    </a:schemeClr>
+                  </a:solidFill>
+                  <a:tailEnd type="triangle"/>
+                </a:ln>
+              </p:spPr>
+              <p:style>
+                <a:lnRef idx="1">
+                  <a:schemeClr val="accent1"/>
+                </a:lnRef>
+                <a:fillRef idx="0">
+                  <a:schemeClr val="accent1"/>
+                </a:fillRef>
+                <a:effectRef idx="0">
+                  <a:schemeClr val="accent1"/>
+                </a:effectRef>
+                <a:fontRef idx="minor">
+                  <a:schemeClr val="tx1"/>
+                </a:fontRef>
+              </p:style>
+            </p:cxnSp>
+            <p:sp>
+              <p:nvSpPr>
+                <p:cNvPr id="121" name="椭圆 120">
+                  <a:extLst>
+                    <a:ext uri="{FF2B5EF4-FFF2-40B4-BE49-F238E27FC236}">
+                      <a16:creationId xmlns:a16="http://schemas.microsoft.com/office/drawing/2014/main" id="{9750FE7C-8669-4C81-AC79-49ED52AA88C5}"/>
+                    </a:ext>
+                  </a:extLst>
+                </p:cNvPr>
+                <p:cNvSpPr/>
+                <p:nvPr/>
+              </p:nvSpPr>
+              <p:spPr>
+                <a:xfrm>
+                  <a:off x="5419727" y="3012284"/>
+                  <a:ext cx="45719" cy="45719"/>
+                </a:xfrm>
+                <a:prstGeom prst="ellipse">
+                  <a:avLst/>
+                </a:prstGeom>
+                <a:solidFill>
+                  <a:schemeClr val="tx1">
+                    <a:lumMod val="75000"/>
+                    <a:lumOff val="25000"/>
+                  </a:schemeClr>
+                </a:solidFill>
+                <a:ln w="44450">
+                  <a:solidFill>
+                    <a:schemeClr val="tx1">
+                      <a:lumMod val="75000"/>
+                      <a:lumOff val="25000"/>
+                    </a:schemeClr>
+                  </a:solidFill>
+                </a:ln>
+              </p:spPr>
+              <p:style>
+                <a:lnRef idx="2">
+                  <a:schemeClr val="accent1">
+                    <a:shade val="50000"/>
+                  </a:schemeClr>
+                </a:lnRef>
+                <a:fillRef idx="1">
+                  <a:schemeClr val="accent1"/>
+                </a:fillRef>
+                <a:effectRef idx="0">
+                  <a:schemeClr val="accent1"/>
+                </a:effectRef>
+                <a:fontRef idx="minor">
+                  <a:schemeClr val="lt1"/>
+                </a:fontRef>
+              </p:style>
+              <p:txBody>
+                <a:bodyPr rtlCol="0" anchor="ctr"/>
+                <a:lstStyle/>
+                <a:p>
+                  <a:pPr algn="ctr"/>
+                  <a:endParaRPr lang="zh-CN" altLang="en-US"/>
+                </a:p>
+              </p:txBody>
+            </p:sp>
+          </p:grpSp>
+        </p:grpSp>
+        <p:grpSp>
+          <p:nvGrpSpPr>
+            <p:cNvPr id="93" name="组合 92">
+              <a:extLst>
+                <a:ext uri="{FF2B5EF4-FFF2-40B4-BE49-F238E27FC236}">
+                  <a16:creationId xmlns:a16="http://schemas.microsoft.com/office/drawing/2014/main" id="{0F079220-6BCD-4C60-850A-4486DC8AE261}"/>
+                </a:ext>
+              </a:extLst>
+            </p:cNvPr>
+            <p:cNvGrpSpPr/>
+            <p:nvPr/>
+          </p:nvGrpSpPr>
+          <p:grpSpPr>
+            <a:xfrm>
+              <a:off x="819810" y="3657048"/>
+              <a:ext cx="1325947" cy="508656"/>
+              <a:chOff x="4345758" y="2611226"/>
+              <a:chExt cx="1769290" cy="678730"/>
+            </a:xfrm>
+          </p:grpSpPr>
+          <p:sp>
+            <p:nvSpPr>
+              <p:cNvPr id="115" name="矩形 114">
+                <a:extLst>
+                  <a:ext uri="{FF2B5EF4-FFF2-40B4-BE49-F238E27FC236}">
+                    <a16:creationId xmlns:a16="http://schemas.microsoft.com/office/drawing/2014/main" id="{D5FB4251-2DB3-48AE-88FE-4C6FB9FFD523}"/>
+                  </a:ext>
+                </a:extLst>
+              </p:cNvPr>
+              <p:cNvSpPr/>
+              <p:nvPr/>
+            </p:nvSpPr>
+            <p:spPr>
+              <a:xfrm>
+                <a:off x="4345758" y="2611226"/>
+                <a:ext cx="1150070" cy="678730"/>
+              </a:xfrm>
+              <a:prstGeom prst="rect">
+                <a:avLst/>
+              </a:prstGeom>
+              <a:solidFill>
+                <a:schemeClr val="accent1"/>
+              </a:solidFill>
+              <a:ln>
+                <a:solidFill>
+                  <a:schemeClr val="tx1">
+                    <a:lumMod val="65000"/>
+                    <a:lumOff val="35000"/>
+                  </a:schemeClr>
+                </a:solidFill>
+              </a:ln>
+            </p:spPr>
+            <p:style>
+              <a:lnRef idx="2">
+                <a:schemeClr val="accent1">
+                  <a:shade val="50000"/>
+                </a:schemeClr>
+              </a:lnRef>
+              <a:fillRef idx="1">
+                <a:schemeClr val="accent1"/>
+              </a:fillRef>
+              <a:effectRef idx="0">
+                <a:schemeClr val="accent1"/>
+              </a:effectRef>
+              <a:fontRef idx="minor">
+                <a:schemeClr val="lt1"/>
+              </a:fontRef>
+            </p:style>
+            <p:txBody>
+              <a:bodyPr rtlCol="0" anchor="ctr"/>
+              <a:lstStyle/>
+              <a:p>
+                <a:pPr algn="ctr"/>
+                <a:r>
+                  <a:rPr lang="en-US" altLang="zh-CN" dirty="0"/>
+                  <a:t>size</a:t>
+                </a:r>
+                <a:endParaRPr lang="zh-CN" altLang="en-US" dirty="0"/>
+              </a:p>
+            </p:txBody>
+          </p:sp>
+          <p:sp>
+            <p:nvSpPr>
+              <p:cNvPr id="116" name="矩形 115">
+                <a:extLst>
+                  <a:ext uri="{FF2B5EF4-FFF2-40B4-BE49-F238E27FC236}">
+                    <a16:creationId xmlns:a16="http://schemas.microsoft.com/office/drawing/2014/main" id="{4BF3A49F-5350-42A2-A5D7-0022BCECCC84}"/>
+                  </a:ext>
+                </a:extLst>
+              </p:cNvPr>
+              <p:cNvSpPr/>
+              <p:nvPr/>
+            </p:nvSpPr>
+            <p:spPr>
+              <a:xfrm>
+                <a:off x="5492585" y="2611226"/>
+                <a:ext cx="622463" cy="678730"/>
+              </a:xfrm>
+              <a:prstGeom prst="rect">
+                <a:avLst/>
+              </a:prstGeom>
+              <a:solidFill>
+                <a:schemeClr val="accent6"/>
+              </a:solidFill>
+              <a:ln>
+                <a:solidFill>
+                  <a:schemeClr val="tx1">
+                    <a:lumMod val="65000"/>
+                    <a:lumOff val="35000"/>
+                  </a:schemeClr>
+                </a:solidFill>
+              </a:ln>
+            </p:spPr>
+            <p:style>
+              <a:lnRef idx="2">
+                <a:schemeClr val="accent1">
+                  <a:shade val="50000"/>
+                </a:schemeClr>
+              </a:lnRef>
+              <a:fillRef idx="1">
+                <a:schemeClr val="accent1"/>
+              </a:fillRef>
+              <a:effectRef idx="0">
+                <a:schemeClr val="accent1"/>
+              </a:effectRef>
+              <a:fontRef idx="minor">
+                <a:schemeClr val="lt1"/>
+              </a:fontRef>
+            </p:style>
+            <p:txBody>
+              <a:bodyPr rtlCol="0" anchor="ctr"/>
+              <a:lstStyle/>
+              <a:p>
+                <a:pPr algn="ctr"/>
+                <a:endParaRPr lang="zh-CN" altLang="en-US" dirty="0"/>
+              </a:p>
+            </p:txBody>
+          </p:sp>
+        </p:grpSp>
+        <p:cxnSp>
+          <p:nvCxnSpPr>
+            <p:cNvPr id="91" name="直接箭头连接符 90">
+              <a:extLst>
+                <a:ext uri="{FF2B5EF4-FFF2-40B4-BE49-F238E27FC236}">
+                  <a16:creationId xmlns:a16="http://schemas.microsoft.com/office/drawing/2014/main" id="{E0F82F7E-9401-476C-A641-3525E0003448}"/>
+                </a:ext>
+              </a:extLst>
+            </p:cNvPr>
+            <p:cNvCxnSpPr>
+              <a:cxnSpLocks/>
+            </p:cNvCxnSpPr>
+            <p:nvPr/>
+          </p:nvCxnSpPr>
+          <p:spPr>
+            <a:xfrm rot="4200000">
+              <a:off x="1626002" y="4349105"/>
+              <a:ext cx="882920" cy="0"/>
+            </a:xfrm>
+            <a:prstGeom prst="straightConnector1">
+              <a:avLst/>
+            </a:prstGeom>
+            <a:ln w="44450">
+              <a:solidFill>
+                <a:schemeClr val="tx1">
+                  <a:lumMod val="65000"/>
+                  <a:lumOff val="35000"/>
+                </a:schemeClr>
+              </a:solidFill>
+              <a:tailEnd type="triangle"/>
+            </a:ln>
+          </p:spPr>
+          <p:style>
+            <a:lnRef idx="1">
+              <a:schemeClr val="accent1"/>
+            </a:lnRef>
+            <a:fillRef idx="0">
+              <a:schemeClr val="accent1"/>
+            </a:fillRef>
+            <a:effectRef idx="0">
+              <a:schemeClr val="accent1"/>
+            </a:effectRef>
+            <a:fontRef idx="minor">
+              <a:schemeClr val="tx1"/>
+            </a:fontRef>
+          </p:style>
+        </p:cxnSp>
+        <p:grpSp>
+          <p:nvGrpSpPr>
+            <p:cNvPr id="94" name="组合 93">
+              <a:extLst>
+                <a:ext uri="{FF2B5EF4-FFF2-40B4-BE49-F238E27FC236}">
+                  <a16:creationId xmlns:a16="http://schemas.microsoft.com/office/drawing/2014/main" id="{6212A3EA-BCD4-4043-9EE9-1860E1A00F2E}"/>
+                </a:ext>
+              </a:extLst>
+            </p:cNvPr>
+            <p:cNvGrpSpPr/>
+            <p:nvPr/>
+          </p:nvGrpSpPr>
+          <p:grpSpPr>
+            <a:xfrm>
+              <a:off x="1893779" y="3911376"/>
+              <a:ext cx="901654" cy="45719"/>
+              <a:chOff x="5477657" y="3028951"/>
+              <a:chExt cx="901654" cy="45719"/>
+            </a:xfrm>
+          </p:grpSpPr>
+          <p:cxnSp>
+            <p:nvCxnSpPr>
+              <p:cNvPr id="113" name="直接箭头连接符 112">
+                <a:extLst>
+                  <a:ext uri="{FF2B5EF4-FFF2-40B4-BE49-F238E27FC236}">
+                    <a16:creationId xmlns:a16="http://schemas.microsoft.com/office/drawing/2014/main" id="{8CABF15E-F641-4064-918A-E8C0816C7698}"/>
+                  </a:ext>
+                </a:extLst>
+              </p:cNvPr>
+              <p:cNvCxnSpPr>
+                <a:cxnSpLocks/>
+              </p:cNvCxnSpPr>
+              <p:nvPr/>
+            </p:nvCxnSpPr>
+            <p:spPr>
+              <a:xfrm>
+                <a:off x="5496391" y="3052295"/>
+                <a:ext cx="882920" cy="0"/>
+              </a:xfrm>
+              <a:prstGeom prst="straightConnector1">
+                <a:avLst/>
+              </a:prstGeom>
+              <a:ln w="44450">
+                <a:solidFill>
+                  <a:schemeClr val="bg1">
+                    <a:lumMod val="65000"/>
+                  </a:schemeClr>
+                </a:solidFill>
+                <a:tailEnd type="triangle"/>
+              </a:ln>
+            </p:spPr>
+            <p:style>
+              <a:lnRef idx="1">
+                <a:schemeClr val="accent1"/>
+              </a:lnRef>
+              <a:fillRef idx="0">
+                <a:schemeClr val="accent1"/>
+              </a:fillRef>
+              <a:effectRef idx="0">
+                <a:schemeClr val="accent1"/>
+              </a:effectRef>
+              <a:fontRef idx="minor">
+                <a:schemeClr val="tx1"/>
+              </a:fontRef>
+            </p:style>
+          </p:cxnSp>
+          <p:sp>
+            <p:nvSpPr>
+              <p:cNvPr id="114" name="椭圆 113">
+                <a:extLst>
+                  <a:ext uri="{FF2B5EF4-FFF2-40B4-BE49-F238E27FC236}">
+                    <a16:creationId xmlns:a16="http://schemas.microsoft.com/office/drawing/2014/main" id="{960DE7A5-FA9D-44BF-9535-FD91A2F68541}"/>
+                  </a:ext>
+                </a:extLst>
+              </p:cNvPr>
+              <p:cNvSpPr/>
+              <p:nvPr/>
+            </p:nvSpPr>
+            <p:spPr>
+              <a:xfrm>
+                <a:off x="5477657" y="3028951"/>
+                <a:ext cx="45719" cy="45719"/>
+              </a:xfrm>
+              <a:prstGeom prst="ellipse">
+                <a:avLst/>
+              </a:prstGeom>
+              <a:solidFill>
+                <a:schemeClr val="tx1">
+                  <a:lumMod val="75000"/>
+                  <a:lumOff val="25000"/>
+                </a:schemeClr>
+              </a:solidFill>
+              <a:ln w="44450">
+                <a:solidFill>
+                  <a:schemeClr val="tx1">
+                    <a:lumMod val="75000"/>
+                    <a:lumOff val="25000"/>
+                  </a:schemeClr>
+                </a:solidFill>
+              </a:ln>
+            </p:spPr>
+            <p:style>
+              <a:lnRef idx="2">
+                <a:schemeClr val="accent1">
+                  <a:shade val="50000"/>
+                </a:schemeClr>
+              </a:lnRef>
+              <a:fillRef idx="1">
+                <a:schemeClr val="accent1"/>
+              </a:fillRef>
+              <a:effectRef idx="0">
+                <a:schemeClr val="accent1"/>
+              </a:effectRef>
+              <a:fontRef idx="minor">
+                <a:schemeClr val="lt1"/>
+              </a:fontRef>
+            </p:style>
+            <p:txBody>
+              <a:bodyPr rtlCol="0" anchor="ctr"/>
+              <a:lstStyle/>
+              <a:p>
+                <a:pPr algn="ctr"/>
+                <a:endParaRPr lang="zh-CN" altLang="en-US" dirty="0"/>
+              </a:p>
+            </p:txBody>
+          </p:sp>
+        </p:grpSp>
+        <p:grpSp>
+          <p:nvGrpSpPr>
+            <p:cNvPr id="95" name="组合 94">
+              <a:extLst>
+                <a:ext uri="{FF2B5EF4-FFF2-40B4-BE49-F238E27FC236}">
+                  <a16:creationId xmlns:a16="http://schemas.microsoft.com/office/drawing/2014/main" id="{37513442-A77A-42F3-A92D-2F99199D2B71}"/>
+                </a:ext>
+              </a:extLst>
+            </p:cNvPr>
+            <p:cNvGrpSpPr/>
+            <p:nvPr/>
+          </p:nvGrpSpPr>
+          <p:grpSpPr>
+            <a:xfrm>
+              <a:off x="1239042" y="4172381"/>
+              <a:ext cx="45719" cy="564820"/>
+              <a:chOff x="4724847" y="3289956"/>
+              <a:chExt cx="45719" cy="564820"/>
+            </a:xfrm>
+          </p:grpSpPr>
+          <p:cxnSp>
+            <p:nvCxnSpPr>
+              <p:cNvPr id="111" name="直接箭头连接符 110">
+                <a:extLst>
+                  <a:ext uri="{FF2B5EF4-FFF2-40B4-BE49-F238E27FC236}">
+                    <a16:creationId xmlns:a16="http://schemas.microsoft.com/office/drawing/2014/main" id="{8858D6F2-0556-4F79-B06A-CD0700267F67}"/>
+                  </a:ext>
+                </a:extLst>
+              </p:cNvPr>
+              <p:cNvCxnSpPr>
+                <a:cxnSpLocks/>
+              </p:cNvCxnSpPr>
+              <p:nvPr/>
+            </p:nvCxnSpPr>
+            <p:spPr>
+              <a:xfrm flipV="1">
+                <a:off x="4747707" y="3289956"/>
+                <a:ext cx="0" cy="535284"/>
+              </a:xfrm>
+              <a:prstGeom prst="straightConnector1">
+                <a:avLst/>
+              </a:prstGeom>
+              <a:ln w="44450">
+                <a:solidFill>
+                  <a:schemeClr val="tx1">
+                    <a:lumMod val="65000"/>
+                    <a:lumOff val="35000"/>
+                  </a:schemeClr>
+                </a:solidFill>
+                <a:tailEnd type="triangle"/>
+              </a:ln>
+            </p:spPr>
+            <p:style>
+              <a:lnRef idx="1">
+                <a:schemeClr val="accent1"/>
+              </a:lnRef>
+              <a:fillRef idx="0">
+                <a:schemeClr val="accent1"/>
+              </a:fillRef>
+              <a:effectRef idx="0">
+                <a:schemeClr val="accent1"/>
+              </a:effectRef>
+              <a:fontRef idx="minor">
+                <a:schemeClr val="tx1"/>
+              </a:fontRef>
+            </p:style>
+          </p:cxnSp>
+          <p:sp>
+            <p:nvSpPr>
+              <p:cNvPr id="112" name="椭圆 111">
+                <a:extLst>
+                  <a:ext uri="{FF2B5EF4-FFF2-40B4-BE49-F238E27FC236}">
+                    <a16:creationId xmlns:a16="http://schemas.microsoft.com/office/drawing/2014/main" id="{76259B96-EE92-4117-A957-D3C963BCE3F0}"/>
+                  </a:ext>
+                </a:extLst>
+              </p:cNvPr>
+              <p:cNvSpPr/>
+              <p:nvPr/>
+            </p:nvSpPr>
+            <p:spPr>
+              <a:xfrm rot="16200000">
+                <a:off x="4724847" y="3809057"/>
+                <a:ext cx="45719" cy="45719"/>
+              </a:xfrm>
+              <a:prstGeom prst="ellipse">
+                <a:avLst/>
+              </a:prstGeom>
+              <a:solidFill>
+                <a:schemeClr val="tx1">
+                  <a:lumMod val="75000"/>
+                  <a:lumOff val="25000"/>
+                </a:schemeClr>
+              </a:solidFill>
+              <a:ln w="44450">
+                <a:solidFill>
+                  <a:schemeClr val="tx1">
+                    <a:lumMod val="75000"/>
+                    <a:lumOff val="25000"/>
+                  </a:schemeClr>
+                </a:solidFill>
+              </a:ln>
+            </p:spPr>
+            <p:style>
+              <a:lnRef idx="2">
+                <a:schemeClr val="accent1">
+                  <a:shade val="50000"/>
+                </a:schemeClr>
+              </a:lnRef>
+              <a:fillRef idx="1">
+                <a:schemeClr val="accent1"/>
+              </a:fillRef>
+              <a:effectRef idx="0">
+                <a:schemeClr val="accent1"/>
+              </a:effectRef>
+              <a:fontRef idx="minor">
+                <a:schemeClr val="lt1"/>
+              </a:fontRef>
+            </p:style>
+            <p:txBody>
+              <a:bodyPr rtlCol="0" anchor="ctr"/>
+              <a:lstStyle/>
+              <a:p>
+                <a:pPr algn="ctr"/>
+                <a:endParaRPr lang="zh-CN" altLang="en-US" dirty="0"/>
+              </a:p>
+            </p:txBody>
+          </p:sp>
+        </p:grpSp>
+        <p:sp>
+          <p:nvSpPr>
+            <p:cNvPr id="96" name="文本框 95">
+              <a:extLst>
+                <a:ext uri="{FF2B5EF4-FFF2-40B4-BE49-F238E27FC236}">
+                  <a16:creationId xmlns:a16="http://schemas.microsoft.com/office/drawing/2014/main" id="{CA34A488-7AB8-4351-AE74-8057E92DA1C5}"/>
+                </a:ext>
+              </a:extLst>
+            </p:cNvPr>
+            <p:cNvSpPr txBox="1"/>
+            <p:nvPr/>
+          </p:nvSpPr>
+          <p:spPr>
+            <a:xfrm>
+              <a:off x="791235" y="4825775"/>
+              <a:ext cx="955546" cy="338554"/>
+            </a:xfrm>
+            <a:prstGeom prst="rect">
+              <a:avLst/>
+            </a:prstGeom>
+            <a:noFill/>
+          </p:spPr>
+          <p:txBody>
+            <a:bodyPr wrap="square" rtlCol="0">
+              <a:spAutoFit/>
+            </a:bodyPr>
+            <a:lstStyle/>
+            <a:p>
+              <a:pPr algn="ctr"/>
+              <a:r>
+                <a:rPr lang="zh-CN" altLang="en-US" sz="1600" dirty="0">
+                  <a:latin typeface="Adobe 黑体 Std R" panose="020B0400000000000000" pitchFamily="34" charset="-122"/>
+                  <a:ea typeface="Adobe 黑体 Std R" panose="020B0400000000000000" pitchFamily="34" charset="-122"/>
+                </a:rPr>
+                <a:t>头指针</a:t>
+              </a:r>
+            </a:p>
+          </p:txBody>
+        </p:sp>
+        <p:sp>
+          <p:nvSpPr>
+            <p:cNvPr id="97" name="文本框 96">
+              <a:extLst>
+                <a:ext uri="{FF2B5EF4-FFF2-40B4-BE49-F238E27FC236}">
+                  <a16:creationId xmlns:a16="http://schemas.microsoft.com/office/drawing/2014/main" id="{5541DD86-7C8F-4016-A4FD-5FCCD2B2B1B2}"/>
+                </a:ext>
+              </a:extLst>
+            </p:cNvPr>
+            <p:cNvSpPr txBox="1"/>
+            <p:nvPr/>
+          </p:nvSpPr>
+          <p:spPr>
+            <a:xfrm>
+              <a:off x="987313" y="3191330"/>
+              <a:ext cx="955546" cy="338554"/>
+            </a:xfrm>
+            <a:prstGeom prst="rect">
+              <a:avLst/>
+            </a:prstGeom>
+            <a:noFill/>
+          </p:spPr>
+          <p:txBody>
+            <a:bodyPr wrap="square" rtlCol="0">
+              <a:spAutoFit/>
+            </a:bodyPr>
+            <a:lstStyle/>
+            <a:p>
+              <a:pPr algn="ctr"/>
+              <a:r>
+                <a:rPr lang="zh-CN" altLang="en-US" sz="1600" dirty="0">
+                  <a:latin typeface="Adobe 黑体 Std R" panose="020B0400000000000000" pitchFamily="34" charset="-122"/>
+                  <a:ea typeface="Adobe 黑体 Std R" panose="020B0400000000000000" pitchFamily="34" charset="-122"/>
+                </a:rPr>
+                <a:t>头节点</a:t>
+              </a:r>
+            </a:p>
+          </p:txBody>
+        </p:sp>
+        <p:sp>
+          <p:nvSpPr>
+            <p:cNvPr id="98" name="文本框 97">
+              <a:extLst>
+                <a:ext uri="{FF2B5EF4-FFF2-40B4-BE49-F238E27FC236}">
+                  <a16:creationId xmlns:a16="http://schemas.microsoft.com/office/drawing/2014/main" id="{F040D84A-CE56-4424-912D-04419EB97AB1}"/>
+                </a:ext>
+              </a:extLst>
+            </p:cNvPr>
+            <p:cNvSpPr txBox="1"/>
+            <p:nvPr/>
+          </p:nvSpPr>
+          <p:spPr>
+            <a:xfrm>
+              <a:off x="2854490" y="3201346"/>
+              <a:ext cx="1188790" cy="338554"/>
+            </a:xfrm>
+            <a:prstGeom prst="rect">
+              <a:avLst/>
+            </a:prstGeom>
+            <a:noFill/>
+          </p:spPr>
+          <p:txBody>
+            <a:bodyPr wrap="square" rtlCol="0">
+              <a:spAutoFit/>
+            </a:bodyPr>
+            <a:lstStyle/>
+            <a:p>
+              <a:pPr algn="ctr"/>
+              <a:r>
+                <a:rPr lang="zh-CN" altLang="en-US" sz="1600" dirty="0">
+                  <a:latin typeface="Adobe 黑体 Std R" panose="020B0400000000000000" pitchFamily="34" charset="-122"/>
+                  <a:ea typeface="Adobe 黑体 Std R" panose="020B0400000000000000" pitchFamily="34" charset="-122"/>
+                </a:rPr>
+                <a:t>首元节点</a:t>
+              </a:r>
+            </a:p>
+          </p:txBody>
+        </p:sp>
+        <p:grpSp>
+          <p:nvGrpSpPr>
+            <p:cNvPr id="99" name="组合 98">
+              <a:extLst>
+                <a:ext uri="{FF2B5EF4-FFF2-40B4-BE49-F238E27FC236}">
+                  <a16:creationId xmlns:a16="http://schemas.microsoft.com/office/drawing/2014/main" id="{EC9FF2F2-DFD2-42DE-8B6A-7DC955DF27BC}"/>
+                </a:ext>
+              </a:extLst>
+            </p:cNvPr>
+            <p:cNvGrpSpPr/>
+            <p:nvPr/>
+          </p:nvGrpSpPr>
+          <p:grpSpPr>
+            <a:xfrm>
+              <a:off x="8436051" y="3649428"/>
+              <a:ext cx="1325947" cy="508656"/>
+              <a:chOff x="6541467" y="4587240"/>
+              <a:chExt cx="1325947" cy="508656"/>
+            </a:xfrm>
+          </p:grpSpPr>
+          <p:sp>
+            <p:nvSpPr>
+              <p:cNvPr id="109" name="矩形 108">
+                <a:extLst>
+                  <a:ext uri="{FF2B5EF4-FFF2-40B4-BE49-F238E27FC236}">
+                    <a16:creationId xmlns:a16="http://schemas.microsoft.com/office/drawing/2014/main" id="{D3CC7A69-5F6B-45B0-90D0-26630745D1A3}"/>
+                  </a:ext>
+                </a:extLst>
+              </p:cNvPr>
+              <p:cNvSpPr/>
+              <p:nvPr/>
+            </p:nvSpPr>
+            <p:spPr>
+              <a:xfrm>
+                <a:off x="6541467" y="4587240"/>
+                <a:ext cx="861889" cy="508656"/>
+              </a:xfrm>
+              <a:prstGeom prst="rect">
+                <a:avLst/>
+              </a:prstGeom>
+              <a:ln>
+                <a:solidFill>
+                  <a:schemeClr val="tx1">
+                    <a:lumMod val="65000"/>
+                    <a:lumOff val="35000"/>
+                  </a:schemeClr>
+                </a:solidFill>
+              </a:ln>
+            </p:spPr>
+            <p:style>
+              <a:lnRef idx="2">
+                <a:schemeClr val="accent1">
+                  <a:shade val="50000"/>
+                </a:schemeClr>
+              </a:lnRef>
+              <a:fillRef idx="1">
+                <a:schemeClr val="accent1"/>
+              </a:fillRef>
+              <a:effectRef idx="0">
+                <a:schemeClr val="accent1"/>
+              </a:effectRef>
+              <a:fontRef idx="minor">
+                <a:schemeClr val="lt1"/>
+              </a:fontRef>
+            </p:style>
+            <p:txBody>
+              <a:bodyPr rtlCol="0" anchor="ctr"/>
+              <a:lstStyle/>
+              <a:p>
+                <a:pPr algn="ctr"/>
+                <a:r>
+                  <a:rPr lang="en-US" altLang="zh-CN" dirty="0"/>
+                  <a:t>data</a:t>
+                </a:r>
+                <a:endParaRPr lang="zh-CN" altLang="en-US" dirty="0"/>
+              </a:p>
+            </p:txBody>
+          </p:sp>
+          <p:sp>
+            <p:nvSpPr>
+              <p:cNvPr id="110" name="矩形 109">
+                <a:extLst>
+                  <a:ext uri="{FF2B5EF4-FFF2-40B4-BE49-F238E27FC236}">
+                    <a16:creationId xmlns:a16="http://schemas.microsoft.com/office/drawing/2014/main" id="{6FABFF8B-28D1-47FB-96FF-DF94E0993C2B}"/>
+                  </a:ext>
+                </a:extLst>
+              </p:cNvPr>
+              <p:cNvSpPr/>
+              <p:nvPr/>
+            </p:nvSpPr>
+            <p:spPr>
+              <a:xfrm>
+                <a:off x="7400926" y="4587240"/>
+                <a:ext cx="466488" cy="508656"/>
+              </a:xfrm>
+              <a:prstGeom prst="rect">
+                <a:avLst/>
+              </a:prstGeom>
+              <a:solidFill>
+                <a:schemeClr val="accent6"/>
+              </a:solidFill>
+              <a:ln>
+                <a:solidFill>
+                  <a:schemeClr val="tx1">
+                    <a:lumMod val="65000"/>
+                    <a:lumOff val="35000"/>
+                  </a:schemeClr>
+                </a:solidFill>
+              </a:ln>
+            </p:spPr>
+            <p:style>
+              <a:lnRef idx="2">
+                <a:schemeClr val="accent1">
+                  <a:shade val="50000"/>
+                </a:schemeClr>
+              </a:lnRef>
+              <a:fillRef idx="1">
+                <a:schemeClr val="accent1"/>
+              </a:fillRef>
+              <a:effectRef idx="0">
+                <a:schemeClr val="accent1"/>
+              </a:effectRef>
+              <a:fontRef idx="minor">
+                <a:schemeClr val="lt1"/>
+              </a:fontRef>
+            </p:style>
+            <p:txBody>
+              <a:bodyPr rtlCol="0" anchor="ctr"/>
+              <a:lstStyle/>
+              <a:p>
+                <a:pPr algn="ctr"/>
+                <a:endParaRPr lang="zh-CN" altLang="en-US" dirty="0"/>
+              </a:p>
+            </p:txBody>
+          </p:sp>
+        </p:grpSp>
+        <p:grpSp>
+          <p:nvGrpSpPr>
+            <p:cNvPr id="100" name="组合 99">
+              <a:extLst>
+                <a:ext uri="{FF2B5EF4-FFF2-40B4-BE49-F238E27FC236}">
+                  <a16:creationId xmlns:a16="http://schemas.microsoft.com/office/drawing/2014/main" id="{20D7E351-218A-4EC2-BC19-E8CDB86F5885}"/>
+                </a:ext>
+              </a:extLst>
+            </p:cNvPr>
+            <p:cNvGrpSpPr/>
+            <p:nvPr/>
+          </p:nvGrpSpPr>
+          <p:grpSpPr>
+            <a:xfrm>
+              <a:off x="5840241" y="3918053"/>
+              <a:ext cx="901654" cy="45719"/>
+              <a:chOff x="5119355" y="3952876"/>
+              <a:chExt cx="901654" cy="45719"/>
+            </a:xfrm>
+          </p:grpSpPr>
+          <p:cxnSp>
+            <p:nvCxnSpPr>
+              <p:cNvPr id="107" name="直接箭头连接符 106">
+                <a:extLst>
+                  <a:ext uri="{FF2B5EF4-FFF2-40B4-BE49-F238E27FC236}">
+                    <a16:creationId xmlns:a16="http://schemas.microsoft.com/office/drawing/2014/main" id="{529C5B80-3AF9-482C-A1D5-79CA8E3715F1}"/>
+                  </a:ext>
+                </a:extLst>
+              </p:cNvPr>
+              <p:cNvCxnSpPr>
+                <a:cxnSpLocks/>
+              </p:cNvCxnSpPr>
+              <p:nvPr/>
+            </p:nvCxnSpPr>
+            <p:spPr>
+              <a:xfrm>
+                <a:off x="5138089" y="3976220"/>
+                <a:ext cx="882920" cy="0"/>
+              </a:xfrm>
+              <a:prstGeom prst="straightConnector1">
+                <a:avLst/>
+              </a:prstGeom>
+              <a:ln w="44450">
+                <a:solidFill>
+                  <a:schemeClr val="tx1">
+                    <a:lumMod val="65000"/>
+                    <a:lumOff val="35000"/>
+                  </a:schemeClr>
+                </a:solidFill>
+                <a:tailEnd type="triangle"/>
+              </a:ln>
+            </p:spPr>
+            <p:style>
+              <a:lnRef idx="1">
+                <a:schemeClr val="accent1"/>
+              </a:lnRef>
+              <a:fillRef idx="0">
+                <a:schemeClr val="accent1"/>
+              </a:fillRef>
+              <a:effectRef idx="0">
+                <a:schemeClr val="accent1"/>
+              </a:effectRef>
+              <a:fontRef idx="minor">
+                <a:schemeClr val="tx1"/>
+              </a:fontRef>
+            </p:style>
+          </p:cxnSp>
+          <p:sp>
+            <p:nvSpPr>
+              <p:cNvPr id="108" name="椭圆 107">
+                <a:extLst>
+                  <a:ext uri="{FF2B5EF4-FFF2-40B4-BE49-F238E27FC236}">
+                    <a16:creationId xmlns:a16="http://schemas.microsoft.com/office/drawing/2014/main" id="{2A08CCBE-508E-43A1-9C8F-0C2ACCBFF3E4}"/>
+                  </a:ext>
+                </a:extLst>
+              </p:cNvPr>
+              <p:cNvSpPr/>
+              <p:nvPr/>
+            </p:nvSpPr>
+            <p:spPr>
+              <a:xfrm>
+                <a:off x="5119355" y="3952876"/>
+                <a:ext cx="45719" cy="45719"/>
+              </a:xfrm>
+              <a:prstGeom prst="ellipse">
+                <a:avLst/>
+              </a:prstGeom>
+              <a:solidFill>
+                <a:schemeClr val="tx1">
+                  <a:lumMod val="75000"/>
+                  <a:lumOff val="25000"/>
+                </a:schemeClr>
+              </a:solidFill>
+              <a:ln w="44450">
+                <a:solidFill>
+                  <a:schemeClr val="tx1">
+                    <a:lumMod val="75000"/>
+                    <a:lumOff val="25000"/>
+                  </a:schemeClr>
+                </a:solidFill>
+              </a:ln>
+            </p:spPr>
+            <p:style>
+              <a:lnRef idx="2">
+                <a:schemeClr val="accent1">
+                  <a:shade val="50000"/>
+                </a:schemeClr>
+              </a:lnRef>
+              <a:fillRef idx="1">
+                <a:schemeClr val="accent1"/>
+              </a:fillRef>
+              <a:effectRef idx="0">
+                <a:schemeClr val="accent1"/>
+              </a:effectRef>
+              <a:fontRef idx="minor">
+                <a:schemeClr val="lt1"/>
+              </a:fontRef>
+            </p:style>
+            <p:txBody>
+              <a:bodyPr rtlCol="0" anchor="ctr"/>
+              <a:lstStyle/>
+              <a:p>
+                <a:pPr algn="ctr"/>
+                <a:endParaRPr lang="zh-CN" altLang="en-US" dirty="0"/>
+              </a:p>
+            </p:txBody>
+          </p:sp>
+        </p:grpSp>
+        <p:sp>
+          <p:nvSpPr>
+            <p:cNvPr id="101" name="文本框 100">
+              <a:extLst>
+                <a:ext uri="{FF2B5EF4-FFF2-40B4-BE49-F238E27FC236}">
+                  <a16:creationId xmlns:a16="http://schemas.microsoft.com/office/drawing/2014/main" id="{5F07F9BB-58B6-4C12-9421-939BA112A9D6}"/>
+                </a:ext>
+              </a:extLst>
+            </p:cNvPr>
+            <p:cNvSpPr txBox="1"/>
+            <p:nvPr/>
+          </p:nvSpPr>
+          <p:spPr>
+            <a:xfrm>
+              <a:off x="4828207" y="3201346"/>
+              <a:ext cx="1188790" cy="338554"/>
+            </a:xfrm>
+            <a:prstGeom prst="rect">
+              <a:avLst/>
+            </a:prstGeom>
+            <a:noFill/>
+          </p:spPr>
+          <p:txBody>
+            <a:bodyPr wrap="square" rtlCol="0">
+              <a:spAutoFit/>
+            </a:bodyPr>
+            <a:lstStyle/>
+            <a:p>
+              <a:pPr algn="ctr"/>
+              <a:r>
+                <a:rPr lang="zh-CN" altLang="en-US" sz="1600" dirty="0">
+                  <a:latin typeface="Adobe 黑体 Std R" panose="020B0400000000000000" pitchFamily="34" charset="-122"/>
+                  <a:ea typeface="Adobe 黑体 Std R" panose="020B0400000000000000" pitchFamily="34" charset="-122"/>
+                </a:rPr>
+                <a:t>普通节点</a:t>
+              </a:r>
+            </a:p>
+          </p:txBody>
+        </p:sp>
+        <p:sp>
+          <p:nvSpPr>
+            <p:cNvPr id="102" name="文本框 101">
+              <a:extLst>
+                <a:ext uri="{FF2B5EF4-FFF2-40B4-BE49-F238E27FC236}">
+                  <a16:creationId xmlns:a16="http://schemas.microsoft.com/office/drawing/2014/main" id="{22B7E0AE-DEAC-45DD-BA20-1B4814ADEC84}"/>
+                </a:ext>
+              </a:extLst>
+            </p:cNvPr>
+            <p:cNvSpPr txBox="1"/>
+            <p:nvPr/>
+          </p:nvSpPr>
+          <p:spPr>
+            <a:xfrm>
+              <a:off x="8219025" y="3183710"/>
+              <a:ext cx="1773372" cy="338554"/>
+            </a:xfrm>
+            <a:prstGeom prst="rect">
+              <a:avLst/>
+            </a:prstGeom>
+            <a:noFill/>
+          </p:spPr>
+          <p:txBody>
+            <a:bodyPr wrap="square" rtlCol="0">
+              <a:spAutoFit/>
+            </a:bodyPr>
+            <a:lstStyle/>
+            <a:p>
+              <a:pPr algn="ctr"/>
+              <a:r>
+                <a:rPr lang="zh-CN" altLang="en-US" sz="1600" dirty="0">
+                  <a:latin typeface="Adobe 黑体 Std R" panose="020B0400000000000000" pitchFamily="34" charset="-122"/>
+                  <a:ea typeface="Adobe 黑体 Std R" panose="020B0400000000000000" pitchFamily="34" charset="-122"/>
+                </a:rPr>
+                <a:t>普通节点</a:t>
+              </a:r>
+              <a:r>
+                <a:rPr lang="en-US" altLang="zh-CN" sz="1600" dirty="0">
+                  <a:latin typeface="Adobe 黑体 Std R" panose="020B0400000000000000" pitchFamily="34" charset="-122"/>
+                  <a:ea typeface="Adobe 黑体 Std R" panose="020B0400000000000000" pitchFamily="34" charset="-122"/>
+                </a:rPr>
+                <a:t>(</a:t>
+              </a:r>
+              <a:r>
+                <a:rPr lang="zh-CN" altLang="en-US" sz="1600" dirty="0">
+                  <a:latin typeface="Adobe 黑体 Std R" panose="020B0400000000000000" pitchFamily="34" charset="-122"/>
+                  <a:ea typeface="Adobe 黑体 Std R" panose="020B0400000000000000" pitchFamily="34" charset="-122"/>
+                </a:rPr>
+                <a:t>尾节点</a:t>
+              </a:r>
+              <a:r>
+                <a:rPr lang="en-US" altLang="zh-CN" sz="1600" dirty="0">
+                  <a:latin typeface="Adobe 黑体 Std R" panose="020B0400000000000000" pitchFamily="34" charset="-122"/>
+                  <a:ea typeface="Adobe 黑体 Std R" panose="020B0400000000000000" pitchFamily="34" charset="-122"/>
+                </a:rPr>
+                <a:t>)</a:t>
+              </a:r>
+              <a:endParaRPr lang="zh-CN" altLang="en-US" sz="1600" dirty="0">
+                <a:latin typeface="Adobe 黑体 Std R" panose="020B0400000000000000" pitchFamily="34" charset="-122"/>
+                <a:ea typeface="Adobe 黑体 Std R" panose="020B0400000000000000" pitchFamily="34" charset="-122"/>
+              </a:endParaRPr>
+            </a:p>
+          </p:txBody>
+        </p:sp>
+        <p:grpSp>
+          <p:nvGrpSpPr>
+            <p:cNvPr id="103" name="组合 102">
+              <a:extLst>
+                <a:ext uri="{FF2B5EF4-FFF2-40B4-BE49-F238E27FC236}">
+                  <a16:creationId xmlns:a16="http://schemas.microsoft.com/office/drawing/2014/main" id="{E91D06CD-BB8A-43BE-BA29-14016E108954}"/>
+                </a:ext>
+              </a:extLst>
+            </p:cNvPr>
+            <p:cNvGrpSpPr/>
+            <p:nvPr/>
+          </p:nvGrpSpPr>
+          <p:grpSpPr>
+            <a:xfrm>
+              <a:off x="9505178" y="3903756"/>
+              <a:ext cx="901654" cy="45719"/>
+              <a:chOff x="5119355" y="3952876"/>
+              <a:chExt cx="901654" cy="45719"/>
+            </a:xfrm>
+          </p:grpSpPr>
+          <p:cxnSp>
+            <p:nvCxnSpPr>
+              <p:cNvPr id="105" name="直接箭头连接符 104">
+                <a:extLst>
+                  <a:ext uri="{FF2B5EF4-FFF2-40B4-BE49-F238E27FC236}">
+                    <a16:creationId xmlns:a16="http://schemas.microsoft.com/office/drawing/2014/main" id="{2C074976-6CEA-426E-9E4A-BF697A171CB9}"/>
+                  </a:ext>
+                </a:extLst>
+              </p:cNvPr>
+              <p:cNvCxnSpPr>
+                <a:cxnSpLocks/>
+              </p:cNvCxnSpPr>
+              <p:nvPr/>
+            </p:nvCxnSpPr>
+            <p:spPr>
+              <a:xfrm>
+                <a:off x="5138089" y="3976220"/>
+                <a:ext cx="882920" cy="0"/>
+              </a:xfrm>
+              <a:prstGeom prst="straightConnector1">
+                <a:avLst/>
+              </a:prstGeom>
+              <a:ln w="44450">
+                <a:solidFill>
+                  <a:schemeClr val="tx1">
+                    <a:lumMod val="65000"/>
+                    <a:lumOff val="35000"/>
+                  </a:schemeClr>
+                </a:solidFill>
+                <a:tailEnd type="triangle"/>
+              </a:ln>
+            </p:spPr>
+            <p:style>
+              <a:lnRef idx="1">
+                <a:schemeClr val="accent1"/>
+              </a:lnRef>
+              <a:fillRef idx="0">
+                <a:schemeClr val="accent1"/>
+              </a:fillRef>
+              <a:effectRef idx="0">
+                <a:schemeClr val="accent1"/>
+              </a:effectRef>
+              <a:fontRef idx="minor">
+                <a:schemeClr val="tx1"/>
+              </a:fontRef>
+            </p:style>
+          </p:cxnSp>
+          <p:sp>
+            <p:nvSpPr>
+              <p:cNvPr id="106" name="椭圆 105">
+                <a:extLst>
+                  <a:ext uri="{FF2B5EF4-FFF2-40B4-BE49-F238E27FC236}">
+                    <a16:creationId xmlns:a16="http://schemas.microsoft.com/office/drawing/2014/main" id="{CB20C658-82BC-4D58-8FDF-64831296CECA}"/>
+                  </a:ext>
+                </a:extLst>
+              </p:cNvPr>
+              <p:cNvSpPr/>
+              <p:nvPr/>
+            </p:nvSpPr>
+            <p:spPr>
+              <a:xfrm>
+                <a:off x="5119355" y="3952876"/>
+                <a:ext cx="45719" cy="45719"/>
+              </a:xfrm>
+              <a:prstGeom prst="ellipse">
+                <a:avLst/>
+              </a:prstGeom>
+              <a:solidFill>
+                <a:schemeClr val="tx1">
+                  <a:lumMod val="75000"/>
+                  <a:lumOff val="25000"/>
+                </a:schemeClr>
+              </a:solidFill>
+              <a:ln w="44450">
+                <a:solidFill>
+                  <a:schemeClr val="tx1">
+                    <a:lumMod val="75000"/>
+                    <a:lumOff val="25000"/>
+                  </a:schemeClr>
+                </a:solidFill>
+              </a:ln>
+            </p:spPr>
+            <p:style>
+              <a:lnRef idx="2">
+                <a:schemeClr val="accent1">
+                  <a:shade val="50000"/>
+                </a:schemeClr>
+              </a:lnRef>
+              <a:fillRef idx="1">
+                <a:schemeClr val="accent1"/>
+              </a:fillRef>
+              <a:effectRef idx="0">
+                <a:schemeClr val="accent1"/>
+              </a:effectRef>
+              <a:fontRef idx="minor">
+                <a:schemeClr val="lt1"/>
+              </a:fontRef>
+            </p:style>
+            <p:txBody>
+              <a:bodyPr rtlCol="0" anchor="ctr"/>
+              <a:lstStyle/>
+              <a:p>
+                <a:pPr algn="ctr"/>
+                <a:endParaRPr lang="zh-CN" altLang="en-US" dirty="0"/>
+              </a:p>
+            </p:txBody>
+          </p:sp>
+        </p:grpSp>
+        <p:sp>
+          <p:nvSpPr>
+            <p:cNvPr id="104" name="文本框 103">
+              <a:extLst>
+                <a:ext uri="{FF2B5EF4-FFF2-40B4-BE49-F238E27FC236}">
+                  <a16:creationId xmlns:a16="http://schemas.microsoft.com/office/drawing/2014/main" id="{FF9A4508-7071-4BBC-96DF-98BE50767E56}"/>
+                </a:ext>
+              </a:extLst>
+            </p:cNvPr>
+            <p:cNvSpPr txBox="1"/>
+            <p:nvPr/>
+          </p:nvSpPr>
+          <p:spPr>
+            <a:xfrm>
+              <a:off x="10210084" y="3759243"/>
+              <a:ext cx="955546" cy="338554"/>
+            </a:xfrm>
+            <a:prstGeom prst="rect">
+              <a:avLst/>
+            </a:prstGeom>
+            <a:noFill/>
+          </p:spPr>
+          <p:txBody>
+            <a:bodyPr wrap="square" rtlCol="0">
+              <a:spAutoFit/>
+            </a:bodyPr>
+            <a:lstStyle/>
+            <a:p>
+              <a:pPr algn="ctr"/>
+              <a:r>
+                <a:rPr lang="en-US" altLang="zh-CN" sz="1600" dirty="0">
+                  <a:latin typeface="Adobe 黑体 Std R" panose="020B0400000000000000" pitchFamily="34" charset="-122"/>
+                  <a:ea typeface="Adobe 黑体 Std R" panose="020B0400000000000000" pitchFamily="34" charset="-122"/>
+                </a:rPr>
+                <a:t>NULL</a:t>
+              </a:r>
+              <a:endParaRPr lang="zh-CN" altLang="en-US" sz="1600" dirty="0">
+                <a:latin typeface="Adobe 黑体 Std R" panose="020B0400000000000000" pitchFamily="34" charset="-122"/>
+                <a:ea typeface="Adobe 黑体 Std R" panose="020B0400000000000000" pitchFamily="34" charset="-122"/>
+              </a:endParaRPr>
+            </a:p>
+          </p:txBody>
+        </p:sp>
+        <p:grpSp>
+          <p:nvGrpSpPr>
+            <p:cNvPr id="126" name="组合 125">
+              <a:extLst>
+                <a:ext uri="{FF2B5EF4-FFF2-40B4-BE49-F238E27FC236}">
+                  <a16:creationId xmlns:a16="http://schemas.microsoft.com/office/drawing/2014/main" id="{E27EB13D-E872-4D62-8A85-5AECCBA61821}"/>
+                </a:ext>
+              </a:extLst>
+            </p:cNvPr>
+            <p:cNvGrpSpPr/>
+            <p:nvPr/>
+          </p:nvGrpSpPr>
+          <p:grpSpPr>
+            <a:xfrm>
+              <a:off x="7528967" y="3911533"/>
+              <a:ext cx="901654" cy="45719"/>
+              <a:chOff x="5119355" y="3952876"/>
+              <a:chExt cx="901654" cy="45719"/>
+            </a:xfrm>
+          </p:grpSpPr>
+          <p:cxnSp>
+            <p:nvCxnSpPr>
+              <p:cNvPr id="127" name="直接箭头连接符 126">
+                <a:extLst>
+                  <a:ext uri="{FF2B5EF4-FFF2-40B4-BE49-F238E27FC236}">
+                    <a16:creationId xmlns:a16="http://schemas.microsoft.com/office/drawing/2014/main" id="{18C7C5E2-9452-4AAF-A913-9CF3E0EB1F2A}"/>
+                  </a:ext>
+                </a:extLst>
+              </p:cNvPr>
+              <p:cNvCxnSpPr>
+                <a:cxnSpLocks/>
+              </p:cNvCxnSpPr>
+              <p:nvPr/>
+            </p:nvCxnSpPr>
+            <p:spPr>
+              <a:xfrm>
+                <a:off x="5138089" y="3976220"/>
+                <a:ext cx="882920" cy="0"/>
+              </a:xfrm>
+              <a:prstGeom prst="straightConnector1">
+                <a:avLst/>
+              </a:prstGeom>
+              <a:ln w="44450">
+                <a:solidFill>
+                  <a:schemeClr val="tx1">
+                    <a:lumMod val="65000"/>
+                    <a:lumOff val="35000"/>
+                  </a:schemeClr>
+                </a:solidFill>
+                <a:tailEnd type="triangle"/>
+              </a:ln>
+            </p:spPr>
+            <p:style>
+              <a:lnRef idx="1">
+                <a:schemeClr val="accent1"/>
+              </a:lnRef>
+              <a:fillRef idx="0">
+                <a:schemeClr val="accent1"/>
+              </a:fillRef>
+              <a:effectRef idx="0">
+                <a:schemeClr val="accent1"/>
+              </a:effectRef>
+              <a:fontRef idx="minor">
+                <a:schemeClr val="tx1"/>
+              </a:fontRef>
+            </p:style>
+          </p:cxnSp>
+          <p:sp>
+            <p:nvSpPr>
+              <p:cNvPr id="128" name="椭圆 127">
+                <a:extLst>
+                  <a:ext uri="{FF2B5EF4-FFF2-40B4-BE49-F238E27FC236}">
+                    <a16:creationId xmlns:a16="http://schemas.microsoft.com/office/drawing/2014/main" id="{D4E7CF10-A1D9-474D-B195-0FC29DC8DD95}"/>
+                  </a:ext>
+                </a:extLst>
+              </p:cNvPr>
+              <p:cNvSpPr/>
+              <p:nvPr/>
+            </p:nvSpPr>
+            <p:spPr>
+              <a:xfrm>
+                <a:off x="5119355" y="3952876"/>
+                <a:ext cx="45719" cy="45719"/>
+              </a:xfrm>
+              <a:prstGeom prst="ellipse">
+                <a:avLst/>
+              </a:prstGeom>
+              <a:solidFill>
+                <a:schemeClr val="tx1">
+                  <a:lumMod val="75000"/>
+                  <a:lumOff val="25000"/>
+                </a:schemeClr>
+              </a:solidFill>
+              <a:ln w="44450">
+                <a:solidFill>
+                  <a:schemeClr val="tx1">
+                    <a:lumMod val="75000"/>
+                    <a:lumOff val="25000"/>
+                  </a:schemeClr>
+                </a:solidFill>
+              </a:ln>
+            </p:spPr>
+            <p:style>
+              <a:lnRef idx="2">
+                <a:schemeClr val="accent1">
+                  <a:shade val="50000"/>
+                </a:schemeClr>
+              </a:lnRef>
+              <a:fillRef idx="1">
+                <a:schemeClr val="accent1"/>
+              </a:fillRef>
+              <a:effectRef idx="0">
+                <a:schemeClr val="accent1"/>
+              </a:effectRef>
+              <a:fontRef idx="minor">
+                <a:schemeClr val="lt1"/>
+              </a:fontRef>
+            </p:style>
+            <p:txBody>
+              <a:bodyPr rtlCol="0" anchor="ctr"/>
+              <a:lstStyle/>
+              <a:p>
+                <a:pPr algn="ctr"/>
+                <a:endParaRPr lang="zh-CN" altLang="en-US" dirty="0"/>
+              </a:p>
+            </p:txBody>
+          </p:sp>
+        </p:grpSp>
+        <p:grpSp>
+          <p:nvGrpSpPr>
+            <p:cNvPr id="129" name="组合 128">
+              <a:extLst>
+                <a:ext uri="{FF2B5EF4-FFF2-40B4-BE49-F238E27FC236}">
+                  <a16:creationId xmlns:a16="http://schemas.microsoft.com/office/drawing/2014/main" id="{DA88EA77-EA17-4678-A235-D48A9535786F}"/>
+                </a:ext>
+              </a:extLst>
+            </p:cNvPr>
+            <p:cNvGrpSpPr/>
+            <p:nvPr/>
+          </p:nvGrpSpPr>
+          <p:grpSpPr>
+            <a:xfrm>
+              <a:off x="6900102" y="3915657"/>
+              <a:ext cx="446502" cy="45719"/>
+              <a:chOff x="6732462" y="1500117"/>
+              <a:chExt cx="446502" cy="45719"/>
+            </a:xfrm>
+          </p:grpSpPr>
+          <p:sp>
+            <p:nvSpPr>
+              <p:cNvPr id="130" name="椭圆 129">
+                <a:extLst>
+                  <a:ext uri="{FF2B5EF4-FFF2-40B4-BE49-F238E27FC236}">
+                    <a16:creationId xmlns:a16="http://schemas.microsoft.com/office/drawing/2014/main" id="{B7FE72B8-9DD2-4173-8006-FBEE31407784}"/>
+                  </a:ext>
+                </a:extLst>
+              </p:cNvPr>
+              <p:cNvSpPr/>
+              <p:nvPr/>
+            </p:nvSpPr>
+            <p:spPr>
+              <a:xfrm rot="16200000">
+                <a:off x="6732462" y="1503087"/>
+                <a:ext cx="42749" cy="42749"/>
+              </a:xfrm>
+              <a:prstGeom prst="ellipse">
+                <a:avLst/>
+              </a:prstGeom>
+              <a:solidFill>
+                <a:schemeClr val="tx1">
+                  <a:lumMod val="75000"/>
+                  <a:lumOff val="25000"/>
+                </a:schemeClr>
+              </a:solidFill>
+              <a:ln w="44450">
+                <a:solidFill>
+                  <a:schemeClr val="tx1">
+                    <a:lumMod val="75000"/>
+                    <a:lumOff val="25000"/>
+                  </a:schemeClr>
+                </a:solidFill>
+              </a:ln>
+            </p:spPr>
+            <p:style>
+              <a:lnRef idx="2">
+                <a:schemeClr val="accent1">
+                  <a:shade val="50000"/>
+                </a:schemeClr>
+              </a:lnRef>
+              <a:fillRef idx="1">
+                <a:schemeClr val="accent1"/>
+              </a:fillRef>
+              <a:effectRef idx="0">
+                <a:schemeClr val="accent1"/>
+              </a:effectRef>
+              <a:fontRef idx="minor">
+                <a:schemeClr val="lt1"/>
+              </a:fontRef>
+            </p:style>
+            <p:txBody>
+              <a:bodyPr rtlCol="0" anchor="ctr"/>
+              <a:lstStyle/>
+              <a:p>
+                <a:pPr algn="ctr"/>
+                <a:endParaRPr lang="zh-CN" altLang="en-US" dirty="0"/>
+              </a:p>
+            </p:txBody>
+          </p:sp>
+          <p:sp>
+            <p:nvSpPr>
+              <p:cNvPr id="131" name="椭圆 130">
+                <a:extLst>
+                  <a:ext uri="{FF2B5EF4-FFF2-40B4-BE49-F238E27FC236}">
+                    <a16:creationId xmlns:a16="http://schemas.microsoft.com/office/drawing/2014/main" id="{39F6F938-E395-4854-90A8-A04BE31769E6}"/>
+                  </a:ext>
+                </a:extLst>
+              </p:cNvPr>
+              <p:cNvSpPr/>
+              <p:nvPr/>
+            </p:nvSpPr>
+            <p:spPr>
+              <a:xfrm rot="16200000">
+                <a:off x="6934338" y="1500118"/>
+                <a:ext cx="42749" cy="42749"/>
+              </a:xfrm>
+              <a:prstGeom prst="ellipse">
+                <a:avLst/>
+              </a:prstGeom>
+              <a:solidFill>
+                <a:schemeClr val="tx1">
+                  <a:lumMod val="75000"/>
+                  <a:lumOff val="25000"/>
+                </a:schemeClr>
+              </a:solidFill>
+              <a:ln w="44450">
+                <a:solidFill>
+                  <a:schemeClr val="tx1">
+                    <a:lumMod val="75000"/>
+                    <a:lumOff val="25000"/>
+                  </a:schemeClr>
+                </a:solidFill>
+              </a:ln>
+            </p:spPr>
+            <p:style>
+              <a:lnRef idx="2">
+                <a:schemeClr val="accent1">
+                  <a:shade val="50000"/>
+                </a:schemeClr>
+              </a:lnRef>
+              <a:fillRef idx="1">
+                <a:schemeClr val="accent1"/>
+              </a:fillRef>
+              <a:effectRef idx="0">
+                <a:schemeClr val="accent1"/>
+              </a:effectRef>
+              <a:fontRef idx="minor">
+                <a:schemeClr val="lt1"/>
+              </a:fontRef>
+            </p:style>
+            <p:txBody>
+              <a:bodyPr rtlCol="0" anchor="ctr"/>
+              <a:lstStyle/>
+              <a:p>
+                <a:pPr algn="ctr"/>
+                <a:endParaRPr lang="zh-CN" altLang="en-US" dirty="0"/>
+              </a:p>
+            </p:txBody>
+          </p:sp>
+          <p:sp>
+            <p:nvSpPr>
+              <p:cNvPr id="132" name="椭圆 131">
+                <a:extLst>
+                  <a:ext uri="{FF2B5EF4-FFF2-40B4-BE49-F238E27FC236}">
+                    <a16:creationId xmlns:a16="http://schemas.microsoft.com/office/drawing/2014/main" id="{2665D8FC-2CFE-4432-BF6B-33129EF328A9}"/>
+                  </a:ext>
+                </a:extLst>
+              </p:cNvPr>
+              <p:cNvSpPr/>
+              <p:nvPr/>
+            </p:nvSpPr>
+            <p:spPr>
+              <a:xfrm rot="16200000">
+                <a:off x="7136215" y="1500117"/>
+                <a:ext cx="42749" cy="42749"/>
+              </a:xfrm>
+              <a:prstGeom prst="ellipse">
+                <a:avLst/>
+              </a:prstGeom>
+              <a:solidFill>
+                <a:schemeClr val="tx1">
+                  <a:lumMod val="75000"/>
+                  <a:lumOff val="25000"/>
+                </a:schemeClr>
+              </a:solidFill>
+              <a:ln w="44450">
+                <a:solidFill>
+                  <a:schemeClr val="tx1">
+                    <a:lumMod val="75000"/>
+                    <a:lumOff val="25000"/>
+                  </a:schemeClr>
+                </a:solidFill>
+              </a:ln>
+            </p:spPr>
+            <p:style>
+              <a:lnRef idx="2">
+                <a:schemeClr val="accent1">
+                  <a:shade val="50000"/>
+                </a:schemeClr>
+              </a:lnRef>
+              <a:fillRef idx="1">
+                <a:schemeClr val="accent1"/>
+              </a:fillRef>
+              <a:effectRef idx="0">
+                <a:schemeClr val="accent1"/>
+              </a:effectRef>
+              <a:fontRef idx="minor">
+                <a:schemeClr val="lt1"/>
+              </a:fontRef>
+            </p:style>
+            <p:txBody>
+              <a:bodyPr rtlCol="0" anchor="ctr"/>
+              <a:lstStyle/>
+              <a:p>
+                <a:pPr algn="ctr"/>
+                <a:endParaRPr lang="zh-CN" altLang="en-US" dirty="0"/>
+              </a:p>
+            </p:txBody>
+          </p:sp>
+        </p:grpSp>
+        <p:grpSp>
+          <p:nvGrpSpPr>
+            <p:cNvPr id="7" name="组合 6">
+              <a:extLst>
+                <a:ext uri="{FF2B5EF4-FFF2-40B4-BE49-F238E27FC236}">
+                  <a16:creationId xmlns:a16="http://schemas.microsoft.com/office/drawing/2014/main" id="{9739D9BB-3A6D-42A0-BA49-72B471B0DD41}"/>
+                </a:ext>
+              </a:extLst>
+            </p:cNvPr>
+            <p:cNvGrpSpPr/>
+            <p:nvPr/>
+          </p:nvGrpSpPr>
+          <p:grpSpPr>
+            <a:xfrm>
+              <a:off x="2277522" y="3749717"/>
+              <a:ext cx="268399" cy="377412"/>
+              <a:chOff x="2272759" y="3754492"/>
+              <a:chExt cx="272797" cy="401211"/>
+            </a:xfrm>
+          </p:grpSpPr>
+          <p:cxnSp>
+            <p:nvCxnSpPr>
+              <p:cNvPr id="5" name="直接连接符 4">
+                <a:extLst>
+                  <a:ext uri="{FF2B5EF4-FFF2-40B4-BE49-F238E27FC236}">
+                    <a16:creationId xmlns:a16="http://schemas.microsoft.com/office/drawing/2014/main" id="{FA062F87-8B6B-4CDD-AD66-91EBD3FFEA60}"/>
+                  </a:ext>
+                </a:extLst>
+              </p:cNvPr>
+              <p:cNvCxnSpPr>
+                <a:cxnSpLocks/>
+              </p:cNvCxnSpPr>
+              <p:nvPr/>
+            </p:nvCxnSpPr>
+            <p:spPr>
+              <a:xfrm>
+                <a:off x="2273031" y="3756862"/>
+                <a:ext cx="272525" cy="398841"/>
+              </a:xfrm>
+              <a:prstGeom prst="line">
+                <a:avLst/>
+              </a:prstGeom>
+              <a:ln w="25400">
+                <a:solidFill>
+                  <a:srgbClr val="E83D20"/>
+                </a:solidFill>
+              </a:ln>
+            </p:spPr>
+            <p:style>
+              <a:lnRef idx="1">
+                <a:schemeClr val="accent1"/>
+              </a:lnRef>
+              <a:fillRef idx="0">
+                <a:schemeClr val="accent1"/>
+              </a:fillRef>
+              <a:effectRef idx="0">
+                <a:schemeClr val="accent1"/>
+              </a:effectRef>
+              <a:fontRef idx="minor">
+                <a:schemeClr val="tx1"/>
+              </a:fontRef>
+            </p:style>
+          </p:cxnSp>
+          <p:cxnSp>
+            <p:nvCxnSpPr>
+              <p:cNvPr id="135" name="直接连接符 134">
+                <a:extLst>
+                  <a:ext uri="{FF2B5EF4-FFF2-40B4-BE49-F238E27FC236}">
+                    <a16:creationId xmlns:a16="http://schemas.microsoft.com/office/drawing/2014/main" id="{471A273C-2BCE-442E-83EF-3B57C768D89C}"/>
+                  </a:ext>
+                </a:extLst>
+              </p:cNvPr>
+              <p:cNvCxnSpPr>
+                <a:cxnSpLocks/>
+              </p:cNvCxnSpPr>
+              <p:nvPr/>
+            </p:nvCxnSpPr>
+            <p:spPr>
+              <a:xfrm flipH="1">
+                <a:off x="2272759" y="3754492"/>
+                <a:ext cx="272525" cy="398841"/>
+              </a:xfrm>
+              <a:prstGeom prst="line">
+                <a:avLst/>
+              </a:prstGeom>
+              <a:ln w="25400">
+                <a:solidFill>
+                  <a:srgbClr val="E83D20"/>
+                </a:solidFill>
+              </a:ln>
+            </p:spPr>
+            <p:style>
+              <a:lnRef idx="1">
+                <a:schemeClr val="accent1"/>
+              </a:lnRef>
+              <a:fillRef idx="0">
+                <a:schemeClr val="accent1"/>
+              </a:fillRef>
+              <a:effectRef idx="0">
+                <a:schemeClr val="accent1"/>
+              </a:effectRef>
+              <a:fontRef idx="minor">
+                <a:schemeClr val="tx1"/>
+              </a:fontRef>
+            </p:style>
+          </p:cxnSp>
+        </p:grpSp>
+      </p:grpSp>
+      <p:grpSp>
+        <p:nvGrpSpPr>
+          <p:cNvPr id="14" name="组合 13">
+            <a:extLst>
+              <a:ext uri="{FF2B5EF4-FFF2-40B4-BE49-F238E27FC236}">
+                <a16:creationId xmlns:a16="http://schemas.microsoft.com/office/drawing/2014/main" id="{4C30DA29-8708-4E13-A1E3-F87833CD8A82}"/>
+              </a:ext>
+            </a:extLst>
+          </p:cNvPr>
+          <p:cNvGrpSpPr/>
+          <p:nvPr/>
+        </p:nvGrpSpPr>
+        <p:grpSpPr>
+          <a:xfrm>
+            <a:off x="908802" y="3763686"/>
+            <a:ext cx="10374395" cy="2570828"/>
+            <a:chOff x="908802" y="3763686"/>
+            <a:chExt cx="10374395" cy="2570828"/>
+          </a:xfrm>
+        </p:grpSpPr>
+        <p:grpSp>
+          <p:nvGrpSpPr>
+            <p:cNvPr id="13" name="组合 12">
+              <a:extLst>
+                <a:ext uri="{FF2B5EF4-FFF2-40B4-BE49-F238E27FC236}">
+                  <a16:creationId xmlns:a16="http://schemas.microsoft.com/office/drawing/2014/main" id="{FE99B9D3-3DB1-41D8-AE70-3CC4A96ACEE5}"/>
+                </a:ext>
+              </a:extLst>
+            </p:cNvPr>
+            <p:cNvGrpSpPr/>
+            <p:nvPr/>
+          </p:nvGrpSpPr>
+          <p:grpSpPr>
+            <a:xfrm>
+              <a:off x="908802" y="3763686"/>
+              <a:ext cx="10374395" cy="2570828"/>
+              <a:chOff x="908802" y="3763686"/>
+              <a:chExt cx="10374395" cy="2570828"/>
+            </a:xfrm>
+          </p:grpSpPr>
+          <p:grpSp>
+            <p:nvGrpSpPr>
+              <p:cNvPr id="141" name="组合 140">
+                <a:extLst>
+                  <a:ext uri="{FF2B5EF4-FFF2-40B4-BE49-F238E27FC236}">
+                    <a16:creationId xmlns:a16="http://schemas.microsoft.com/office/drawing/2014/main" id="{0880FCE5-6530-452D-8373-CD76FC07DB0F}"/>
+                  </a:ext>
+                </a:extLst>
+              </p:cNvPr>
+              <p:cNvGrpSpPr/>
+              <p:nvPr/>
+            </p:nvGrpSpPr>
+            <p:grpSpPr>
+              <a:xfrm>
+                <a:off x="2913000" y="4243701"/>
+                <a:ext cx="3301570" cy="508656"/>
+                <a:chOff x="4345758" y="2781300"/>
+                <a:chExt cx="3301570" cy="508656"/>
+              </a:xfrm>
+            </p:grpSpPr>
+            <p:grpSp>
+              <p:nvGrpSpPr>
+                <p:cNvPr id="177" name="组合 176">
+                  <a:extLst>
+                    <a:ext uri="{FF2B5EF4-FFF2-40B4-BE49-F238E27FC236}">
+                      <a16:creationId xmlns:a16="http://schemas.microsoft.com/office/drawing/2014/main" id="{F4BDAF35-003B-4061-975D-338EE101E1D5}"/>
+                    </a:ext>
+                  </a:extLst>
+                </p:cNvPr>
+                <p:cNvGrpSpPr/>
+                <p:nvPr/>
+              </p:nvGrpSpPr>
+              <p:grpSpPr>
+                <a:xfrm>
+                  <a:off x="4345758" y="2781300"/>
+                  <a:ext cx="1325947" cy="508656"/>
+                  <a:chOff x="4345758" y="2611226"/>
+                  <a:chExt cx="1769290" cy="678730"/>
+                </a:xfrm>
+              </p:grpSpPr>
+              <p:sp>
+                <p:nvSpPr>
+                  <p:cNvPr id="184" name="矩形 183">
+                    <a:extLst>
+                      <a:ext uri="{FF2B5EF4-FFF2-40B4-BE49-F238E27FC236}">
+                        <a16:creationId xmlns:a16="http://schemas.microsoft.com/office/drawing/2014/main" id="{2DFFA8E2-A8D6-474E-80D1-2214EFF9135E}"/>
+                      </a:ext>
+                    </a:extLst>
+                  </p:cNvPr>
+                  <p:cNvSpPr/>
+                  <p:nvPr/>
+                </p:nvSpPr>
+                <p:spPr>
+                  <a:xfrm>
+                    <a:off x="4345758" y="2611226"/>
+                    <a:ext cx="1150070" cy="678730"/>
+                  </a:xfrm>
+                  <a:prstGeom prst="rect">
+                    <a:avLst/>
+                  </a:prstGeom>
+                  <a:ln>
+                    <a:solidFill>
+                      <a:schemeClr val="tx1">
+                        <a:lumMod val="65000"/>
+                        <a:lumOff val="35000"/>
+                      </a:schemeClr>
+                    </a:solidFill>
+                  </a:ln>
+                </p:spPr>
+                <p:style>
+                  <a:lnRef idx="2">
+                    <a:schemeClr val="accent1">
+                      <a:shade val="50000"/>
+                    </a:schemeClr>
+                  </a:lnRef>
+                  <a:fillRef idx="1">
+                    <a:schemeClr val="accent1"/>
+                  </a:fillRef>
+                  <a:effectRef idx="0">
+                    <a:schemeClr val="accent1"/>
+                  </a:effectRef>
+                  <a:fontRef idx="minor">
+                    <a:schemeClr val="lt1"/>
+                  </a:fontRef>
+                </p:style>
+                <p:txBody>
+                  <a:bodyPr rtlCol="0" anchor="ctr"/>
+                  <a:lstStyle/>
+                  <a:p>
+                    <a:pPr algn="ctr"/>
+                    <a:r>
+                      <a:rPr lang="en-US" altLang="zh-CN" dirty="0"/>
+                      <a:t>data</a:t>
+                    </a:r>
+                    <a:endParaRPr lang="zh-CN" altLang="en-US" dirty="0"/>
+                  </a:p>
+                </p:txBody>
+              </p:sp>
+              <p:sp>
+                <p:nvSpPr>
+                  <p:cNvPr id="185" name="矩形 184">
+                    <a:extLst>
+                      <a:ext uri="{FF2B5EF4-FFF2-40B4-BE49-F238E27FC236}">
+                        <a16:creationId xmlns:a16="http://schemas.microsoft.com/office/drawing/2014/main" id="{3A4F7700-6063-4568-A864-B14639AA48FD}"/>
+                      </a:ext>
+                    </a:extLst>
+                  </p:cNvPr>
+                  <p:cNvSpPr/>
+                  <p:nvPr/>
+                </p:nvSpPr>
+                <p:spPr>
+                  <a:xfrm>
+                    <a:off x="5492585" y="2611226"/>
+                    <a:ext cx="622463" cy="678730"/>
+                  </a:xfrm>
+                  <a:prstGeom prst="rect">
+                    <a:avLst/>
+                  </a:prstGeom>
+                  <a:solidFill>
+                    <a:schemeClr val="accent6"/>
+                  </a:solidFill>
+                  <a:ln>
+                    <a:solidFill>
+                      <a:schemeClr val="tx1">
+                        <a:lumMod val="65000"/>
+                        <a:lumOff val="35000"/>
+                      </a:schemeClr>
+                    </a:solidFill>
+                  </a:ln>
+                </p:spPr>
+                <p:style>
+                  <a:lnRef idx="2">
+                    <a:schemeClr val="accent1">
+                      <a:shade val="50000"/>
+                    </a:schemeClr>
+                  </a:lnRef>
+                  <a:fillRef idx="1">
+                    <a:schemeClr val="accent1"/>
+                  </a:fillRef>
+                  <a:effectRef idx="0">
+                    <a:schemeClr val="accent1"/>
+                  </a:effectRef>
+                  <a:fontRef idx="minor">
+                    <a:schemeClr val="lt1"/>
+                  </a:fontRef>
+                </p:style>
+                <p:txBody>
+                  <a:bodyPr rtlCol="0" anchor="ctr"/>
+                  <a:lstStyle/>
+                  <a:p>
+                    <a:pPr algn="ctr"/>
+                    <a:endParaRPr lang="zh-CN" altLang="en-US" dirty="0"/>
+                  </a:p>
+                </p:txBody>
+              </p:sp>
+            </p:grpSp>
+            <p:grpSp>
+              <p:nvGrpSpPr>
+                <p:cNvPr id="178" name="组合 177">
+                  <a:extLst>
+                    <a:ext uri="{FF2B5EF4-FFF2-40B4-BE49-F238E27FC236}">
+                      <a16:creationId xmlns:a16="http://schemas.microsoft.com/office/drawing/2014/main" id="{C277B8CF-01D6-4050-91FF-B66F84E91F26}"/>
+                    </a:ext>
+                  </a:extLst>
+                </p:cNvPr>
+                <p:cNvGrpSpPr/>
+                <p:nvPr/>
+              </p:nvGrpSpPr>
+              <p:grpSpPr>
+                <a:xfrm>
+                  <a:off x="6321381" y="2781300"/>
+                  <a:ext cx="1325947" cy="508656"/>
+                  <a:chOff x="4345758" y="2611226"/>
+                  <a:chExt cx="1769290" cy="678730"/>
+                </a:xfrm>
+              </p:grpSpPr>
+              <p:sp>
+                <p:nvSpPr>
+                  <p:cNvPr id="182" name="矩形 181">
+                    <a:extLst>
+                      <a:ext uri="{FF2B5EF4-FFF2-40B4-BE49-F238E27FC236}">
+                        <a16:creationId xmlns:a16="http://schemas.microsoft.com/office/drawing/2014/main" id="{026E984F-DEDE-45C0-B641-5FD874A77D30}"/>
+                      </a:ext>
+                    </a:extLst>
+                  </p:cNvPr>
+                  <p:cNvSpPr/>
+                  <p:nvPr/>
+                </p:nvSpPr>
+                <p:spPr>
+                  <a:xfrm>
+                    <a:off x="4345758" y="2611226"/>
+                    <a:ext cx="1150070" cy="678730"/>
+                  </a:xfrm>
+                  <a:prstGeom prst="rect">
+                    <a:avLst/>
+                  </a:prstGeom>
+                  <a:ln>
+                    <a:solidFill>
+                      <a:schemeClr val="tx1">
+                        <a:lumMod val="65000"/>
+                        <a:lumOff val="35000"/>
+                      </a:schemeClr>
+                    </a:solidFill>
+                  </a:ln>
+                </p:spPr>
+                <p:style>
+                  <a:lnRef idx="2">
+                    <a:schemeClr val="accent1">
+                      <a:shade val="50000"/>
+                    </a:schemeClr>
+                  </a:lnRef>
+                  <a:fillRef idx="1">
+                    <a:schemeClr val="accent1"/>
+                  </a:fillRef>
+                  <a:effectRef idx="0">
+                    <a:schemeClr val="accent1"/>
+                  </a:effectRef>
+                  <a:fontRef idx="minor">
+                    <a:schemeClr val="lt1"/>
+                  </a:fontRef>
+                </p:style>
+                <p:txBody>
+                  <a:bodyPr rtlCol="0" anchor="ctr"/>
+                  <a:lstStyle/>
+                  <a:p>
+                    <a:pPr algn="ctr"/>
+                    <a:r>
+                      <a:rPr lang="en-US" altLang="zh-CN" dirty="0"/>
+                      <a:t>data</a:t>
+                    </a:r>
+                    <a:endParaRPr lang="zh-CN" altLang="en-US" dirty="0"/>
+                  </a:p>
+                </p:txBody>
+              </p:sp>
+              <p:sp>
+                <p:nvSpPr>
+                  <p:cNvPr id="183" name="矩形 182">
+                    <a:extLst>
+                      <a:ext uri="{FF2B5EF4-FFF2-40B4-BE49-F238E27FC236}">
+                        <a16:creationId xmlns:a16="http://schemas.microsoft.com/office/drawing/2014/main" id="{125C5D9C-DE04-4C9E-A96E-ACF0142B1B40}"/>
+                      </a:ext>
+                    </a:extLst>
+                  </p:cNvPr>
+                  <p:cNvSpPr/>
+                  <p:nvPr/>
+                </p:nvSpPr>
+                <p:spPr>
+                  <a:xfrm>
+                    <a:off x="5492585" y="2611226"/>
+                    <a:ext cx="622463" cy="678730"/>
+                  </a:xfrm>
+                  <a:prstGeom prst="rect">
+                    <a:avLst/>
+                  </a:prstGeom>
+                  <a:solidFill>
+                    <a:schemeClr val="accent6"/>
+                  </a:solidFill>
+                  <a:ln>
+                    <a:solidFill>
+                      <a:schemeClr val="tx1">
+                        <a:lumMod val="65000"/>
+                        <a:lumOff val="35000"/>
+                      </a:schemeClr>
+                    </a:solidFill>
+                  </a:ln>
+                </p:spPr>
+                <p:style>
+                  <a:lnRef idx="2">
+                    <a:schemeClr val="accent1">
+                      <a:shade val="50000"/>
+                    </a:schemeClr>
+                  </a:lnRef>
+                  <a:fillRef idx="1">
+                    <a:schemeClr val="accent1"/>
+                  </a:fillRef>
+                  <a:effectRef idx="0">
+                    <a:schemeClr val="accent1"/>
+                  </a:effectRef>
+                  <a:fontRef idx="minor">
+                    <a:schemeClr val="lt1"/>
+                  </a:fontRef>
+                </p:style>
+                <p:txBody>
+                  <a:bodyPr rtlCol="0" anchor="ctr"/>
+                  <a:lstStyle/>
+                  <a:p>
+                    <a:pPr algn="ctr"/>
+                    <a:endParaRPr lang="zh-CN" altLang="en-US" dirty="0"/>
+                  </a:p>
+                </p:txBody>
+              </p:sp>
+            </p:grpSp>
+            <p:grpSp>
+              <p:nvGrpSpPr>
+                <p:cNvPr id="179" name="组合 178">
+                  <a:extLst>
+                    <a:ext uri="{FF2B5EF4-FFF2-40B4-BE49-F238E27FC236}">
+                      <a16:creationId xmlns:a16="http://schemas.microsoft.com/office/drawing/2014/main" id="{A8F552FC-88E9-4463-AC87-D7F8EC8A7B2F}"/>
+                    </a:ext>
+                  </a:extLst>
+                </p:cNvPr>
+                <p:cNvGrpSpPr/>
+                <p:nvPr/>
+              </p:nvGrpSpPr>
+              <p:grpSpPr>
+                <a:xfrm>
+                  <a:off x="5419727" y="3028951"/>
+                  <a:ext cx="901654" cy="45719"/>
+                  <a:chOff x="5419727" y="3012284"/>
+                  <a:chExt cx="901654" cy="45719"/>
+                </a:xfrm>
+              </p:grpSpPr>
+              <p:cxnSp>
+                <p:nvCxnSpPr>
+                  <p:cNvPr id="180" name="直接箭头连接符 179">
+                    <a:extLst>
+                      <a:ext uri="{FF2B5EF4-FFF2-40B4-BE49-F238E27FC236}">
+                        <a16:creationId xmlns:a16="http://schemas.microsoft.com/office/drawing/2014/main" id="{91888AD7-7541-46D4-9C74-27300CC3B3DA}"/>
+                      </a:ext>
+                    </a:extLst>
+                  </p:cNvPr>
+                  <p:cNvCxnSpPr>
+                    <a:cxnSpLocks/>
+                    <a:endCxn id="182" idx="1"/>
+                  </p:cNvCxnSpPr>
+                  <p:nvPr/>
+                </p:nvCxnSpPr>
+                <p:spPr>
+                  <a:xfrm>
+                    <a:off x="5438461" y="3035628"/>
+                    <a:ext cx="882920" cy="0"/>
+                  </a:xfrm>
+                  <a:prstGeom prst="straightConnector1">
+                    <a:avLst/>
+                  </a:prstGeom>
+                  <a:ln w="44450">
+                    <a:solidFill>
+                      <a:schemeClr val="tx1">
+                        <a:lumMod val="65000"/>
+                        <a:lumOff val="35000"/>
+                      </a:schemeClr>
+                    </a:solidFill>
+                    <a:tailEnd type="triangle"/>
+                  </a:ln>
+                </p:spPr>
+                <p:style>
+                  <a:lnRef idx="1">
+                    <a:schemeClr val="accent1"/>
+                  </a:lnRef>
+                  <a:fillRef idx="0">
+                    <a:schemeClr val="accent1"/>
+                  </a:fillRef>
+                  <a:effectRef idx="0">
+                    <a:schemeClr val="accent1"/>
+                  </a:effectRef>
+                  <a:fontRef idx="minor">
+                    <a:schemeClr val="tx1"/>
+                  </a:fontRef>
+                </p:style>
+              </p:cxnSp>
+              <p:sp>
+                <p:nvSpPr>
+                  <p:cNvPr id="181" name="椭圆 180">
+                    <a:extLst>
+                      <a:ext uri="{FF2B5EF4-FFF2-40B4-BE49-F238E27FC236}">
+                        <a16:creationId xmlns:a16="http://schemas.microsoft.com/office/drawing/2014/main" id="{7682EEB8-EDF5-4CB9-B345-27CE6A8FD438}"/>
+                      </a:ext>
+                    </a:extLst>
+                  </p:cNvPr>
+                  <p:cNvSpPr/>
+                  <p:nvPr/>
+                </p:nvSpPr>
+                <p:spPr>
+                  <a:xfrm>
+                    <a:off x="5419727" y="3012284"/>
+                    <a:ext cx="45719" cy="45719"/>
+                  </a:xfrm>
+                  <a:prstGeom prst="ellipse">
+                    <a:avLst/>
+                  </a:prstGeom>
+                  <a:solidFill>
+                    <a:schemeClr val="tx1">
+                      <a:lumMod val="75000"/>
+                      <a:lumOff val="25000"/>
+                    </a:schemeClr>
+                  </a:solidFill>
+                  <a:ln w="44450">
+                    <a:solidFill>
+                      <a:schemeClr val="tx1">
+                        <a:lumMod val="75000"/>
+                        <a:lumOff val="25000"/>
+                      </a:schemeClr>
+                    </a:solidFill>
+                  </a:ln>
+                </p:spPr>
+                <p:style>
+                  <a:lnRef idx="2">
+                    <a:schemeClr val="accent1">
+                      <a:shade val="50000"/>
+                    </a:schemeClr>
+                  </a:lnRef>
+                  <a:fillRef idx="1">
+                    <a:schemeClr val="accent1"/>
+                  </a:fillRef>
+                  <a:effectRef idx="0">
+                    <a:schemeClr val="accent1"/>
+                  </a:effectRef>
+                  <a:fontRef idx="minor">
+                    <a:schemeClr val="lt1"/>
+                  </a:fontRef>
+                </p:style>
+                <p:txBody>
+                  <a:bodyPr rtlCol="0" anchor="ctr"/>
+                  <a:lstStyle/>
+                  <a:p>
+                    <a:pPr algn="ctr"/>
+                    <a:endParaRPr lang="zh-CN" altLang="en-US"/>
+                  </a:p>
+                </p:txBody>
+              </p:sp>
+            </p:grpSp>
+          </p:grpSp>
+          <p:grpSp>
+            <p:nvGrpSpPr>
+              <p:cNvPr id="142" name="组合 141">
+                <a:extLst>
+                  <a:ext uri="{FF2B5EF4-FFF2-40B4-BE49-F238E27FC236}">
+                    <a16:creationId xmlns:a16="http://schemas.microsoft.com/office/drawing/2014/main" id="{DBA0B346-3C28-4AD7-9473-A6BC3ADCC5C5}"/>
+                  </a:ext>
+                </a:extLst>
+              </p:cNvPr>
+              <p:cNvGrpSpPr/>
+              <p:nvPr/>
+            </p:nvGrpSpPr>
+            <p:grpSpPr>
+              <a:xfrm>
+                <a:off x="937377" y="4237024"/>
+                <a:ext cx="1325947" cy="508656"/>
+                <a:chOff x="4345758" y="2611226"/>
+                <a:chExt cx="1769290" cy="678730"/>
+              </a:xfrm>
+            </p:grpSpPr>
+            <p:sp>
+              <p:nvSpPr>
+                <p:cNvPr id="175" name="矩形 174">
+                  <a:extLst>
+                    <a:ext uri="{FF2B5EF4-FFF2-40B4-BE49-F238E27FC236}">
+                      <a16:creationId xmlns:a16="http://schemas.microsoft.com/office/drawing/2014/main" id="{81E88688-DEB1-44EC-866E-2381CC974FEA}"/>
+                    </a:ext>
+                  </a:extLst>
+                </p:cNvPr>
+                <p:cNvSpPr/>
+                <p:nvPr/>
+              </p:nvSpPr>
+              <p:spPr>
+                <a:xfrm>
+                  <a:off x="4345758" y="2611226"/>
+                  <a:ext cx="1150070" cy="678730"/>
+                </a:xfrm>
+                <a:prstGeom prst="rect">
+                  <a:avLst/>
+                </a:prstGeom>
+                <a:solidFill>
+                  <a:schemeClr val="accent1"/>
+                </a:solidFill>
+                <a:ln>
+                  <a:solidFill>
+                    <a:schemeClr val="tx1">
+                      <a:lumMod val="65000"/>
+                      <a:lumOff val="35000"/>
+                    </a:schemeClr>
+                  </a:solidFill>
+                </a:ln>
+              </p:spPr>
+              <p:style>
+                <a:lnRef idx="2">
+                  <a:schemeClr val="accent1">
+                    <a:shade val="50000"/>
+                  </a:schemeClr>
+                </a:lnRef>
+                <a:fillRef idx="1">
+                  <a:schemeClr val="accent1"/>
+                </a:fillRef>
+                <a:effectRef idx="0">
+                  <a:schemeClr val="accent1"/>
+                </a:effectRef>
+                <a:fontRef idx="minor">
+                  <a:schemeClr val="lt1"/>
+                </a:fontRef>
+              </p:style>
+              <p:txBody>
+                <a:bodyPr rtlCol="0" anchor="ctr"/>
+                <a:lstStyle/>
+                <a:p>
+                  <a:pPr algn="ctr"/>
+                  <a:r>
+                    <a:rPr lang="en-US" altLang="zh-CN" dirty="0"/>
+                    <a:t>size</a:t>
+                  </a:r>
+                  <a:endParaRPr lang="zh-CN" altLang="en-US" dirty="0"/>
+                </a:p>
+              </p:txBody>
+            </p:sp>
+            <p:sp>
+              <p:nvSpPr>
+                <p:cNvPr id="176" name="矩形 175">
+                  <a:extLst>
+                    <a:ext uri="{FF2B5EF4-FFF2-40B4-BE49-F238E27FC236}">
+                      <a16:creationId xmlns:a16="http://schemas.microsoft.com/office/drawing/2014/main" id="{BCE8461F-BE0C-447E-87B7-3A29CF30898B}"/>
+                    </a:ext>
+                  </a:extLst>
+                </p:cNvPr>
+                <p:cNvSpPr/>
+                <p:nvPr/>
+              </p:nvSpPr>
+              <p:spPr>
+                <a:xfrm>
+                  <a:off x="5492585" y="2611226"/>
+                  <a:ext cx="622463" cy="678730"/>
+                </a:xfrm>
+                <a:prstGeom prst="rect">
+                  <a:avLst/>
+                </a:prstGeom>
+                <a:solidFill>
+                  <a:schemeClr val="accent6"/>
+                </a:solidFill>
+                <a:ln>
+                  <a:solidFill>
+                    <a:schemeClr val="tx1">
+                      <a:lumMod val="65000"/>
+                      <a:lumOff val="35000"/>
+                    </a:schemeClr>
+                  </a:solidFill>
+                </a:ln>
+              </p:spPr>
+              <p:style>
+                <a:lnRef idx="2">
+                  <a:schemeClr val="accent1">
+                    <a:shade val="50000"/>
+                  </a:schemeClr>
+                </a:lnRef>
+                <a:fillRef idx="1">
+                  <a:schemeClr val="accent1"/>
+                </a:fillRef>
+                <a:effectRef idx="0">
+                  <a:schemeClr val="accent1"/>
+                </a:effectRef>
+                <a:fontRef idx="minor">
+                  <a:schemeClr val="lt1"/>
+                </a:fontRef>
+              </p:style>
+              <p:txBody>
+                <a:bodyPr rtlCol="0" anchor="ctr"/>
+                <a:lstStyle/>
+                <a:p>
+                  <a:pPr algn="ctr"/>
+                  <a:endParaRPr lang="zh-CN" altLang="en-US" dirty="0"/>
+                </a:p>
+              </p:txBody>
+            </p:sp>
+          </p:grpSp>
+          <p:grpSp>
+            <p:nvGrpSpPr>
+              <p:cNvPr id="144" name="组合 143">
+                <a:extLst>
+                  <a:ext uri="{FF2B5EF4-FFF2-40B4-BE49-F238E27FC236}">
+                    <a16:creationId xmlns:a16="http://schemas.microsoft.com/office/drawing/2014/main" id="{225E40AD-6F8B-48A3-9745-06781FBE21DD}"/>
+                  </a:ext>
+                </a:extLst>
+              </p:cNvPr>
+              <p:cNvGrpSpPr/>
+              <p:nvPr/>
+            </p:nvGrpSpPr>
+            <p:grpSpPr>
+              <a:xfrm>
+                <a:off x="2011346" y="4491352"/>
+                <a:ext cx="901654" cy="45719"/>
+                <a:chOff x="5477657" y="3028951"/>
+                <a:chExt cx="901654" cy="45719"/>
+              </a:xfrm>
+            </p:grpSpPr>
+            <p:cxnSp>
+              <p:nvCxnSpPr>
+                <p:cNvPr id="173" name="直接箭头连接符 172">
+                  <a:extLst>
+                    <a:ext uri="{FF2B5EF4-FFF2-40B4-BE49-F238E27FC236}">
+                      <a16:creationId xmlns:a16="http://schemas.microsoft.com/office/drawing/2014/main" id="{B9ACCBEB-FF17-42A4-808D-0B9B090342BD}"/>
+                    </a:ext>
+                  </a:extLst>
+                </p:cNvPr>
+                <p:cNvCxnSpPr>
+                  <a:cxnSpLocks/>
+                </p:cNvCxnSpPr>
+                <p:nvPr/>
+              </p:nvCxnSpPr>
+              <p:spPr>
+                <a:xfrm>
+                  <a:off x="5496391" y="3052295"/>
+                  <a:ext cx="882920" cy="0"/>
+                </a:xfrm>
+                <a:prstGeom prst="straightConnector1">
+                  <a:avLst/>
+                </a:prstGeom>
+                <a:ln w="44450">
+                  <a:solidFill>
+                    <a:schemeClr val="tx1">
+                      <a:lumMod val="65000"/>
+                      <a:lumOff val="35000"/>
+                    </a:schemeClr>
+                  </a:solidFill>
+                  <a:tailEnd type="triangle"/>
+                </a:ln>
+              </p:spPr>
+              <p:style>
+                <a:lnRef idx="1">
+                  <a:schemeClr val="accent1"/>
+                </a:lnRef>
+                <a:fillRef idx="0">
+                  <a:schemeClr val="accent1"/>
+                </a:fillRef>
+                <a:effectRef idx="0">
+                  <a:schemeClr val="accent1"/>
+                </a:effectRef>
+                <a:fontRef idx="minor">
+                  <a:schemeClr val="tx1"/>
+                </a:fontRef>
+              </p:style>
+            </p:cxnSp>
+            <p:sp>
+              <p:nvSpPr>
+                <p:cNvPr id="174" name="椭圆 173">
+                  <a:extLst>
+                    <a:ext uri="{FF2B5EF4-FFF2-40B4-BE49-F238E27FC236}">
+                      <a16:creationId xmlns:a16="http://schemas.microsoft.com/office/drawing/2014/main" id="{A209541D-95E2-4D1C-AF55-093BD99C03DF}"/>
+                    </a:ext>
+                  </a:extLst>
+                </p:cNvPr>
+                <p:cNvSpPr/>
+                <p:nvPr/>
+              </p:nvSpPr>
+              <p:spPr>
+                <a:xfrm>
+                  <a:off x="5477657" y="3028951"/>
+                  <a:ext cx="45719" cy="45719"/>
+                </a:xfrm>
+                <a:prstGeom prst="ellipse">
+                  <a:avLst/>
+                </a:prstGeom>
+                <a:solidFill>
+                  <a:schemeClr val="tx1">
+                    <a:lumMod val="75000"/>
+                    <a:lumOff val="25000"/>
+                  </a:schemeClr>
+                </a:solidFill>
+                <a:ln w="44450">
+                  <a:solidFill>
+                    <a:schemeClr val="tx1">
+                      <a:lumMod val="65000"/>
+                      <a:lumOff val="35000"/>
+                    </a:schemeClr>
+                  </a:solidFill>
+                </a:ln>
+              </p:spPr>
+              <p:style>
+                <a:lnRef idx="2">
+                  <a:schemeClr val="accent1">
+                    <a:shade val="50000"/>
+                  </a:schemeClr>
+                </a:lnRef>
+                <a:fillRef idx="1">
+                  <a:schemeClr val="accent1"/>
+                </a:fillRef>
+                <a:effectRef idx="0">
+                  <a:schemeClr val="accent1"/>
+                </a:effectRef>
+                <a:fontRef idx="minor">
+                  <a:schemeClr val="lt1"/>
+                </a:fontRef>
+              </p:style>
+              <p:txBody>
+                <a:bodyPr rtlCol="0" anchor="ctr"/>
+                <a:lstStyle/>
+                <a:p>
+                  <a:pPr algn="ctr"/>
+                  <a:endParaRPr lang="zh-CN" altLang="en-US" dirty="0"/>
+                </a:p>
+              </p:txBody>
+            </p:sp>
+          </p:grpSp>
+          <p:grpSp>
+            <p:nvGrpSpPr>
+              <p:cNvPr id="145" name="组合 144">
+                <a:extLst>
+                  <a:ext uri="{FF2B5EF4-FFF2-40B4-BE49-F238E27FC236}">
+                    <a16:creationId xmlns:a16="http://schemas.microsoft.com/office/drawing/2014/main" id="{82874EB5-98DA-491D-AED0-DFC3420D40E9}"/>
+                  </a:ext>
+                </a:extLst>
+              </p:cNvPr>
+              <p:cNvGrpSpPr/>
+              <p:nvPr/>
+            </p:nvGrpSpPr>
+            <p:grpSpPr>
+              <a:xfrm>
+                <a:off x="1356609" y="4752357"/>
+                <a:ext cx="45719" cy="564820"/>
+                <a:chOff x="4724847" y="3289956"/>
+                <a:chExt cx="45719" cy="564820"/>
+              </a:xfrm>
+            </p:grpSpPr>
+            <p:cxnSp>
+              <p:nvCxnSpPr>
+                <p:cNvPr id="171" name="直接箭头连接符 170">
+                  <a:extLst>
+                    <a:ext uri="{FF2B5EF4-FFF2-40B4-BE49-F238E27FC236}">
+                      <a16:creationId xmlns:a16="http://schemas.microsoft.com/office/drawing/2014/main" id="{AFD685F2-659F-4E64-A1BD-07C5BFC70C52}"/>
+                    </a:ext>
+                  </a:extLst>
+                </p:cNvPr>
+                <p:cNvCxnSpPr>
+                  <a:cxnSpLocks/>
+                </p:cNvCxnSpPr>
+                <p:nvPr/>
+              </p:nvCxnSpPr>
+              <p:spPr>
+                <a:xfrm flipV="1">
+                  <a:off x="4747707" y="3289956"/>
+                  <a:ext cx="0" cy="535284"/>
+                </a:xfrm>
+                <a:prstGeom prst="straightConnector1">
+                  <a:avLst/>
+                </a:prstGeom>
+                <a:ln w="44450">
+                  <a:solidFill>
+                    <a:schemeClr val="tx1">
+                      <a:lumMod val="65000"/>
+                      <a:lumOff val="35000"/>
+                    </a:schemeClr>
+                  </a:solidFill>
+                  <a:tailEnd type="triangle"/>
+                </a:ln>
+              </p:spPr>
+              <p:style>
+                <a:lnRef idx="1">
+                  <a:schemeClr val="accent1"/>
+                </a:lnRef>
+                <a:fillRef idx="0">
+                  <a:schemeClr val="accent1"/>
+                </a:fillRef>
+                <a:effectRef idx="0">
+                  <a:schemeClr val="accent1"/>
+                </a:effectRef>
+                <a:fontRef idx="minor">
+                  <a:schemeClr val="tx1"/>
+                </a:fontRef>
+              </p:style>
+            </p:cxnSp>
+            <p:sp>
+              <p:nvSpPr>
+                <p:cNvPr id="172" name="椭圆 171">
+                  <a:extLst>
+                    <a:ext uri="{FF2B5EF4-FFF2-40B4-BE49-F238E27FC236}">
+                      <a16:creationId xmlns:a16="http://schemas.microsoft.com/office/drawing/2014/main" id="{6A8A8018-C4B4-45F0-A934-BC304A6C5A4E}"/>
+                    </a:ext>
+                  </a:extLst>
+                </p:cNvPr>
+                <p:cNvSpPr/>
+                <p:nvPr/>
+              </p:nvSpPr>
+              <p:spPr>
+                <a:xfrm rot="16200000">
+                  <a:off x="4724847" y="3809057"/>
+                  <a:ext cx="45719" cy="45719"/>
+                </a:xfrm>
+                <a:prstGeom prst="ellipse">
+                  <a:avLst/>
+                </a:prstGeom>
+                <a:solidFill>
+                  <a:schemeClr val="tx1">
+                    <a:lumMod val="75000"/>
+                    <a:lumOff val="25000"/>
+                  </a:schemeClr>
+                </a:solidFill>
+                <a:ln w="44450">
+                  <a:solidFill>
+                    <a:schemeClr val="tx1">
+                      <a:lumMod val="75000"/>
+                      <a:lumOff val="25000"/>
+                    </a:schemeClr>
+                  </a:solidFill>
+                </a:ln>
+              </p:spPr>
+              <p:style>
+                <a:lnRef idx="2">
+                  <a:schemeClr val="accent1">
+                    <a:shade val="50000"/>
+                  </a:schemeClr>
+                </a:lnRef>
+                <a:fillRef idx="1">
+                  <a:schemeClr val="accent1"/>
+                </a:fillRef>
+                <a:effectRef idx="0">
+                  <a:schemeClr val="accent1"/>
+                </a:effectRef>
+                <a:fontRef idx="minor">
+                  <a:schemeClr val="lt1"/>
+                </a:fontRef>
+              </p:style>
+              <p:txBody>
+                <a:bodyPr rtlCol="0" anchor="ctr"/>
+                <a:lstStyle/>
+                <a:p>
+                  <a:pPr algn="ctr"/>
+                  <a:endParaRPr lang="zh-CN" altLang="en-US" dirty="0"/>
+                </a:p>
+              </p:txBody>
+            </p:sp>
+          </p:grpSp>
+          <p:sp>
+            <p:nvSpPr>
+              <p:cNvPr id="146" name="文本框 145">
+                <a:extLst>
+                  <a:ext uri="{FF2B5EF4-FFF2-40B4-BE49-F238E27FC236}">
+                    <a16:creationId xmlns:a16="http://schemas.microsoft.com/office/drawing/2014/main" id="{4C895C26-224D-4D54-BF9F-D7B90BEB29FC}"/>
+                  </a:ext>
+                </a:extLst>
+              </p:cNvPr>
+              <p:cNvSpPr txBox="1"/>
+              <p:nvPr/>
+            </p:nvSpPr>
+            <p:spPr>
+              <a:xfrm>
+                <a:off x="908802" y="5405751"/>
+                <a:ext cx="955546" cy="338554"/>
+              </a:xfrm>
+              <a:prstGeom prst="rect">
+                <a:avLst/>
+              </a:prstGeom>
+              <a:noFill/>
+            </p:spPr>
+            <p:txBody>
+              <a:bodyPr wrap="square" rtlCol="0">
+                <a:spAutoFit/>
+              </a:bodyPr>
+              <a:lstStyle/>
+              <a:p>
+                <a:pPr algn="ctr"/>
+                <a:r>
+                  <a:rPr lang="zh-CN" altLang="en-US" sz="1600" dirty="0">
+                    <a:latin typeface="Adobe 黑体 Std R" panose="020B0400000000000000" pitchFamily="34" charset="-122"/>
+                    <a:ea typeface="Adobe 黑体 Std R" panose="020B0400000000000000" pitchFamily="34" charset="-122"/>
+                  </a:rPr>
+                  <a:t>头指针</a:t>
+                </a:r>
+              </a:p>
+            </p:txBody>
+          </p:sp>
+          <p:sp>
+            <p:nvSpPr>
+              <p:cNvPr id="147" name="文本框 146">
+                <a:extLst>
+                  <a:ext uri="{FF2B5EF4-FFF2-40B4-BE49-F238E27FC236}">
+                    <a16:creationId xmlns:a16="http://schemas.microsoft.com/office/drawing/2014/main" id="{392BBE7C-444C-4620-A7B3-681F2CC3406F}"/>
+                  </a:ext>
+                </a:extLst>
+              </p:cNvPr>
+              <p:cNvSpPr txBox="1"/>
+              <p:nvPr/>
+            </p:nvSpPr>
+            <p:spPr>
+              <a:xfrm>
+                <a:off x="1104880" y="3771306"/>
+                <a:ext cx="955546" cy="338554"/>
+              </a:xfrm>
+              <a:prstGeom prst="rect">
+                <a:avLst/>
+              </a:prstGeom>
+              <a:noFill/>
+            </p:spPr>
+            <p:txBody>
+              <a:bodyPr wrap="square" rtlCol="0">
+                <a:spAutoFit/>
+              </a:bodyPr>
+              <a:lstStyle/>
+              <a:p>
+                <a:pPr algn="ctr"/>
+                <a:r>
+                  <a:rPr lang="zh-CN" altLang="en-US" sz="1600" dirty="0">
+                    <a:latin typeface="Adobe 黑体 Std R" panose="020B0400000000000000" pitchFamily="34" charset="-122"/>
+                    <a:ea typeface="Adobe 黑体 Std R" panose="020B0400000000000000" pitchFamily="34" charset="-122"/>
+                  </a:rPr>
+                  <a:t>头节点</a:t>
+                </a:r>
+              </a:p>
+            </p:txBody>
+          </p:sp>
+          <p:sp>
+            <p:nvSpPr>
+              <p:cNvPr id="148" name="文本框 147">
+                <a:extLst>
+                  <a:ext uri="{FF2B5EF4-FFF2-40B4-BE49-F238E27FC236}">
+                    <a16:creationId xmlns:a16="http://schemas.microsoft.com/office/drawing/2014/main" id="{F888913A-2ECC-46FE-89C0-EC1EFBCB1A97}"/>
+                  </a:ext>
+                </a:extLst>
+              </p:cNvPr>
+              <p:cNvSpPr txBox="1"/>
+              <p:nvPr/>
+            </p:nvSpPr>
+            <p:spPr>
+              <a:xfrm>
+                <a:off x="2972057" y="3781322"/>
+                <a:ext cx="1188790" cy="338554"/>
+              </a:xfrm>
+              <a:prstGeom prst="rect">
+                <a:avLst/>
+              </a:prstGeom>
+              <a:noFill/>
+            </p:spPr>
+            <p:txBody>
+              <a:bodyPr wrap="square" rtlCol="0">
+                <a:spAutoFit/>
+              </a:bodyPr>
+              <a:lstStyle/>
+              <a:p>
+                <a:pPr algn="ctr"/>
+                <a:r>
+                  <a:rPr lang="zh-CN" altLang="en-US" sz="1600" dirty="0">
+                    <a:latin typeface="Adobe 黑体 Std R" panose="020B0400000000000000" pitchFamily="34" charset="-122"/>
+                    <a:ea typeface="Adobe 黑体 Std R" panose="020B0400000000000000" pitchFamily="34" charset="-122"/>
+                  </a:rPr>
+                  <a:t>首元节点</a:t>
+                </a:r>
+              </a:p>
+            </p:txBody>
+          </p:sp>
+          <p:grpSp>
+            <p:nvGrpSpPr>
+              <p:cNvPr id="149" name="组合 148">
+                <a:extLst>
+                  <a:ext uri="{FF2B5EF4-FFF2-40B4-BE49-F238E27FC236}">
+                    <a16:creationId xmlns:a16="http://schemas.microsoft.com/office/drawing/2014/main" id="{F61A1F65-BD7E-48C8-9982-3BCEA8F41B6A}"/>
+                  </a:ext>
+                </a:extLst>
+              </p:cNvPr>
+              <p:cNvGrpSpPr/>
+              <p:nvPr/>
+            </p:nvGrpSpPr>
+            <p:grpSpPr>
+              <a:xfrm>
+                <a:off x="8553618" y="4229404"/>
+                <a:ext cx="1325947" cy="508656"/>
+                <a:chOff x="6541467" y="4587240"/>
+                <a:chExt cx="1325947" cy="508656"/>
+              </a:xfrm>
+            </p:grpSpPr>
+            <p:sp>
+              <p:nvSpPr>
+                <p:cNvPr id="169" name="矩形 168">
+                  <a:extLst>
+                    <a:ext uri="{FF2B5EF4-FFF2-40B4-BE49-F238E27FC236}">
+                      <a16:creationId xmlns:a16="http://schemas.microsoft.com/office/drawing/2014/main" id="{E2E164FB-2DAF-42C6-BE07-54F9F03B8064}"/>
+                    </a:ext>
+                  </a:extLst>
+                </p:cNvPr>
+                <p:cNvSpPr/>
+                <p:nvPr/>
+              </p:nvSpPr>
+              <p:spPr>
+                <a:xfrm>
+                  <a:off x="6541467" y="4587240"/>
+                  <a:ext cx="861889" cy="508656"/>
+                </a:xfrm>
+                <a:prstGeom prst="rect">
+                  <a:avLst/>
+                </a:prstGeom>
+                <a:ln>
+                  <a:solidFill>
+                    <a:schemeClr val="tx1">
+                      <a:lumMod val="65000"/>
+                      <a:lumOff val="35000"/>
+                    </a:schemeClr>
+                  </a:solidFill>
+                </a:ln>
+              </p:spPr>
+              <p:style>
+                <a:lnRef idx="2">
+                  <a:schemeClr val="accent1">
+                    <a:shade val="50000"/>
+                  </a:schemeClr>
+                </a:lnRef>
+                <a:fillRef idx="1">
+                  <a:schemeClr val="accent1"/>
+                </a:fillRef>
+                <a:effectRef idx="0">
+                  <a:schemeClr val="accent1"/>
+                </a:effectRef>
+                <a:fontRef idx="minor">
+                  <a:schemeClr val="lt1"/>
+                </a:fontRef>
+              </p:style>
+              <p:txBody>
+                <a:bodyPr rtlCol="0" anchor="ctr"/>
+                <a:lstStyle/>
+                <a:p>
+                  <a:pPr algn="ctr"/>
+                  <a:r>
+                    <a:rPr lang="en-US" altLang="zh-CN" dirty="0"/>
+                    <a:t>data</a:t>
+                  </a:r>
+                  <a:endParaRPr lang="zh-CN" altLang="en-US" dirty="0"/>
+                </a:p>
+              </p:txBody>
+            </p:sp>
+            <p:sp>
+              <p:nvSpPr>
+                <p:cNvPr id="170" name="矩形 169">
+                  <a:extLst>
+                    <a:ext uri="{FF2B5EF4-FFF2-40B4-BE49-F238E27FC236}">
+                      <a16:creationId xmlns:a16="http://schemas.microsoft.com/office/drawing/2014/main" id="{374274EA-42C7-414F-8452-67A242F4EB58}"/>
+                    </a:ext>
+                  </a:extLst>
+                </p:cNvPr>
+                <p:cNvSpPr/>
+                <p:nvPr/>
+              </p:nvSpPr>
+              <p:spPr>
+                <a:xfrm>
+                  <a:off x="7400926" y="4587240"/>
+                  <a:ext cx="466488" cy="508656"/>
+                </a:xfrm>
+                <a:prstGeom prst="rect">
+                  <a:avLst/>
+                </a:prstGeom>
+                <a:solidFill>
+                  <a:schemeClr val="accent6"/>
+                </a:solidFill>
+                <a:ln>
+                  <a:solidFill>
+                    <a:schemeClr val="tx1">
+                      <a:lumMod val="65000"/>
+                      <a:lumOff val="35000"/>
+                    </a:schemeClr>
+                  </a:solidFill>
+                </a:ln>
+              </p:spPr>
+              <p:style>
+                <a:lnRef idx="2">
+                  <a:schemeClr val="accent1">
+                    <a:shade val="50000"/>
+                  </a:schemeClr>
+                </a:lnRef>
+                <a:fillRef idx="1">
+                  <a:schemeClr val="accent1"/>
+                </a:fillRef>
+                <a:effectRef idx="0">
+                  <a:schemeClr val="accent1"/>
+                </a:effectRef>
+                <a:fontRef idx="minor">
+                  <a:schemeClr val="lt1"/>
+                </a:fontRef>
+              </p:style>
+              <p:txBody>
+                <a:bodyPr rtlCol="0" anchor="ctr"/>
+                <a:lstStyle/>
+                <a:p>
+                  <a:pPr algn="ctr"/>
+                  <a:endParaRPr lang="zh-CN" altLang="en-US" dirty="0"/>
+                </a:p>
+              </p:txBody>
+            </p:sp>
+          </p:grpSp>
+          <p:grpSp>
+            <p:nvGrpSpPr>
+              <p:cNvPr id="150" name="组合 149">
+                <a:extLst>
+                  <a:ext uri="{FF2B5EF4-FFF2-40B4-BE49-F238E27FC236}">
+                    <a16:creationId xmlns:a16="http://schemas.microsoft.com/office/drawing/2014/main" id="{FA97E8B2-5121-4063-B182-64C90F71CC2E}"/>
+                  </a:ext>
+                </a:extLst>
+              </p:cNvPr>
+              <p:cNvGrpSpPr/>
+              <p:nvPr/>
+            </p:nvGrpSpPr>
+            <p:grpSpPr>
+              <a:xfrm>
+                <a:off x="5957808" y="4498029"/>
+                <a:ext cx="901654" cy="45719"/>
+                <a:chOff x="5119355" y="3952876"/>
+                <a:chExt cx="901654" cy="45719"/>
+              </a:xfrm>
+            </p:grpSpPr>
+            <p:cxnSp>
+              <p:nvCxnSpPr>
+                <p:cNvPr id="167" name="直接箭头连接符 166">
+                  <a:extLst>
+                    <a:ext uri="{FF2B5EF4-FFF2-40B4-BE49-F238E27FC236}">
+                      <a16:creationId xmlns:a16="http://schemas.microsoft.com/office/drawing/2014/main" id="{7F8630B2-BEA9-477A-AF25-B87033954211}"/>
+                    </a:ext>
+                  </a:extLst>
+                </p:cNvPr>
+                <p:cNvCxnSpPr>
+                  <a:cxnSpLocks/>
+                </p:cNvCxnSpPr>
+                <p:nvPr/>
+              </p:nvCxnSpPr>
+              <p:spPr>
+                <a:xfrm>
+                  <a:off x="5138089" y="3976220"/>
+                  <a:ext cx="882920" cy="0"/>
+                </a:xfrm>
+                <a:prstGeom prst="straightConnector1">
+                  <a:avLst/>
+                </a:prstGeom>
+                <a:ln w="44450">
+                  <a:solidFill>
+                    <a:schemeClr val="tx1">
+                      <a:lumMod val="65000"/>
+                      <a:lumOff val="35000"/>
+                    </a:schemeClr>
+                  </a:solidFill>
+                  <a:tailEnd type="triangle"/>
+                </a:ln>
+              </p:spPr>
+              <p:style>
+                <a:lnRef idx="1">
+                  <a:schemeClr val="accent1"/>
+                </a:lnRef>
+                <a:fillRef idx="0">
+                  <a:schemeClr val="accent1"/>
+                </a:fillRef>
+                <a:effectRef idx="0">
+                  <a:schemeClr val="accent1"/>
+                </a:effectRef>
+                <a:fontRef idx="minor">
+                  <a:schemeClr val="tx1"/>
+                </a:fontRef>
+              </p:style>
+            </p:cxnSp>
+            <p:sp>
+              <p:nvSpPr>
+                <p:cNvPr id="168" name="椭圆 167">
+                  <a:extLst>
+                    <a:ext uri="{FF2B5EF4-FFF2-40B4-BE49-F238E27FC236}">
+                      <a16:creationId xmlns:a16="http://schemas.microsoft.com/office/drawing/2014/main" id="{A3F08B44-0863-4869-86B4-404184D50E79}"/>
+                    </a:ext>
+                  </a:extLst>
+                </p:cNvPr>
+                <p:cNvSpPr/>
+                <p:nvPr/>
+              </p:nvSpPr>
+              <p:spPr>
+                <a:xfrm>
+                  <a:off x="5119355" y="3952876"/>
+                  <a:ext cx="45719" cy="45719"/>
+                </a:xfrm>
+                <a:prstGeom prst="ellipse">
+                  <a:avLst/>
+                </a:prstGeom>
+                <a:solidFill>
+                  <a:schemeClr val="tx1">
+                    <a:lumMod val="75000"/>
+                    <a:lumOff val="25000"/>
+                  </a:schemeClr>
+                </a:solidFill>
+                <a:ln w="44450">
+                  <a:solidFill>
+                    <a:schemeClr val="tx1">
+                      <a:lumMod val="75000"/>
+                      <a:lumOff val="25000"/>
+                    </a:schemeClr>
+                  </a:solidFill>
+                </a:ln>
+              </p:spPr>
+              <p:style>
+                <a:lnRef idx="2">
+                  <a:schemeClr val="accent1">
+                    <a:shade val="50000"/>
+                  </a:schemeClr>
+                </a:lnRef>
+                <a:fillRef idx="1">
+                  <a:schemeClr val="accent1"/>
+                </a:fillRef>
+                <a:effectRef idx="0">
+                  <a:schemeClr val="accent1"/>
+                </a:effectRef>
+                <a:fontRef idx="minor">
+                  <a:schemeClr val="lt1"/>
+                </a:fontRef>
+              </p:style>
+              <p:txBody>
+                <a:bodyPr rtlCol="0" anchor="ctr"/>
+                <a:lstStyle/>
+                <a:p>
+                  <a:pPr algn="ctr"/>
+                  <a:endParaRPr lang="zh-CN" altLang="en-US" dirty="0"/>
+                </a:p>
+              </p:txBody>
+            </p:sp>
+          </p:grpSp>
+          <p:sp>
+            <p:nvSpPr>
+              <p:cNvPr id="151" name="文本框 150">
+                <a:extLst>
+                  <a:ext uri="{FF2B5EF4-FFF2-40B4-BE49-F238E27FC236}">
+                    <a16:creationId xmlns:a16="http://schemas.microsoft.com/office/drawing/2014/main" id="{4DB07484-8106-4947-BFA7-45564C1B9E9C}"/>
+                  </a:ext>
+                </a:extLst>
+              </p:cNvPr>
+              <p:cNvSpPr txBox="1"/>
+              <p:nvPr/>
+            </p:nvSpPr>
+            <p:spPr>
+              <a:xfrm>
+                <a:off x="4945774" y="3781322"/>
+                <a:ext cx="1188790" cy="338554"/>
+              </a:xfrm>
+              <a:prstGeom prst="rect">
+                <a:avLst/>
+              </a:prstGeom>
+              <a:noFill/>
+            </p:spPr>
+            <p:txBody>
+              <a:bodyPr wrap="square" rtlCol="0">
+                <a:spAutoFit/>
+              </a:bodyPr>
+              <a:lstStyle/>
+              <a:p>
+                <a:pPr algn="ctr"/>
+                <a:r>
+                  <a:rPr lang="zh-CN" altLang="en-US" sz="1600" dirty="0">
+                    <a:latin typeface="Adobe 黑体 Std R" panose="020B0400000000000000" pitchFamily="34" charset="-122"/>
+                    <a:ea typeface="Adobe 黑体 Std R" panose="020B0400000000000000" pitchFamily="34" charset="-122"/>
+                  </a:rPr>
+                  <a:t>普通节点</a:t>
+                </a:r>
+              </a:p>
+            </p:txBody>
+          </p:sp>
+          <p:sp>
+            <p:nvSpPr>
+              <p:cNvPr id="152" name="文本框 151">
+                <a:extLst>
+                  <a:ext uri="{FF2B5EF4-FFF2-40B4-BE49-F238E27FC236}">
+                    <a16:creationId xmlns:a16="http://schemas.microsoft.com/office/drawing/2014/main" id="{337B671F-3276-4B12-9F67-28CAFFB3A14D}"/>
+                  </a:ext>
+                </a:extLst>
+              </p:cNvPr>
+              <p:cNvSpPr txBox="1"/>
+              <p:nvPr/>
+            </p:nvSpPr>
+            <p:spPr>
+              <a:xfrm>
+                <a:off x="8336592" y="3763686"/>
+                <a:ext cx="1773372" cy="338554"/>
+              </a:xfrm>
+              <a:prstGeom prst="rect">
+                <a:avLst/>
+              </a:prstGeom>
+              <a:noFill/>
+            </p:spPr>
+            <p:txBody>
+              <a:bodyPr wrap="square" rtlCol="0">
+                <a:spAutoFit/>
+              </a:bodyPr>
+              <a:lstStyle/>
+              <a:p>
+                <a:pPr algn="ctr"/>
+                <a:r>
+                  <a:rPr lang="zh-CN" altLang="en-US" sz="1600" dirty="0">
+                    <a:latin typeface="Adobe 黑体 Std R" panose="020B0400000000000000" pitchFamily="34" charset="-122"/>
+                    <a:ea typeface="Adobe 黑体 Std R" panose="020B0400000000000000" pitchFamily="34" charset="-122"/>
+                  </a:rPr>
+                  <a:t>普通节点</a:t>
+                </a:r>
+              </a:p>
+            </p:txBody>
+          </p:sp>
+          <p:sp>
+            <p:nvSpPr>
+              <p:cNvPr id="154" name="文本框 153">
+                <a:extLst>
+                  <a:ext uri="{FF2B5EF4-FFF2-40B4-BE49-F238E27FC236}">
+                    <a16:creationId xmlns:a16="http://schemas.microsoft.com/office/drawing/2014/main" id="{E9B76893-A9B1-42A8-A312-BF8B68B5AF98}"/>
+                  </a:ext>
+                </a:extLst>
+              </p:cNvPr>
+              <p:cNvSpPr txBox="1"/>
+              <p:nvPr/>
+            </p:nvSpPr>
+            <p:spPr>
+              <a:xfrm>
+                <a:off x="10327651" y="4339219"/>
+                <a:ext cx="955546" cy="338554"/>
+              </a:xfrm>
+              <a:prstGeom prst="rect">
+                <a:avLst/>
+              </a:prstGeom>
+              <a:noFill/>
+            </p:spPr>
+            <p:txBody>
+              <a:bodyPr wrap="square" rtlCol="0">
+                <a:spAutoFit/>
+              </a:bodyPr>
+              <a:lstStyle/>
+              <a:p>
+                <a:pPr algn="ctr"/>
+                <a:r>
+                  <a:rPr lang="en-US" altLang="zh-CN" sz="1600" dirty="0">
+                    <a:latin typeface="Adobe 黑体 Std R" panose="020B0400000000000000" pitchFamily="34" charset="-122"/>
+                    <a:ea typeface="Adobe 黑体 Std R" panose="020B0400000000000000" pitchFamily="34" charset="-122"/>
+                  </a:rPr>
+                  <a:t>NULL</a:t>
+                </a:r>
+                <a:endParaRPr lang="zh-CN" altLang="en-US" sz="1600" dirty="0">
+                  <a:latin typeface="Adobe 黑体 Std R" panose="020B0400000000000000" pitchFamily="34" charset="-122"/>
+                  <a:ea typeface="Adobe 黑体 Std R" panose="020B0400000000000000" pitchFamily="34" charset="-122"/>
+                </a:endParaRPr>
+              </a:p>
+            </p:txBody>
+          </p:sp>
+          <p:grpSp>
+            <p:nvGrpSpPr>
+              <p:cNvPr id="155" name="组合 154">
+                <a:extLst>
+                  <a:ext uri="{FF2B5EF4-FFF2-40B4-BE49-F238E27FC236}">
+                    <a16:creationId xmlns:a16="http://schemas.microsoft.com/office/drawing/2014/main" id="{3E090DE3-12ED-4AB0-A5A8-562FDCC8E931}"/>
+                  </a:ext>
+                </a:extLst>
+              </p:cNvPr>
+              <p:cNvGrpSpPr/>
+              <p:nvPr/>
+            </p:nvGrpSpPr>
+            <p:grpSpPr>
+              <a:xfrm>
+                <a:off x="7646534" y="4491509"/>
+                <a:ext cx="901654" cy="45719"/>
+                <a:chOff x="5119355" y="3952876"/>
+                <a:chExt cx="901654" cy="45719"/>
+              </a:xfrm>
+            </p:grpSpPr>
+            <p:cxnSp>
+              <p:nvCxnSpPr>
+                <p:cNvPr id="163" name="直接箭头连接符 162">
+                  <a:extLst>
+                    <a:ext uri="{FF2B5EF4-FFF2-40B4-BE49-F238E27FC236}">
+                      <a16:creationId xmlns:a16="http://schemas.microsoft.com/office/drawing/2014/main" id="{A017B4CD-24C5-4ED1-B74A-5B71FEC4779D}"/>
+                    </a:ext>
+                  </a:extLst>
+                </p:cNvPr>
+                <p:cNvCxnSpPr>
+                  <a:cxnSpLocks/>
+                </p:cNvCxnSpPr>
+                <p:nvPr/>
+              </p:nvCxnSpPr>
+              <p:spPr>
+                <a:xfrm>
+                  <a:off x="5138089" y="3976220"/>
+                  <a:ext cx="882920" cy="0"/>
+                </a:xfrm>
+                <a:prstGeom prst="straightConnector1">
+                  <a:avLst/>
+                </a:prstGeom>
+                <a:ln w="44450">
+                  <a:solidFill>
+                    <a:schemeClr val="tx1">
+                      <a:lumMod val="65000"/>
+                      <a:lumOff val="35000"/>
+                    </a:schemeClr>
+                  </a:solidFill>
+                  <a:tailEnd type="triangle"/>
+                </a:ln>
+              </p:spPr>
+              <p:style>
+                <a:lnRef idx="1">
+                  <a:schemeClr val="accent1"/>
+                </a:lnRef>
+                <a:fillRef idx="0">
+                  <a:schemeClr val="accent1"/>
+                </a:fillRef>
+                <a:effectRef idx="0">
+                  <a:schemeClr val="accent1"/>
+                </a:effectRef>
+                <a:fontRef idx="minor">
+                  <a:schemeClr val="tx1"/>
+                </a:fontRef>
+              </p:style>
+            </p:cxnSp>
+            <p:sp>
+              <p:nvSpPr>
+                <p:cNvPr id="164" name="椭圆 163">
+                  <a:extLst>
+                    <a:ext uri="{FF2B5EF4-FFF2-40B4-BE49-F238E27FC236}">
+                      <a16:creationId xmlns:a16="http://schemas.microsoft.com/office/drawing/2014/main" id="{A26D91C9-17C7-49FD-AD6F-EA18FBD15936}"/>
+                    </a:ext>
+                  </a:extLst>
+                </p:cNvPr>
+                <p:cNvSpPr/>
+                <p:nvPr/>
+              </p:nvSpPr>
+              <p:spPr>
+                <a:xfrm>
+                  <a:off x="5119355" y="3952876"/>
+                  <a:ext cx="45719" cy="45719"/>
+                </a:xfrm>
+                <a:prstGeom prst="ellipse">
+                  <a:avLst/>
+                </a:prstGeom>
+                <a:solidFill>
+                  <a:schemeClr val="tx1">
+                    <a:lumMod val="75000"/>
+                    <a:lumOff val="25000"/>
+                  </a:schemeClr>
+                </a:solidFill>
+                <a:ln w="44450">
+                  <a:solidFill>
+                    <a:schemeClr val="tx1">
+                      <a:lumMod val="75000"/>
+                      <a:lumOff val="25000"/>
+                    </a:schemeClr>
+                  </a:solidFill>
+                </a:ln>
+              </p:spPr>
+              <p:style>
+                <a:lnRef idx="2">
+                  <a:schemeClr val="accent1">
+                    <a:shade val="50000"/>
+                  </a:schemeClr>
+                </a:lnRef>
+                <a:fillRef idx="1">
+                  <a:schemeClr val="accent1"/>
+                </a:fillRef>
+                <a:effectRef idx="0">
+                  <a:schemeClr val="accent1"/>
+                </a:effectRef>
+                <a:fontRef idx="minor">
+                  <a:schemeClr val="lt1"/>
+                </a:fontRef>
+              </p:style>
+              <p:txBody>
+                <a:bodyPr rtlCol="0" anchor="ctr"/>
+                <a:lstStyle/>
+                <a:p>
+                  <a:pPr algn="ctr"/>
+                  <a:endParaRPr lang="zh-CN" altLang="en-US" dirty="0"/>
+                </a:p>
+              </p:txBody>
+            </p:sp>
+          </p:grpSp>
+          <p:grpSp>
+            <p:nvGrpSpPr>
+              <p:cNvPr id="156" name="组合 155">
+                <a:extLst>
+                  <a:ext uri="{FF2B5EF4-FFF2-40B4-BE49-F238E27FC236}">
+                    <a16:creationId xmlns:a16="http://schemas.microsoft.com/office/drawing/2014/main" id="{1D72842D-CA61-4223-9411-B389690A55D1}"/>
+                  </a:ext>
+                </a:extLst>
+              </p:cNvPr>
+              <p:cNvGrpSpPr/>
+              <p:nvPr/>
+            </p:nvGrpSpPr>
+            <p:grpSpPr>
+              <a:xfrm>
+                <a:off x="7017669" y="4495633"/>
+                <a:ext cx="446502" cy="45719"/>
+                <a:chOff x="6732462" y="1500117"/>
+                <a:chExt cx="446502" cy="45719"/>
+              </a:xfrm>
+            </p:grpSpPr>
+            <p:sp>
+              <p:nvSpPr>
+                <p:cNvPr id="160" name="椭圆 159">
+                  <a:extLst>
+                    <a:ext uri="{FF2B5EF4-FFF2-40B4-BE49-F238E27FC236}">
+                      <a16:creationId xmlns:a16="http://schemas.microsoft.com/office/drawing/2014/main" id="{1AA752FC-AB41-433B-BE07-82E03FED832B}"/>
+                    </a:ext>
+                  </a:extLst>
+                </p:cNvPr>
+                <p:cNvSpPr/>
+                <p:nvPr/>
+              </p:nvSpPr>
+              <p:spPr>
+                <a:xfrm rot="16200000">
+                  <a:off x="6732462" y="1503087"/>
+                  <a:ext cx="42749" cy="42749"/>
+                </a:xfrm>
+                <a:prstGeom prst="ellipse">
+                  <a:avLst/>
+                </a:prstGeom>
+                <a:solidFill>
+                  <a:schemeClr val="tx1">
+                    <a:lumMod val="75000"/>
+                    <a:lumOff val="25000"/>
+                  </a:schemeClr>
+                </a:solidFill>
+                <a:ln w="44450">
+                  <a:solidFill>
+                    <a:schemeClr val="tx1">
+                      <a:lumMod val="75000"/>
+                      <a:lumOff val="25000"/>
+                    </a:schemeClr>
+                  </a:solidFill>
+                </a:ln>
+              </p:spPr>
+              <p:style>
+                <a:lnRef idx="2">
+                  <a:schemeClr val="accent1">
+                    <a:shade val="50000"/>
+                  </a:schemeClr>
+                </a:lnRef>
+                <a:fillRef idx="1">
+                  <a:schemeClr val="accent1"/>
+                </a:fillRef>
+                <a:effectRef idx="0">
+                  <a:schemeClr val="accent1"/>
+                </a:effectRef>
+                <a:fontRef idx="minor">
+                  <a:schemeClr val="lt1"/>
+                </a:fontRef>
+              </p:style>
+              <p:txBody>
+                <a:bodyPr rtlCol="0" anchor="ctr"/>
+                <a:lstStyle/>
+                <a:p>
+                  <a:pPr algn="ctr"/>
+                  <a:endParaRPr lang="zh-CN" altLang="en-US" dirty="0"/>
+                </a:p>
+              </p:txBody>
+            </p:sp>
+            <p:sp>
+              <p:nvSpPr>
+                <p:cNvPr id="161" name="椭圆 160">
+                  <a:extLst>
+                    <a:ext uri="{FF2B5EF4-FFF2-40B4-BE49-F238E27FC236}">
+                      <a16:creationId xmlns:a16="http://schemas.microsoft.com/office/drawing/2014/main" id="{05F31311-5AA1-4E16-AFA6-1AA62661C8CF}"/>
+                    </a:ext>
+                  </a:extLst>
+                </p:cNvPr>
+                <p:cNvSpPr/>
+                <p:nvPr/>
+              </p:nvSpPr>
+              <p:spPr>
+                <a:xfrm rot="16200000">
+                  <a:off x="6934338" y="1500118"/>
+                  <a:ext cx="42749" cy="42749"/>
+                </a:xfrm>
+                <a:prstGeom prst="ellipse">
+                  <a:avLst/>
+                </a:prstGeom>
+                <a:solidFill>
+                  <a:schemeClr val="tx1">
+                    <a:lumMod val="75000"/>
+                    <a:lumOff val="25000"/>
+                  </a:schemeClr>
+                </a:solidFill>
+                <a:ln w="44450">
+                  <a:solidFill>
+                    <a:schemeClr val="tx1">
+                      <a:lumMod val="75000"/>
+                      <a:lumOff val="25000"/>
+                    </a:schemeClr>
+                  </a:solidFill>
+                </a:ln>
+              </p:spPr>
+              <p:style>
+                <a:lnRef idx="2">
+                  <a:schemeClr val="accent1">
+                    <a:shade val="50000"/>
+                  </a:schemeClr>
+                </a:lnRef>
+                <a:fillRef idx="1">
+                  <a:schemeClr val="accent1"/>
+                </a:fillRef>
+                <a:effectRef idx="0">
+                  <a:schemeClr val="accent1"/>
+                </a:effectRef>
+                <a:fontRef idx="minor">
+                  <a:schemeClr val="lt1"/>
+                </a:fontRef>
+              </p:style>
+              <p:txBody>
+                <a:bodyPr rtlCol="0" anchor="ctr"/>
+                <a:lstStyle/>
+                <a:p>
+                  <a:pPr algn="ctr"/>
+                  <a:endParaRPr lang="zh-CN" altLang="en-US" dirty="0"/>
+                </a:p>
+              </p:txBody>
+            </p:sp>
+            <p:sp>
+              <p:nvSpPr>
+                <p:cNvPr id="162" name="椭圆 161">
+                  <a:extLst>
+                    <a:ext uri="{FF2B5EF4-FFF2-40B4-BE49-F238E27FC236}">
+                      <a16:creationId xmlns:a16="http://schemas.microsoft.com/office/drawing/2014/main" id="{CAFA6E83-3AF3-4E98-80A7-B7E963FF1550}"/>
+                    </a:ext>
+                  </a:extLst>
+                </p:cNvPr>
+                <p:cNvSpPr/>
+                <p:nvPr/>
+              </p:nvSpPr>
+              <p:spPr>
+                <a:xfrm rot="16200000">
+                  <a:off x="7136215" y="1500117"/>
+                  <a:ext cx="42749" cy="42749"/>
+                </a:xfrm>
+                <a:prstGeom prst="ellipse">
+                  <a:avLst/>
+                </a:prstGeom>
+                <a:solidFill>
+                  <a:schemeClr val="tx1">
+                    <a:lumMod val="75000"/>
+                    <a:lumOff val="25000"/>
+                  </a:schemeClr>
+                </a:solidFill>
+                <a:ln w="44450">
+                  <a:solidFill>
+                    <a:schemeClr val="tx1">
+                      <a:lumMod val="75000"/>
+                      <a:lumOff val="25000"/>
+                    </a:schemeClr>
+                  </a:solidFill>
+                </a:ln>
+              </p:spPr>
+              <p:style>
+                <a:lnRef idx="2">
+                  <a:schemeClr val="accent1">
+                    <a:shade val="50000"/>
+                  </a:schemeClr>
+                </a:lnRef>
+                <a:fillRef idx="1">
+                  <a:schemeClr val="accent1"/>
+                </a:fillRef>
+                <a:effectRef idx="0">
+                  <a:schemeClr val="accent1"/>
+                </a:effectRef>
+                <a:fontRef idx="minor">
+                  <a:schemeClr val="lt1"/>
+                </a:fontRef>
+              </p:style>
+              <p:txBody>
+                <a:bodyPr rtlCol="0" anchor="ctr"/>
+                <a:lstStyle/>
+                <a:p>
+                  <a:pPr algn="ctr"/>
+                  <a:endParaRPr lang="zh-CN" altLang="en-US" dirty="0"/>
+                </a:p>
+              </p:txBody>
+            </p:sp>
+          </p:grpSp>
+          <p:cxnSp>
+            <p:nvCxnSpPr>
+              <p:cNvPr id="143" name="直接箭头连接符 142">
+                <a:extLst>
+                  <a:ext uri="{FF2B5EF4-FFF2-40B4-BE49-F238E27FC236}">
+                    <a16:creationId xmlns:a16="http://schemas.microsoft.com/office/drawing/2014/main" id="{BA4E4560-2641-4FE6-9A61-387A589ABE96}"/>
+                  </a:ext>
+                </a:extLst>
+              </p:cNvPr>
+              <p:cNvCxnSpPr>
+                <a:cxnSpLocks/>
+              </p:cNvCxnSpPr>
+              <p:nvPr/>
+            </p:nvCxnSpPr>
+            <p:spPr>
+              <a:xfrm rot="4200000">
+                <a:off x="9360271" y="4930000"/>
+                <a:ext cx="882920" cy="0"/>
+              </a:xfrm>
+              <a:prstGeom prst="straightConnector1">
+                <a:avLst/>
+              </a:prstGeom>
+              <a:ln w="44450">
+                <a:solidFill>
+                  <a:schemeClr val="tx1">
+                    <a:lumMod val="65000"/>
+                    <a:lumOff val="35000"/>
+                  </a:schemeClr>
+                </a:solidFill>
+                <a:tailEnd type="triangle"/>
+              </a:ln>
+            </p:spPr>
+            <p:style>
+              <a:lnRef idx="1">
+                <a:schemeClr val="accent1"/>
+              </a:lnRef>
+              <a:fillRef idx="0">
+                <a:schemeClr val="accent1"/>
+              </a:fillRef>
+              <a:effectRef idx="0">
+                <a:schemeClr val="accent1"/>
+              </a:effectRef>
+              <a:fontRef idx="minor">
+                <a:schemeClr val="tx1"/>
+              </a:fontRef>
+            </p:style>
+          </p:cxnSp>
+          <p:grpSp>
+            <p:nvGrpSpPr>
+              <p:cNvPr id="137" name="组合 136">
+                <a:extLst>
+                  <a:ext uri="{FF2B5EF4-FFF2-40B4-BE49-F238E27FC236}">
+                    <a16:creationId xmlns:a16="http://schemas.microsoft.com/office/drawing/2014/main" id="{2E4C292A-3BDA-4EC2-A577-B7491AFF19A6}"/>
+                  </a:ext>
+                </a:extLst>
+              </p:cNvPr>
+              <p:cNvGrpSpPr/>
+              <p:nvPr/>
+            </p:nvGrpSpPr>
+            <p:grpSpPr>
+              <a:xfrm>
+                <a:off x="9559694" y="5350428"/>
+                <a:ext cx="1325947" cy="508656"/>
+                <a:chOff x="4345758" y="2611226"/>
+                <a:chExt cx="1769290" cy="678730"/>
+              </a:xfrm>
+            </p:grpSpPr>
+            <p:sp>
+              <p:nvSpPr>
+                <p:cNvPr id="186" name="矩形 185">
+                  <a:extLst>
+                    <a:ext uri="{FF2B5EF4-FFF2-40B4-BE49-F238E27FC236}">
+                      <a16:creationId xmlns:a16="http://schemas.microsoft.com/office/drawing/2014/main" id="{5023263B-3AD3-4535-B338-5629040E59C2}"/>
+                    </a:ext>
+                  </a:extLst>
+                </p:cNvPr>
+                <p:cNvSpPr/>
+                <p:nvPr/>
+              </p:nvSpPr>
+              <p:spPr>
+                <a:xfrm>
+                  <a:off x="4345758" y="2611226"/>
+                  <a:ext cx="1150070" cy="678730"/>
+                </a:xfrm>
+                <a:prstGeom prst="rect">
+                  <a:avLst/>
+                </a:prstGeom>
+                <a:solidFill>
+                  <a:schemeClr val="accent1"/>
+                </a:solidFill>
+                <a:ln>
+                  <a:solidFill>
+                    <a:schemeClr val="tx1">
+                      <a:lumMod val="65000"/>
+                      <a:lumOff val="35000"/>
+                    </a:schemeClr>
+                  </a:solidFill>
+                </a:ln>
+              </p:spPr>
+              <p:style>
+                <a:lnRef idx="2">
+                  <a:schemeClr val="accent1">
+                    <a:shade val="50000"/>
+                  </a:schemeClr>
+                </a:lnRef>
+                <a:fillRef idx="1">
+                  <a:schemeClr val="accent1"/>
+                </a:fillRef>
+                <a:effectRef idx="0">
+                  <a:schemeClr val="accent1"/>
+                </a:effectRef>
+                <a:fontRef idx="minor">
+                  <a:schemeClr val="lt1"/>
+                </a:fontRef>
+              </p:style>
+              <p:txBody>
+                <a:bodyPr rtlCol="0" anchor="ctr"/>
+                <a:lstStyle/>
+                <a:p>
+                  <a:pPr algn="ctr"/>
+                  <a:r>
+                    <a:rPr lang="en-US" altLang="zh-CN" dirty="0"/>
+                    <a:t>data</a:t>
+                  </a:r>
+                  <a:endParaRPr lang="zh-CN" altLang="en-US" dirty="0"/>
+                </a:p>
+              </p:txBody>
+            </p:sp>
+            <p:sp>
+              <p:nvSpPr>
+                <p:cNvPr id="187" name="矩形 186">
+                  <a:extLst>
+                    <a:ext uri="{FF2B5EF4-FFF2-40B4-BE49-F238E27FC236}">
+                      <a16:creationId xmlns:a16="http://schemas.microsoft.com/office/drawing/2014/main" id="{3953C43C-9BE9-4D13-A836-C66A03F78210}"/>
+                    </a:ext>
+                  </a:extLst>
+                </p:cNvPr>
+                <p:cNvSpPr/>
+                <p:nvPr/>
+              </p:nvSpPr>
+              <p:spPr>
+                <a:xfrm>
+                  <a:off x="5492585" y="2611226"/>
+                  <a:ext cx="622463" cy="678730"/>
+                </a:xfrm>
+                <a:prstGeom prst="rect">
+                  <a:avLst/>
+                </a:prstGeom>
+                <a:solidFill>
+                  <a:schemeClr val="accent6"/>
+                </a:solidFill>
+                <a:ln>
+                  <a:solidFill>
+                    <a:schemeClr val="tx1">
+                      <a:lumMod val="65000"/>
+                      <a:lumOff val="35000"/>
+                    </a:schemeClr>
+                  </a:solidFill>
+                </a:ln>
+              </p:spPr>
+              <p:style>
+                <a:lnRef idx="2">
+                  <a:schemeClr val="accent1">
+                    <a:shade val="50000"/>
+                  </a:schemeClr>
+                </a:lnRef>
+                <a:fillRef idx="1">
+                  <a:schemeClr val="accent1"/>
+                </a:fillRef>
+                <a:effectRef idx="0">
+                  <a:schemeClr val="accent1"/>
+                </a:effectRef>
+                <a:fontRef idx="minor">
+                  <a:schemeClr val="lt1"/>
+                </a:fontRef>
+              </p:style>
+              <p:txBody>
+                <a:bodyPr rtlCol="0" anchor="ctr"/>
+                <a:lstStyle/>
+                <a:p>
+                  <a:pPr algn="ctr"/>
+                  <a:endParaRPr lang="zh-CN" altLang="en-US" dirty="0"/>
+                </a:p>
+              </p:txBody>
+            </p:sp>
+          </p:grpSp>
+          <p:sp>
+            <p:nvSpPr>
+              <p:cNvPr id="138" name="文本框 137">
+                <a:extLst>
+                  <a:ext uri="{FF2B5EF4-FFF2-40B4-BE49-F238E27FC236}">
+                    <a16:creationId xmlns:a16="http://schemas.microsoft.com/office/drawing/2014/main" id="{7B7AE65A-7F4D-42C1-9B06-B190321E5AB2}"/>
+                  </a:ext>
+                </a:extLst>
+              </p:cNvPr>
+              <p:cNvSpPr txBox="1"/>
+              <p:nvPr/>
+            </p:nvSpPr>
+            <p:spPr>
+              <a:xfrm>
+                <a:off x="9727197" y="5995960"/>
+                <a:ext cx="955546" cy="338554"/>
+              </a:xfrm>
+              <a:prstGeom prst="rect">
+                <a:avLst/>
+              </a:prstGeom>
+              <a:noFill/>
+            </p:spPr>
+            <p:txBody>
+              <a:bodyPr wrap="square" rtlCol="0">
+                <a:spAutoFit/>
+              </a:bodyPr>
+              <a:lstStyle/>
+              <a:p>
+                <a:pPr algn="ctr"/>
+                <a:r>
+                  <a:rPr lang="zh-CN" altLang="en-US" sz="1600" dirty="0">
+                    <a:latin typeface="Adobe 黑体 Std R" panose="020B0400000000000000" pitchFamily="34" charset="-122"/>
+                    <a:ea typeface="Adobe 黑体 Std R" panose="020B0400000000000000" pitchFamily="34" charset="-122"/>
+                  </a:rPr>
+                  <a:t>新节点</a:t>
+                </a:r>
+              </a:p>
+            </p:txBody>
+          </p:sp>
+          <p:cxnSp>
+            <p:nvCxnSpPr>
+              <p:cNvPr id="139" name="直接箭头连接符 138">
+                <a:extLst>
+                  <a:ext uri="{FF2B5EF4-FFF2-40B4-BE49-F238E27FC236}">
+                    <a16:creationId xmlns:a16="http://schemas.microsoft.com/office/drawing/2014/main" id="{8E24F057-081D-414E-B51B-B4EE58700726}"/>
+                  </a:ext>
+                </a:extLst>
+              </p:cNvPr>
+              <p:cNvCxnSpPr>
+                <a:cxnSpLocks/>
+              </p:cNvCxnSpPr>
+              <p:nvPr/>
+            </p:nvCxnSpPr>
+            <p:spPr>
+              <a:xfrm flipV="1">
+                <a:off x="10658746" y="4680948"/>
+                <a:ext cx="143503" cy="944130"/>
+              </a:xfrm>
+              <a:prstGeom prst="straightConnector1">
+                <a:avLst/>
+              </a:prstGeom>
+              <a:ln w="44450">
+                <a:solidFill>
+                  <a:schemeClr val="tx1">
+                    <a:lumMod val="65000"/>
+                    <a:lumOff val="35000"/>
+                  </a:schemeClr>
+                </a:solidFill>
+                <a:tailEnd type="triangle"/>
+              </a:ln>
+            </p:spPr>
+            <p:style>
+              <a:lnRef idx="1">
+                <a:schemeClr val="accent1"/>
+              </a:lnRef>
+              <a:fillRef idx="0">
+                <a:schemeClr val="accent1"/>
+              </a:fillRef>
+              <a:effectRef idx="0">
+                <a:schemeClr val="accent1"/>
+              </a:effectRef>
+              <a:fontRef idx="minor">
+                <a:schemeClr val="tx1"/>
+              </a:fontRef>
+            </p:style>
+          </p:cxnSp>
+          <p:sp>
+            <p:nvSpPr>
+              <p:cNvPr id="140" name="椭圆 139">
+                <a:extLst>
+                  <a:ext uri="{FF2B5EF4-FFF2-40B4-BE49-F238E27FC236}">
+                    <a16:creationId xmlns:a16="http://schemas.microsoft.com/office/drawing/2014/main" id="{99BD743D-14DC-485F-BD3A-7400F161FB08}"/>
+                  </a:ext>
+                </a:extLst>
+              </p:cNvPr>
+              <p:cNvSpPr/>
+              <p:nvPr/>
+            </p:nvSpPr>
+            <p:spPr>
+              <a:xfrm>
+                <a:off x="10633663" y="5604756"/>
+                <a:ext cx="45719" cy="45719"/>
+              </a:xfrm>
+              <a:prstGeom prst="ellipse">
+                <a:avLst/>
+              </a:prstGeom>
+              <a:solidFill>
+                <a:schemeClr val="tx1">
+                  <a:lumMod val="75000"/>
+                  <a:lumOff val="25000"/>
+                </a:schemeClr>
+              </a:solidFill>
+              <a:ln w="44450">
+                <a:solidFill>
+                  <a:schemeClr val="tx1">
+                    <a:lumMod val="75000"/>
+                    <a:lumOff val="25000"/>
+                  </a:schemeClr>
+                </a:solidFill>
+              </a:ln>
+            </p:spPr>
+            <p:style>
+              <a:lnRef idx="2">
+                <a:schemeClr val="accent1">
+                  <a:shade val="50000"/>
+                </a:schemeClr>
+              </a:lnRef>
+              <a:fillRef idx="1">
+                <a:schemeClr val="accent1"/>
+              </a:fillRef>
+              <a:effectRef idx="0">
+                <a:schemeClr val="accent1"/>
+              </a:effectRef>
+              <a:fontRef idx="minor">
+                <a:schemeClr val="lt1"/>
+              </a:fontRef>
+            </p:style>
+            <p:txBody>
+              <a:bodyPr rtlCol="0" anchor="ctr"/>
+              <a:lstStyle/>
+              <a:p>
+                <a:pPr algn="ctr"/>
+                <a:endParaRPr lang="zh-CN" altLang="en-US" dirty="0"/>
+              </a:p>
+            </p:txBody>
+          </p:sp>
+          <p:cxnSp>
+            <p:nvCxnSpPr>
+              <p:cNvPr id="165" name="直接箭头连接符 164">
+                <a:extLst>
+                  <a:ext uri="{FF2B5EF4-FFF2-40B4-BE49-F238E27FC236}">
+                    <a16:creationId xmlns:a16="http://schemas.microsoft.com/office/drawing/2014/main" id="{2E7B7982-1F1F-4840-B0FF-D9E4273A8492}"/>
+                  </a:ext>
+                </a:extLst>
+              </p:cNvPr>
+              <p:cNvCxnSpPr>
+                <a:cxnSpLocks/>
+              </p:cNvCxnSpPr>
+              <p:nvPr/>
+            </p:nvCxnSpPr>
+            <p:spPr>
+              <a:xfrm>
+                <a:off x="9641479" y="4507076"/>
+                <a:ext cx="882920" cy="0"/>
+              </a:xfrm>
+              <a:prstGeom prst="straightConnector1">
+                <a:avLst/>
+              </a:prstGeom>
+              <a:ln w="44450">
+                <a:solidFill>
+                  <a:schemeClr val="bg1">
+                    <a:lumMod val="65000"/>
+                  </a:schemeClr>
+                </a:solidFill>
+                <a:tailEnd type="triangle"/>
+              </a:ln>
+            </p:spPr>
+            <p:style>
+              <a:lnRef idx="1">
+                <a:schemeClr val="accent1"/>
+              </a:lnRef>
+              <a:fillRef idx="0">
+                <a:schemeClr val="accent1"/>
+              </a:fillRef>
+              <a:effectRef idx="0">
+                <a:schemeClr val="accent1"/>
+              </a:effectRef>
+              <a:fontRef idx="minor">
+                <a:schemeClr val="tx1"/>
+              </a:fontRef>
+            </p:style>
+          </p:cxnSp>
+          <p:sp>
+            <p:nvSpPr>
+              <p:cNvPr id="166" name="椭圆 165">
+                <a:extLst>
+                  <a:ext uri="{FF2B5EF4-FFF2-40B4-BE49-F238E27FC236}">
+                    <a16:creationId xmlns:a16="http://schemas.microsoft.com/office/drawing/2014/main" id="{8B41EFA3-447D-4398-9D09-3EAE5B6F4588}"/>
+                  </a:ext>
+                </a:extLst>
+              </p:cNvPr>
+              <p:cNvSpPr/>
+              <p:nvPr/>
+            </p:nvSpPr>
+            <p:spPr>
+              <a:xfrm>
+                <a:off x="9622745" y="4483732"/>
+                <a:ext cx="45719" cy="45719"/>
+              </a:xfrm>
+              <a:prstGeom prst="ellipse">
+                <a:avLst/>
+              </a:prstGeom>
+              <a:solidFill>
+                <a:schemeClr val="tx1">
+                  <a:lumMod val="75000"/>
+                  <a:lumOff val="25000"/>
+                </a:schemeClr>
+              </a:solidFill>
+              <a:ln w="44450">
+                <a:solidFill>
+                  <a:schemeClr val="tx1">
+                    <a:lumMod val="75000"/>
+                    <a:lumOff val="25000"/>
+                  </a:schemeClr>
+                </a:solidFill>
+              </a:ln>
+            </p:spPr>
+            <p:style>
+              <a:lnRef idx="2">
+                <a:schemeClr val="accent1">
+                  <a:shade val="50000"/>
+                </a:schemeClr>
+              </a:lnRef>
+              <a:fillRef idx="1">
+                <a:schemeClr val="accent1"/>
+              </a:fillRef>
+              <a:effectRef idx="0">
+                <a:schemeClr val="accent1"/>
+              </a:effectRef>
+              <a:fontRef idx="minor">
+                <a:schemeClr val="lt1"/>
+              </a:fontRef>
+            </p:style>
+            <p:txBody>
+              <a:bodyPr rtlCol="0" anchor="ctr"/>
+              <a:lstStyle/>
+              <a:p>
+                <a:pPr algn="ctr"/>
+                <a:endParaRPr lang="zh-CN" altLang="en-US" dirty="0"/>
+              </a:p>
+            </p:txBody>
+          </p:sp>
+          <p:grpSp>
+            <p:nvGrpSpPr>
+              <p:cNvPr id="157" name="组合 156">
+                <a:extLst>
+                  <a:ext uri="{FF2B5EF4-FFF2-40B4-BE49-F238E27FC236}">
+                    <a16:creationId xmlns:a16="http://schemas.microsoft.com/office/drawing/2014/main" id="{82A5D1CE-A026-4AA0-932D-5004D8939FBE}"/>
+                  </a:ext>
+                </a:extLst>
+              </p:cNvPr>
+              <p:cNvGrpSpPr/>
+              <p:nvPr/>
+            </p:nvGrpSpPr>
+            <p:grpSpPr>
+              <a:xfrm>
+                <a:off x="10060809" y="4314453"/>
+                <a:ext cx="268399" cy="377412"/>
+                <a:chOff x="2272759" y="3754492"/>
+                <a:chExt cx="272797" cy="401211"/>
+              </a:xfrm>
+            </p:grpSpPr>
+            <p:cxnSp>
+              <p:nvCxnSpPr>
+                <p:cNvPr id="158" name="直接连接符 157">
+                  <a:extLst>
+                    <a:ext uri="{FF2B5EF4-FFF2-40B4-BE49-F238E27FC236}">
+                      <a16:creationId xmlns:a16="http://schemas.microsoft.com/office/drawing/2014/main" id="{B0F4D2E6-7B9F-4B8E-ADCA-178823493369}"/>
+                    </a:ext>
+                  </a:extLst>
+                </p:cNvPr>
+                <p:cNvCxnSpPr>
+                  <a:cxnSpLocks/>
+                </p:cNvCxnSpPr>
+                <p:nvPr/>
+              </p:nvCxnSpPr>
+              <p:spPr>
+                <a:xfrm>
+                  <a:off x="2273031" y="3756862"/>
+                  <a:ext cx="272525" cy="398841"/>
+                </a:xfrm>
+                <a:prstGeom prst="line">
+                  <a:avLst/>
+                </a:prstGeom>
+                <a:ln w="25400">
+                  <a:solidFill>
+                    <a:srgbClr val="E83D20"/>
+                  </a:solidFill>
+                </a:ln>
+              </p:spPr>
+              <p:style>
+                <a:lnRef idx="1">
+                  <a:schemeClr val="accent1"/>
+                </a:lnRef>
+                <a:fillRef idx="0">
+                  <a:schemeClr val="accent1"/>
+                </a:fillRef>
+                <a:effectRef idx="0">
+                  <a:schemeClr val="accent1"/>
+                </a:effectRef>
+                <a:fontRef idx="minor">
+                  <a:schemeClr val="tx1"/>
+                </a:fontRef>
+              </p:style>
+            </p:cxnSp>
+            <p:cxnSp>
+              <p:nvCxnSpPr>
+                <p:cNvPr id="159" name="直接连接符 158">
+                  <a:extLst>
+                    <a:ext uri="{FF2B5EF4-FFF2-40B4-BE49-F238E27FC236}">
+                      <a16:creationId xmlns:a16="http://schemas.microsoft.com/office/drawing/2014/main" id="{95A51BFE-89A0-42DC-9B9B-E5B6C11BA358}"/>
+                    </a:ext>
+                  </a:extLst>
+                </p:cNvPr>
+                <p:cNvCxnSpPr>
+                  <a:cxnSpLocks/>
+                </p:cNvCxnSpPr>
+                <p:nvPr/>
+              </p:nvCxnSpPr>
+              <p:spPr>
+                <a:xfrm flipH="1">
+                  <a:off x="2272759" y="3754492"/>
+                  <a:ext cx="272525" cy="398841"/>
+                </a:xfrm>
+                <a:prstGeom prst="line">
+                  <a:avLst/>
+                </a:prstGeom>
+                <a:ln w="25400">
+                  <a:solidFill>
+                    <a:srgbClr val="E83D20"/>
+                  </a:solidFill>
+                </a:ln>
+              </p:spPr>
+              <p:style>
+                <a:lnRef idx="1">
+                  <a:schemeClr val="accent1"/>
+                </a:lnRef>
+                <a:fillRef idx="0">
+                  <a:schemeClr val="accent1"/>
+                </a:fillRef>
+                <a:effectRef idx="0">
+                  <a:schemeClr val="accent1"/>
+                </a:effectRef>
+                <a:fontRef idx="minor">
+                  <a:schemeClr val="tx1"/>
+                </a:fontRef>
+              </p:style>
+            </p:cxnSp>
+          </p:grpSp>
+        </p:grpSp>
+        <p:sp>
+          <p:nvSpPr>
+            <p:cNvPr id="189" name="文本框 188">
+              <a:extLst>
+                <a:ext uri="{FF2B5EF4-FFF2-40B4-BE49-F238E27FC236}">
+                  <a16:creationId xmlns:a16="http://schemas.microsoft.com/office/drawing/2014/main" id="{D4DC8483-73BB-4D7E-BAAA-257FA54E3D62}"/>
+                </a:ext>
+              </a:extLst>
+            </p:cNvPr>
+            <p:cNvSpPr txBox="1"/>
+            <p:nvPr/>
+          </p:nvSpPr>
+          <p:spPr>
+            <a:xfrm>
+              <a:off x="7724125" y="5449223"/>
+              <a:ext cx="955546" cy="338554"/>
+            </a:xfrm>
+            <a:prstGeom prst="rect">
+              <a:avLst/>
+            </a:prstGeom>
+            <a:noFill/>
+          </p:spPr>
+          <p:txBody>
+            <a:bodyPr wrap="square" rtlCol="0">
+              <a:spAutoFit/>
+            </a:bodyPr>
+            <a:lstStyle/>
+            <a:p>
+              <a:pPr algn="ctr"/>
+              <a:r>
+                <a:rPr lang="zh-CN" altLang="en-US" sz="1600" dirty="0">
+                  <a:latin typeface="Adobe 黑体 Std R" panose="020B0400000000000000" pitchFamily="34" charset="-122"/>
+                  <a:ea typeface="Adobe 黑体 Std R" panose="020B0400000000000000" pitchFamily="34" charset="-122"/>
+                </a:rPr>
+                <a:t>尾指针</a:t>
+              </a:r>
+            </a:p>
+          </p:txBody>
+        </p:sp>
+        <p:cxnSp>
+          <p:nvCxnSpPr>
+            <p:cNvPr id="191" name="直接箭头连接符 190">
+              <a:extLst>
+                <a:ext uri="{FF2B5EF4-FFF2-40B4-BE49-F238E27FC236}">
+                  <a16:creationId xmlns:a16="http://schemas.microsoft.com/office/drawing/2014/main" id="{10909CFA-7C20-4662-85C3-FC64FED57363}"/>
+                </a:ext>
+              </a:extLst>
+            </p:cNvPr>
+            <p:cNvCxnSpPr>
+              <a:cxnSpLocks/>
+            </p:cNvCxnSpPr>
+            <p:nvPr/>
+          </p:nvCxnSpPr>
+          <p:spPr>
+            <a:xfrm>
+              <a:off x="8663618" y="5608885"/>
+              <a:ext cx="882920" cy="0"/>
+            </a:xfrm>
+            <a:prstGeom prst="straightConnector1">
+              <a:avLst/>
+            </a:prstGeom>
+            <a:ln w="44450">
+              <a:solidFill>
+                <a:schemeClr val="tx1">
+                  <a:lumMod val="65000"/>
+                  <a:lumOff val="35000"/>
+                </a:schemeClr>
+              </a:solidFill>
+              <a:tailEnd type="triangle"/>
+            </a:ln>
+          </p:spPr>
+          <p:style>
+            <a:lnRef idx="1">
+              <a:schemeClr val="accent1"/>
+            </a:lnRef>
+            <a:fillRef idx="0">
+              <a:schemeClr val="accent1"/>
+            </a:fillRef>
+            <a:effectRef idx="0">
+              <a:schemeClr val="accent1"/>
+            </a:effectRef>
+            <a:fontRef idx="minor">
+              <a:schemeClr val="tx1"/>
+            </a:fontRef>
+          </p:style>
+        </p:cxnSp>
+        <p:sp>
+          <p:nvSpPr>
+            <p:cNvPr id="192" name="椭圆 191">
+              <a:extLst>
+                <a:ext uri="{FF2B5EF4-FFF2-40B4-BE49-F238E27FC236}">
+                  <a16:creationId xmlns:a16="http://schemas.microsoft.com/office/drawing/2014/main" id="{605759F7-6BFD-4C06-AF82-85F73589F042}"/>
+                </a:ext>
+              </a:extLst>
+            </p:cNvPr>
+            <p:cNvSpPr/>
+            <p:nvPr/>
+          </p:nvSpPr>
+          <p:spPr>
+            <a:xfrm>
+              <a:off x="8644884" y="5585541"/>
+              <a:ext cx="45719" cy="45719"/>
+            </a:xfrm>
+            <a:prstGeom prst="ellipse">
+              <a:avLst/>
+            </a:prstGeom>
+            <a:solidFill>
+              <a:schemeClr val="tx1">
+                <a:lumMod val="75000"/>
+                <a:lumOff val="25000"/>
+              </a:schemeClr>
+            </a:solidFill>
+            <a:ln w="44450">
+              <a:solidFill>
+                <a:schemeClr val="tx1">
+                  <a:lumMod val="75000"/>
+                  <a:lumOff val="25000"/>
+                </a:schemeClr>
+              </a:solidFill>
+            </a:ln>
+          </p:spPr>
+          <p:style>
+            <a:lnRef idx="2">
+              <a:schemeClr val="accent1">
+                <a:shade val="50000"/>
+              </a:schemeClr>
+            </a:lnRef>
+            <a:fillRef idx="1">
+              <a:schemeClr val="accent1"/>
+            </a:fillRef>
+            <a:effectRef idx="0">
+              <a:schemeClr val="accent1"/>
+            </a:effectRef>
+            <a:fontRef idx="minor">
+              <a:schemeClr val="lt1"/>
+            </a:fontRef>
+          </p:style>
+          <p:txBody>
+            <a:bodyPr rtlCol="0" anchor="ctr"/>
+            <a:lstStyle/>
+            <a:p>
+              <a:pPr algn="ctr"/>
+              <a:endParaRPr lang="zh-CN" altLang="en-US" dirty="0"/>
+            </a:p>
+          </p:txBody>
+        </p:sp>
+      </p:grpSp>
+    </p:spTree>
+    <p:extLst>
+      <p:ext uri="{BB962C8B-B14F-4D97-AF65-F5344CB8AC3E}">
+        <p14:creationId xmlns:p14="http://schemas.microsoft.com/office/powerpoint/2010/main" val="2410609667"/>
+      </p:ext>
+    </p:extLst>
+  </p:cSld>
+  <p:clrMapOvr>
+    <a:masterClrMapping/>
+  </p:clrMapOvr>
+</p:sld>
+</file>
+
+<file path=ppt/slides/slide6.xml><?xml version="1.0" encoding="utf-8"?>
+<p:sld xmlns:a="http://schemas.openxmlformats.org/drawingml/2006/main" xmlns:r="http://schemas.openxmlformats.org/officeDocument/2006/relationships" xmlns:p="http://schemas.openxmlformats.org/presentationml/2006/main">
+  <p:cSld>
+    <p:spTree>
+      <p:nvGrpSpPr>
+        <p:cNvPr id="1" name=""/>
+        <p:cNvGrpSpPr/>
+        <p:nvPr/>
+      </p:nvGrpSpPr>
+      <p:grpSpPr>
+        <a:xfrm>
+          <a:off x="0" y="0"/>
+          <a:ext cx="0" cy="0"/>
+          <a:chOff x="0" y="0"/>
+          <a:chExt cx="0" cy="0"/>
+        </a:xfrm>
+      </p:grpSpPr>
+      <p:sp>
+        <p:nvSpPr>
+          <p:cNvPr id="65" name="文本框 64">
+            <a:extLst>
+              <a:ext uri="{FF2B5EF4-FFF2-40B4-BE49-F238E27FC236}">
+                <a16:creationId xmlns:a16="http://schemas.microsoft.com/office/drawing/2014/main" id="{848B8FEC-388F-4A03-AB85-A78CF360BFAD}"/>
+              </a:ext>
+            </a:extLst>
+          </p:cNvPr>
+          <p:cNvSpPr txBox="1"/>
+          <p:nvPr/>
+        </p:nvSpPr>
+        <p:spPr>
+          <a:xfrm>
+            <a:off x="381000" y="425450"/>
+            <a:ext cx="3346450" cy="369332"/>
+          </a:xfrm>
+          <a:prstGeom prst="rect">
+            <a:avLst/>
+          </a:prstGeom>
+          <a:noFill/>
+        </p:spPr>
+        <p:txBody>
+          <a:bodyPr wrap="square" rtlCol="0">
+            <a:spAutoFit/>
+          </a:bodyPr>
+          <a:lstStyle/>
+          <a:p>
+            <a:r>
+              <a:rPr lang="zh-CN" altLang="en-US" dirty="0"/>
+              <a:t>头插法和尾插法</a:t>
+            </a:r>
+          </a:p>
+        </p:txBody>
+      </p:sp>
+      <p:grpSp>
+        <p:nvGrpSpPr>
+          <p:cNvPr id="10" name="组合 9">
+            <a:extLst>
+              <a:ext uri="{FF2B5EF4-FFF2-40B4-BE49-F238E27FC236}">
+                <a16:creationId xmlns:a16="http://schemas.microsoft.com/office/drawing/2014/main" id="{85EF5C39-FE6A-4755-A347-6C931DEC32D5}"/>
+              </a:ext>
+            </a:extLst>
+          </p:cNvPr>
+          <p:cNvGrpSpPr/>
+          <p:nvPr/>
+        </p:nvGrpSpPr>
+        <p:grpSpPr>
+          <a:xfrm>
+            <a:off x="479239" y="1302408"/>
+            <a:ext cx="10689956" cy="1972999"/>
+            <a:chOff x="479239" y="1302408"/>
+            <a:chExt cx="10689956" cy="1972999"/>
+          </a:xfrm>
+        </p:grpSpPr>
+        <p:grpSp>
+          <p:nvGrpSpPr>
+            <p:cNvPr id="18" name="组合 17">
+              <a:extLst>
+                <a:ext uri="{FF2B5EF4-FFF2-40B4-BE49-F238E27FC236}">
+                  <a16:creationId xmlns:a16="http://schemas.microsoft.com/office/drawing/2014/main" id="{8DB65663-3188-4F4D-9369-E440CF623564}"/>
+                </a:ext>
+              </a:extLst>
+            </p:cNvPr>
+            <p:cNvGrpSpPr/>
+            <p:nvPr/>
+          </p:nvGrpSpPr>
+          <p:grpSpPr>
+            <a:xfrm>
+              <a:off x="2483437" y="1774803"/>
+              <a:ext cx="3301570" cy="508656"/>
+              <a:chOff x="4345758" y="2781300"/>
+              <a:chExt cx="3301570" cy="508656"/>
+            </a:xfrm>
+          </p:grpSpPr>
+          <p:grpSp>
+            <p:nvGrpSpPr>
+              <p:cNvPr id="4" name="组合 3">
+                <a:extLst>
+                  <a:ext uri="{FF2B5EF4-FFF2-40B4-BE49-F238E27FC236}">
+                    <a16:creationId xmlns:a16="http://schemas.microsoft.com/office/drawing/2014/main" id="{81951FBA-8B86-4ABB-BB9E-51CC7507474A}"/>
+                  </a:ext>
+                </a:extLst>
+              </p:cNvPr>
+              <p:cNvGrpSpPr/>
+              <p:nvPr/>
+            </p:nvGrpSpPr>
+            <p:grpSpPr>
+              <a:xfrm>
+                <a:off x="4345758" y="2781300"/>
+                <a:ext cx="1325947" cy="508656"/>
+                <a:chOff x="4345758" y="2611226"/>
+                <a:chExt cx="1769290" cy="678730"/>
+              </a:xfrm>
+            </p:grpSpPr>
+            <p:sp>
+              <p:nvSpPr>
+                <p:cNvPr id="5" name="矩形 4">
+                  <a:extLst>
+                    <a:ext uri="{FF2B5EF4-FFF2-40B4-BE49-F238E27FC236}">
+                      <a16:creationId xmlns:a16="http://schemas.microsoft.com/office/drawing/2014/main" id="{91F7D8C4-C44F-4814-B31F-8E42F2BBD26F}"/>
+                    </a:ext>
+                  </a:extLst>
+                </p:cNvPr>
+                <p:cNvSpPr/>
+                <p:nvPr/>
+              </p:nvSpPr>
+              <p:spPr>
+                <a:xfrm>
+                  <a:off x="4345758" y="2611226"/>
+                  <a:ext cx="1150070" cy="678730"/>
+                </a:xfrm>
+                <a:prstGeom prst="rect">
+                  <a:avLst/>
+                </a:prstGeom>
+                <a:ln>
+                  <a:solidFill>
+                    <a:schemeClr val="tx1">
+                      <a:lumMod val="65000"/>
+                      <a:lumOff val="35000"/>
+                    </a:schemeClr>
+                  </a:solidFill>
+                </a:ln>
+              </p:spPr>
+              <p:style>
+                <a:lnRef idx="2">
+                  <a:schemeClr val="accent1">
+                    <a:shade val="50000"/>
+                  </a:schemeClr>
+                </a:lnRef>
+                <a:fillRef idx="1">
+                  <a:schemeClr val="accent1"/>
+                </a:fillRef>
+                <a:effectRef idx="0">
+                  <a:schemeClr val="accent1"/>
+                </a:effectRef>
+                <a:fontRef idx="minor">
+                  <a:schemeClr val="lt1"/>
+                </a:fontRef>
+              </p:style>
+              <p:txBody>
+                <a:bodyPr rtlCol="0" anchor="ctr"/>
+                <a:lstStyle/>
+                <a:p>
+                  <a:pPr algn="ctr"/>
+                  <a:r>
+                    <a:rPr lang="en-US" altLang="zh-CN" dirty="0"/>
+                    <a:t>40</a:t>
+                  </a:r>
+                  <a:endParaRPr lang="zh-CN" altLang="en-US" dirty="0"/>
+                </a:p>
+              </p:txBody>
+            </p:sp>
+            <p:sp>
+              <p:nvSpPr>
+                <p:cNvPr id="6" name="矩形 5">
+                  <a:extLst>
+                    <a:ext uri="{FF2B5EF4-FFF2-40B4-BE49-F238E27FC236}">
+                      <a16:creationId xmlns:a16="http://schemas.microsoft.com/office/drawing/2014/main" id="{6645EDD6-8159-429B-9BE5-56841DAA3D32}"/>
+                    </a:ext>
+                  </a:extLst>
+                </p:cNvPr>
+                <p:cNvSpPr/>
+                <p:nvPr/>
+              </p:nvSpPr>
+              <p:spPr>
+                <a:xfrm>
+                  <a:off x="5492585" y="2611226"/>
+                  <a:ext cx="622463" cy="678730"/>
+                </a:xfrm>
+                <a:prstGeom prst="rect">
+                  <a:avLst/>
+                </a:prstGeom>
+                <a:solidFill>
+                  <a:schemeClr val="accent6"/>
+                </a:solidFill>
+                <a:ln>
+                  <a:solidFill>
+                    <a:schemeClr val="tx1">
+                      <a:lumMod val="65000"/>
+                      <a:lumOff val="35000"/>
+                    </a:schemeClr>
+                  </a:solidFill>
+                </a:ln>
+              </p:spPr>
+              <p:style>
+                <a:lnRef idx="2">
+                  <a:schemeClr val="accent1">
+                    <a:shade val="50000"/>
+                  </a:schemeClr>
+                </a:lnRef>
+                <a:fillRef idx="1">
+                  <a:schemeClr val="accent1"/>
+                </a:fillRef>
+                <a:effectRef idx="0">
+                  <a:schemeClr val="accent1"/>
+                </a:effectRef>
+                <a:fontRef idx="minor">
+                  <a:schemeClr val="lt1"/>
+                </a:fontRef>
+              </p:style>
+              <p:txBody>
+                <a:bodyPr rtlCol="0" anchor="ctr"/>
+                <a:lstStyle/>
+                <a:p>
+                  <a:pPr algn="ctr"/>
+                  <a:endParaRPr lang="zh-CN" altLang="en-US" dirty="0"/>
+                </a:p>
+              </p:txBody>
+            </p:sp>
+          </p:grpSp>
+          <p:grpSp>
+            <p:nvGrpSpPr>
+              <p:cNvPr id="7" name="组合 6">
+                <a:extLst>
+                  <a:ext uri="{FF2B5EF4-FFF2-40B4-BE49-F238E27FC236}">
+                    <a16:creationId xmlns:a16="http://schemas.microsoft.com/office/drawing/2014/main" id="{E3B21196-27D6-4644-8217-FAB363BBE257}"/>
+                  </a:ext>
+                </a:extLst>
+              </p:cNvPr>
+              <p:cNvGrpSpPr/>
+              <p:nvPr/>
+            </p:nvGrpSpPr>
+            <p:grpSpPr>
+              <a:xfrm>
+                <a:off x="6321381" y="2781300"/>
+                <a:ext cx="1325947" cy="508656"/>
+                <a:chOff x="4345758" y="2611226"/>
+                <a:chExt cx="1769290" cy="678730"/>
+              </a:xfrm>
+            </p:grpSpPr>
+            <p:sp>
+              <p:nvSpPr>
+                <p:cNvPr id="8" name="矩形 7">
+                  <a:extLst>
+                    <a:ext uri="{FF2B5EF4-FFF2-40B4-BE49-F238E27FC236}">
+                      <a16:creationId xmlns:a16="http://schemas.microsoft.com/office/drawing/2014/main" id="{F3D1105F-2A5B-40C8-9E28-6BC1B5A415A9}"/>
+                    </a:ext>
+                  </a:extLst>
+                </p:cNvPr>
+                <p:cNvSpPr/>
+                <p:nvPr/>
+              </p:nvSpPr>
+              <p:spPr>
+                <a:xfrm>
+                  <a:off x="4345758" y="2611226"/>
+                  <a:ext cx="1150070" cy="678730"/>
+                </a:xfrm>
+                <a:prstGeom prst="rect">
+                  <a:avLst/>
+                </a:prstGeom>
+                <a:ln>
+                  <a:solidFill>
+                    <a:schemeClr val="tx1">
+                      <a:lumMod val="65000"/>
+                      <a:lumOff val="35000"/>
+                    </a:schemeClr>
+                  </a:solidFill>
+                </a:ln>
+              </p:spPr>
+              <p:style>
+                <a:lnRef idx="2">
+                  <a:schemeClr val="accent1">
+                    <a:shade val="50000"/>
+                  </a:schemeClr>
+                </a:lnRef>
+                <a:fillRef idx="1">
+                  <a:schemeClr val="accent1"/>
+                </a:fillRef>
+                <a:effectRef idx="0">
+                  <a:schemeClr val="accent1"/>
+                </a:effectRef>
+                <a:fontRef idx="minor">
+                  <a:schemeClr val="lt1"/>
+                </a:fontRef>
+              </p:style>
+              <p:txBody>
+                <a:bodyPr rtlCol="0" anchor="ctr"/>
+                <a:lstStyle/>
+                <a:p>
+                  <a:pPr algn="ctr"/>
+                  <a:r>
+                    <a:rPr lang="en-US" altLang="zh-CN" dirty="0"/>
+                    <a:t>30</a:t>
+                  </a:r>
+                  <a:endParaRPr lang="zh-CN" altLang="en-US" dirty="0"/>
+                </a:p>
+              </p:txBody>
+            </p:sp>
+            <p:sp>
+              <p:nvSpPr>
+                <p:cNvPr id="9" name="矩形 8">
+                  <a:extLst>
+                    <a:ext uri="{FF2B5EF4-FFF2-40B4-BE49-F238E27FC236}">
+                      <a16:creationId xmlns:a16="http://schemas.microsoft.com/office/drawing/2014/main" id="{0960B612-3C62-4AF8-842B-F32238832D4B}"/>
+                    </a:ext>
+                  </a:extLst>
+                </p:cNvPr>
+                <p:cNvSpPr/>
+                <p:nvPr/>
+              </p:nvSpPr>
+              <p:spPr>
+                <a:xfrm>
+                  <a:off x="5492585" y="2611226"/>
+                  <a:ext cx="622463" cy="678730"/>
+                </a:xfrm>
+                <a:prstGeom prst="rect">
+                  <a:avLst/>
+                </a:prstGeom>
+                <a:solidFill>
+                  <a:schemeClr val="accent6"/>
+                </a:solidFill>
+                <a:ln>
+                  <a:solidFill>
+                    <a:schemeClr val="tx1">
+                      <a:lumMod val="65000"/>
+                      <a:lumOff val="35000"/>
+                    </a:schemeClr>
+                  </a:solidFill>
+                </a:ln>
+              </p:spPr>
+              <p:style>
+                <a:lnRef idx="2">
+                  <a:schemeClr val="accent1">
+                    <a:shade val="50000"/>
+                  </a:schemeClr>
+                </a:lnRef>
+                <a:fillRef idx="1">
+                  <a:schemeClr val="accent1"/>
+                </a:fillRef>
+                <a:effectRef idx="0">
+                  <a:schemeClr val="accent1"/>
+                </a:effectRef>
+                <a:fontRef idx="minor">
+                  <a:schemeClr val="lt1"/>
+                </a:fontRef>
+              </p:style>
+              <p:txBody>
+                <a:bodyPr rtlCol="0" anchor="ctr"/>
+                <a:lstStyle/>
+                <a:p>
+                  <a:pPr algn="ctr"/>
+                  <a:endParaRPr lang="zh-CN" altLang="en-US" dirty="0"/>
+                </a:p>
+              </p:txBody>
+            </p:sp>
+          </p:grpSp>
+          <p:grpSp>
+            <p:nvGrpSpPr>
+              <p:cNvPr id="14" name="组合 13">
+                <a:extLst>
+                  <a:ext uri="{FF2B5EF4-FFF2-40B4-BE49-F238E27FC236}">
+                    <a16:creationId xmlns:a16="http://schemas.microsoft.com/office/drawing/2014/main" id="{E72EBAC1-213B-4B73-A0AD-9468F3893285}"/>
+                  </a:ext>
+                </a:extLst>
+              </p:cNvPr>
+              <p:cNvGrpSpPr/>
+              <p:nvPr/>
+            </p:nvGrpSpPr>
+            <p:grpSpPr>
+              <a:xfrm>
+                <a:off x="5419727" y="3028951"/>
+                <a:ext cx="901654" cy="45719"/>
+                <a:chOff x="5419727" y="3012284"/>
+                <a:chExt cx="901654" cy="45719"/>
+              </a:xfrm>
+            </p:grpSpPr>
+            <p:cxnSp>
+              <p:nvCxnSpPr>
+                <p:cNvPr id="11" name="直接箭头连接符 10">
+                  <a:extLst>
+                    <a:ext uri="{FF2B5EF4-FFF2-40B4-BE49-F238E27FC236}">
+                      <a16:creationId xmlns:a16="http://schemas.microsoft.com/office/drawing/2014/main" id="{4DA82DB4-FFC9-4B6C-B676-05FC68B07399}"/>
+                    </a:ext>
+                  </a:extLst>
+                </p:cNvPr>
+                <p:cNvCxnSpPr>
+                  <a:cxnSpLocks/>
+                  <a:endCxn id="8" idx="1"/>
+                </p:cNvCxnSpPr>
+                <p:nvPr/>
+              </p:nvCxnSpPr>
+              <p:spPr>
+                <a:xfrm>
+                  <a:off x="5438461" y="3035628"/>
+                  <a:ext cx="882920" cy="0"/>
+                </a:xfrm>
+                <a:prstGeom prst="straightConnector1">
+                  <a:avLst/>
+                </a:prstGeom>
+                <a:ln w="44450">
+                  <a:solidFill>
+                    <a:schemeClr val="tx1">
+                      <a:lumMod val="65000"/>
+                      <a:lumOff val="35000"/>
+                    </a:schemeClr>
+                  </a:solidFill>
+                  <a:tailEnd type="triangle"/>
+                </a:ln>
+              </p:spPr>
+              <p:style>
+                <a:lnRef idx="1">
+                  <a:schemeClr val="accent1"/>
+                </a:lnRef>
+                <a:fillRef idx="0">
+                  <a:schemeClr val="accent1"/>
+                </a:fillRef>
+                <a:effectRef idx="0">
+                  <a:schemeClr val="accent1"/>
+                </a:effectRef>
+                <a:fontRef idx="minor">
+                  <a:schemeClr val="tx1"/>
+                </a:fontRef>
+              </p:style>
+            </p:cxnSp>
+            <p:sp>
+              <p:nvSpPr>
+                <p:cNvPr id="13" name="椭圆 12">
+                  <a:extLst>
+                    <a:ext uri="{FF2B5EF4-FFF2-40B4-BE49-F238E27FC236}">
+                      <a16:creationId xmlns:a16="http://schemas.microsoft.com/office/drawing/2014/main" id="{BB75EEE7-F6B5-420D-9F8B-7FB07A74895E}"/>
+                    </a:ext>
+                  </a:extLst>
+                </p:cNvPr>
+                <p:cNvSpPr/>
+                <p:nvPr/>
+              </p:nvSpPr>
+              <p:spPr>
+                <a:xfrm>
+                  <a:off x="5419727" y="3012284"/>
+                  <a:ext cx="45719" cy="45719"/>
+                </a:xfrm>
+                <a:prstGeom prst="ellipse">
+                  <a:avLst/>
+                </a:prstGeom>
+                <a:solidFill>
+                  <a:schemeClr val="tx1">
+                    <a:lumMod val="75000"/>
+                    <a:lumOff val="25000"/>
+                  </a:schemeClr>
+                </a:solidFill>
+                <a:ln w="44450">
+                  <a:solidFill>
+                    <a:schemeClr val="tx1">
+                      <a:lumMod val="75000"/>
+                      <a:lumOff val="25000"/>
+                    </a:schemeClr>
+                  </a:solidFill>
+                </a:ln>
+              </p:spPr>
+              <p:style>
+                <a:lnRef idx="2">
+                  <a:schemeClr val="accent1">
+                    <a:shade val="50000"/>
+                  </a:schemeClr>
+                </a:lnRef>
+                <a:fillRef idx="1">
+                  <a:schemeClr val="accent1"/>
+                </a:fillRef>
+                <a:effectRef idx="0">
+                  <a:schemeClr val="accent1"/>
+                </a:effectRef>
+                <a:fontRef idx="minor">
+                  <a:schemeClr val="lt1"/>
+                </a:fontRef>
+              </p:style>
+              <p:txBody>
+                <a:bodyPr rtlCol="0" anchor="ctr"/>
+                <a:lstStyle/>
+                <a:p>
+                  <a:pPr algn="ctr"/>
+                  <a:endParaRPr lang="zh-CN" altLang="en-US"/>
+                </a:p>
+              </p:txBody>
+            </p:sp>
+          </p:grpSp>
+        </p:grpSp>
+        <p:grpSp>
+          <p:nvGrpSpPr>
+            <p:cNvPr id="15" name="组合 14">
+              <a:extLst>
+                <a:ext uri="{FF2B5EF4-FFF2-40B4-BE49-F238E27FC236}">
+                  <a16:creationId xmlns:a16="http://schemas.microsoft.com/office/drawing/2014/main" id="{E405CE6E-AEB3-4CC2-BCFA-40799045093D}"/>
+                </a:ext>
+              </a:extLst>
+            </p:cNvPr>
+            <p:cNvGrpSpPr/>
+            <p:nvPr/>
+          </p:nvGrpSpPr>
+          <p:grpSpPr>
+            <a:xfrm>
+              <a:off x="507814" y="1768126"/>
+              <a:ext cx="1325947" cy="508656"/>
+              <a:chOff x="4345758" y="2611226"/>
+              <a:chExt cx="1769290" cy="678730"/>
+            </a:xfrm>
+          </p:grpSpPr>
+          <p:sp>
+            <p:nvSpPr>
+              <p:cNvPr id="16" name="矩形 15">
+                <a:extLst>
+                  <a:ext uri="{FF2B5EF4-FFF2-40B4-BE49-F238E27FC236}">
+                    <a16:creationId xmlns:a16="http://schemas.microsoft.com/office/drawing/2014/main" id="{748AA9F6-9A99-4E66-A582-9D39CE1B2A37}"/>
+                  </a:ext>
+                </a:extLst>
+              </p:cNvPr>
+              <p:cNvSpPr/>
+              <p:nvPr/>
+            </p:nvSpPr>
+            <p:spPr>
+              <a:xfrm>
+                <a:off x="4345758" y="2611226"/>
+                <a:ext cx="1150070" cy="678730"/>
+              </a:xfrm>
+              <a:prstGeom prst="rect">
+                <a:avLst/>
+              </a:prstGeom>
+              <a:solidFill>
+                <a:schemeClr val="accent1"/>
+              </a:solidFill>
+              <a:ln>
+                <a:solidFill>
+                  <a:schemeClr val="tx1">
+                    <a:lumMod val="65000"/>
+                    <a:lumOff val="35000"/>
+                  </a:schemeClr>
+                </a:solidFill>
+              </a:ln>
+            </p:spPr>
+            <p:style>
+              <a:lnRef idx="2">
+                <a:schemeClr val="accent1">
+                  <a:shade val="50000"/>
+                </a:schemeClr>
+              </a:lnRef>
+              <a:fillRef idx="1">
+                <a:schemeClr val="accent1"/>
+              </a:fillRef>
+              <a:effectRef idx="0">
+                <a:schemeClr val="accent1"/>
+              </a:effectRef>
+              <a:fontRef idx="minor">
+                <a:schemeClr val="lt1"/>
+              </a:fontRef>
+            </p:style>
+            <p:txBody>
+              <a:bodyPr rtlCol="0" anchor="ctr"/>
+              <a:lstStyle/>
+              <a:p>
+                <a:pPr algn="ctr"/>
+                <a:r>
+                  <a:rPr lang="en-US" altLang="zh-CN" dirty="0"/>
+                  <a:t>4</a:t>
+                </a:r>
+                <a:endParaRPr lang="zh-CN" altLang="en-US" dirty="0"/>
+              </a:p>
+            </p:txBody>
+          </p:sp>
+          <p:sp>
+            <p:nvSpPr>
+              <p:cNvPr id="17" name="矩形 16">
+                <a:extLst>
+                  <a:ext uri="{FF2B5EF4-FFF2-40B4-BE49-F238E27FC236}">
+                    <a16:creationId xmlns:a16="http://schemas.microsoft.com/office/drawing/2014/main" id="{5F96D159-4030-40EA-8484-C21FA56AF8F0}"/>
+                  </a:ext>
+                </a:extLst>
+              </p:cNvPr>
+              <p:cNvSpPr/>
+              <p:nvPr/>
+            </p:nvSpPr>
+            <p:spPr>
+              <a:xfrm>
+                <a:off x="5492585" y="2611226"/>
+                <a:ext cx="622463" cy="678730"/>
+              </a:xfrm>
+              <a:prstGeom prst="rect">
+                <a:avLst/>
+              </a:prstGeom>
+              <a:solidFill>
+                <a:schemeClr val="accent6"/>
+              </a:solidFill>
+              <a:ln>
+                <a:solidFill>
+                  <a:schemeClr val="tx1">
+                    <a:lumMod val="65000"/>
+                    <a:lumOff val="35000"/>
+                  </a:schemeClr>
+                </a:solidFill>
+              </a:ln>
+            </p:spPr>
+            <p:style>
+              <a:lnRef idx="2">
+                <a:schemeClr val="accent1">
+                  <a:shade val="50000"/>
+                </a:schemeClr>
+              </a:lnRef>
+              <a:fillRef idx="1">
+                <a:schemeClr val="accent1"/>
+              </a:fillRef>
+              <a:effectRef idx="0">
+                <a:schemeClr val="accent1"/>
+              </a:effectRef>
+              <a:fontRef idx="minor">
+                <a:schemeClr val="lt1"/>
+              </a:fontRef>
+            </p:style>
+            <p:txBody>
+              <a:bodyPr rtlCol="0" anchor="ctr"/>
+              <a:lstStyle/>
+              <a:p>
+                <a:pPr algn="ctr"/>
+                <a:endParaRPr lang="zh-CN" altLang="en-US" dirty="0"/>
+              </a:p>
+            </p:txBody>
+          </p:sp>
+        </p:grpSp>
+        <p:grpSp>
+          <p:nvGrpSpPr>
+            <p:cNvPr id="22" name="组合 21">
+              <a:extLst>
+                <a:ext uri="{FF2B5EF4-FFF2-40B4-BE49-F238E27FC236}">
+                  <a16:creationId xmlns:a16="http://schemas.microsoft.com/office/drawing/2014/main" id="{4AD981FA-223B-477F-B724-D2A1E088CF20}"/>
+                </a:ext>
+              </a:extLst>
+            </p:cNvPr>
+            <p:cNvGrpSpPr/>
+            <p:nvPr/>
+          </p:nvGrpSpPr>
+          <p:grpSpPr>
+            <a:xfrm>
+              <a:off x="1581783" y="2022454"/>
+              <a:ext cx="901654" cy="45719"/>
+              <a:chOff x="5477657" y="3028951"/>
+              <a:chExt cx="901654" cy="45719"/>
+            </a:xfrm>
+          </p:grpSpPr>
+          <p:cxnSp>
+            <p:nvCxnSpPr>
+              <p:cNvPr id="20" name="直接箭头连接符 19">
+                <a:extLst>
+                  <a:ext uri="{FF2B5EF4-FFF2-40B4-BE49-F238E27FC236}">
+                    <a16:creationId xmlns:a16="http://schemas.microsoft.com/office/drawing/2014/main" id="{3487722D-6F8B-4CD6-8988-034CFCB85EF3}"/>
+                  </a:ext>
+                </a:extLst>
+              </p:cNvPr>
+              <p:cNvCxnSpPr>
+                <a:cxnSpLocks/>
+              </p:cNvCxnSpPr>
+              <p:nvPr/>
+            </p:nvCxnSpPr>
+            <p:spPr>
+              <a:xfrm>
+                <a:off x="5496391" y="3052295"/>
+                <a:ext cx="882920" cy="0"/>
+              </a:xfrm>
+              <a:prstGeom prst="straightConnector1">
+                <a:avLst/>
+              </a:prstGeom>
+              <a:ln w="44450">
+                <a:solidFill>
+                  <a:schemeClr val="tx1">
+                    <a:lumMod val="65000"/>
+                    <a:lumOff val="35000"/>
+                  </a:schemeClr>
+                </a:solidFill>
+                <a:tailEnd type="triangle"/>
+              </a:ln>
+            </p:spPr>
+            <p:style>
+              <a:lnRef idx="1">
+                <a:schemeClr val="accent1"/>
+              </a:lnRef>
+              <a:fillRef idx="0">
+                <a:schemeClr val="accent1"/>
+              </a:fillRef>
+              <a:effectRef idx="0">
+                <a:schemeClr val="accent1"/>
+              </a:effectRef>
+              <a:fontRef idx="minor">
+                <a:schemeClr val="tx1"/>
+              </a:fontRef>
+            </p:style>
+          </p:cxnSp>
+          <p:sp>
+            <p:nvSpPr>
+              <p:cNvPr id="21" name="椭圆 20">
+                <a:extLst>
+                  <a:ext uri="{FF2B5EF4-FFF2-40B4-BE49-F238E27FC236}">
+                    <a16:creationId xmlns:a16="http://schemas.microsoft.com/office/drawing/2014/main" id="{4D9ED69B-71FE-4C58-988C-07967EFF0935}"/>
+                  </a:ext>
+                </a:extLst>
+              </p:cNvPr>
+              <p:cNvSpPr/>
+              <p:nvPr/>
+            </p:nvSpPr>
+            <p:spPr>
+              <a:xfrm>
+                <a:off x="5477657" y="3028951"/>
+                <a:ext cx="45719" cy="45719"/>
+              </a:xfrm>
+              <a:prstGeom prst="ellipse">
+                <a:avLst/>
+              </a:prstGeom>
+              <a:solidFill>
+                <a:schemeClr val="tx1">
+                  <a:lumMod val="75000"/>
+                  <a:lumOff val="25000"/>
+                </a:schemeClr>
+              </a:solidFill>
+              <a:ln w="44450">
+                <a:solidFill>
+                  <a:schemeClr val="tx1">
+                    <a:lumMod val="75000"/>
+                    <a:lumOff val="25000"/>
+                  </a:schemeClr>
+                </a:solidFill>
+              </a:ln>
+            </p:spPr>
+            <p:style>
+              <a:lnRef idx="2">
+                <a:schemeClr val="accent1">
+                  <a:shade val="50000"/>
+                </a:schemeClr>
+              </a:lnRef>
+              <a:fillRef idx="1">
+                <a:schemeClr val="accent1"/>
+              </a:fillRef>
+              <a:effectRef idx="0">
+                <a:schemeClr val="accent1"/>
+              </a:effectRef>
+              <a:fontRef idx="minor">
+                <a:schemeClr val="lt1"/>
+              </a:fontRef>
+            </p:style>
+            <p:txBody>
+              <a:bodyPr rtlCol="0" anchor="ctr"/>
+              <a:lstStyle/>
+              <a:p>
+                <a:pPr algn="ctr"/>
+                <a:endParaRPr lang="zh-CN" altLang="en-US" dirty="0"/>
+              </a:p>
+            </p:txBody>
+          </p:sp>
+        </p:grpSp>
+        <p:grpSp>
+          <p:nvGrpSpPr>
+            <p:cNvPr id="32" name="组合 31">
+              <a:extLst>
+                <a:ext uri="{FF2B5EF4-FFF2-40B4-BE49-F238E27FC236}">
+                  <a16:creationId xmlns:a16="http://schemas.microsoft.com/office/drawing/2014/main" id="{66F2A5D0-4050-4281-BF1D-F4BBB62ACE1C}"/>
+                </a:ext>
+              </a:extLst>
+            </p:cNvPr>
+            <p:cNvGrpSpPr/>
+            <p:nvPr/>
+          </p:nvGrpSpPr>
+          <p:grpSpPr>
+            <a:xfrm>
+              <a:off x="927046" y="2283459"/>
+              <a:ext cx="45719" cy="564820"/>
+              <a:chOff x="4724847" y="3289956"/>
+              <a:chExt cx="45719" cy="564820"/>
+            </a:xfrm>
+          </p:grpSpPr>
+          <p:cxnSp>
+            <p:nvCxnSpPr>
+              <p:cNvPr id="28" name="直接箭头连接符 27">
+                <a:extLst>
+                  <a:ext uri="{FF2B5EF4-FFF2-40B4-BE49-F238E27FC236}">
+                    <a16:creationId xmlns:a16="http://schemas.microsoft.com/office/drawing/2014/main" id="{4A9288D3-824C-4E77-B351-85A04727348A}"/>
+                  </a:ext>
+                </a:extLst>
+              </p:cNvPr>
+              <p:cNvCxnSpPr>
+                <a:cxnSpLocks/>
+              </p:cNvCxnSpPr>
+              <p:nvPr/>
+            </p:nvCxnSpPr>
+            <p:spPr>
+              <a:xfrm flipV="1">
+                <a:off x="4747707" y="3289956"/>
+                <a:ext cx="0" cy="535284"/>
+              </a:xfrm>
+              <a:prstGeom prst="straightConnector1">
+                <a:avLst/>
+              </a:prstGeom>
+              <a:ln w="44450">
+                <a:solidFill>
+                  <a:schemeClr val="tx1">
+                    <a:lumMod val="65000"/>
+                    <a:lumOff val="35000"/>
+                  </a:schemeClr>
+                </a:solidFill>
+                <a:tailEnd type="triangle"/>
+              </a:ln>
+            </p:spPr>
+            <p:style>
+              <a:lnRef idx="1">
+                <a:schemeClr val="accent1"/>
+              </a:lnRef>
+              <a:fillRef idx="0">
+                <a:schemeClr val="accent1"/>
+              </a:fillRef>
+              <a:effectRef idx="0">
+                <a:schemeClr val="accent1"/>
+              </a:effectRef>
+              <a:fontRef idx="minor">
+                <a:schemeClr val="tx1"/>
+              </a:fontRef>
+            </p:style>
+          </p:cxnSp>
+          <p:sp>
+            <p:nvSpPr>
+              <p:cNvPr id="29" name="椭圆 28">
+                <a:extLst>
+                  <a:ext uri="{FF2B5EF4-FFF2-40B4-BE49-F238E27FC236}">
+                    <a16:creationId xmlns:a16="http://schemas.microsoft.com/office/drawing/2014/main" id="{DDB1B9C2-C47E-4147-A3D5-26297D2D30DC}"/>
+                  </a:ext>
+                </a:extLst>
+              </p:cNvPr>
+              <p:cNvSpPr/>
+              <p:nvPr/>
+            </p:nvSpPr>
+            <p:spPr>
+              <a:xfrm rot="16200000">
+                <a:off x="4724847" y="3809057"/>
+                <a:ext cx="45719" cy="45719"/>
+              </a:xfrm>
+              <a:prstGeom prst="ellipse">
+                <a:avLst/>
+              </a:prstGeom>
+              <a:solidFill>
+                <a:schemeClr val="tx1">
+                  <a:lumMod val="75000"/>
+                  <a:lumOff val="25000"/>
+                </a:schemeClr>
+              </a:solidFill>
+              <a:ln w="44450">
+                <a:solidFill>
+                  <a:schemeClr val="tx1">
+                    <a:lumMod val="75000"/>
+                    <a:lumOff val="25000"/>
+                  </a:schemeClr>
+                </a:solidFill>
+              </a:ln>
+            </p:spPr>
+            <p:style>
+              <a:lnRef idx="2">
+                <a:schemeClr val="accent1">
+                  <a:shade val="50000"/>
+                </a:schemeClr>
+              </a:lnRef>
+              <a:fillRef idx="1">
+                <a:schemeClr val="accent1"/>
+              </a:fillRef>
+              <a:effectRef idx="0">
+                <a:schemeClr val="accent1"/>
+              </a:effectRef>
+              <a:fontRef idx="minor">
+                <a:schemeClr val="lt1"/>
+              </a:fontRef>
+            </p:style>
+            <p:txBody>
+              <a:bodyPr rtlCol="0" anchor="ctr"/>
+              <a:lstStyle/>
+              <a:p>
+                <a:pPr algn="ctr"/>
+                <a:endParaRPr lang="zh-CN" altLang="en-US" dirty="0"/>
+              </a:p>
+            </p:txBody>
+          </p:sp>
+        </p:grpSp>
+        <p:sp>
+          <p:nvSpPr>
+            <p:cNvPr id="2" name="文本框 1">
+              <a:extLst>
+                <a:ext uri="{FF2B5EF4-FFF2-40B4-BE49-F238E27FC236}">
+                  <a16:creationId xmlns:a16="http://schemas.microsoft.com/office/drawing/2014/main" id="{91313E6B-10F1-4B37-ACC1-D48644B79D84}"/>
+                </a:ext>
+              </a:extLst>
+            </p:cNvPr>
+            <p:cNvSpPr txBox="1"/>
+            <p:nvPr/>
+          </p:nvSpPr>
+          <p:spPr>
+            <a:xfrm>
+              <a:off x="479239" y="2936853"/>
+              <a:ext cx="955546" cy="338554"/>
+            </a:xfrm>
+            <a:prstGeom prst="rect">
+              <a:avLst/>
+            </a:prstGeom>
+            <a:noFill/>
+          </p:spPr>
+          <p:txBody>
+            <a:bodyPr wrap="square" rtlCol="0">
+              <a:spAutoFit/>
+            </a:bodyPr>
+            <a:lstStyle/>
+            <a:p>
+              <a:pPr algn="ctr"/>
+              <a:r>
+                <a:rPr lang="zh-CN" altLang="en-US" sz="1600" dirty="0">
+                  <a:latin typeface="Adobe 黑体 Std R" panose="020B0400000000000000" pitchFamily="34" charset="-122"/>
+                  <a:ea typeface="Adobe 黑体 Std R" panose="020B0400000000000000" pitchFamily="34" charset="-122"/>
+                </a:rPr>
+                <a:t>头指针</a:t>
+              </a:r>
+            </a:p>
+          </p:txBody>
+        </p:sp>
+        <p:sp>
+          <p:nvSpPr>
+            <p:cNvPr id="50" name="文本框 49">
+              <a:extLst>
+                <a:ext uri="{FF2B5EF4-FFF2-40B4-BE49-F238E27FC236}">
+                  <a16:creationId xmlns:a16="http://schemas.microsoft.com/office/drawing/2014/main" id="{86A6C6EA-AFFA-408F-BA24-47B11B6B9CF7}"/>
+                </a:ext>
+              </a:extLst>
+            </p:cNvPr>
+            <p:cNvSpPr txBox="1"/>
+            <p:nvPr/>
+          </p:nvSpPr>
+          <p:spPr>
+            <a:xfrm>
+              <a:off x="675317" y="1302408"/>
+              <a:ext cx="955546" cy="338554"/>
+            </a:xfrm>
+            <a:prstGeom prst="rect">
+              <a:avLst/>
+            </a:prstGeom>
+            <a:noFill/>
+          </p:spPr>
+          <p:txBody>
+            <a:bodyPr wrap="square" rtlCol="0">
+              <a:spAutoFit/>
+            </a:bodyPr>
+            <a:lstStyle/>
+            <a:p>
+              <a:pPr algn="ctr"/>
+              <a:r>
+                <a:rPr lang="zh-CN" altLang="en-US" sz="1600" dirty="0">
+                  <a:latin typeface="Adobe 黑体 Std R" panose="020B0400000000000000" pitchFamily="34" charset="-122"/>
+                  <a:ea typeface="Adobe 黑体 Std R" panose="020B0400000000000000" pitchFamily="34" charset="-122"/>
+                </a:rPr>
+                <a:t>头节点</a:t>
+              </a:r>
+            </a:p>
+          </p:txBody>
+        </p:sp>
+        <p:sp>
+          <p:nvSpPr>
+            <p:cNvPr id="51" name="文本框 50">
+              <a:extLst>
+                <a:ext uri="{FF2B5EF4-FFF2-40B4-BE49-F238E27FC236}">
+                  <a16:creationId xmlns:a16="http://schemas.microsoft.com/office/drawing/2014/main" id="{B35366CF-C637-47D2-8A18-1F8C917DA62D}"/>
+                </a:ext>
+              </a:extLst>
+            </p:cNvPr>
+            <p:cNvSpPr txBox="1"/>
+            <p:nvPr/>
+          </p:nvSpPr>
+          <p:spPr>
+            <a:xfrm>
+              <a:off x="2542494" y="1312424"/>
+              <a:ext cx="1188790" cy="338554"/>
+            </a:xfrm>
+            <a:prstGeom prst="rect">
+              <a:avLst/>
+            </a:prstGeom>
+            <a:noFill/>
+          </p:spPr>
+          <p:txBody>
+            <a:bodyPr wrap="square" rtlCol="0">
+              <a:spAutoFit/>
+            </a:bodyPr>
+            <a:lstStyle/>
+            <a:p>
+              <a:pPr algn="ctr"/>
+              <a:r>
+                <a:rPr lang="zh-CN" altLang="en-US" sz="1600" dirty="0">
+                  <a:latin typeface="Adobe 黑体 Std R" panose="020B0400000000000000" pitchFamily="34" charset="-122"/>
+                  <a:ea typeface="Adobe 黑体 Std R" panose="020B0400000000000000" pitchFamily="34" charset="-122"/>
+                </a:rPr>
+                <a:t>首元节点</a:t>
+              </a:r>
+            </a:p>
+          </p:txBody>
+        </p:sp>
+        <p:grpSp>
+          <p:nvGrpSpPr>
+            <p:cNvPr id="55" name="组合 54">
+              <a:extLst>
+                <a:ext uri="{FF2B5EF4-FFF2-40B4-BE49-F238E27FC236}">
+                  <a16:creationId xmlns:a16="http://schemas.microsoft.com/office/drawing/2014/main" id="{DBD70C75-903E-4A5B-A3FA-31E82D3B2471}"/>
+                </a:ext>
+              </a:extLst>
+            </p:cNvPr>
+            <p:cNvGrpSpPr/>
+            <p:nvPr/>
+          </p:nvGrpSpPr>
+          <p:grpSpPr>
+            <a:xfrm>
+              <a:off x="5528245" y="2029131"/>
+              <a:ext cx="901654" cy="45719"/>
+              <a:chOff x="5119355" y="3952876"/>
+              <a:chExt cx="901654" cy="45719"/>
+            </a:xfrm>
+          </p:grpSpPr>
+          <p:cxnSp>
+            <p:nvCxnSpPr>
+              <p:cNvPr id="56" name="直接箭头连接符 55">
+                <a:extLst>
+                  <a:ext uri="{FF2B5EF4-FFF2-40B4-BE49-F238E27FC236}">
+                    <a16:creationId xmlns:a16="http://schemas.microsoft.com/office/drawing/2014/main" id="{A8B00E4E-7B2D-4BEC-9330-C746E1A946B3}"/>
+                  </a:ext>
+                </a:extLst>
+              </p:cNvPr>
+              <p:cNvCxnSpPr>
+                <a:cxnSpLocks/>
+              </p:cNvCxnSpPr>
+              <p:nvPr/>
+            </p:nvCxnSpPr>
+            <p:spPr>
+              <a:xfrm>
+                <a:off x="5138089" y="3976220"/>
+                <a:ext cx="882920" cy="0"/>
+              </a:xfrm>
+              <a:prstGeom prst="straightConnector1">
+                <a:avLst/>
+              </a:prstGeom>
+              <a:ln w="44450">
+                <a:solidFill>
+                  <a:schemeClr val="tx1">
+                    <a:lumMod val="65000"/>
+                    <a:lumOff val="35000"/>
+                  </a:schemeClr>
+                </a:solidFill>
+                <a:tailEnd type="triangle"/>
+              </a:ln>
+            </p:spPr>
+            <p:style>
+              <a:lnRef idx="1">
+                <a:schemeClr val="accent1"/>
+              </a:lnRef>
+              <a:fillRef idx="0">
+                <a:schemeClr val="accent1"/>
+              </a:fillRef>
+              <a:effectRef idx="0">
+                <a:schemeClr val="accent1"/>
+              </a:effectRef>
+              <a:fontRef idx="minor">
+                <a:schemeClr val="tx1"/>
+              </a:fontRef>
+            </p:style>
+          </p:cxnSp>
+          <p:sp>
+            <p:nvSpPr>
+              <p:cNvPr id="57" name="椭圆 56">
+                <a:extLst>
+                  <a:ext uri="{FF2B5EF4-FFF2-40B4-BE49-F238E27FC236}">
+                    <a16:creationId xmlns:a16="http://schemas.microsoft.com/office/drawing/2014/main" id="{EFF9F255-52BC-4DEA-9483-F2182875A1BF}"/>
+                  </a:ext>
+                </a:extLst>
+              </p:cNvPr>
+              <p:cNvSpPr/>
+              <p:nvPr/>
+            </p:nvSpPr>
+            <p:spPr>
+              <a:xfrm>
+                <a:off x="5119355" y="3952876"/>
+                <a:ext cx="45719" cy="45719"/>
+              </a:xfrm>
+              <a:prstGeom prst="ellipse">
+                <a:avLst/>
+              </a:prstGeom>
+              <a:solidFill>
+                <a:schemeClr val="tx1">
+                  <a:lumMod val="75000"/>
+                  <a:lumOff val="25000"/>
+                </a:schemeClr>
+              </a:solidFill>
+              <a:ln w="44450">
+                <a:solidFill>
+                  <a:schemeClr val="tx1">
+                    <a:lumMod val="75000"/>
+                    <a:lumOff val="25000"/>
+                  </a:schemeClr>
+                </a:solidFill>
+              </a:ln>
+            </p:spPr>
+            <p:style>
+              <a:lnRef idx="2">
+                <a:schemeClr val="accent1">
+                  <a:shade val="50000"/>
+                </a:schemeClr>
+              </a:lnRef>
+              <a:fillRef idx="1">
+                <a:schemeClr val="accent1"/>
+              </a:fillRef>
+              <a:effectRef idx="0">
+                <a:schemeClr val="accent1"/>
+              </a:effectRef>
+              <a:fontRef idx="minor">
+                <a:schemeClr val="lt1"/>
+              </a:fontRef>
+            </p:style>
+            <p:txBody>
+              <a:bodyPr rtlCol="0" anchor="ctr"/>
+              <a:lstStyle/>
+              <a:p>
+                <a:pPr algn="ctr"/>
+                <a:endParaRPr lang="zh-CN" altLang="en-US" dirty="0"/>
+              </a:p>
+            </p:txBody>
+          </p:sp>
+        </p:grpSp>
+        <p:sp>
+          <p:nvSpPr>
+            <p:cNvPr id="58" name="文本框 57">
+              <a:extLst>
+                <a:ext uri="{FF2B5EF4-FFF2-40B4-BE49-F238E27FC236}">
+                  <a16:creationId xmlns:a16="http://schemas.microsoft.com/office/drawing/2014/main" id="{4F55BA5D-32C0-482F-8BFE-A886A94F3913}"/>
+                </a:ext>
+              </a:extLst>
+            </p:cNvPr>
+            <p:cNvSpPr txBox="1"/>
+            <p:nvPr/>
+          </p:nvSpPr>
+          <p:spPr>
+            <a:xfrm>
+              <a:off x="4516211" y="1312424"/>
+              <a:ext cx="1188790" cy="338554"/>
+            </a:xfrm>
+            <a:prstGeom prst="rect">
+              <a:avLst/>
+            </a:prstGeom>
+            <a:noFill/>
+          </p:spPr>
+          <p:txBody>
+            <a:bodyPr wrap="square" rtlCol="0">
+              <a:spAutoFit/>
+            </a:bodyPr>
+            <a:lstStyle/>
+            <a:p>
+              <a:pPr algn="ctr"/>
+              <a:r>
+                <a:rPr lang="zh-CN" altLang="en-US" sz="1600" dirty="0">
+                  <a:latin typeface="Adobe 黑体 Std R" panose="020B0400000000000000" pitchFamily="34" charset="-122"/>
+                  <a:ea typeface="Adobe 黑体 Std R" panose="020B0400000000000000" pitchFamily="34" charset="-122"/>
+                </a:rPr>
+                <a:t>普通节点</a:t>
+              </a:r>
+            </a:p>
+          </p:txBody>
+        </p:sp>
+        <p:sp>
+          <p:nvSpPr>
+            <p:cNvPr id="59" name="文本框 58">
+              <a:extLst>
+                <a:ext uri="{FF2B5EF4-FFF2-40B4-BE49-F238E27FC236}">
+                  <a16:creationId xmlns:a16="http://schemas.microsoft.com/office/drawing/2014/main" id="{8953A5E6-1D14-43B8-84EA-203C10587DA1}"/>
+                </a:ext>
+              </a:extLst>
+            </p:cNvPr>
+            <p:cNvSpPr txBox="1"/>
+            <p:nvPr/>
+          </p:nvSpPr>
+          <p:spPr>
+            <a:xfrm>
+              <a:off x="8589400" y="1302408"/>
+              <a:ext cx="955546" cy="338554"/>
+            </a:xfrm>
+            <a:prstGeom prst="rect">
+              <a:avLst/>
+            </a:prstGeom>
+            <a:noFill/>
+          </p:spPr>
+          <p:txBody>
+            <a:bodyPr wrap="square" rtlCol="0">
+              <a:spAutoFit/>
+            </a:bodyPr>
+            <a:lstStyle/>
+            <a:p>
+              <a:pPr algn="ctr"/>
+              <a:r>
+                <a:rPr lang="zh-CN" altLang="en-US" sz="1600" dirty="0">
+                  <a:latin typeface="Adobe 黑体 Std R" panose="020B0400000000000000" pitchFamily="34" charset="-122"/>
+                  <a:ea typeface="Adobe 黑体 Std R" panose="020B0400000000000000" pitchFamily="34" charset="-122"/>
+                </a:rPr>
+                <a:t>尾节点</a:t>
+              </a:r>
+            </a:p>
+          </p:txBody>
+        </p:sp>
+        <p:grpSp>
+          <p:nvGrpSpPr>
+            <p:cNvPr id="3" name="组合 2">
+              <a:extLst>
+                <a:ext uri="{FF2B5EF4-FFF2-40B4-BE49-F238E27FC236}">
+                  <a16:creationId xmlns:a16="http://schemas.microsoft.com/office/drawing/2014/main" id="{19C6CBBB-55E0-40DA-B136-B5BB916AF4B6}"/>
+                </a:ext>
+              </a:extLst>
+            </p:cNvPr>
+            <p:cNvGrpSpPr/>
+            <p:nvPr/>
+          </p:nvGrpSpPr>
+          <p:grpSpPr>
+            <a:xfrm>
+              <a:off x="6429841" y="1768126"/>
+              <a:ext cx="1970781" cy="508656"/>
+              <a:chOff x="6429841" y="1768126"/>
+              <a:chExt cx="1970781" cy="508656"/>
+            </a:xfrm>
+          </p:grpSpPr>
+          <p:grpSp>
+            <p:nvGrpSpPr>
+              <p:cNvPr id="52" name="组合 51">
+                <a:extLst>
+                  <a:ext uri="{FF2B5EF4-FFF2-40B4-BE49-F238E27FC236}">
+                    <a16:creationId xmlns:a16="http://schemas.microsoft.com/office/drawing/2014/main" id="{46E1E9EC-6884-46B3-AB35-AB80F31983AE}"/>
+                  </a:ext>
+                </a:extLst>
+              </p:cNvPr>
+              <p:cNvGrpSpPr/>
+              <p:nvPr/>
+            </p:nvGrpSpPr>
+            <p:grpSpPr>
+              <a:xfrm>
+                <a:off x="6429841" y="1768126"/>
+                <a:ext cx="1325947" cy="508656"/>
+                <a:chOff x="6541467" y="4587240"/>
+                <a:chExt cx="1325947" cy="508656"/>
+              </a:xfrm>
+            </p:grpSpPr>
+            <p:sp>
+              <p:nvSpPr>
+                <p:cNvPr id="53" name="矩形 52">
+                  <a:extLst>
+                    <a:ext uri="{FF2B5EF4-FFF2-40B4-BE49-F238E27FC236}">
+                      <a16:creationId xmlns:a16="http://schemas.microsoft.com/office/drawing/2014/main" id="{A8F29205-9459-4417-89B8-65EAA36D770E}"/>
+                    </a:ext>
+                  </a:extLst>
+                </p:cNvPr>
+                <p:cNvSpPr/>
+                <p:nvPr/>
+              </p:nvSpPr>
+              <p:spPr>
+                <a:xfrm>
+                  <a:off x="6541467" y="4587240"/>
+                  <a:ext cx="861889" cy="508656"/>
+                </a:xfrm>
+                <a:prstGeom prst="rect">
+                  <a:avLst/>
+                </a:prstGeom>
+                <a:ln>
+                  <a:solidFill>
+                    <a:schemeClr val="tx1">
+                      <a:lumMod val="65000"/>
+                      <a:lumOff val="35000"/>
+                    </a:schemeClr>
+                  </a:solidFill>
+                </a:ln>
+              </p:spPr>
+              <p:style>
+                <a:lnRef idx="2">
+                  <a:schemeClr val="accent1">
+                    <a:shade val="50000"/>
+                  </a:schemeClr>
+                </a:lnRef>
+                <a:fillRef idx="1">
+                  <a:schemeClr val="accent1"/>
+                </a:fillRef>
+                <a:effectRef idx="0">
+                  <a:schemeClr val="accent1"/>
+                </a:effectRef>
+                <a:fontRef idx="minor">
+                  <a:schemeClr val="lt1"/>
+                </a:fontRef>
+              </p:style>
+              <p:txBody>
+                <a:bodyPr rtlCol="0" anchor="ctr"/>
+                <a:lstStyle/>
+                <a:p>
+                  <a:pPr algn="ctr"/>
+                  <a:r>
+                    <a:rPr lang="en-US" altLang="zh-CN" dirty="0"/>
+                    <a:t>20</a:t>
+                  </a:r>
+                  <a:endParaRPr lang="zh-CN" altLang="en-US" dirty="0"/>
+                </a:p>
+              </p:txBody>
+            </p:sp>
+            <p:sp>
+              <p:nvSpPr>
+                <p:cNvPr id="54" name="矩形 53">
+                  <a:extLst>
+                    <a:ext uri="{FF2B5EF4-FFF2-40B4-BE49-F238E27FC236}">
+                      <a16:creationId xmlns:a16="http://schemas.microsoft.com/office/drawing/2014/main" id="{7E1D350F-F61B-4B65-9073-6AFD6B167508}"/>
+                    </a:ext>
+                  </a:extLst>
+                </p:cNvPr>
+                <p:cNvSpPr/>
+                <p:nvPr/>
+              </p:nvSpPr>
+              <p:spPr>
+                <a:xfrm>
+                  <a:off x="7400926" y="4587240"/>
+                  <a:ext cx="466488" cy="508656"/>
+                </a:xfrm>
+                <a:prstGeom prst="rect">
+                  <a:avLst/>
+                </a:prstGeom>
+                <a:solidFill>
+                  <a:schemeClr val="accent6"/>
+                </a:solidFill>
+                <a:ln>
+                  <a:solidFill>
+                    <a:schemeClr val="tx1">
+                      <a:lumMod val="65000"/>
+                      <a:lumOff val="35000"/>
+                    </a:schemeClr>
+                  </a:solidFill>
+                </a:ln>
+              </p:spPr>
+              <p:style>
+                <a:lnRef idx="2">
+                  <a:schemeClr val="accent1">
+                    <a:shade val="50000"/>
+                  </a:schemeClr>
+                </a:lnRef>
+                <a:fillRef idx="1">
+                  <a:schemeClr val="accent1"/>
+                </a:fillRef>
+                <a:effectRef idx="0">
+                  <a:schemeClr val="accent1"/>
+                </a:effectRef>
+                <a:fontRef idx="minor">
+                  <a:schemeClr val="lt1"/>
+                </a:fontRef>
+              </p:style>
+              <p:txBody>
+                <a:bodyPr rtlCol="0" anchor="ctr"/>
+                <a:lstStyle/>
+                <a:p>
+                  <a:pPr algn="ctr"/>
+                  <a:endParaRPr lang="zh-CN" altLang="en-US" dirty="0"/>
+                </a:p>
+              </p:txBody>
+            </p:sp>
+          </p:grpSp>
+          <p:grpSp>
+            <p:nvGrpSpPr>
+              <p:cNvPr id="60" name="组合 59">
+                <a:extLst>
+                  <a:ext uri="{FF2B5EF4-FFF2-40B4-BE49-F238E27FC236}">
+                    <a16:creationId xmlns:a16="http://schemas.microsoft.com/office/drawing/2014/main" id="{75E286AC-50F8-447E-94BD-7589A7401895}"/>
+                  </a:ext>
+                </a:extLst>
+              </p:cNvPr>
+              <p:cNvGrpSpPr/>
+              <p:nvPr/>
+            </p:nvGrpSpPr>
+            <p:grpSpPr>
+              <a:xfrm>
+                <a:off x="7498968" y="2022454"/>
+                <a:ext cx="901654" cy="45719"/>
+                <a:chOff x="5119355" y="3952876"/>
+                <a:chExt cx="901654" cy="45719"/>
+              </a:xfrm>
+            </p:grpSpPr>
+            <p:cxnSp>
+              <p:nvCxnSpPr>
+                <p:cNvPr id="61" name="直接箭头连接符 60">
+                  <a:extLst>
+                    <a:ext uri="{FF2B5EF4-FFF2-40B4-BE49-F238E27FC236}">
+                      <a16:creationId xmlns:a16="http://schemas.microsoft.com/office/drawing/2014/main" id="{50C2EB57-D6A0-4C29-A783-F8F86DCB171D}"/>
+                    </a:ext>
+                  </a:extLst>
+                </p:cNvPr>
+                <p:cNvCxnSpPr>
+                  <a:cxnSpLocks/>
+                </p:cNvCxnSpPr>
+                <p:nvPr/>
+              </p:nvCxnSpPr>
+              <p:spPr>
+                <a:xfrm>
+                  <a:off x="5138089" y="3976220"/>
+                  <a:ext cx="882920" cy="0"/>
+                </a:xfrm>
+                <a:prstGeom prst="straightConnector1">
+                  <a:avLst/>
+                </a:prstGeom>
+                <a:ln w="44450">
+                  <a:solidFill>
+                    <a:schemeClr val="tx1">
+                      <a:lumMod val="65000"/>
+                      <a:lumOff val="35000"/>
+                    </a:schemeClr>
+                  </a:solidFill>
+                  <a:tailEnd type="triangle"/>
+                </a:ln>
+              </p:spPr>
+              <p:style>
+                <a:lnRef idx="1">
+                  <a:schemeClr val="accent1"/>
+                </a:lnRef>
+                <a:fillRef idx="0">
+                  <a:schemeClr val="accent1"/>
+                </a:fillRef>
+                <a:effectRef idx="0">
+                  <a:schemeClr val="accent1"/>
+                </a:effectRef>
+                <a:fontRef idx="minor">
+                  <a:schemeClr val="tx1"/>
+                </a:fontRef>
+              </p:style>
+            </p:cxnSp>
+            <p:sp>
+              <p:nvSpPr>
+                <p:cNvPr id="62" name="椭圆 61">
+                  <a:extLst>
+                    <a:ext uri="{FF2B5EF4-FFF2-40B4-BE49-F238E27FC236}">
+                      <a16:creationId xmlns:a16="http://schemas.microsoft.com/office/drawing/2014/main" id="{BA2E0718-E5FF-4A4E-8456-CEB366A5DBDE}"/>
+                    </a:ext>
+                  </a:extLst>
+                </p:cNvPr>
+                <p:cNvSpPr/>
+                <p:nvPr/>
+              </p:nvSpPr>
+              <p:spPr>
+                <a:xfrm>
+                  <a:off x="5119355" y="3952876"/>
+                  <a:ext cx="45719" cy="45719"/>
+                </a:xfrm>
+                <a:prstGeom prst="ellipse">
+                  <a:avLst/>
+                </a:prstGeom>
+                <a:solidFill>
+                  <a:schemeClr val="tx1">
+                    <a:lumMod val="75000"/>
+                    <a:lumOff val="25000"/>
+                  </a:schemeClr>
+                </a:solidFill>
+                <a:ln w="44450">
+                  <a:solidFill>
+                    <a:schemeClr val="tx1">
+                      <a:lumMod val="75000"/>
+                      <a:lumOff val="25000"/>
+                    </a:schemeClr>
+                  </a:solidFill>
+                </a:ln>
+              </p:spPr>
+              <p:style>
+                <a:lnRef idx="2">
+                  <a:schemeClr val="accent1">
+                    <a:shade val="50000"/>
+                  </a:schemeClr>
+                </a:lnRef>
+                <a:fillRef idx="1">
+                  <a:schemeClr val="accent1"/>
+                </a:fillRef>
+                <a:effectRef idx="0">
+                  <a:schemeClr val="accent1"/>
+                </a:effectRef>
+                <a:fontRef idx="minor">
+                  <a:schemeClr val="lt1"/>
+                </a:fontRef>
+              </p:style>
+              <p:txBody>
+                <a:bodyPr rtlCol="0" anchor="ctr"/>
+                <a:lstStyle/>
+                <a:p>
+                  <a:pPr algn="ctr"/>
+                  <a:endParaRPr lang="zh-CN" altLang="en-US" dirty="0"/>
+                </a:p>
+              </p:txBody>
+            </p:sp>
+          </p:grpSp>
+        </p:grpSp>
+        <p:sp>
+          <p:nvSpPr>
+            <p:cNvPr id="63" name="文本框 62">
+              <a:extLst>
+                <a:ext uri="{FF2B5EF4-FFF2-40B4-BE49-F238E27FC236}">
+                  <a16:creationId xmlns:a16="http://schemas.microsoft.com/office/drawing/2014/main" id="{4BD8CF1D-4F59-4E68-A386-9BAB7562324D}"/>
+                </a:ext>
+              </a:extLst>
+            </p:cNvPr>
+            <p:cNvSpPr txBox="1"/>
+            <p:nvPr/>
+          </p:nvSpPr>
+          <p:spPr>
+            <a:xfrm>
+              <a:off x="10213649" y="1885561"/>
+              <a:ext cx="955546" cy="338554"/>
+            </a:xfrm>
+            <a:prstGeom prst="rect">
+              <a:avLst/>
+            </a:prstGeom>
+            <a:noFill/>
+          </p:spPr>
+          <p:txBody>
+            <a:bodyPr wrap="square" rtlCol="0">
+              <a:spAutoFit/>
+            </a:bodyPr>
+            <a:lstStyle/>
+            <a:p>
+              <a:pPr algn="ctr"/>
+              <a:r>
+                <a:rPr lang="en-US" altLang="zh-CN" sz="1600" dirty="0">
+                  <a:latin typeface="Adobe 黑体 Std R" panose="020B0400000000000000" pitchFamily="34" charset="-122"/>
+                  <a:ea typeface="Adobe 黑体 Std R" panose="020B0400000000000000" pitchFamily="34" charset="-122"/>
+                </a:rPr>
+                <a:t>NULL</a:t>
+              </a:r>
+              <a:endParaRPr lang="zh-CN" altLang="en-US" sz="1600" dirty="0">
+                <a:latin typeface="Adobe 黑体 Std R" panose="020B0400000000000000" pitchFamily="34" charset="-122"/>
+                <a:ea typeface="Adobe 黑体 Std R" panose="020B0400000000000000" pitchFamily="34" charset="-122"/>
+              </a:endParaRPr>
+            </a:p>
+          </p:txBody>
+        </p:sp>
+        <p:grpSp>
+          <p:nvGrpSpPr>
+            <p:cNvPr id="66" name="组合 65">
+              <a:extLst>
+                <a:ext uri="{FF2B5EF4-FFF2-40B4-BE49-F238E27FC236}">
+                  <a16:creationId xmlns:a16="http://schemas.microsoft.com/office/drawing/2014/main" id="{986F6011-BADF-427D-899A-BFEEDF5E9F74}"/>
+                </a:ext>
+              </a:extLst>
+            </p:cNvPr>
+            <p:cNvGrpSpPr/>
+            <p:nvPr/>
+          </p:nvGrpSpPr>
+          <p:grpSpPr>
+            <a:xfrm>
+              <a:off x="8411041" y="1768126"/>
+              <a:ext cx="1970781" cy="508656"/>
+              <a:chOff x="6429841" y="1768126"/>
+              <a:chExt cx="1970781" cy="508656"/>
+            </a:xfrm>
+          </p:grpSpPr>
+          <p:grpSp>
+            <p:nvGrpSpPr>
+              <p:cNvPr id="67" name="组合 66">
+                <a:extLst>
+                  <a:ext uri="{FF2B5EF4-FFF2-40B4-BE49-F238E27FC236}">
+                    <a16:creationId xmlns:a16="http://schemas.microsoft.com/office/drawing/2014/main" id="{C2DDC991-CED3-4EA4-B100-EF6D7B66271F}"/>
+                  </a:ext>
+                </a:extLst>
+              </p:cNvPr>
+              <p:cNvGrpSpPr/>
+              <p:nvPr/>
+            </p:nvGrpSpPr>
+            <p:grpSpPr>
+              <a:xfrm>
+                <a:off x="6429841" y="1768126"/>
+                <a:ext cx="1325947" cy="508656"/>
+                <a:chOff x="6541467" y="4587240"/>
+                <a:chExt cx="1325947" cy="508656"/>
+              </a:xfrm>
+            </p:grpSpPr>
+            <p:sp>
+              <p:nvSpPr>
+                <p:cNvPr id="71" name="矩形 70">
+                  <a:extLst>
+                    <a:ext uri="{FF2B5EF4-FFF2-40B4-BE49-F238E27FC236}">
+                      <a16:creationId xmlns:a16="http://schemas.microsoft.com/office/drawing/2014/main" id="{E5EC5ED4-EDE3-4449-BDBA-EB2AB2B69BB4}"/>
+                    </a:ext>
+                  </a:extLst>
+                </p:cNvPr>
+                <p:cNvSpPr/>
+                <p:nvPr/>
+              </p:nvSpPr>
+              <p:spPr>
+                <a:xfrm>
+                  <a:off x="6541467" y="4587240"/>
+                  <a:ext cx="861889" cy="508656"/>
+                </a:xfrm>
+                <a:prstGeom prst="rect">
+                  <a:avLst/>
+                </a:prstGeom>
+                <a:ln>
+                  <a:solidFill>
+                    <a:schemeClr val="tx1">
+                      <a:lumMod val="65000"/>
+                      <a:lumOff val="35000"/>
+                    </a:schemeClr>
+                  </a:solidFill>
+                </a:ln>
+              </p:spPr>
+              <p:style>
+                <a:lnRef idx="2">
+                  <a:schemeClr val="accent1">
+                    <a:shade val="50000"/>
+                  </a:schemeClr>
+                </a:lnRef>
+                <a:fillRef idx="1">
+                  <a:schemeClr val="accent1"/>
+                </a:fillRef>
+                <a:effectRef idx="0">
+                  <a:schemeClr val="accent1"/>
+                </a:effectRef>
+                <a:fontRef idx="minor">
+                  <a:schemeClr val="lt1"/>
+                </a:fontRef>
+              </p:style>
+              <p:txBody>
+                <a:bodyPr rtlCol="0" anchor="ctr"/>
+                <a:lstStyle/>
+                <a:p>
+                  <a:pPr algn="ctr"/>
+                  <a:r>
+                    <a:rPr lang="en-US" altLang="zh-CN" dirty="0"/>
+                    <a:t>10</a:t>
+                  </a:r>
+                  <a:endParaRPr lang="zh-CN" altLang="en-US" dirty="0"/>
+                </a:p>
+              </p:txBody>
+            </p:sp>
+            <p:sp>
+              <p:nvSpPr>
+                <p:cNvPr id="72" name="矩形 71">
+                  <a:extLst>
+                    <a:ext uri="{FF2B5EF4-FFF2-40B4-BE49-F238E27FC236}">
+                      <a16:creationId xmlns:a16="http://schemas.microsoft.com/office/drawing/2014/main" id="{BAD7B611-32D0-4653-9A97-771EA9B07E29}"/>
+                    </a:ext>
+                  </a:extLst>
+                </p:cNvPr>
+                <p:cNvSpPr/>
+                <p:nvPr/>
+              </p:nvSpPr>
+              <p:spPr>
+                <a:xfrm>
+                  <a:off x="7400926" y="4587240"/>
+                  <a:ext cx="466488" cy="508656"/>
+                </a:xfrm>
+                <a:prstGeom prst="rect">
+                  <a:avLst/>
+                </a:prstGeom>
+                <a:solidFill>
+                  <a:schemeClr val="accent6"/>
+                </a:solidFill>
+                <a:ln>
+                  <a:solidFill>
+                    <a:schemeClr val="tx1">
+                      <a:lumMod val="65000"/>
+                      <a:lumOff val="35000"/>
+                    </a:schemeClr>
+                  </a:solidFill>
+                </a:ln>
+              </p:spPr>
+              <p:style>
+                <a:lnRef idx="2">
+                  <a:schemeClr val="accent1">
+                    <a:shade val="50000"/>
+                  </a:schemeClr>
+                </a:lnRef>
+                <a:fillRef idx="1">
+                  <a:schemeClr val="accent1"/>
+                </a:fillRef>
+                <a:effectRef idx="0">
+                  <a:schemeClr val="accent1"/>
+                </a:effectRef>
+                <a:fontRef idx="minor">
+                  <a:schemeClr val="lt1"/>
+                </a:fontRef>
+              </p:style>
+              <p:txBody>
+                <a:bodyPr rtlCol="0" anchor="ctr"/>
+                <a:lstStyle/>
+                <a:p>
+                  <a:pPr algn="ctr"/>
+                  <a:endParaRPr lang="zh-CN" altLang="en-US" dirty="0"/>
+                </a:p>
+              </p:txBody>
+            </p:sp>
+          </p:grpSp>
+          <p:grpSp>
+            <p:nvGrpSpPr>
+              <p:cNvPr id="68" name="组合 67">
+                <a:extLst>
+                  <a:ext uri="{FF2B5EF4-FFF2-40B4-BE49-F238E27FC236}">
+                    <a16:creationId xmlns:a16="http://schemas.microsoft.com/office/drawing/2014/main" id="{1C6A18E2-8A75-4CB9-B158-39B584B23B46}"/>
+                  </a:ext>
+                </a:extLst>
+              </p:cNvPr>
+              <p:cNvGrpSpPr/>
+              <p:nvPr/>
+            </p:nvGrpSpPr>
+            <p:grpSpPr>
+              <a:xfrm>
+                <a:off x="7498968" y="2022454"/>
+                <a:ext cx="901654" cy="45719"/>
+                <a:chOff x="5119355" y="3952876"/>
+                <a:chExt cx="901654" cy="45719"/>
+              </a:xfrm>
+            </p:grpSpPr>
+            <p:cxnSp>
+              <p:nvCxnSpPr>
+                <p:cNvPr id="69" name="直接箭头连接符 68">
+                  <a:extLst>
+                    <a:ext uri="{FF2B5EF4-FFF2-40B4-BE49-F238E27FC236}">
+                      <a16:creationId xmlns:a16="http://schemas.microsoft.com/office/drawing/2014/main" id="{84CABDAD-AC9F-48AD-A92D-EE9D92CE6430}"/>
+                    </a:ext>
+                  </a:extLst>
+                </p:cNvPr>
+                <p:cNvCxnSpPr>
+                  <a:cxnSpLocks/>
+                </p:cNvCxnSpPr>
+                <p:nvPr/>
+              </p:nvCxnSpPr>
+              <p:spPr>
+                <a:xfrm>
+                  <a:off x="5138089" y="3976220"/>
+                  <a:ext cx="882920" cy="0"/>
+                </a:xfrm>
+                <a:prstGeom prst="straightConnector1">
+                  <a:avLst/>
+                </a:prstGeom>
+                <a:ln w="44450">
+                  <a:solidFill>
+                    <a:schemeClr val="tx1">
+                      <a:lumMod val="65000"/>
+                      <a:lumOff val="35000"/>
+                    </a:schemeClr>
+                  </a:solidFill>
+                  <a:tailEnd type="triangle"/>
+                </a:ln>
+              </p:spPr>
+              <p:style>
+                <a:lnRef idx="1">
+                  <a:schemeClr val="accent1"/>
+                </a:lnRef>
+                <a:fillRef idx="0">
+                  <a:schemeClr val="accent1"/>
+                </a:fillRef>
+                <a:effectRef idx="0">
+                  <a:schemeClr val="accent1"/>
+                </a:effectRef>
+                <a:fontRef idx="minor">
+                  <a:schemeClr val="tx1"/>
+                </a:fontRef>
+              </p:style>
+            </p:cxnSp>
+            <p:sp>
+              <p:nvSpPr>
+                <p:cNvPr id="70" name="椭圆 69">
+                  <a:extLst>
+                    <a:ext uri="{FF2B5EF4-FFF2-40B4-BE49-F238E27FC236}">
+                      <a16:creationId xmlns:a16="http://schemas.microsoft.com/office/drawing/2014/main" id="{F839ADA0-C75F-4283-8B74-1610869764C1}"/>
+                    </a:ext>
+                  </a:extLst>
+                </p:cNvPr>
+                <p:cNvSpPr/>
+                <p:nvPr/>
+              </p:nvSpPr>
+              <p:spPr>
+                <a:xfrm>
+                  <a:off x="5119355" y="3952876"/>
+                  <a:ext cx="45719" cy="45719"/>
+                </a:xfrm>
+                <a:prstGeom prst="ellipse">
+                  <a:avLst/>
+                </a:prstGeom>
+                <a:solidFill>
+                  <a:schemeClr val="tx1">
+                    <a:lumMod val="75000"/>
+                    <a:lumOff val="25000"/>
+                  </a:schemeClr>
+                </a:solidFill>
+                <a:ln w="44450">
+                  <a:solidFill>
+                    <a:schemeClr val="tx1">
+                      <a:lumMod val="75000"/>
+                      <a:lumOff val="25000"/>
+                    </a:schemeClr>
+                  </a:solidFill>
+                </a:ln>
+              </p:spPr>
+              <p:style>
+                <a:lnRef idx="2">
+                  <a:schemeClr val="accent1">
+                    <a:shade val="50000"/>
+                  </a:schemeClr>
+                </a:lnRef>
+                <a:fillRef idx="1">
+                  <a:schemeClr val="accent1"/>
+                </a:fillRef>
+                <a:effectRef idx="0">
+                  <a:schemeClr val="accent1"/>
+                </a:effectRef>
+                <a:fontRef idx="minor">
+                  <a:schemeClr val="lt1"/>
+                </a:fontRef>
+              </p:style>
+              <p:txBody>
+                <a:bodyPr rtlCol="0" anchor="ctr"/>
+                <a:lstStyle/>
+                <a:p>
+                  <a:pPr algn="ctr"/>
+                  <a:endParaRPr lang="zh-CN" altLang="en-US" dirty="0"/>
+                </a:p>
+              </p:txBody>
+            </p:sp>
+          </p:grpSp>
+        </p:grpSp>
+        <p:sp>
+          <p:nvSpPr>
+            <p:cNvPr id="73" name="文本框 72">
+              <a:extLst>
+                <a:ext uri="{FF2B5EF4-FFF2-40B4-BE49-F238E27FC236}">
+                  <a16:creationId xmlns:a16="http://schemas.microsoft.com/office/drawing/2014/main" id="{0569625F-5733-47E7-993C-1CF3FC95A111}"/>
+                </a:ext>
+              </a:extLst>
+            </p:cNvPr>
+            <p:cNvSpPr txBox="1"/>
+            <p:nvPr/>
+          </p:nvSpPr>
+          <p:spPr>
+            <a:xfrm>
+              <a:off x="6497411" y="1312424"/>
+              <a:ext cx="1188790" cy="338554"/>
+            </a:xfrm>
+            <a:prstGeom prst="rect">
+              <a:avLst/>
+            </a:prstGeom>
+            <a:noFill/>
+          </p:spPr>
+          <p:txBody>
+            <a:bodyPr wrap="square" rtlCol="0">
+              <a:spAutoFit/>
+            </a:bodyPr>
+            <a:lstStyle/>
+            <a:p>
+              <a:pPr algn="ctr"/>
+              <a:r>
+                <a:rPr lang="zh-CN" altLang="en-US" sz="1600" dirty="0">
+                  <a:latin typeface="Adobe 黑体 Std R" panose="020B0400000000000000" pitchFamily="34" charset="-122"/>
+                  <a:ea typeface="Adobe 黑体 Std R" panose="020B0400000000000000" pitchFamily="34" charset="-122"/>
+                </a:rPr>
+                <a:t>普通节点</a:t>
+              </a:r>
+            </a:p>
+          </p:txBody>
+        </p:sp>
+      </p:grpSp>
+      <p:grpSp>
+        <p:nvGrpSpPr>
+          <p:cNvPr id="23" name="组合 22">
+            <a:extLst>
+              <a:ext uri="{FF2B5EF4-FFF2-40B4-BE49-F238E27FC236}">
+                <a16:creationId xmlns:a16="http://schemas.microsoft.com/office/drawing/2014/main" id="{33453A27-0EB7-4321-AC15-4A95D38AA494}"/>
+              </a:ext>
+            </a:extLst>
+          </p:cNvPr>
+          <p:cNvGrpSpPr/>
+          <p:nvPr/>
+        </p:nvGrpSpPr>
+        <p:grpSpPr>
+          <a:xfrm>
+            <a:off x="479239" y="4003850"/>
+            <a:ext cx="10689956" cy="1972999"/>
+            <a:chOff x="479239" y="4003850"/>
+            <a:chExt cx="10689956" cy="1972999"/>
+          </a:xfrm>
+        </p:grpSpPr>
+        <p:grpSp>
+          <p:nvGrpSpPr>
+            <p:cNvPr id="74" name="组合 73">
+              <a:extLst>
+                <a:ext uri="{FF2B5EF4-FFF2-40B4-BE49-F238E27FC236}">
+                  <a16:creationId xmlns:a16="http://schemas.microsoft.com/office/drawing/2014/main" id="{64BD8661-9636-4907-BAEA-9DA426718A67}"/>
+                </a:ext>
+              </a:extLst>
+            </p:cNvPr>
+            <p:cNvGrpSpPr/>
+            <p:nvPr/>
+          </p:nvGrpSpPr>
+          <p:grpSpPr>
+            <a:xfrm>
+              <a:off x="479239" y="4003850"/>
+              <a:ext cx="10689956" cy="1972999"/>
+              <a:chOff x="479239" y="1302408"/>
+              <a:chExt cx="10689956" cy="1972999"/>
+            </a:xfrm>
+          </p:grpSpPr>
+          <p:grpSp>
+            <p:nvGrpSpPr>
+              <p:cNvPr id="75" name="组合 74">
+                <a:extLst>
+                  <a:ext uri="{FF2B5EF4-FFF2-40B4-BE49-F238E27FC236}">
+                    <a16:creationId xmlns:a16="http://schemas.microsoft.com/office/drawing/2014/main" id="{A89A3EC1-3BF8-4182-B801-B6A3B782B682}"/>
+                  </a:ext>
+                </a:extLst>
+              </p:cNvPr>
+              <p:cNvGrpSpPr/>
+              <p:nvPr/>
+            </p:nvGrpSpPr>
+            <p:grpSpPr>
+              <a:xfrm>
+                <a:off x="2483437" y="1774803"/>
+                <a:ext cx="3301570" cy="508656"/>
+                <a:chOff x="4345758" y="2781300"/>
+                <a:chExt cx="3301570" cy="508656"/>
+              </a:xfrm>
+            </p:grpSpPr>
+            <p:grpSp>
+              <p:nvGrpSpPr>
+                <p:cNvPr id="109" name="组合 108">
+                  <a:extLst>
+                    <a:ext uri="{FF2B5EF4-FFF2-40B4-BE49-F238E27FC236}">
+                      <a16:creationId xmlns:a16="http://schemas.microsoft.com/office/drawing/2014/main" id="{665C758F-6C49-496D-8120-282782A4E805}"/>
+                    </a:ext>
+                  </a:extLst>
+                </p:cNvPr>
+                <p:cNvGrpSpPr/>
+                <p:nvPr/>
+              </p:nvGrpSpPr>
+              <p:grpSpPr>
+                <a:xfrm>
+                  <a:off x="4345758" y="2781300"/>
+                  <a:ext cx="1325947" cy="508656"/>
+                  <a:chOff x="4345758" y="2611226"/>
+                  <a:chExt cx="1769290" cy="678730"/>
+                </a:xfrm>
+              </p:grpSpPr>
+              <p:sp>
+                <p:nvSpPr>
+                  <p:cNvPr id="116" name="矩形 115">
+                    <a:extLst>
+                      <a:ext uri="{FF2B5EF4-FFF2-40B4-BE49-F238E27FC236}">
+                        <a16:creationId xmlns:a16="http://schemas.microsoft.com/office/drawing/2014/main" id="{8A2A91E5-FF92-4168-BEFD-69CFD55BC67A}"/>
+                      </a:ext>
+                    </a:extLst>
+                  </p:cNvPr>
+                  <p:cNvSpPr/>
+                  <p:nvPr/>
+                </p:nvSpPr>
+                <p:spPr>
+                  <a:xfrm>
+                    <a:off x="4345758" y="2611226"/>
+                    <a:ext cx="1150070" cy="678730"/>
+                  </a:xfrm>
+                  <a:prstGeom prst="rect">
+                    <a:avLst/>
+                  </a:prstGeom>
+                  <a:ln>
+                    <a:solidFill>
+                      <a:schemeClr val="tx1">
+                        <a:lumMod val="65000"/>
+                        <a:lumOff val="35000"/>
+                      </a:schemeClr>
+                    </a:solidFill>
+                  </a:ln>
+                </p:spPr>
+                <p:style>
+                  <a:lnRef idx="2">
+                    <a:schemeClr val="accent1">
+                      <a:shade val="50000"/>
+                    </a:schemeClr>
+                  </a:lnRef>
+                  <a:fillRef idx="1">
+                    <a:schemeClr val="accent1"/>
+                  </a:fillRef>
+                  <a:effectRef idx="0">
+                    <a:schemeClr val="accent1"/>
+                  </a:effectRef>
+                  <a:fontRef idx="minor">
+                    <a:schemeClr val="lt1"/>
+                  </a:fontRef>
+                </p:style>
+                <p:txBody>
+                  <a:bodyPr rtlCol="0" anchor="ctr"/>
+                  <a:lstStyle/>
+                  <a:p>
+                    <a:pPr algn="ctr"/>
+                    <a:r>
+                      <a:rPr lang="en-US" altLang="zh-CN" dirty="0"/>
+                      <a:t>10</a:t>
+                    </a:r>
+                    <a:endParaRPr lang="zh-CN" altLang="en-US" dirty="0"/>
+                  </a:p>
+                </p:txBody>
+              </p:sp>
+              <p:sp>
+                <p:nvSpPr>
+                  <p:cNvPr id="117" name="矩形 116">
+                    <a:extLst>
+                      <a:ext uri="{FF2B5EF4-FFF2-40B4-BE49-F238E27FC236}">
+                        <a16:creationId xmlns:a16="http://schemas.microsoft.com/office/drawing/2014/main" id="{22FA5B41-3272-4A06-AF36-368A27955FC9}"/>
+                      </a:ext>
+                    </a:extLst>
+                  </p:cNvPr>
+                  <p:cNvSpPr/>
+                  <p:nvPr/>
+                </p:nvSpPr>
+                <p:spPr>
+                  <a:xfrm>
+                    <a:off x="5492585" y="2611226"/>
+                    <a:ext cx="622463" cy="678730"/>
+                  </a:xfrm>
+                  <a:prstGeom prst="rect">
+                    <a:avLst/>
+                  </a:prstGeom>
+                  <a:solidFill>
+                    <a:schemeClr val="accent6"/>
+                  </a:solidFill>
+                  <a:ln>
+                    <a:solidFill>
+                      <a:schemeClr val="tx1">
+                        <a:lumMod val="65000"/>
+                        <a:lumOff val="35000"/>
+                      </a:schemeClr>
+                    </a:solidFill>
+                  </a:ln>
+                </p:spPr>
+                <p:style>
+                  <a:lnRef idx="2">
+                    <a:schemeClr val="accent1">
+                      <a:shade val="50000"/>
+                    </a:schemeClr>
+                  </a:lnRef>
+                  <a:fillRef idx="1">
+                    <a:schemeClr val="accent1"/>
+                  </a:fillRef>
+                  <a:effectRef idx="0">
+                    <a:schemeClr val="accent1"/>
+                  </a:effectRef>
+                  <a:fontRef idx="minor">
+                    <a:schemeClr val="lt1"/>
+                  </a:fontRef>
+                </p:style>
+                <p:txBody>
+                  <a:bodyPr rtlCol="0" anchor="ctr"/>
+                  <a:lstStyle/>
+                  <a:p>
+                    <a:pPr algn="ctr"/>
+                    <a:endParaRPr lang="zh-CN" altLang="en-US" dirty="0"/>
+                  </a:p>
+                </p:txBody>
+              </p:sp>
+            </p:grpSp>
+            <p:grpSp>
+              <p:nvGrpSpPr>
+                <p:cNvPr id="110" name="组合 109">
+                  <a:extLst>
+                    <a:ext uri="{FF2B5EF4-FFF2-40B4-BE49-F238E27FC236}">
+                      <a16:creationId xmlns:a16="http://schemas.microsoft.com/office/drawing/2014/main" id="{047C9FF4-DBF9-4D15-9C32-7A7FEF439C86}"/>
+                    </a:ext>
+                  </a:extLst>
+                </p:cNvPr>
+                <p:cNvGrpSpPr/>
+                <p:nvPr/>
+              </p:nvGrpSpPr>
+              <p:grpSpPr>
+                <a:xfrm>
+                  <a:off x="6321381" y="2781300"/>
+                  <a:ext cx="1325947" cy="508656"/>
+                  <a:chOff x="4345758" y="2611226"/>
+                  <a:chExt cx="1769290" cy="678730"/>
+                </a:xfrm>
+              </p:grpSpPr>
+              <p:sp>
+                <p:nvSpPr>
+                  <p:cNvPr id="114" name="矩形 113">
+                    <a:extLst>
+                      <a:ext uri="{FF2B5EF4-FFF2-40B4-BE49-F238E27FC236}">
+                        <a16:creationId xmlns:a16="http://schemas.microsoft.com/office/drawing/2014/main" id="{0A7A95F2-3CCC-46ED-B353-035394DFF669}"/>
+                      </a:ext>
+                    </a:extLst>
+                  </p:cNvPr>
+                  <p:cNvSpPr/>
+                  <p:nvPr/>
+                </p:nvSpPr>
+                <p:spPr>
+                  <a:xfrm>
+                    <a:off x="4345758" y="2611226"/>
+                    <a:ext cx="1150070" cy="678730"/>
+                  </a:xfrm>
+                  <a:prstGeom prst="rect">
+                    <a:avLst/>
+                  </a:prstGeom>
+                  <a:ln>
+                    <a:solidFill>
+                      <a:schemeClr val="tx1">
+                        <a:lumMod val="65000"/>
+                        <a:lumOff val="35000"/>
+                      </a:schemeClr>
+                    </a:solidFill>
+                  </a:ln>
+                </p:spPr>
+                <p:style>
+                  <a:lnRef idx="2">
+                    <a:schemeClr val="accent1">
+                      <a:shade val="50000"/>
+                    </a:schemeClr>
+                  </a:lnRef>
+                  <a:fillRef idx="1">
+                    <a:schemeClr val="accent1"/>
+                  </a:fillRef>
+                  <a:effectRef idx="0">
+                    <a:schemeClr val="accent1"/>
+                  </a:effectRef>
+                  <a:fontRef idx="minor">
+                    <a:schemeClr val="lt1"/>
+                  </a:fontRef>
+                </p:style>
+                <p:txBody>
+                  <a:bodyPr rtlCol="0" anchor="ctr"/>
+                  <a:lstStyle/>
+                  <a:p>
+                    <a:pPr algn="ctr"/>
+                    <a:r>
+                      <a:rPr lang="en-US" altLang="zh-CN" dirty="0"/>
+                      <a:t>20</a:t>
+                    </a:r>
+                    <a:endParaRPr lang="zh-CN" altLang="en-US" dirty="0"/>
+                  </a:p>
+                </p:txBody>
+              </p:sp>
+              <p:sp>
+                <p:nvSpPr>
+                  <p:cNvPr id="115" name="矩形 114">
+                    <a:extLst>
+                      <a:ext uri="{FF2B5EF4-FFF2-40B4-BE49-F238E27FC236}">
+                        <a16:creationId xmlns:a16="http://schemas.microsoft.com/office/drawing/2014/main" id="{C1B2AAB9-16C5-4559-B116-F68956FD8CF5}"/>
+                      </a:ext>
+                    </a:extLst>
+                  </p:cNvPr>
+                  <p:cNvSpPr/>
+                  <p:nvPr/>
+                </p:nvSpPr>
+                <p:spPr>
+                  <a:xfrm>
+                    <a:off x="5492585" y="2611226"/>
+                    <a:ext cx="622463" cy="678730"/>
+                  </a:xfrm>
+                  <a:prstGeom prst="rect">
+                    <a:avLst/>
+                  </a:prstGeom>
+                  <a:solidFill>
+                    <a:schemeClr val="accent6"/>
+                  </a:solidFill>
+                  <a:ln>
+                    <a:solidFill>
+                      <a:schemeClr val="tx1">
+                        <a:lumMod val="65000"/>
+                        <a:lumOff val="35000"/>
+                      </a:schemeClr>
+                    </a:solidFill>
+                  </a:ln>
+                </p:spPr>
+                <p:style>
+                  <a:lnRef idx="2">
+                    <a:schemeClr val="accent1">
+                      <a:shade val="50000"/>
+                    </a:schemeClr>
+                  </a:lnRef>
+                  <a:fillRef idx="1">
+                    <a:schemeClr val="accent1"/>
+                  </a:fillRef>
+                  <a:effectRef idx="0">
+                    <a:schemeClr val="accent1"/>
+                  </a:effectRef>
+                  <a:fontRef idx="minor">
+                    <a:schemeClr val="lt1"/>
+                  </a:fontRef>
+                </p:style>
+                <p:txBody>
+                  <a:bodyPr rtlCol="0" anchor="ctr"/>
+                  <a:lstStyle/>
+                  <a:p>
+                    <a:pPr algn="ctr"/>
+                    <a:endParaRPr lang="zh-CN" altLang="en-US" dirty="0"/>
+                  </a:p>
+                </p:txBody>
+              </p:sp>
+            </p:grpSp>
+            <p:grpSp>
+              <p:nvGrpSpPr>
+                <p:cNvPr id="111" name="组合 110">
+                  <a:extLst>
+                    <a:ext uri="{FF2B5EF4-FFF2-40B4-BE49-F238E27FC236}">
+                      <a16:creationId xmlns:a16="http://schemas.microsoft.com/office/drawing/2014/main" id="{C0B25BCE-F740-4F22-B8BD-AA464CD89027}"/>
+                    </a:ext>
+                  </a:extLst>
+                </p:cNvPr>
+                <p:cNvGrpSpPr/>
+                <p:nvPr/>
+              </p:nvGrpSpPr>
+              <p:grpSpPr>
+                <a:xfrm>
+                  <a:off x="5419727" y="3028951"/>
+                  <a:ext cx="901654" cy="45719"/>
+                  <a:chOff x="5419727" y="3012284"/>
+                  <a:chExt cx="901654" cy="45719"/>
+                </a:xfrm>
+              </p:grpSpPr>
+              <p:cxnSp>
+                <p:nvCxnSpPr>
+                  <p:cNvPr id="112" name="直接箭头连接符 111">
+                    <a:extLst>
+                      <a:ext uri="{FF2B5EF4-FFF2-40B4-BE49-F238E27FC236}">
+                        <a16:creationId xmlns:a16="http://schemas.microsoft.com/office/drawing/2014/main" id="{91A9D97B-CEA2-41CD-89B9-8048DD5A4EBB}"/>
+                      </a:ext>
+                    </a:extLst>
+                  </p:cNvPr>
+                  <p:cNvCxnSpPr>
+                    <a:cxnSpLocks/>
+                    <a:endCxn id="114" idx="1"/>
+                  </p:cNvCxnSpPr>
+                  <p:nvPr/>
+                </p:nvCxnSpPr>
+                <p:spPr>
+                  <a:xfrm>
+                    <a:off x="5438461" y="3035628"/>
+                    <a:ext cx="882920" cy="0"/>
+                  </a:xfrm>
+                  <a:prstGeom prst="straightConnector1">
+                    <a:avLst/>
+                  </a:prstGeom>
+                  <a:ln w="44450">
+                    <a:solidFill>
+                      <a:schemeClr val="tx1">
+                        <a:lumMod val="65000"/>
+                        <a:lumOff val="35000"/>
+                      </a:schemeClr>
+                    </a:solidFill>
+                    <a:tailEnd type="triangle"/>
+                  </a:ln>
+                </p:spPr>
+                <p:style>
+                  <a:lnRef idx="1">
+                    <a:schemeClr val="accent1"/>
+                  </a:lnRef>
+                  <a:fillRef idx="0">
+                    <a:schemeClr val="accent1"/>
+                  </a:fillRef>
+                  <a:effectRef idx="0">
+                    <a:schemeClr val="accent1"/>
+                  </a:effectRef>
+                  <a:fontRef idx="minor">
+                    <a:schemeClr val="tx1"/>
+                  </a:fontRef>
+                </p:style>
+              </p:cxnSp>
+              <p:sp>
+                <p:nvSpPr>
+                  <p:cNvPr id="113" name="椭圆 112">
+                    <a:extLst>
+                      <a:ext uri="{FF2B5EF4-FFF2-40B4-BE49-F238E27FC236}">
+                        <a16:creationId xmlns:a16="http://schemas.microsoft.com/office/drawing/2014/main" id="{97727C14-D84C-4190-8224-B4F814641F14}"/>
+                      </a:ext>
+                    </a:extLst>
+                  </p:cNvPr>
+                  <p:cNvSpPr/>
+                  <p:nvPr/>
+                </p:nvSpPr>
+                <p:spPr>
+                  <a:xfrm>
+                    <a:off x="5419727" y="3012284"/>
+                    <a:ext cx="45719" cy="45719"/>
+                  </a:xfrm>
+                  <a:prstGeom prst="ellipse">
+                    <a:avLst/>
+                  </a:prstGeom>
+                  <a:solidFill>
+                    <a:schemeClr val="tx1">
+                      <a:lumMod val="75000"/>
+                      <a:lumOff val="25000"/>
+                    </a:schemeClr>
+                  </a:solidFill>
+                  <a:ln w="44450">
+                    <a:solidFill>
+                      <a:schemeClr val="tx1">
+                        <a:lumMod val="75000"/>
+                        <a:lumOff val="25000"/>
+                      </a:schemeClr>
+                    </a:solidFill>
+                  </a:ln>
+                </p:spPr>
+                <p:style>
+                  <a:lnRef idx="2">
+                    <a:schemeClr val="accent1">
+                      <a:shade val="50000"/>
+                    </a:schemeClr>
+                  </a:lnRef>
+                  <a:fillRef idx="1">
+                    <a:schemeClr val="accent1"/>
+                  </a:fillRef>
+                  <a:effectRef idx="0">
+                    <a:schemeClr val="accent1"/>
+                  </a:effectRef>
+                  <a:fontRef idx="minor">
+                    <a:schemeClr val="lt1"/>
+                  </a:fontRef>
+                </p:style>
+                <p:txBody>
+                  <a:bodyPr rtlCol="0" anchor="ctr"/>
+                  <a:lstStyle/>
+                  <a:p>
+                    <a:pPr algn="ctr"/>
+                    <a:endParaRPr lang="zh-CN" altLang="en-US"/>
+                  </a:p>
+                </p:txBody>
+              </p:sp>
+            </p:grpSp>
+          </p:grpSp>
+          <p:grpSp>
+            <p:nvGrpSpPr>
+              <p:cNvPr id="76" name="组合 75">
+                <a:extLst>
+                  <a:ext uri="{FF2B5EF4-FFF2-40B4-BE49-F238E27FC236}">
+                    <a16:creationId xmlns:a16="http://schemas.microsoft.com/office/drawing/2014/main" id="{8C72CD67-FD79-4B4D-B115-D22A812E2D22}"/>
+                  </a:ext>
+                </a:extLst>
+              </p:cNvPr>
+              <p:cNvGrpSpPr/>
+              <p:nvPr/>
+            </p:nvGrpSpPr>
+            <p:grpSpPr>
+              <a:xfrm>
+                <a:off x="507814" y="1768126"/>
+                <a:ext cx="1325947" cy="508656"/>
+                <a:chOff x="4345758" y="2611226"/>
+                <a:chExt cx="1769290" cy="678730"/>
+              </a:xfrm>
+            </p:grpSpPr>
+            <p:sp>
+              <p:nvSpPr>
+                <p:cNvPr id="107" name="矩形 106">
+                  <a:extLst>
+                    <a:ext uri="{FF2B5EF4-FFF2-40B4-BE49-F238E27FC236}">
+                      <a16:creationId xmlns:a16="http://schemas.microsoft.com/office/drawing/2014/main" id="{F1A58184-CF1A-450C-926E-D14BD7796D67}"/>
+                    </a:ext>
+                  </a:extLst>
+                </p:cNvPr>
+                <p:cNvSpPr/>
+                <p:nvPr/>
+              </p:nvSpPr>
+              <p:spPr>
+                <a:xfrm>
+                  <a:off x="4345758" y="2611226"/>
+                  <a:ext cx="1150070" cy="678730"/>
+                </a:xfrm>
+                <a:prstGeom prst="rect">
+                  <a:avLst/>
+                </a:prstGeom>
+                <a:solidFill>
+                  <a:schemeClr val="accent1"/>
+                </a:solidFill>
+                <a:ln>
+                  <a:solidFill>
+                    <a:schemeClr val="tx1">
+                      <a:lumMod val="65000"/>
+                      <a:lumOff val="35000"/>
+                    </a:schemeClr>
+                  </a:solidFill>
+                </a:ln>
+              </p:spPr>
+              <p:style>
+                <a:lnRef idx="2">
+                  <a:schemeClr val="accent1">
+                    <a:shade val="50000"/>
+                  </a:schemeClr>
+                </a:lnRef>
+                <a:fillRef idx="1">
+                  <a:schemeClr val="accent1"/>
+                </a:fillRef>
+                <a:effectRef idx="0">
+                  <a:schemeClr val="accent1"/>
+                </a:effectRef>
+                <a:fontRef idx="minor">
+                  <a:schemeClr val="lt1"/>
+                </a:fontRef>
+              </p:style>
+              <p:txBody>
+                <a:bodyPr rtlCol="0" anchor="ctr"/>
+                <a:lstStyle/>
+                <a:p>
+                  <a:pPr algn="ctr"/>
+                  <a:r>
+                    <a:rPr lang="en-US" altLang="zh-CN" dirty="0"/>
+                    <a:t>4</a:t>
+                  </a:r>
+                  <a:endParaRPr lang="zh-CN" altLang="en-US" dirty="0"/>
+                </a:p>
+              </p:txBody>
+            </p:sp>
+            <p:sp>
+              <p:nvSpPr>
+                <p:cNvPr id="108" name="矩形 107">
+                  <a:extLst>
+                    <a:ext uri="{FF2B5EF4-FFF2-40B4-BE49-F238E27FC236}">
+                      <a16:creationId xmlns:a16="http://schemas.microsoft.com/office/drawing/2014/main" id="{A1F3D493-B062-4B7E-B01F-35058CE5724C}"/>
+                    </a:ext>
+                  </a:extLst>
+                </p:cNvPr>
+                <p:cNvSpPr/>
+                <p:nvPr/>
+              </p:nvSpPr>
+              <p:spPr>
+                <a:xfrm>
+                  <a:off x="5492585" y="2611226"/>
+                  <a:ext cx="622463" cy="678730"/>
+                </a:xfrm>
+                <a:prstGeom prst="rect">
+                  <a:avLst/>
+                </a:prstGeom>
+                <a:solidFill>
+                  <a:schemeClr val="accent6"/>
+                </a:solidFill>
+                <a:ln>
+                  <a:solidFill>
+                    <a:schemeClr val="tx1">
+                      <a:lumMod val="65000"/>
+                      <a:lumOff val="35000"/>
+                    </a:schemeClr>
+                  </a:solidFill>
+                </a:ln>
+              </p:spPr>
+              <p:style>
+                <a:lnRef idx="2">
+                  <a:schemeClr val="accent1">
+                    <a:shade val="50000"/>
+                  </a:schemeClr>
+                </a:lnRef>
+                <a:fillRef idx="1">
+                  <a:schemeClr val="accent1"/>
+                </a:fillRef>
+                <a:effectRef idx="0">
+                  <a:schemeClr val="accent1"/>
+                </a:effectRef>
+                <a:fontRef idx="minor">
+                  <a:schemeClr val="lt1"/>
+                </a:fontRef>
+              </p:style>
+              <p:txBody>
+                <a:bodyPr rtlCol="0" anchor="ctr"/>
+                <a:lstStyle/>
+                <a:p>
+                  <a:pPr algn="ctr"/>
+                  <a:endParaRPr lang="zh-CN" altLang="en-US" dirty="0"/>
+                </a:p>
+              </p:txBody>
+            </p:sp>
+          </p:grpSp>
+          <p:grpSp>
+            <p:nvGrpSpPr>
+              <p:cNvPr id="77" name="组合 76">
+                <a:extLst>
+                  <a:ext uri="{FF2B5EF4-FFF2-40B4-BE49-F238E27FC236}">
+                    <a16:creationId xmlns:a16="http://schemas.microsoft.com/office/drawing/2014/main" id="{9869C768-87A8-4313-8BFB-5DC70D7773E0}"/>
+                  </a:ext>
+                </a:extLst>
+              </p:cNvPr>
+              <p:cNvGrpSpPr/>
+              <p:nvPr/>
+            </p:nvGrpSpPr>
+            <p:grpSpPr>
+              <a:xfrm>
+                <a:off x="1581783" y="2022454"/>
+                <a:ext cx="901654" cy="45719"/>
+                <a:chOff x="5477657" y="3028951"/>
+                <a:chExt cx="901654" cy="45719"/>
+              </a:xfrm>
+            </p:grpSpPr>
+            <p:cxnSp>
+              <p:nvCxnSpPr>
+                <p:cNvPr id="105" name="直接箭头连接符 104">
+                  <a:extLst>
+                    <a:ext uri="{FF2B5EF4-FFF2-40B4-BE49-F238E27FC236}">
+                      <a16:creationId xmlns:a16="http://schemas.microsoft.com/office/drawing/2014/main" id="{41B78E39-F44C-4B6A-8B13-4D2010EA2A11}"/>
+                    </a:ext>
+                  </a:extLst>
+                </p:cNvPr>
+                <p:cNvCxnSpPr>
+                  <a:cxnSpLocks/>
+                </p:cNvCxnSpPr>
+                <p:nvPr/>
+              </p:nvCxnSpPr>
+              <p:spPr>
+                <a:xfrm>
+                  <a:off x="5496391" y="3052295"/>
+                  <a:ext cx="882920" cy="0"/>
+                </a:xfrm>
+                <a:prstGeom prst="straightConnector1">
+                  <a:avLst/>
+                </a:prstGeom>
+                <a:ln w="44450">
+                  <a:solidFill>
+                    <a:schemeClr val="tx1">
+                      <a:lumMod val="65000"/>
+                      <a:lumOff val="35000"/>
+                    </a:schemeClr>
+                  </a:solidFill>
+                  <a:tailEnd type="triangle"/>
+                </a:ln>
+              </p:spPr>
+              <p:style>
+                <a:lnRef idx="1">
+                  <a:schemeClr val="accent1"/>
+                </a:lnRef>
+                <a:fillRef idx="0">
+                  <a:schemeClr val="accent1"/>
+                </a:fillRef>
+                <a:effectRef idx="0">
+                  <a:schemeClr val="accent1"/>
+                </a:effectRef>
+                <a:fontRef idx="minor">
+                  <a:schemeClr val="tx1"/>
+                </a:fontRef>
+              </p:style>
+            </p:cxnSp>
+            <p:sp>
+              <p:nvSpPr>
+                <p:cNvPr id="106" name="椭圆 105">
+                  <a:extLst>
+                    <a:ext uri="{FF2B5EF4-FFF2-40B4-BE49-F238E27FC236}">
+                      <a16:creationId xmlns:a16="http://schemas.microsoft.com/office/drawing/2014/main" id="{0B9B8A68-835B-42BC-B936-55C84C4E5C7C}"/>
+                    </a:ext>
+                  </a:extLst>
+                </p:cNvPr>
+                <p:cNvSpPr/>
+                <p:nvPr/>
+              </p:nvSpPr>
+              <p:spPr>
+                <a:xfrm>
+                  <a:off x="5477657" y="3028951"/>
+                  <a:ext cx="45719" cy="45719"/>
+                </a:xfrm>
+                <a:prstGeom prst="ellipse">
+                  <a:avLst/>
+                </a:prstGeom>
+                <a:solidFill>
+                  <a:schemeClr val="tx1">
+                    <a:lumMod val="75000"/>
+                    <a:lumOff val="25000"/>
+                  </a:schemeClr>
+                </a:solidFill>
+                <a:ln w="44450">
+                  <a:solidFill>
+                    <a:schemeClr val="tx1">
+                      <a:lumMod val="75000"/>
+                      <a:lumOff val="25000"/>
+                    </a:schemeClr>
+                  </a:solidFill>
+                </a:ln>
+              </p:spPr>
+              <p:style>
+                <a:lnRef idx="2">
+                  <a:schemeClr val="accent1">
+                    <a:shade val="50000"/>
+                  </a:schemeClr>
+                </a:lnRef>
+                <a:fillRef idx="1">
+                  <a:schemeClr val="accent1"/>
+                </a:fillRef>
+                <a:effectRef idx="0">
+                  <a:schemeClr val="accent1"/>
+                </a:effectRef>
+                <a:fontRef idx="minor">
+                  <a:schemeClr val="lt1"/>
+                </a:fontRef>
+              </p:style>
+              <p:txBody>
+                <a:bodyPr rtlCol="0" anchor="ctr"/>
+                <a:lstStyle/>
+                <a:p>
+                  <a:pPr algn="ctr"/>
+                  <a:endParaRPr lang="zh-CN" altLang="en-US" dirty="0"/>
+                </a:p>
+              </p:txBody>
+            </p:sp>
+          </p:grpSp>
+          <p:grpSp>
+            <p:nvGrpSpPr>
+              <p:cNvPr id="78" name="组合 77">
+                <a:extLst>
+                  <a:ext uri="{FF2B5EF4-FFF2-40B4-BE49-F238E27FC236}">
+                    <a16:creationId xmlns:a16="http://schemas.microsoft.com/office/drawing/2014/main" id="{98B686BA-4D4F-4351-8525-CD17743C8250}"/>
+                  </a:ext>
+                </a:extLst>
+              </p:cNvPr>
+              <p:cNvGrpSpPr/>
+              <p:nvPr/>
+            </p:nvGrpSpPr>
+            <p:grpSpPr>
+              <a:xfrm>
+                <a:off x="927046" y="2283459"/>
+                <a:ext cx="45719" cy="564820"/>
+                <a:chOff x="4724847" y="3289956"/>
+                <a:chExt cx="45719" cy="564820"/>
+              </a:xfrm>
+            </p:grpSpPr>
+            <p:cxnSp>
+              <p:nvCxnSpPr>
+                <p:cNvPr id="103" name="直接箭头连接符 102">
+                  <a:extLst>
+                    <a:ext uri="{FF2B5EF4-FFF2-40B4-BE49-F238E27FC236}">
+                      <a16:creationId xmlns:a16="http://schemas.microsoft.com/office/drawing/2014/main" id="{2443B6B6-7A1E-4E2E-A0B4-E2EB9865C4C7}"/>
+                    </a:ext>
+                  </a:extLst>
+                </p:cNvPr>
+                <p:cNvCxnSpPr>
+                  <a:cxnSpLocks/>
+                </p:cNvCxnSpPr>
+                <p:nvPr/>
+              </p:nvCxnSpPr>
+              <p:spPr>
+                <a:xfrm flipV="1">
+                  <a:off x="4747707" y="3289956"/>
+                  <a:ext cx="0" cy="535284"/>
+                </a:xfrm>
+                <a:prstGeom prst="straightConnector1">
+                  <a:avLst/>
+                </a:prstGeom>
+                <a:ln w="44450">
+                  <a:solidFill>
+                    <a:schemeClr val="tx1">
+                      <a:lumMod val="65000"/>
+                      <a:lumOff val="35000"/>
+                    </a:schemeClr>
+                  </a:solidFill>
+                  <a:tailEnd type="triangle"/>
+                </a:ln>
+              </p:spPr>
+              <p:style>
+                <a:lnRef idx="1">
+                  <a:schemeClr val="accent1"/>
+                </a:lnRef>
+                <a:fillRef idx="0">
+                  <a:schemeClr val="accent1"/>
+                </a:fillRef>
+                <a:effectRef idx="0">
+                  <a:schemeClr val="accent1"/>
+                </a:effectRef>
+                <a:fontRef idx="minor">
+                  <a:schemeClr val="tx1"/>
+                </a:fontRef>
+              </p:style>
+            </p:cxnSp>
+            <p:sp>
+              <p:nvSpPr>
+                <p:cNvPr id="104" name="椭圆 103">
+                  <a:extLst>
+                    <a:ext uri="{FF2B5EF4-FFF2-40B4-BE49-F238E27FC236}">
+                      <a16:creationId xmlns:a16="http://schemas.microsoft.com/office/drawing/2014/main" id="{F6DFE122-CB4C-48BE-855F-130BF69408B3}"/>
+                    </a:ext>
+                  </a:extLst>
+                </p:cNvPr>
+                <p:cNvSpPr/>
+                <p:nvPr/>
+              </p:nvSpPr>
+              <p:spPr>
+                <a:xfrm rot="16200000">
+                  <a:off x="4724847" y="3809057"/>
+                  <a:ext cx="45719" cy="45719"/>
+                </a:xfrm>
+                <a:prstGeom prst="ellipse">
+                  <a:avLst/>
+                </a:prstGeom>
+                <a:solidFill>
+                  <a:schemeClr val="tx1">
+                    <a:lumMod val="75000"/>
+                    <a:lumOff val="25000"/>
+                  </a:schemeClr>
+                </a:solidFill>
+                <a:ln w="44450">
+                  <a:solidFill>
+                    <a:schemeClr val="tx1">
+                      <a:lumMod val="75000"/>
+                      <a:lumOff val="25000"/>
+                    </a:schemeClr>
+                  </a:solidFill>
+                </a:ln>
+              </p:spPr>
+              <p:style>
+                <a:lnRef idx="2">
+                  <a:schemeClr val="accent1">
+                    <a:shade val="50000"/>
+                  </a:schemeClr>
+                </a:lnRef>
+                <a:fillRef idx="1">
+                  <a:schemeClr val="accent1"/>
+                </a:fillRef>
+                <a:effectRef idx="0">
+                  <a:schemeClr val="accent1"/>
+                </a:effectRef>
+                <a:fontRef idx="minor">
+                  <a:schemeClr val="lt1"/>
+                </a:fontRef>
+              </p:style>
+              <p:txBody>
+                <a:bodyPr rtlCol="0" anchor="ctr"/>
+                <a:lstStyle/>
+                <a:p>
+                  <a:pPr algn="ctr"/>
+                  <a:endParaRPr lang="zh-CN" altLang="en-US" dirty="0"/>
+                </a:p>
+              </p:txBody>
+            </p:sp>
+          </p:grpSp>
+          <p:sp>
+            <p:nvSpPr>
+              <p:cNvPr id="79" name="文本框 78">
+                <a:extLst>
+                  <a:ext uri="{FF2B5EF4-FFF2-40B4-BE49-F238E27FC236}">
+                    <a16:creationId xmlns:a16="http://schemas.microsoft.com/office/drawing/2014/main" id="{829CA6CE-FB4A-4128-91F0-85048EDE2A54}"/>
+                  </a:ext>
+                </a:extLst>
+              </p:cNvPr>
+              <p:cNvSpPr txBox="1"/>
+              <p:nvPr/>
+            </p:nvSpPr>
+            <p:spPr>
+              <a:xfrm>
+                <a:off x="479239" y="2936853"/>
+                <a:ext cx="955546" cy="338554"/>
+              </a:xfrm>
+              <a:prstGeom prst="rect">
+                <a:avLst/>
+              </a:prstGeom>
+              <a:noFill/>
+            </p:spPr>
+            <p:txBody>
+              <a:bodyPr wrap="square" rtlCol="0">
+                <a:spAutoFit/>
+              </a:bodyPr>
+              <a:lstStyle/>
+              <a:p>
+                <a:pPr algn="ctr"/>
+                <a:r>
+                  <a:rPr lang="zh-CN" altLang="en-US" sz="1600" dirty="0">
+                    <a:latin typeface="Adobe 黑体 Std R" panose="020B0400000000000000" pitchFamily="34" charset="-122"/>
+                    <a:ea typeface="Adobe 黑体 Std R" panose="020B0400000000000000" pitchFamily="34" charset="-122"/>
+                  </a:rPr>
+                  <a:t>头指针</a:t>
+                </a:r>
+              </a:p>
+            </p:txBody>
+          </p:sp>
+          <p:sp>
+            <p:nvSpPr>
+              <p:cNvPr id="80" name="文本框 79">
+                <a:extLst>
+                  <a:ext uri="{FF2B5EF4-FFF2-40B4-BE49-F238E27FC236}">
+                    <a16:creationId xmlns:a16="http://schemas.microsoft.com/office/drawing/2014/main" id="{2F8DE78B-8885-415E-BAC0-469C29EDFD69}"/>
+                  </a:ext>
+                </a:extLst>
+              </p:cNvPr>
+              <p:cNvSpPr txBox="1"/>
+              <p:nvPr/>
+            </p:nvSpPr>
+            <p:spPr>
+              <a:xfrm>
+                <a:off x="675317" y="1302408"/>
+                <a:ext cx="955546" cy="338554"/>
+              </a:xfrm>
+              <a:prstGeom prst="rect">
+                <a:avLst/>
+              </a:prstGeom>
+              <a:noFill/>
+            </p:spPr>
+            <p:txBody>
+              <a:bodyPr wrap="square" rtlCol="0">
+                <a:spAutoFit/>
+              </a:bodyPr>
+              <a:lstStyle/>
+              <a:p>
+                <a:pPr algn="ctr"/>
+                <a:r>
+                  <a:rPr lang="zh-CN" altLang="en-US" sz="1600" dirty="0">
+                    <a:latin typeface="Adobe 黑体 Std R" panose="020B0400000000000000" pitchFamily="34" charset="-122"/>
+                    <a:ea typeface="Adobe 黑体 Std R" panose="020B0400000000000000" pitchFamily="34" charset="-122"/>
+                  </a:rPr>
+                  <a:t>头节点</a:t>
+                </a:r>
+              </a:p>
+            </p:txBody>
+          </p:sp>
+          <p:sp>
+            <p:nvSpPr>
+              <p:cNvPr id="81" name="文本框 80">
+                <a:extLst>
+                  <a:ext uri="{FF2B5EF4-FFF2-40B4-BE49-F238E27FC236}">
+                    <a16:creationId xmlns:a16="http://schemas.microsoft.com/office/drawing/2014/main" id="{08A14576-95AC-4EFD-B7F1-E80BEDFF8DDB}"/>
+                  </a:ext>
+                </a:extLst>
+              </p:cNvPr>
+              <p:cNvSpPr txBox="1"/>
+              <p:nvPr/>
+            </p:nvSpPr>
+            <p:spPr>
+              <a:xfrm>
+                <a:off x="2542494" y="1312424"/>
+                <a:ext cx="1188790" cy="338554"/>
+              </a:xfrm>
+              <a:prstGeom prst="rect">
+                <a:avLst/>
+              </a:prstGeom>
+              <a:noFill/>
+            </p:spPr>
+            <p:txBody>
+              <a:bodyPr wrap="square" rtlCol="0">
+                <a:spAutoFit/>
+              </a:bodyPr>
+              <a:lstStyle/>
+              <a:p>
+                <a:pPr algn="ctr"/>
+                <a:r>
+                  <a:rPr lang="zh-CN" altLang="en-US" sz="1600" dirty="0">
+                    <a:latin typeface="Adobe 黑体 Std R" panose="020B0400000000000000" pitchFamily="34" charset="-122"/>
+                    <a:ea typeface="Adobe 黑体 Std R" panose="020B0400000000000000" pitchFamily="34" charset="-122"/>
+                  </a:rPr>
+                  <a:t>首元节点</a:t>
+                </a:r>
+              </a:p>
+            </p:txBody>
+          </p:sp>
+          <p:grpSp>
+            <p:nvGrpSpPr>
+              <p:cNvPr id="82" name="组合 81">
+                <a:extLst>
+                  <a:ext uri="{FF2B5EF4-FFF2-40B4-BE49-F238E27FC236}">
+                    <a16:creationId xmlns:a16="http://schemas.microsoft.com/office/drawing/2014/main" id="{23CB3639-6977-4858-992D-B089526893ED}"/>
+                  </a:ext>
+                </a:extLst>
+              </p:cNvPr>
+              <p:cNvGrpSpPr/>
+              <p:nvPr/>
+            </p:nvGrpSpPr>
+            <p:grpSpPr>
+              <a:xfrm>
+                <a:off x="5528245" y="2029131"/>
+                <a:ext cx="901654" cy="45719"/>
+                <a:chOff x="5119355" y="3952876"/>
+                <a:chExt cx="901654" cy="45719"/>
+              </a:xfrm>
+            </p:grpSpPr>
+            <p:cxnSp>
+              <p:nvCxnSpPr>
+                <p:cNvPr id="101" name="直接箭头连接符 100">
+                  <a:extLst>
+                    <a:ext uri="{FF2B5EF4-FFF2-40B4-BE49-F238E27FC236}">
+                      <a16:creationId xmlns:a16="http://schemas.microsoft.com/office/drawing/2014/main" id="{38687DD6-1AFB-4A91-9B3E-0580322177AC}"/>
+                    </a:ext>
+                  </a:extLst>
+                </p:cNvPr>
+                <p:cNvCxnSpPr>
+                  <a:cxnSpLocks/>
+                </p:cNvCxnSpPr>
+                <p:nvPr/>
+              </p:nvCxnSpPr>
+              <p:spPr>
+                <a:xfrm>
+                  <a:off x="5138089" y="3976220"/>
+                  <a:ext cx="882920" cy="0"/>
+                </a:xfrm>
+                <a:prstGeom prst="straightConnector1">
+                  <a:avLst/>
+                </a:prstGeom>
+                <a:ln w="44450">
+                  <a:solidFill>
+                    <a:schemeClr val="tx1">
+                      <a:lumMod val="65000"/>
+                      <a:lumOff val="35000"/>
+                    </a:schemeClr>
+                  </a:solidFill>
+                  <a:tailEnd type="triangle"/>
+                </a:ln>
+              </p:spPr>
+              <p:style>
+                <a:lnRef idx="1">
+                  <a:schemeClr val="accent1"/>
+                </a:lnRef>
+                <a:fillRef idx="0">
+                  <a:schemeClr val="accent1"/>
+                </a:fillRef>
+                <a:effectRef idx="0">
+                  <a:schemeClr val="accent1"/>
+                </a:effectRef>
+                <a:fontRef idx="minor">
+                  <a:schemeClr val="tx1"/>
+                </a:fontRef>
+              </p:style>
+            </p:cxnSp>
+            <p:sp>
+              <p:nvSpPr>
+                <p:cNvPr id="102" name="椭圆 101">
+                  <a:extLst>
+                    <a:ext uri="{FF2B5EF4-FFF2-40B4-BE49-F238E27FC236}">
+                      <a16:creationId xmlns:a16="http://schemas.microsoft.com/office/drawing/2014/main" id="{25DC177A-7BC5-4FEA-B81C-835A2C1FC9C0}"/>
+                    </a:ext>
+                  </a:extLst>
+                </p:cNvPr>
+                <p:cNvSpPr/>
+                <p:nvPr/>
+              </p:nvSpPr>
+              <p:spPr>
+                <a:xfrm>
+                  <a:off x="5119355" y="3952876"/>
+                  <a:ext cx="45719" cy="45719"/>
+                </a:xfrm>
+                <a:prstGeom prst="ellipse">
+                  <a:avLst/>
+                </a:prstGeom>
+                <a:solidFill>
+                  <a:schemeClr val="tx1">
+                    <a:lumMod val="75000"/>
+                    <a:lumOff val="25000"/>
+                  </a:schemeClr>
+                </a:solidFill>
+                <a:ln w="44450">
+                  <a:solidFill>
+                    <a:schemeClr val="tx1">
+                      <a:lumMod val="75000"/>
+                      <a:lumOff val="25000"/>
+                    </a:schemeClr>
+                  </a:solidFill>
+                </a:ln>
+              </p:spPr>
+              <p:style>
+                <a:lnRef idx="2">
+                  <a:schemeClr val="accent1">
+                    <a:shade val="50000"/>
+                  </a:schemeClr>
+                </a:lnRef>
+                <a:fillRef idx="1">
+                  <a:schemeClr val="accent1"/>
+                </a:fillRef>
+                <a:effectRef idx="0">
+                  <a:schemeClr val="accent1"/>
+                </a:effectRef>
+                <a:fontRef idx="minor">
+                  <a:schemeClr val="lt1"/>
+                </a:fontRef>
+              </p:style>
+              <p:txBody>
+                <a:bodyPr rtlCol="0" anchor="ctr"/>
+                <a:lstStyle/>
+                <a:p>
+                  <a:pPr algn="ctr"/>
+                  <a:endParaRPr lang="zh-CN" altLang="en-US" dirty="0"/>
+                </a:p>
+              </p:txBody>
+            </p:sp>
+          </p:grpSp>
+          <p:sp>
+            <p:nvSpPr>
+              <p:cNvPr id="83" name="文本框 82">
+                <a:extLst>
+                  <a:ext uri="{FF2B5EF4-FFF2-40B4-BE49-F238E27FC236}">
+                    <a16:creationId xmlns:a16="http://schemas.microsoft.com/office/drawing/2014/main" id="{7D427853-7259-449C-B03F-23F3A7C43E05}"/>
+                  </a:ext>
+                </a:extLst>
+              </p:cNvPr>
+              <p:cNvSpPr txBox="1"/>
+              <p:nvPr/>
+            </p:nvSpPr>
+            <p:spPr>
+              <a:xfrm>
+                <a:off x="4516211" y="1312424"/>
+                <a:ext cx="1188790" cy="338554"/>
+              </a:xfrm>
+              <a:prstGeom prst="rect">
+                <a:avLst/>
+              </a:prstGeom>
+              <a:noFill/>
+            </p:spPr>
+            <p:txBody>
+              <a:bodyPr wrap="square" rtlCol="0">
+                <a:spAutoFit/>
+              </a:bodyPr>
+              <a:lstStyle/>
+              <a:p>
+                <a:pPr algn="ctr"/>
+                <a:r>
+                  <a:rPr lang="zh-CN" altLang="en-US" sz="1600" dirty="0">
+                    <a:latin typeface="Adobe 黑体 Std R" panose="020B0400000000000000" pitchFamily="34" charset="-122"/>
+                    <a:ea typeface="Adobe 黑体 Std R" panose="020B0400000000000000" pitchFamily="34" charset="-122"/>
+                  </a:rPr>
+                  <a:t>普通节点</a:t>
+                </a:r>
+              </a:p>
+            </p:txBody>
+          </p:sp>
+          <p:sp>
+            <p:nvSpPr>
+              <p:cNvPr id="84" name="文本框 83">
+                <a:extLst>
+                  <a:ext uri="{FF2B5EF4-FFF2-40B4-BE49-F238E27FC236}">
+                    <a16:creationId xmlns:a16="http://schemas.microsoft.com/office/drawing/2014/main" id="{284D7F69-8DCB-44C6-9D6E-A17E9D48DCA0}"/>
+                  </a:ext>
+                </a:extLst>
+              </p:cNvPr>
+              <p:cNvSpPr txBox="1"/>
+              <p:nvPr/>
+            </p:nvSpPr>
+            <p:spPr>
+              <a:xfrm>
+                <a:off x="8589400" y="1302408"/>
+                <a:ext cx="955546" cy="338554"/>
+              </a:xfrm>
+              <a:prstGeom prst="rect">
+                <a:avLst/>
+              </a:prstGeom>
+              <a:noFill/>
+            </p:spPr>
+            <p:txBody>
+              <a:bodyPr wrap="square" rtlCol="0">
+                <a:spAutoFit/>
+              </a:bodyPr>
+              <a:lstStyle/>
+              <a:p>
+                <a:pPr algn="ctr"/>
+                <a:r>
+                  <a:rPr lang="zh-CN" altLang="en-US" sz="1600" dirty="0">
+                    <a:latin typeface="Adobe 黑体 Std R" panose="020B0400000000000000" pitchFamily="34" charset="-122"/>
+                    <a:ea typeface="Adobe 黑体 Std R" panose="020B0400000000000000" pitchFamily="34" charset="-122"/>
+                  </a:rPr>
+                  <a:t>尾节点</a:t>
+                </a:r>
+              </a:p>
+            </p:txBody>
+          </p:sp>
+          <p:grpSp>
+            <p:nvGrpSpPr>
+              <p:cNvPr id="85" name="组合 84">
+                <a:extLst>
+                  <a:ext uri="{FF2B5EF4-FFF2-40B4-BE49-F238E27FC236}">
+                    <a16:creationId xmlns:a16="http://schemas.microsoft.com/office/drawing/2014/main" id="{8D4957B3-2706-4104-B7FF-5DA3C45021F0}"/>
+                  </a:ext>
+                </a:extLst>
+              </p:cNvPr>
+              <p:cNvGrpSpPr/>
+              <p:nvPr/>
+            </p:nvGrpSpPr>
+            <p:grpSpPr>
+              <a:xfrm>
+                <a:off x="6429841" y="1768126"/>
+                <a:ext cx="1970781" cy="508656"/>
+                <a:chOff x="6429841" y="1768126"/>
+                <a:chExt cx="1970781" cy="508656"/>
+              </a:xfrm>
+            </p:grpSpPr>
+            <p:grpSp>
+              <p:nvGrpSpPr>
+                <p:cNvPr id="95" name="组合 94">
+                  <a:extLst>
+                    <a:ext uri="{FF2B5EF4-FFF2-40B4-BE49-F238E27FC236}">
+                      <a16:creationId xmlns:a16="http://schemas.microsoft.com/office/drawing/2014/main" id="{9ED15E71-6D90-4488-9AE3-B08467DAA087}"/>
+                    </a:ext>
+                  </a:extLst>
+                </p:cNvPr>
+                <p:cNvGrpSpPr/>
+                <p:nvPr/>
+              </p:nvGrpSpPr>
+              <p:grpSpPr>
+                <a:xfrm>
+                  <a:off x="6429841" y="1768126"/>
+                  <a:ext cx="1325947" cy="508656"/>
+                  <a:chOff x="6541467" y="4587240"/>
+                  <a:chExt cx="1325947" cy="508656"/>
+                </a:xfrm>
+              </p:grpSpPr>
+              <p:sp>
+                <p:nvSpPr>
+                  <p:cNvPr id="99" name="矩形 98">
+                    <a:extLst>
+                      <a:ext uri="{FF2B5EF4-FFF2-40B4-BE49-F238E27FC236}">
+                        <a16:creationId xmlns:a16="http://schemas.microsoft.com/office/drawing/2014/main" id="{FBEB9147-0EA6-461F-9E65-3AC30625B6DD}"/>
+                      </a:ext>
+                    </a:extLst>
+                  </p:cNvPr>
+                  <p:cNvSpPr/>
+                  <p:nvPr/>
+                </p:nvSpPr>
+                <p:spPr>
+                  <a:xfrm>
+                    <a:off x="6541467" y="4587240"/>
+                    <a:ext cx="861889" cy="508656"/>
+                  </a:xfrm>
+                  <a:prstGeom prst="rect">
+                    <a:avLst/>
+                  </a:prstGeom>
+                  <a:ln>
+                    <a:solidFill>
+                      <a:schemeClr val="tx1">
+                        <a:lumMod val="65000"/>
+                        <a:lumOff val="35000"/>
+                      </a:schemeClr>
+                    </a:solidFill>
+                  </a:ln>
+                </p:spPr>
+                <p:style>
+                  <a:lnRef idx="2">
+                    <a:schemeClr val="accent1">
+                      <a:shade val="50000"/>
+                    </a:schemeClr>
+                  </a:lnRef>
+                  <a:fillRef idx="1">
+                    <a:schemeClr val="accent1"/>
+                  </a:fillRef>
+                  <a:effectRef idx="0">
+                    <a:schemeClr val="accent1"/>
+                  </a:effectRef>
+                  <a:fontRef idx="minor">
+                    <a:schemeClr val="lt1"/>
+                  </a:fontRef>
+                </p:style>
+                <p:txBody>
+                  <a:bodyPr rtlCol="0" anchor="ctr"/>
+                  <a:lstStyle/>
+                  <a:p>
+                    <a:pPr algn="ctr"/>
+                    <a:r>
+                      <a:rPr lang="en-US" altLang="zh-CN" dirty="0"/>
+                      <a:t>30</a:t>
+                    </a:r>
+                    <a:endParaRPr lang="zh-CN" altLang="en-US" dirty="0"/>
+                  </a:p>
+                </p:txBody>
+              </p:sp>
+              <p:sp>
+                <p:nvSpPr>
+                  <p:cNvPr id="100" name="矩形 99">
+                    <a:extLst>
+                      <a:ext uri="{FF2B5EF4-FFF2-40B4-BE49-F238E27FC236}">
+                        <a16:creationId xmlns:a16="http://schemas.microsoft.com/office/drawing/2014/main" id="{EA49A742-8B0E-4210-ADD1-B86BD4FCD442}"/>
+                      </a:ext>
+                    </a:extLst>
+                  </p:cNvPr>
+                  <p:cNvSpPr/>
+                  <p:nvPr/>
+                </p:nvSpPr>
+                <p:spPr>
+                  <a:xfrm>
+                    <a:off x="7400926" y="4587240"/>
+                    <a:ext cx="466488" cy="508656"/>
+                  </a:xfrm>
+                  <a:prstGeom prst="rect">
+                    <a:avLst/>
+                  </a:prstGeom>
+                  <a:solidFill>
+                    <a:schemeClr val="accent6"/>
+                  </a:solidFill>
+                  <a:ln>
+                    <a:solidFill>
+                      <a:schemeClr val="tx1">
+                        <a:lumMod val="65000"/>
+                        <a:lumOff val="35000"/>
+                      </a:schemeClr>
+                    </a:solidFill>
+                  </a:ln>
+                </p:spPr>
+                <p:style>
+                  <a:lnRef idx="2">
+                    <a:schemeClr val="accent1">
+                      <a:shade val="50000"/>
+                    </a:schemeClr>
+                  </a:lnRef>
+                  <a:fillRef idx="1">
+                    <a:schemeClr val="accent1"/>
+                  </a:fillRef>
+                  <a:effectRef idx="0">
+                    <a:schemeClr val="accent1"/>
+                  </a:effectRef>
+                  <a:fontRef idx="minor">
+                    <a:schemeClr val="lt1"/>
+                  </a:fontRef>
+                </p:style>
+                <p:txBody>
+                  <a:bodyPr rtlCol="0" anchor="ctr"/>
+                  <a:lstStyle/>
+                  <a:p>
+                    <a:pPr algn="ctr"/>
+                    <a:endParaRPr lang="zh-CN" altLang="en-US" dirty="0"/>
+                  </a:p>
+                </p:txBody>
+              </p:sp>
+            </p:grpSp>
+            <p:grpSp>
+              <p:nvGrpSpPr>
+                <p:cNvPr id="96" name="组合 95">
+                  <a:extLst>
+                    <a:ext uri="{FF2B5EF4-FFF2-40B4-BE49-F238E27FC236}">
+                      <a16:creationId xmlns:a16="http://schemas.microsoft.com/office/drawing/2014/main" id="{D86BEA97-808F-4CB2-B4CE-21912B5178A8}"/>
+                    </a:ext>
+                  </a:extLst>
+                </p:cNvPr>
+                <p:cNvGrpSpPr/>
+                <p:nvPr/>
+              </p:nvGrpSpPr>
+              <p:grpSpPr>
+                <a:xfrm>
+                  <a:off x="7498968" y="2022454"/>
+                  <a:ext cx="901654" cy="45719"/>
+                  <a:chOff x="5119355" y="3952876"/>
+                  <a:chExt cx="901654" cy="45719"/>
+                </a:xfrm>
+              </p:grpSpPr>
+              <p:cxnSp>
+                <p:nvCxnSpPr>
+                  <p:cNvPr id="97" name="直接箭头连接符 96">
+                    <a:extLst>
+                      <a:ext uri="{FF2B5EF4-FFF2-40B4-BE49-F238E27FC236}">
+                        <a16:creationId xmlns:a16="http://schemas.microsoft.com/office/drawing/2014/main" id="{9EFEE310-8FF2-4677-9A59-2185C96D915A}"/>
+                      </a:ext>
+                    </a:extLst>
+                  </p:cNvPr>
+                  <p:cNvCxnSpPr>
+                    <a:cxnSpLocks/>
+                  </p:cNvCxnSpPr>
+                  <p:nvPr/>
+                </p:nvCxnSpPr>
+                <p:spPr>
+                  <a:xfrm>
+                    <a:off x="5138089" y="3976220"/>
+                    <a:ext cx="882920" cy="0"/>
+                  </a:xfrm>
+                  <a:prstGeom prst="straightConnector1">
+                    <a:avLst/>
+                  </a:prstGeom>
+                  <a:ln w="44450">
+                    <a:solidFill>
+                      <a:schemeClr val="tx1">
+                        <a:lumMod val="65000"/>
+                        <a:lumOff val="35000"/>
+                      </a:schemeClr>
+                    </a:solidFill>
+                    <a:tailEnd type="triangle"/>
+                  </a:ln>
+                </p:spPr>
+                <p:style>
+                  <a:lnRef idx="1">
+                    <a:schemeClr val="accent1"/>
+                  </a:lnRef>
+                  <a:fillRef idx="0">
+                    <a:schemeClr val="accent1"/>
+                  </a:fillRef>
+                  <a:effectRef idx="0">
+                    <a:schemeClr val="accent1"/>
+                  </a:effectRef>
+                  <a:fontRef idx="minor">
+                    <a:schemeClr val="tx1"/>
+                  </a:fontRef>
+                </p:style>
+              </p:cxnSp>
+              <p:sp>
+                <p:nvSpPr>
+                  <p:cNvPr id="98" name="椭圆 97">
+                    <a:extLst>
+                      <a:ext uri="{FF2B5EF4-FFF2-40B4-BE49-F238E27FC236}">
+                        <a16:creationId xmlns:a16="http://schemas.microsoft.com/office/drawing/2014/main" id="{172EFF3A-5E35-478D-8576-D9220CCB3F6D}"/>
+                      </a:ext>
+                    </a:extLst>
+                  </p:cNvPr>
+                  <p:cNvSpPr/>
+                  <p:nvPr/>
+                </p:nvSpPr>
+                <p:spPr>
+                  <a:xfrm>
+                    <a:off x="5119355" y="3952876"/>
+                    <a:ext cx="45719" cy="45719"/>
+                  </a:xfrm>
+                  <a:prstGeom prst="ellipse">
+                    <a:avLst/>
+                  </a:prstGeom>
+                  <a:solidFill>
+                    <a:schemeClr val="tx1">
+                      <a:lumMod val="75000"/>
+                      <a:lumOff val="25000"/>
+                    </a:schemeClr>
+                  </a:solidFill>
+                  <a:ln w="44450">
+                    <a:solidFill>
+                      <a:schemeClr val="tx1">
+                        <a:lumMod val="75000"/>
+                        <a:lumOff val="25000"/>
+                      </a:schemeClr>
+                    </a:solidFill>
+                  </a:ln>
+                </p:spPr>
+                <p:style>
+                  <a:lnRef idx="2">
+                    <a:schemeClr val="accent1">
+                      <a:shade val="50000"/>
+                    </a:schemeClr>
+                  </a:lnRef>
+                  <a:fillRef idx="1">
+                    <a:schemeClr val="accent1"/>
+                  </a:fillRef>
+                  <a:effectRef idx="0">
+                    <a:schemeClr val="accent1"/>
+                  </a:effectRef>
+                  <a:fontRef idx="minor">
+                    <a:schemeClr val="lt1"/>
+                  </a:fontRef>
+                </p:style>
+                <p:txBody>
+                  <a:bodyPr rtlCol="0" anchor="ctr"/>
+                  <a:lstStyle/>
+                  <a:p>
+                    <a:pPr algn="ctr"/>
+                    <a:endParaRPr lang="zh-CN" altLang="en-US" dirty="0"/>
+                  </a:p>
+                </p:txBody>
+              </p:sp>
+            </p:grpSp>
+          </p:grpSp>
+          <p:sp>
+            <p:nvSpPr>
+              <p:cNvPr id="86" name="文本框 85">
+                <a:extLst>
+                  <a:ext uri="{FF2B5EF4-FFF2-40B4-BE49-F238E27FC236}">
+                    <a16:creationId xmlns:a16="http://schemas.microsoft.com/office/drawing/2014/main" id="{D36DF84B-4CC3-443D-B6EC-D5955CA0CA65}"/>
+                  </a:ext>
+                </a:extLst>
+              </p:cNvPr>
+              <p:cNvSpPr txBox="1"/>
+              <p:nvPr/>
+            </p:nvSpPr>
+            <p:spPr>
+              <a:xfrm>
+                <a:off x="10213649" y="1885561"/>
+                <a:ext cx="955546" cy="338554"/>
+              </a:xfrm>
+              <a:prstGeom prst="rect">
+                <a:avLst/>
+              </a:prstGeom>
+              <a:noFill/>
+            </p:spPr>
+            <p:txBody>
+              <a:bodyPr wrap="square" rtlCol="0">
+                <a:spAutoFit/>
+              </a:bodyPr>
+              <a:lstStyle/>
+              <a:p>
+                <a:pPr algn="ctr"/>
+                <a:r>
+                  <a:rPr lang="en-US" altLang="zh-CN" sz="1600" dirty="0">
+                    <a:latin typeface="Adobe 黑体 Std R" panose="020B0400000000000000" pitchFamily="34" charset="-122"/>
+                    <a:ea typeface="Adobe 黑体 Std R" panose="020B0400000000000000" pitchFamily="34" charset="-122"/>
+                  </a:rPr>
+                  <a:t>NULL</a:t>
+                </a:r>
+                <a:endParaRPr lang="zh-CN" altLang="en-US" sz="1600" dirty="0">
+                  <a:latin typeface="Adobe 黑体 Std R" panose="020B0400000000000000" pitchFamily="34" charset="-122"/>
+                  <a:ea typeface="Adobe 黑体 Std R" panose="020B0400000000000000" pitchFamily="34" charset="-122"/>
+                </a:endParaRPr>
+              </a:p>
+            </p:txBody>
+          </p:sp>
+          <p:grpSp>
+            <p:nvGrpSpPr>
+              <p:cNvPr id="87" name="组合 86">
+                <a:extLst>
+                  <a:ext uri="{FF2B5EF4-FFF2-40B4-BE49-F238E27FC236}">
+                    <a16:creationId xmlns:a16="http://schemas.microsoft.com/office/drawing/2014/main" id="{9C9CA671-F57E-49B5-9DA0-1A264D04B71E}"/>
+                  </a:ext>
+                </a:extLst>
+              </p:cNvPr>
+              <p:cNvGrpSpPr/>
+              <p:nvPr/>
+            </p:nvGrpSpPr>
+            <p:grpSpPr>
+              <a:xfrm>
+                <a:off x="8411041" y="1768126"/>
+                <a:ext cx="1970781" cy="508656"/>
+                <a:chOff x="6429841" y="1768126"/>
+                <a:chExt cx="1970781" cy="508656"/>
+              </a:xfrm>
+            </p:grpSpPr>
+            <p:grpSp>
+              <p:nvGrpSpPr>
+                <p:cNvPr id="89" name="组合 88">
+                  <a:extLst>
+                    <a:ext uri="{FF2B5EF4-FFF2-40B4-BE49-F238E27FC236}">
+                      <a16:creationId xmlns:a16="http://schemas.microsoft.com/office/drawing/2014/main" id="{B86C3BFE-8675-4A44-9164-040483F2001D}"/>
+                    </a:ext>
+                  </a:extLst>
+                </p:cNvPr>
+                <p:cNvGrpSpPr/>
+                <p:nvPr/>
+              </p:nvGrpSpPr>
+              <p:grpSpPr>
+                <a:xfrm>
+                  <a:off x="6429841" y="1768126"/>
+                  <a:ext cx="1325947" cy="508656"/>
+                  <a:chOff x="6541467" y="4587240"/>
+                  <a:chExt cx="1325947" cy="508656"/>
+                </a:xfrm>
+              </p:grpSpPr>
+              <p:sp>
+                <p:nvSpPr>
+                  <p:cNvPr id="93" name="矩形 92">
+                    <a:extLst>
+                      <a:ext uri="{FF2B5EF4-FFF2-40B4-BE49-F238E27FC236}">
+                        <a16:creationId xmlns:a16="http://schemas.microsoft.com/office/drawing/2014/main" id="{F4FD9E67-1918-4F6C-B91B-E18F3AB753DA}"/>
+                      </a:ext>
+                    </a:extLst>
+                  </p:cNvPr>
+                  <p:cNvSpPr/>
+                  <p:nvPr/>
+                </p:nvSpPr>
+                <p:spPr>
+                  <a:xfrm>
+                    <a:off x="6541467" y="4587240"/>
+                    <a:ext cx="861889" cy="508656"/>
+                  </a:xfrm>
+                  <a:prstGeom prst="rect">
+                    <a:avLst/>
+                  </a:prstGeom>
+                  <a:ln>
+                    <a:solidFill>
+                      <a:schemeClr val="tx1">
+                        <a:lumMod val="65000"/>
+                        <a:lumOff val="35000"/>
+                      </a:schemeClr>
+                    </a:solidFill>
+                  </a:ln>
+                </p:spPr>
+                <p:style>
+                  <a:lnRef idx="2">
+                    <a:schemeClr val="accent1">
+                      <a:shade val="50000"/>
+                    </a:schemeClr>
+                  </a:lnRef>
+                  <a:fillRef idx="1">
+                    <a:schemeClr val="accent1"/>
+                  </a:fillRef>
+                  <a:effectRef idx="0">
+                    <a:schemeClr val="accent1"/>
+                  </a:effectRef>
+                  <a:fontRef idx="minor">
+                    <a:schemeClr val="lt1"/>
+                  </a:fontRef>
+                </p:style>
+                <p:txBody>
+                  <a:bodyPr rtlCol="0" anchor="ctr"/>
+                  <a:lstStyle/>
+                  <a:p>
+                    <a:pPr algn="ctr"/>
+                    <a:r>
+                      <a:rPr lang="en-US" altLang="zh-CN" dirty="0"/>
+                      <a:t>40</a:t>
+                    </a:r>
+                    <a:endParaRPr lang="zh-CN" altLang="en-US" dirty="0"/>
+                  </a:p>
+                </p:txBody>
+              </p:sp>
+              <p:sp>
+                <p:nvSpPr>
+                  <p:cNvPr id="94" name="矩形 93">
+                    <a:extLst>
+                      <a:ext uri="{FF2B5EF4-FFF2-40B4-BE49-F238E27FC236}">
+                        <a16:creationId xmlns:a16="http://schemas.microsoft.com/office/drawing/2014/main" id="{A46BC0AD-56C0-4355-AD05-85689ECEBC54}"/>
+                      </a:ext>
+                    </a:extLst>
+                  </p:cNvPr>
+                  <p:cNvSpPr/>
+                  <p:nvPr/>
+                </p:nvSpPr>
+                <p:spPr>
+                  <a:xfrm>
+                    <a:off x="7400926" y="4587240"/>
+                    <a:ext cx="466488" cy="508656"/>
+                  </a:xfrm>
+                  <a:prstGeom prst="rect">
+                    <a:avLst/>
+                  </a:prstGeom>
+                  <a:solidFill>
+                    <a:schemeClr val="accent6"/>
+                  </a:solidFill>
+                  <a:ln>
+                    <a:solidFill>
+                      <a:schemeClr val="tx1">
+                        <a:lumMod val="65000"/>
+                        <a:lumOff val="35000"/>
+                      </a:schemeClr>
+                    </a:solidFill>
+                  </a:ln>
+                </p:spPr>
+                <p:style>
+                  <a:lnRef idx="2">
+                    <a:schemeClr val="accent1">
+                      <a:shade val="50000"/>
+                    </a:schemeClr>
+                  </a:lnRef>
+                  <a:fillRef idx="1">
+                    <a:schemeClr val="accent1"/>
+                  </a:fillRef>
+                  <a:effectRef idx="0">
+                    <a:schemeClr val="accent1"/>
+                  </a:effectRef>
+                  <a:fontRef idx="minor">
+                    <a:schemeClr val="lt1"/>
+                  </a:fontRef>
+                </p:style>
+                <p:txBody>
+                  <a:bodyPr rtlCol="0" anchor="ctr"/>
+                  <a:lstStyle/>
+                  <a:p>
+                    <a:pPr algn="ctr"/>
+                    <a:endParaRPr lang="zh-CN" altLang="en-US" dirty="0"/>
+                  </a:p>
+                </p:txBody>
+              </p:sp>
+            </p:grpSp>
+            <p:grpSp>
+              <p:nvGrpSpPr>
+                <p:cNvPr id="90" name="组合 89">
+                  <a:extLst>
+                    <a:ext uri="{FF2B5EF4-FFF2-40B4-BE49-F238E27FC236}">
+                      <a16:creationId xmlns:a16="http://schemas.microsoft.com/office/drawing/2014/main" id="{1FFE766F-C1E5-45D0-9889-9791748DED4C}"/>
+                    </a:ext>
+                  </a:extLst>
+                </p:cNvPr>
+                <p:cNvGrpSpPr/>
+                <p:nvPr/>
+              </p:nvGrpSpPr>
+              <p:grpSpPr>
+                <a:xfrm>
+                  <a:off x="7498968" y="2022454"/>
+                  <a:ext cx="901654" cy="45719"/>
+                  <a:chOff x="5119355" y="3952876"/>
+                  <a:chExt cx="901654" cy="45719"/>
+                </a:xfrm>
+              </p:grpSpPr>
+              <p:cxnSp>
+                <p:nvCxnSpPr>
+                  <p:cNvPr id="91" name="直接箭头连接符 90">
+                    <a:extLst>
+                      <a:ext uri="{FF2B5EF4-FFF2-40B4-BE49-F238E27FC236}">
+                        <a16:creationId xmlns:a16="http://schemas.microsoft.com/office/drawing/2014/main" id="{C9AB35A5-4D50-4809-AF7B-6E05C0152053}"/>
+                      </a:ext>
+                    </a:extLst>
+                  </p:cNvPr>
+                  <p:cNvCxnSpPr>
+                    <a:cxnSpLocks/>
+                  </p:cNvCxnSpPr>
+                  <p:nvPr/>
+                </p:nvCxnSpPr>
+                <p:spPr>
+                  <a:xfrm>
+                    <a:off x="5138089" y="3976220"/>
+                    <a:ext cx="882920" cy="0"/>
+                  </a:xfrm>
+                  <a:prstGeom prst="straightConnector1">
+                    <a:avLst/>
+                  </a:prstGeom>
+                  <a:ln w="44450">
+                    <a:solidFill>
+                      <a:schemeClr val="tx1">
+                        <a:lumMod val="65000"/>
+                        <a:lumOff val="35000"/>
+                      </a:schemeClr>
+                    </a:solidFill>
+                    <a:tailEnd type="triangle"/>
+                  </a:ln>
+                </p:spPr>
+                <p:style>
+                  <a:lnRef idx="1">
+                    <a:schemeClr val="accent1"/>
+                  </a:lnRef>
+                  <a:fillRef idx="0">
+                    <a:schemeClr val="accent1"/>
+                  </a:fillRef>
+                  <a:effectRef idx="0">
+                    <a:schemeClr val="accent1"/>
+                  </a:effectRef>
+                  <a:fontRef idx="minor">
+                    <a:schemeClr val="tx1"/>
+                  </a:fontRef>
+                </p:style>
+              </p:cxnSp>
+              <p:sp>
+                <p:nvSpPr>
+                  <p:cNvPr id="92" name="椭圆 91">
+                    <a:extLst>
+                      <a:ext uri="{FF2B5EF4-FFF2-40B4-BE49-F238E27FC236}">
+                        <a16:creationId xmlns:a16="http://schemas.microsoft.com/office/drawing/2014/main" id="{9ABE93A8-F5B7-43AE-BF1F-1EEA9DF429D3}"/>
+                      </a:ext>
+                    </a:extLst>
+                  </p:cNvPr>
+                  <p:cNvSpPr/>
+                  <p:nvPr/>
+                </p:nvSpPr>
+                <p:spPr>
+                  <a:xfrm>
+                    <a:off x="5119355" y="3952876"/>
+                    <a:ext cx="45719" cy="45719"/>
+                  </a:xfrm>
+                  <a:prstGeom prst="ellipse">
+                    <a:avLst/>
+                  </a:prstGeom>
+                  <a:solidFill>
+                    <a:schemeClr val="tx1">
+                      <a:lumMod val="75000"/>
+                      <a:lumOff val="25000"/>
+                    </a:schemeClr>
+                  </a:solidFill>
+                  <a:ln w="44450">
+                    <a:solidFill>
+                      <a:schemeClr val="tx1">
+                        <a:lumMod val="75000"/>
+                        <a:lumOff val="25000"/>
+                      </a:schemeClr>
+                    </a:solidFill>
+                  </a:ln>
+                </p:spPr>
+                <p:style>
+                  <a:lnRef idx="2">
+                    <a:schemeClr val="accent1">
+                      <a:shade val="50000"/>
+                    </a:schemeClr>
+                  </a:lnRef>
+                  <a:fillRef idx="1">
+                    <a:schemeClr val="accent1"/>
+                  </a:fillRef>
+                  <a:effectRef idx="0">
+                    <a:schemeClr val="accent1"/>
+                  </a:effectRef>
+                  <a:fontRef idx="minor">
+                    <a:schemeClr val="lt1"/>
+                  </a:fontRef>
+                </p:style>
+                <p:txBody>
+                  <a:bodyPr rtlCol="0" anchor="ctr"/>
+                  <a:lstStyle/>
+                  <a:p>
+                    <a:pPr algn="ctr"/>
+                    <a:endParaRPr lang="zh-CN" altLang="en-US" dirty="0"/>
+                  </a:p>
+                </p:txBody>
+              </p:sp>
+            </p:grpSp>
+          </p:grpSp>
+          <p:sp>
+            <p:nvSpPr>
+              <p:cNvPr id="88" name="文本框 87">
+                <a:extLst>
+                  <a:ext uri="{FF2B5EF4-FFF2-40B4-BE49-F238E27FC236}">
+                    <a16:creationId xmlns:a16="http://schemas.microsoft.com/office/drawing/2014/main" id="{2A4DD29D-247E-4AEF-9BDD-19D33A8A2F7A}"/>
+                  </a:ext>
+                </a:extLst>
+              </p:cNvPr>
+              <p:cNvSpPr txBox="1"/>
+              <p:nvPr/>
+            </p:nvSpPr>
+            <p:spPr>
+              <a:xfrm>
+                <a:off x="6497411" y="1312424"/>
+                <a:ext cx="1188790" cy="338554"/>
+              </a:xfrm>
+              <a:prstGeom prst="rect">
+                <a:avLst/>
+              </a:prstGeom>
+              <a:noFill/>
+            </p:spPr>
+            <p:txBody>
+              <a:bodyPr wrap="square" rtlCol="0">
+                <a:spAutoFit/>
+              </a:bodyPr>
+              <a:lstStyle/>
+              <a:p>
+                <a:pPr algn="ctr"/>
+                <a:r>
+                  <a:rPr lang="zh-CN" altLang="en-US" sz="1600" dirty="0">
+                    <a:latin typeface="Adobe 黑体 Std R" panose="020B0400000000000000" pitchFamily="34" charset="-122"/>
+                    <a:ea typeface="Adobe 黑体 Std R" panose="020B0400000000000000" pitchFamily="34" charset="-122"/>
+                  </a:rPr>
+                  <a:t>普通节点</a:t>
+                </a:r>
+              </a:p>
+            </p:txBody>
+          </p:sp>
+        </p:grpSp>
+        <p:cxnSp>
+          <p:nvCxnSpPr>
+            <p:cNvPr id="118" name="直接箭头连接符 117">
+              <a:extLst>
+                <a:ext uri="{FF2B5EF4-FFF2-40B4-BE49-F238E27FC236}">
+                  <a16:creationId xmlns:a16="http://schemas.microsoft.com/office/drawing/2014/main" id="{A94EEB42-28BF-47C5-A280-BC8200EEA68B}"/>
+                </a:ext>
+              </a:extLst>
+            </p:cNvPr>
+            <p:cNvCxnSpPr>
+              <a:cxnSpLocks/>
+            </p:cNvCxnSpPr>
+            <p:nvPr/>
+          </p:nvCxnSpPr>
+          <p:spPr>
+            <a:xfrm flipV="1">
+              <a:off x="8846131" y="4984901"/>
+              <a:ext cx="0" cy="535284"/>
+            </a:xfrm>
+            <a:prstGeom prst="straightConnector1">
+              <a:avLst/>
+            </a:prstGeom>
+            <a:ln w="44450">
+              <a:solidFill>
+                <a:schemeClr val="tx1">
+                  <a:lumMod val="65000"/>
+                  <a:lumOff val="35000"/>
+                </a:schemeClr>
+              </a:solidFill>
+              <a:tailEnd type="triangle"/>
+            </a:ln>
+          </p:spPr>
+          <p:style>
+            <a:lnRef idx="1">
+              <a:schemeClr val="accent1"/>
+            </a:lnRef>
+            <a:fillRef idx="0">
+              <a:schemeClr val="accent1"/>
+            </a:fillRef>
+            <a:effectRef idx="0">
+              <a:schemeClr val="accent1"/>
+            </a:effectRef>
+            <a:fontRef idx="minor">
+              <a:schemeClr val="tx1"/>
+            </a:fontRef>
+          </p:style>
+        </p:cxnSp>
+        <p:sp>
+          <p:nvSpPr>
+            <p:cNvPr id="119" name="文本框 118">
+              <a:extLst>
+                <a:ext uri="{FF2B5EF4-FFF2-40B4-BE49-F238E27FC236}">
+                  <a16:creationId xmlns:a16="http://schemas.microsoft.com/office/drawing/2014/main" id="{841D0B32-A13A-4DC3-BBF9-AE5D9509830D}"/>
+                </a:ext>
+              </a:extLst>
+            </p:cNvPr>
+            <p:cNvSpPr txBox="1"/>
+            <p:nvPr/>
+          </p:nvSpPr>
+          <p:spPr>
+            <a:xfrm>
+              <a:off x="8375464" y="5638295"/>
+              <a:ext cx="955546" cy="338554"/>
+            </a:xfrm>
+            <a:prstGeom prst="rect">
+              <a:avLst/>
+            </a:prstGeom>
+            <a:noFill/>
+          </p:spPr>
+          <p:txBody>
+            <a:bodyPr wrap="square" rtlCol="0">
+              <a:spAutoFit/>
+            </a:bodyPr>
+            <a:lstStyle/>
+            <a:p>
+              <a:pPr algn="ctr"/>
+              <a:r>
+                <a:rPr lang="zh-CN" altLang="en-US" sz="1600" dirty="0">
+                  <a:latin typeface="Adobe 黑体 Std R" panose="020B0400000000000000" pitchFamily="34" charset="-122"/>
+                  <a:ea typeface="Adobe 黑体 Std R" panose="020B0400000000000000" pitchFamily="34" charset="-122"/>
+                </a:rPr>
+                <a:t>尾指针</a:t>
+              </a:r>
+            </a:p>
+          </p:txBody>
+        </p:sp>
+        <p:sp>
+          <p:nvSpPr>
+            <p:cNvPr id="120" name="椭圆 119">
+              <a:extLst>
+                <a:ext uri="{FF2B5EF4-FFF2-40B4-BE49-F238E27FC236}">
+                  <a16:creationId xmlns:a16="http://schemas.microsoft.com/office/drawing/2014/main" id="{BAE0A1A5-EC30-4725-9810-C1CCF43A57A9}"/>
+                </a:ext>
+              </a:extLst>
+            </p:cNvPr>
+            <p:cNvSpPr/>
+            <p:nvPr/>
+          </p:nvSpPr>
+          <p:spPr>
+            <a:xfrm rot="16200000">
+              <a:off x="8823269" y="5513527"/>
+              <a:ext cx="45719" cy="45719"/>
+            </a:xfrm>
+            <a:prstGeom prst="ellipse">
+              <a:avLst/>
+            </a:prstGeom>
+            <a:solidFill>
+              <a:schemeClr val="tx1">
+                <a:lumMod val="75000"/>
+                <a:lumOff val="25000"/>
+              </a:schemeClr>
+            </a:solidFill>
+            <a:ln w="44450">
+              <a:solidFill>
+                <a:schemeClr val="tx1">
+                  <a:lumMod val="75000"/>
+                  <a:lumOff val="25000"/>
+                </a:schemeClr>
+              </a:solidFill>
+            </a:ln>
+          </p:spPr>
+          <p:style>
+            <a:lnRef idx="2">
+              <a:schemeClr val="accent1">
+                <a:shade val="50000"/>
+              </a:schemeClr>
+            </a:lnRef>
+            <a:fillRef idx="1">
+              <a:schemeClr val="accent1"/>
+            </a:fillRef>
+            <a:effectRef idx="0">
+              <a:schemeClr val="accent1"/>
+            </a:effectRef>
+            <a:fontRef idx="minor">
+              <a:schemeClr val="lt1"/>
+            </a:fontRef>
+          </p:style>
+          <p:txBody>
+            <a:bodyPr rtlCol="0" anchor="ctr"/>
+            <a:lstStyle/>
+            <a:p>
+              <a:pPr algn="ctr"/>
+              <a:endParaRPr lang="zh-CN" altLang="en-US" dirty="0"/>
+            </a:p>
+          </p:txBody>
+        </p:sp>
+      </p:grpSp>
+    </p:spTree>
+    <p:extLst>
+      <p:ext uri="{BB962C8B-B14F-4D97-AF65-F5344CB8AC3E}">
+        <p14:creationId xmlns:p14="http://schemas.microsoft.com/office/powerpoint/2010/main" val="3944331147"/>
+      </p:ext>
+    </p:extLst>
+  </p:cSld>
+  <p:clrMapOvr>
+    <a:masterClrMapping/>
+  </p:clrMapOvr>
+</p:sld>
+</file>
+
+<file path=ppt/slides/slide7.xml><?xml version="1.0" encoding="utf-8"?>
+<p:sld xmlns:a="http://schemas.openxmlformats.org/drawingml/2006/main" xmlns:r="http://schemas.openxmlformats.org/officeDocument/2006/relationships" xmlns:p="http://schemas.openxmlformats.org/presentationml/2006/main">
+  <p:cSld>
+    <p:spTree>
+      <p:nvGrpSpPr>
+        <p:cNvPr id="1" name=""/>
+        <p:cNvGrpSpPr/>
+        <p:nvPr/>
+      </p:nvGrpSpPr>
+      <p:grpSpPr>
+        <a:xfrm>
+          <a:off x="0" y="0"/>
+          <a:ext cx="0" cy="0"/>
+          <a:chOff x="0" y="0"/>
+          <a:chExt cx="0" cy="0"/>
+        </a:xfrm>
+      </p:grpSpPr>
       <p:grpSp>
         <p:nvGrpSpPr>
           <p:cNvPr id="12" name="组合 11">
@@ -16490,7 +25056,7 @@
 </p:sld>
 </file>
 
-<file path=ppt/slides/slide6.xml><?xml version="1.0" encoding="utf-8"?>
+<file path=ppt/slides/slide8.xml><?xml version="1.0" encoding="utf-8"?>
 <p:sld xmlns:a="http://schemas.openxmlformats.org/drawingml/2006/main" xmlns:r="http://schemas.openxmlformats.org/officeDocument/2006/relationships" xmlns:p="http://schemas.openxmlformats.org/presentationml/2006/main">
   <p:cSld>
     <p:spTree>
@@ -18752,7 +27318,7 @@
 </p:sld>
 </file>
 
-<file path=ppt/slides/slide7.xml><?xml version="1.0" encoding="utf-8"?>
+<file path=ppt/slides/slide9.xml><?xml version="1.0" encoding="utf-8"?>
 <p:sld xmlns:a="http://schemas.openxmlformats.org/drawingml/2006/main" xmlns:r="http://schemas.openxmlformats.org/officeDocument/2006/relationships" xmlns:p="http://schemas.openxmlformats.org/presentationml/2006/main">
   <p:cSld>
     <p:spTree>
